--- a/Report/Milestone Presentation.pptx
+++ b/Report/Milestone Presentation.pptx
@@ -5,20 +5,28 @@
     <p:sldMasterId id="2147483660" r:id="rId1"/>
   </p:sldMasterIdLst>
   <p:notesMasterIdLst>
-    <p:notesMasterId r:id="rId10"/>
+    <p:notesMasterId r:id="rId18"/>
   </p:notesMasterIdLst>
   <p:handoutMasterIdLst>
-    <p:handoutMasterId r:id="rId11"/>
+    <p:handoutMasterId r:id="rId19"/>
   </p:handoutMasterIdLst>
   <p:sldIdLst>
     <p:sldId id="265" r:id="rId2"/>
     <p:sldId id="266" r:id="rId3"/>
-    <p:sldId id="259" r:id="rId4"/>
+    <p:sldId id="287" r:id="rId4"/>
     <p:sldId id="285" r:id="rId5"/>
-    <p:sldId id="286" r:id="rId6"/>
-    <p:sldId id="280" r:id="rId7"/>
-    <p:sldId id="284" r:id="rId8"/>
-    <p:sldId id="263" r:id="rId9"/>
+    <p:sldId id="288" r:id="rId6"/>
+    <p:sldId id="289" r:id="rId7"/>
+    <p:sldId id="290" r:id="rId8"/>
+    <p:sldId id="291" r:id="rId9"/>
+    <p:sldId id="286" r:id="rId10"/>
+    <p:sldId id="293" r:id="rId11"/>
+    <p:sldId id="294" r:id="rId12"/>
+    <p:sldId id="295" r:id="rId13"/>
+    <p:sldId id="280" r:id="rId14"/>
+    <p:sldId id="292" r:id="rId15"/>
+    <p:sldId id="284" r:id="rId16"/>
+    <p:sldId id="263" r:id="rId17"/>
   </p:sldIdLst>
   <p:sldSz cx="9144000" cy="5143500" type="screen16x9"/>
   <p:notesSz cx="6858000" cy="9144000"/>
@@ -225,7 +233,7 @@
             <a:pPr algn="l"/>
             <a:fld id="{FDE6B6CD-63F7-4700-9D93-F2376D2B5BFB}" type="datetime1">
               <a:rPr lang="de-DE" sz="800" smtClean="0"/>
-              <a:t>03.12.2022</a:t>
+              <a:t>06.12.2022</a:t>
             </a:fld>
             <a:endParaRPr lang="en-US" sz="800"/>
           </a:p>
@@ -296,7 +304,7 @@
             <a:fld id="{EE9A79A6-2547-4C8F-B0ED-316280A1A122}" type="slidenum">
               <a:rPr lang="en-US" sz="800" smtClean="0"/>
               <a:pPr algn="l"/>
-              <a:t>‹#›</a:t>
+              <a:t>‹Nr.›</a:t>
             </a:fld>
             <a:endParaRPr lang="en-US" sz="800"/>
           </a:p>
@@ -311,7 +319,7 @@
   </p:cSld>
   <p:clrMap bg1="lt1" tx1="dk1" bg2="lt2" tx2="dk2" accent1="accent1" accent2="accent2" accent3="accent3" accent4="accent4" accent5="accent5" accent6="accent6" hlink="hlink" folHlink="folHlink"/>
   <p:hf/>
-  <p:extLst mod="1">
+  <p:extLst>
     <p:ext uri="{56416CCD-93CA-4268-BC5B-53C4BB910035}">
       <p15:sldGuideLst xmlns:p15="http://schemas.microsoft.com/office/powerpoint/2012/main">
         <p15:guide id="1" orient="horz" pos="2880" userDrawn="1">
@@ -420,7 +428,7 @@
           <a:p>
             <a:fld id="{60CE3197-68AC-4F51-BE05-CFDDE66C39B9}" type="datetime1">
               <a:rPr lang="de-DE" smtClean="0"/>
-              <a:t>03.12.2022</a:t>
+              <a:t>06.12.2022</a:t>
             </a:fld>
             <a:endParaRPr lang="en-US"/>
           </a:p>
@@ -584,7 +592,7 @@
             <a:fld id="{05DD1DF0-DD4E-4B0C-B0FD-D16D9D2A9750}" type="slidenum">
               <a:rPr lang="en-US" smtClean="0"/>
               <a:pPr/>
-              <a:t>‹#›</a:t>
+              <a:t>‹Nr.›</a:t>
             </a:fld>
             <a:endParaRPr lang="en-US" dirty="0"/>
           </a:p>
@@ -719,7 +727,7 @@
       </a:defRPr>
     </a:lvl9pPr>
   </p:notesStyle>
-  <p:extLst mod="1">
+  <p:extLst>
     <p:ext uri="{620B2872-D7B9-4A21-9093-7833F8D536E1}">
       <p15:sldGuideLst xmlns:p15="http://schemas.microsoft.com/office/powerpoint/2012/main">
         <p15:guide id="1" orient="horz" pos="2880" userDrawn="1">
@@ -807,10 +815,9 @@
           <a:lstStyle/>
           <a:p>
             <a:r>
-              <a:rPr lang="en-US" smtClean="0"/>
+              <a:rPr lang="en-US"/>
               <a:t>Titel der Präsentation</a:t>
             </a:r>
-            <a:endParaRPr lang="en-US"/>
           </a:p>
         </p:txBody>
       </p:sp>
@@ -831,7 +838,7 @@
           <a:p>
             <a:fld id="{38E41B5E-D5D1-49FD-AB38-CD42F85E2E84}" type="datetime1">
               <a:rPr lang="de-DE" smtClean="0"/>
-              <a:t>03.12.2022</a:t>
+              <a:t>06.12.2022</a:t>
             </a:fld>
             <a:endParaRPr lang="en-US"/>
           </a:p>
@@ -853,7 +860,7 @@
           <a:lstStyle/>
           <a:p>
             <a:r>
-              <a:rPr lang="en-US" smtClean="0"/>
+              <a:rPr lang="en-US"/>
               <a:t>Universität Stuttgart</a:t>
             </a:r>
             <a:endParaRPr lang="en-US" dirty="0"/>
@@ -984,7 +991,7 @@
           <a:p>
             <a:fld id="{38E9E0F5-3B39-417A-9E0C-9038357B48DE}" type="datetime1">
               <a:rPr lang="de-DE" smtClean="0"/>
-              <a:t>03.12.2022</a:t>
+              <a:t>06.12.2022</a:t>
             </a:fld>
             <a:endParaRPr lang="en-US" dirty="0"/>
           </a:p>
@@ -1068,7 +1075,7 @@
       </p:grpSpPr>
       <p:sp>
         <p:nvSpPr>
-          <p:cNvPr id="2" name="Slide Image Placeholder 1"/>
+          <p:cNvPr id="2" name="Folienbildplatzhalter 1"/>
           <p:cNvSpPr>
             <a:spLocks noGrp="1" noRot="1" noChangeAspect="1"/>
           </p:cNvSpPr>
@@ -1080,7 +1087,7 @@
       </p:sp>
       <p:sp>
         <p:nvSpPr>
-          <p:cNvPr id="3" name="Notes Placeholder 2"/>
+          <p:cNvPr id="3" name="Notizenplatzhalter 2"/>
           <p:cNvSpPr>
             <a:spLocks noGrp="1"/>
           </p:cNvSpPr>
@@ -1093,21 +1100,63 @@
           <a:bodyPr/>
           <a:lstStyle/>
           <a:p>
-            <a:pPr marL="0" indent="0">
-              <a:buNone/>
-            </a:pPr>
+            <a:endParaRPr lang="de-DE" dirty="0"/>
+          </a:p>
+        </p:txBody>
+      </p:sp>
+      <p:sp>
+        <p:nvSpPr>
+          <p:cNvPr id="4" name="Kopfzeilenplatzhalter 3"/>
+          <p:cNvSpPr>
+            <a:spLocks noGrp="1"/>
+          </p:cNvSpPr>
+          <p:nvPr>
+            <p:ph type="hdr" sz="quarter" idx="10"/>
+          </p:nvPr>
+        </p:nvSpPr>
+        <p:spPr/>
+        <p:txBody>
+          <a:bodyPr/>
+          <a:lstStyle/>
+          <a:p>
+            <a:r>
+              <a:rPr lang="en-US" dirty="0"/>
+              <a:t>Titel der Präsentation</a:t>
+            </a:r>
+          </a:p>
+        </p:txBody>
+      </p:sp>
+      <p:sp>
+        <p:nvSpPr>
+          <p:cNvPr id="5" name="Datumsplatzhalter 4"/>
+          <p:cNvSpPr>
+            <a:spLocks noGrp="1"/>
+          </p:cNvSpPr>
+          <p:nvPr>
+            <p:ph type="dt" idx="11"/>
+          </p:nvPr>
+        </p:nvSpPr>
+        <p:spPr/>
+        <p:txBody>
+          <a:bodyPr/>
+          <a:lstStyle/>
+          <a:p>
+            <a:fld id="{998AE743-60F8-44BE-B8D4-21EB962D3EC4}" type="datetime1">
+              <a:rPr lang="de-DE" smtClean="0"/>
+              <a:t>06.12.2022</a:t>
+            </a:fld>
             <a:endParaRPr lang="en-US" dirty="0"/>
           </a:p>
         </p:txBody>
       </p:sp>
       <p:sp>
         <p:nvSpPr>
-          <p:cNvPr id="4" name="Header Placeholder 3"/>
-          <p:cNvSpPr>
-            <a:spLocks noGrp="1"/>
-          </p:cNvSpPr>
-          <p:nvPr>
-            <p:ph type="hdr" sz="quarter" idx="10"/>
+          <p:cNvPr id="6" name="Fußzeilenplatzhalter 5"/>
+          <p:cNvSpPr>
+            <a:spLocks noGrp="1"/>
+          </p:cNvSpPr>
+          <p:nvPr>
+            <p:ph type="ftr" sz="quarter" idx="12"/>
           </p:nvPr>
         </p:nvSpPr>
         <p:spPr/>
@@ -1116,62 +1165,15 @@
           <a:lstStyle/>
           <a:p>
             <a:r>
-              <a:rPr lang="en-US" smtClean="0"/>
-              <a:t>Titel der Präsentation</a:t>
-            </a:r>
-            <a:endParaRPr lang="en-US"/>
-          </a:p>
-        </p:txBody>
-      </p:sp>
-      <p:sp>
-        <p:nvSpPr>
-          <p:cNvPr id="5" name="Date Placeholder 4"/>
-          <p:cNvSpPr>
-            <a:spLocks noGrp="1"/>
-          </p:cNvSpPr>
-          <p:nvPr>
-            <p:ph type="dt" idx="11"/>
-          </p:nvPr>
-        </p:nvSpPr>
-        <p:spPr/>
-        <p:txBody>
-          <a:bodyPr/>
-          <a:lstStyle/>
-          <a:p>
-            <a:fld id="{5FD03CF1-2E1F-4A00-AB7D-651D8D633E2C}" type="datetime1">
-              <a:rPr lang="de-DE" smtClean="0"/>
-              <a:t>03.12.2022</a:t>
-            </a:fld>
-            <a:endParaRPr lang="en-US"/>
-          </a:p>
-        </p:txBody>
-      </p:sp>
-      <p:sp>
-        <p:nvSpPr>
-          <p:cNvPr id="6" name="Footer Placeholder 5"/>
-          <p:cNvSpPr>
-            <a:spLocks noGrp="1"/>
-          </p:cNvSpPr>
-          <p:nvPr>
-            <p:ph type="ftr" sz="quarter" idx="12"/>
-          </p:nvPr>
-        </p:nvSpPr>
-        <p:spPr/>
-        <p:txBody>
-          <a:bodyPr/>
-          <a:lstStyle/>
-          <a:p>
-            <a:r>
-              <a:rPr lang="en-US" smtClean="0"/>
+              <a:rPr lang="en-US" dirty="0"/>
               <a:t>Universität Stuttgart</a:t>
             </a:r>
-            <a:endParaRPr lang="en-US" dirty="0"/>
-          </a:p>
-        </p:txBody>
-      </p:sp>
-      <p:sp>
-        <p:nvSpPr>
-          <p:cNvPr id="7" name="Slide Number Placeholder 6"/>
+          </a:p>
+        </p:txBody>
+      </p:sp>
+      <p:sp>
+        <p:nvSpPr>
+          <p:cNvPr id="7" name="Foliennummernplatzhalter 6"/>
           <p:cNvSpPr>
             <a:spLocks noGrp="1"/>
           </p:cNvSpPr>
@@ -1187,7 +1189,7 @@
             <a:fld id="{05DD1DF0-DD4E-4B0C-B0FD-D16D9D2A9750}" type="slidenum">
               <a:rPr lang="en-US" smtClean="0"/>
               <a:pPr/>
-              <a:t>3</a:t>
+              <a:t>4</a:t>
             </a:fld>
             <a:endParaRPr lang="en-US" dirty="0"/>
           </a:p>
@@ -1196,7 +1198,7 @@
     </p:spTree>
     <p:extLst>
       <p:ext uri="{BB962C8B-B14F-4D97-AF65-F5344CB8AC3E}">
-        <p14:creationId xmlns:p14="http://schemas.microsoft.com/office/powerpoint/2010/main" val="3568292620"/>
+        <p14:creationId xmlns:p14="http://schemas.microsoft.com/office/powerpoint/2010/main" val="2075212257"/>
       </p:ext>
     </p:extLst>
   </p:cSld>
@@ -1291,9 +1293,9 @@
           <a:bodyPr/>
           <a:lstStyle/>
           <a:p>
-            <a:fld id="{998AE743-60F8-44BE-B8D4-21EB962D3EC4}" type="datetime1">
+            <a:fld id="{A98D243E-55FF-442C-9491-477A53B18883}" type="datetime1">
               <a:rPr lang="de-DE" smtClean="0"/>
-              <a:t>03.12.2022</a:t>
+              <a:t>06.12.2022</a:t>
             </a:fld>
             <a:endParaRPr lang="en-US" dirty="0"/>
           </a:p>
@@ -1339,7 +1341,7 @@
             <a:fld id="{05DD1DF0-DD4E-4B0C-B0FD-D16D9D2A9750}" type="slidenum">
               <a:rPr lang="en-US" smtClean="0"/>
               <a:pPr/>
-              <a:t>4</a:t>
+              <a:t>9</a:t>
             </a:fld>
             <a:endParaRPr lang="en-US" dirty="0"/>
           </a:p>
@@ -1348,7 +1350,7 @@
     </p:spTree>
     <p:extLst>
       <p:ext uri="{BB962C8B-B14F-4D97-AF65-F5344CB8AC3E}">
-        <p14:creationId xmlns:p14="http://schemas.microsoft.com/office/powerpoint/2010/main" val="2075212257"/>
+        <p14:creationId xmlns:p14="http://schemas.microsoft.com/office/powerpoint/2010/main" val="508426968"/>
       </p:ext>
     </p:extLst>
   </p:cSld>
@@ -1443,9 +1445,9 @@
           <a:bodyPr/>
           <a:lstStyle/>
           <a:p>
-            <a:fld id="{A98D243E-55FF-442C-9491-477A53B18883}" type="datetime1">
+            <a:fld id="{B62100AB-9E09-45B2-85ED-96815D50E7E0}" type="datetime1">
               <a:rPr lang="de-DE" smtClean="0"/>
-              <a:t>03.12.2022</a:t>
+              <a:t>06.12.2022</a:t>
             </a:fld>
             <a:endParaRPr lang="en-US" dirty="0"/>
           </a:p>
@@ -1491,7 +1493,7 @@
             <a:fld id="{05DD1DF0-DD4E-4B0C-B0FD-D16D9D2A9750}" type="slidenum">
               <a:rPr lang="en-US" smtClean="0"/>
               <a:pPr/>
-              <a:t>5</a:t>
+              <a:t>13</a:t>
             </a:fld>
             <a:endParaRPr lang="en-US" dirty="0"/>
           </a:p>
@@ -1500,7 +1502,7 @@
     </p:spTree>
     <p:extLst>
       <p:ext uri="{BB962C8B-B14F-4D97-AF65-F5344CB8AC3E}">
-        <p14:creationId xmlns:p14="http://schemas.microsoft.com/office/powerpoint/2010/main" val="508426968"/>
+        <p14:creationId xmlns:p14="http://schemas.microsoft.com/office/powerpoint/2010/main" val="3563587475"/>
       </p:ext>
     </p:extLst>
   </p:cSld>
@@ -1595,9 +1597,9 @@
           <a:bodyPr/>
           <a:lstStyle/>
           <a:p>
-            <a:fld id="{B62100AB-9E09-45B2-85ED-96815D50E7E0}" type="datetime1">
+            <a:fld id="{C8B12698-E252-48D9-A5B7-130647B12C27}" type="datetime1">
               <a:rPr lang="de-DE" smtClean="0"/>
-              <a:t>03.12.2022</a:t>
+              <a:t>06.12.2022</a:t>
             </a:fld>
             <a:endParaRPr lang="en-US" dirty="0"/>
           </a:p>
@@ -1643,7 +1645,7 @@
             <a:fld id="{05DD1DF0-DD4E-4B0C-B0FD-D16D9D2A9750}" type="slidenum">
               <a:rPr lang="en-US" smtClean="0"/>
               <a:pPr/>
-              <a:t>6</a:t>
+              <a:t>15</a:t>
             </a:fld>
             <a:endParaRPr lang="en-US" dirty="0"/>
           </a:p>
@@ -1652,7 +1654,7 @@
     </p:spTree>
     <p:extLst>
       <p:ext uri="{BB962C8B-B14F-4D97-AF65-F5344CB8AC3E}">
-        <p14:creationId xmlns:p14="http://schemas.microsoft.com/office/powerpoint/2010/main" val="3563587475"/>
+        <p14:creationId xmlns:p14="http://schemas.microsoft.com/office/powerpoint/2010/main" val="386778018"/>
       </p:ext>
     </p:extLst>
   </p:cSld>
@@ -1681,7 +1683,7 @@
       </p:grpSpPr>
       <p:sp>
         <p:nvSpPr>
-          <p:cNvPr id="2" name="Folienbildplatzhalter 1"/>
+          <p:cNvPr id="2" name="Slide Image Placeholder 1"/>
           <p:cNvSpPr>
             <a:spLocks noGrp="1" noRot="1" noChangeAspect="1"/>
           </p:cNvSpPr>
@@ -1693,7 +1695,7 @@
       </p:sp>
       <p:sp>
         <p:nvSpPr>
-          <p:cNvPr id="3" name="Notizenplatzhalter 2"/>
+          <p:cNvPr id="3" name="Notes Placeholder 2"/>
           <p:cNvSpPr>
             <a:spLocks noGrp="1"/>
           </p:cNvSpPr>
@@ -1706,13 +1708,13 @@
           <a:bodyPr/>
           <a:lstStyle/>
           <a:p>
-            <a:endParaRPr lang="de-DE" dirty="0"/>
-          </a:p>
-        </p:txBody>
-      </p:sp>
-      <p:sp>
-        <p:nvSpPr>
-          <p:cNvPr id="4" name="Kopfzeilenplatzhalter 3"/>
+            <a:endParaRPr lang="en-US" dirty="0"/>
+          </a:p>
+        </p:txBody>
+      </p:sp>
+      <p:sp>
+        <p:nvSpPr>
+          <p:cNvPr id="4" name="Header Placeholder 3"/>
           <p:cNvSpPr>
             <a:spLocks noGrp="1"/>
           </p:cNvSpPr>
@@ -1726,7 +1728,7 @@
           <a:lstStyle/>
           <a:p>
             <a:r>
-              <a:rPr lang="en-US" dirty="0"/>
+              <a:rPr lang="en-US"/>
               <a:t>Titel der Präsentation</a:t>
             </a:r>
           </a:p>
@@ -1734,7 +1736,7 @@
       </p:sp>
       <p:sp>
         <p:nvSpPr>
-          <p:cNvPr id="5" name="Datumsplatzhalter 4"/>
+          <p:cNvPr id="5" name="Date Placeholder 4"/>
           <p:cNvSpPr>
             <a:spLocks noGrp="1"/>
           </p:cNvSpPr>
@@ -1747,39 +1749,40 @@
           <a:bodyPr/>
           <a:lstStyle/>
           <a:p>
-            <a:fld id="{C8B12698-E252-48D9-A5B7-130647B12C27}" type="datetime1">
+            <a:fld id="{7C57F43C-E531-41AE-ABD5-30AA8BB918A3}" type="datetime1">
               <a:rPr lang="de-DE" smtClean="0"/>
-              <a:t>03.12.2022</a:t>
+              <a:t>06.12.2022</a:t>
             </a:fld>
+            <a:endParaRPr lang="en-US"/>
+          </a:p>
+        </p:txBody>
+      </p:sp>
+      <p:sp>
+        <p:nvSpPr>
+          <p:cNvPr id="6" name="Footer Placeholder 5"/>
+          <p:cNvSpPr>
+            <a:spLocks noGrp="1"/>
+          </p:cNvSpPr>
+          <p:nvPr>
+            <p:ph type="ftr" sz="quarter" idx="12"/>
+          </p:nvPr>
+        </p:nvSpPr>
+        <p:spPr/>
+        <p:txBody>
+          <a:bodyPr/>
+          <a:lstStyle/>
+          <a:p>
+            <a:r>
+              <a:rPr lang="en-US"/>
+              <a:t>Universität Stuttgart</a:t>
+            </a:r>
             <a:endParaRPr lang="en-US" dirty="0"/>
           </a:p>
         </p:txBody>
       </p:sp>
       <p:sp>
         <p:nvSpPr>
-          <p:cNvPr id="6" name="Fußzeilenplatzhalter 5"/>
-          <p:cNvSpPr>
-            <a:spLocks noGrp="1"/>
-          </p:cNvSpPr>
-          <p:nvPr>
-            <p:ph type="ftr" sz="quarter" idx="12"/>
-          </p:nvPr>
-        </p:nvSpPr>
-        <p:spPr/>
-        <p:txBody>
-          <a:bodyPr/>
-          <a:lstStyle/>
-          <a:p>
-            <a:r>
-              <a:rPr lang="en-US" dirty="0"/>
-              <a:t>Universität Stuttgart</a:t>
-            </a:r>
-          </a:p>
-        </p:txBody>
-      </p:sp>
-      <p:sp>
-        <p:nvSpPr>
-          <p:cNvPr id="7" name="Foliennummernplatzhalter 6"/>
+          <p:cNvPr id="7" name="Slide Number Placeholder 6"/>
           <p:cNvSpPr>
             <a:spLocks noGrp="1"/>
           </p:cNvSpPr>
@@ -1795,161 +1798,7 @@
             <a:fld id="{05DD1DF0-DD4E-4B0C-B0FD-D16D9D2A9750}" type="slidenum">
               <a:rPr lang="en-US" smtClean="0"/>
               <a:pPr/>
-              <a:t>7</a:t>
-            </a:fld>
-            <a:endParaRPr lang="en-US" dirty="0"/>
-          </a:p>
-        </p:txBody>
-      </p:sp>
-    </p:spTree>
-    <p:extLst>
-      <p:ext uri="{BB962C8B-B14F-4D97-AF65-F5344CB8AC3E}">
-        <p14:creationId xmlns:p14="http://schemas.microsoft.com/office/powerpoint/2010/main" val="386778018"/>
-      </p:ext>
-    </p:extLst>
-  </p:cSld>
-  <p:clrMapOvr>
-    <a:masterClrMapping/>
-  </p:clrMapOvr>
-</p:notes>
-</file>
-
-<file path=ppt/notesSlides/notesSlide8.xml><?xml version="1.0" encoding="utf-8"?>
-<p:notes xmlns:a="http://schemas.openxmlformats.org/drawingml/2006/main" xmlns:r="http://schemas.openxmlformats.org/officeDocument/2006/relationships" xmlns:p="http://schemas.openxmlformats.org/presentationml/2006/main">
-  <p:cSld>
-    <p:spTree>
-      <p:nvGrpSpPr>
-        <p:cNvPr id="1" name=""/>
-        <p:cNvGrpSpPr/>
-        <p:nvPr/>
-      </p:nvGrpSpPr>
-      <p:grpSpPr>
-        <a:xfrm>
-          <a:off x="0" y="0"/>
-          <a:ext cx="0" cy="0"/>
-          <a:chOff x="0" y="0"/>
-          <a:chExt cx="0" cy="0"/>
-        </a:xfrm>
-      </p:grpSpPr>
-      <p:sp>
-        <p:nvSpPr>
-          <p:cNvPr id="2" name="Slide Image Placeholder 1"/>
-          <p:cNvSpPr>
-            <a:spLocks noGrp="1" noRot="1" noChangeAspect="1"/>
-          </p:cNvSpPr>
-          <p:nvPr>
-            <p:ph type="sldImg"/>
-          </p:nvPr>
-        </p:nvSpPr>
-        <p:spPr/>
-      </p:sp>
-      <p:sp>
-        <p:nvSpPr>
-          <p:cNvPr id="3" name="Notes Placeholder 2"/>
-          <p:cNvSpPr>
-            <a:spLocks noGrp="1"/>
-          </p:cNvSpPr>
-          <p:nvPr>
-            <p:ph type="body" idx="1"/>
-          </p:nvPr>
-        </p:nvSpPr>
-        <p:spPr/>
-        <p:txBody>
-          <a:bodyPr/>
-          <a:lstStyle/>
-          <a:p>
-            <a:endParaRPr lang="en-US" dirty="0"/>
-          </a:p>
-        </p:txBody>
-      </p:sp>
-      <p:sp>
-        <p:nvSpPr>
-          <p:cNvPr id="4" name="Header Placeholder 3"/>
-          <p:cNvSpPr>
-            <a:spLocks noGrp="1"/>
-          </p:cNvSpPr>
-          <p:nvPr>
-            <p:ph type="hdr" sz="quarter" idx="10"/>
-          </p:nvPr>
-        </p:nvSpPr>
-        <p:spPr/>
-        <p:txBody>
-          <a:bodyPr/>
-          <a:lstStyle/>
-          <a:p>
-            <a:r>
-              <a:rPr lang="en-US" smtClean="0"/>
-              <a:t>Titel der Präsentation</a:t>
-            </a:r>
-            <a:endParaRPr lang="en-US"/>
-          </a:p>
-        </p:txBody>
-      </p:sp>
-      <p:sp>
-        <p:nvSpPr>
-          <p:cNvPr id="5" name="Date Placeholder 4"/>
-          <p:cNvSpPr>
-            <a:spLocks noGrp="1"/>
-          </p:cNvSpPr>
-          <p:nvPr>
-            <p:ph type="dt" idx="11"/>
-          </p:nvPr>
-        </p:nvSpPr>
-        <p:spPr/>
-        <p:txBody>
-          <a:bodyPr/>
-          <a:lstStyle/>
-          <a:p>
-            <a:fld id="{7C57F43C-E531-41AE-ABD5-30AA8BB918A3}" type="datetime1">
-              <a:rPr lang="de-DE" smtClean="0"/>
-              <a:t>03.12.2022</a:t>
-            </a:fld>
-            <a:endParaRPr lang="en-US"/>
-          </a:p>
-        </p:txBody>
-      </p:sp>
-      <p:sp>
-        <p:nvSpPr>
-          <p:cNvPr id="6" name="Footer Placeholder 5"/>
-          <p:cNvSpPr>
-            <a:spLocks noGrp="1"/>
-          </p:cNvSpPr>
-          <p:nvPr>
-            <p:ph type="ftr" sz="quarter" idx="12"/>
-          </p:nvPr>
-        </p:nvSpPr>
-        <p:spPr/>
-        <p:txBody>
-          <a:bodyPr/>
-          <a:lstStyle/>
-          <a:p>
-            <a:r>
-              <a:rPr lang="en-US" smtClean="0"/>
-              <a:t>Universität Stuttgart</a:t>
-            </a:r>
-            <a:endParaRPr lang="en-US" dirty="0"/>
-          </a:p>
-        </p:txBody>
-      </p:sp>
-      <p:sp>
-        <p:nvSpPr>
-          <p:cNvPr id="7" name="Slide Number Placeholder 6"/>
-          <p:cNvSpPr>
-            <a:spLocks noGrp="1"/>
-          </p:cNvSpPr>
-          <p:nvPr>
-            <p:ph type="sldNum" sz="quarter" idx="13"/>
-          </p:nvPr>
-        </p:nvSpPr>
-        <p:spPr/>
-        <p:txBody>
-          <a:bodyPr/>
-          <a:lstStyle/>
-          <a:p>
-            <a:fld id="{05DD1DF0-DD4E-4B0C-B0FD-D16D9D2A9750}" type="slidenum">
-              <a:rPr lang="en-US" smtClean="0"/>
-              <a:pPr/>
-              <a:t>8</a:t>
+              <a:t>16</a:t>
             </a:fld>
             <a:endParaRPr lang="en-US" dirty="0"/>
           </a:p>
@@ -1993,7 +1842,7 @@
                 <a16:creationId xmlns:a16="http://schemas.microsoft.com/office/drawing/2014/main" id="{5434E774-7C72-48E0-B896-1C63AA7486E1}"/>
               </a:ext>
               <a:ext uri="{C183D7F6-B498-43B3-948B-1728B52AA6E4}">
-                <adec:decorative xmlns="" xmlns:adec="http://schemas.microsoft.com/office/drawing/2017/decorative" val="1"/>
+                <adec:decorative xmlns:adec="http://schemas.microsoft.com/office/drawing/2017/decorative" val="1"/>
               </a:ext>
             </a:extLst>
           </p:cNvPr>
@@ -2029,7 +1878,7 @@
           <p:cNvPr id="9" name="Bildplatzhalter 8">
             <a:extLst>
               <a:ext uri="{C183D7F6-B498-43B3-948B-1728B52AA6E4}">
-                <adec:decorative xmlns="" xmlns:adec="http://schemas.microsoft.com/office/drawing/2017/decorative" val="1"/>
+                <adec:decorative xmlns:adec="http://schemas.microsoft.com/office/drawing/2017/decorative" val="1"/>
               </a:ext>
             </a:extLst>
           </p:cNvPr>
@@ -2061,7 +1910,7 @@
           </a:lstStyle>
           <a:p>
             <a:r>
-              <a:rPr lang="en-US" smtClean="0"/>
+              <a:rPr lang="en-US"/>
               <a:t>Click icon to add picture</a:t>
             </a:r>
             <a:endParaRPr lang="en-US" dirty="0"/>
@@ -2305,7 +2154,7 @@
                 <a16:creationId xmlns:a16="http://schemas.microsoft.com/office/drawing/2014/main" id="{15285CE5-013A-4554-99D3-E6E1B753071F}"/>
               </a:ext>
               <a:ext uri="{C183D7F6-B498-43B3-948B-1728B52AA6E4}">
-                <adec:decorative xmlns="" xmlns:adec="http://schemas.microsoft.com/office/drawing/2017/decorative" val="1"/>
+                <adec:decorative xmlns:adec="http://schemas.microsoft.com/office/drawing/2017/decorative" val="1"/>
               </a:ext>
             </a:extLst>
           </p:cNvPr>
@@ -2720,7 +2569,7 @@
           <p:cNvPr id="6" name="object 3">
             <a:extLst>
               <a:ext uri="{C183D7F6-B498-43B3-948B-1728B52AA6E4}">
-                <adec:decorative xmlns="" xmlns:adec="http://schemas.microsoft.com/office/drawing/2017/decorative" val="1"/>
+                <adec:decorative xmlns:adec="http://schemas.microsoft.com/office/drawing/2017/decorative" val="1"/>
               </a:ext>
             </a:extLst>
           </p:cNvPr>
@@ -3009,7 +2858,7 @@
                 <a16:creationId xmlns:a16="http://schemas.microsoft.com/office/drawing/2014/main" id="{0B21D629-C43C-4D84-9C1B-3D969EC17A69}"/>
               </a:ext>
               <a:ext uri="{C183D7F6-B498-43B3-948B-1728B52AA6E4}">
-                <adec:decorative xmlns="" xmlns:adec="http://schemas.microsoft.com/office/drawing/2017/decorative" val="1"/>
+                <adec:decorative xmlns:adec="http://schemas.microsoft.com/office/drawing/2017/decorative" val="1"/>
               </a:ext>
             </a:extLst>
           </p:cNvPr>
@@ -3152,7 +3001,7 @@
                 <a16:creationId xmlns:a16="http://schemas.microsoft.com/office/drawing/2014/main" id="{FB0D2932-C830-4590-B29B-5742FBD997C1}"/>
               </a:ext>
               <a:ext uri="{C183D7F6-B498-43B3-948B-1728B52AA6E4}">
-                <adec:decorative xmlns="" xmlns:adec="http://schemas.microsoft.com/office/drawing/2017/decorative" val="1"/>
+                <adec:decorative xmlns:adec="http://schemas.microsoft.com/office/drawing/2017/decorative" val="1"/>
               </a:ext>
             </a:extLst>
           </p:cNvPr>
@@ -3170,7 +3019,7 @@
           <a:p>
             <a:fld id="{A8A8FBC4-61D2-4D1F-95BA-F2B0A41558F8}" type="datetime1">
               <a:rPr lang="en-US" smtClean="0"/>
-              <a:t>12/3/2022</a:t>
+              <a:t>12/6/2022</a:t>
             </a:fld>
             <a:endParaRPr lang="en-US" dirty="0"/>
           </a:p>
@@ -3184,7 +3033,7 @@
                 <a16:creationId xmlns:a16="http://schemas.microsoft.com/office/drawing/2014/main" id="{34D61ED2-73BD-4AD8-B380-4A5B29526A23}"/>
               </a:ext>
               <a:ext uri="{C183D7F6-B498-43B3-948B-1728B52AA6E4}">
-                <adec:decorative xmlns="" xmlns:adec="http://schemas.microsoft.com/office/drawing/2017/decorative" val="1"/>
+                <adec:decorative xmlns:adec="http://schemas.microsoft.com/office/drawing/2017/decorative" val="1"/>
               </a:ext>
             </a:extLst>
           </p:cNvPr>
@@ -3201,7 +3050,7 @@
           <a:lstStyle/>
           <a:p>
             <a:r>
-              <a:rPr lang="en-IN" smtClean="0"/>
+              <a:rPr lang="en-IN"/>
               <a:t>Milestone Presentation</a:t>
             </a:r>
             <a:endParaRPr lang="en-US" dirty="0"/>
@@ -3216,7 +3065,7 @@
                 <a16:creationId xmlns:a16="http://schemas.microsoft.com/office/drawing/2014/main" id="{FFB0679E-4298-42B0-A6D7-5DEAE17BE4B4}"/>
               </a:ext>
               <a:ext uri="{C183D7F6-B498-43B3-948B-1728B52AA6E4}">
-                <adec:decorative xmlns="" xmlns:adec="http://schemas.microsoft.com/office/drawing/2017/decorative" val="1"/>
+                <adec:decorative xmlns:adec="http://schemas.microsoft.com/office/drawing/2017/decorative" val="1"/>
               </a:ext>
             </a:extLst>
           </p:cNvPr>
@@ -3235,7 +3084,7 @@
             <a:fld id="{9E82CC3C-1DC0-4FDA-9590-6CC506AB67F8}" type="slidenum">
               <a:rPr lang="en-US" smtClean="0"/>
               <a:pPr/>
-              <a:t>‹#›</a:t>
+              <a:t>‹Nr.›</a:t>
             </a:fld>
             <a:endParaRPr lang="en-US" dirty="0"/>
           </a:p>
@@ -3293,7 +3142,7 @@
           <a:lstStyle/>
           <a:p>
             <a:r>
-              <a:rPr lang="en-US" smtClean="0"/>
+              <a:rPr lang="en-US"/>
               <a:t>Click to edit Master title style</a:t>
             </a:r>
             <a:endParaRPr lang="en-GB" dirty="0"/>
@@ -3361,35 +3210,35 @@
           <a:p>
             <a:pPr lvl="0"/>
             <a:r>
-              <a:rPr lang="en-US" smtClean="0"/>
+              <a:rPr lang="en-US"/>
               <a:t>Edit Master text styles</a:t>
             </a:r>
           </a:p>
           <a:p>
             <a:pPr lvl="1"/>
             <a:r>
-              <a:rPr lang="en-US" smtClean="0"/>
+              <a:rPr lang="en-US"/>
               <a:t>Second level</a:t>
             </a:r>
           </a:p>
           <a:p>
             <a:pPr lvl="2"/>
             <a:r>
-              <a:rPr lang="en-US" smtClean="0"/>
+              <a:rPr lang="en-US"/>
               <a:t>Third level</a:t>
             </a:r>
           </a:p>
           <a:p>
             <a:pPr lvl="3"/>
             <a:r>
-              <a:rPr lang="en-US" smtClean="0"/>
+              <a:rPr lang="en-US"/>
               <a:t>Fourth level</a:t>
             </a:r>
           </a:p>
           <a:p>
             <a:pPr lvl="4"/>
             <a:r>
-              <a:rPr lang="en-US" smtClean="0"/>
+              <a:rPr lang="en-US"/>
               <a:t>Fifth level</a:t>
             </a:r>
             <a:endParaRPr lang="de-DE" dirty="0"/>
@@ -3418,35 +3267,35 @@
           <a:p>
             <a:pPr lvl="0"/>
             <a:r>
-              <a:rPr lang="en-US" smtClean="0"/>
+              <a:rPr lang="en-US"/>
               <a:t>Edit Master text styles</a:t>
             </a:r>
           </a:p>
           <a:p>
             <a:pPr lvl="1"/>
             <a:r>
-              <a:rPr lang="en-US" smtClean="0"/>
+              <a:rPr lang="en-US"/>
               <a:t>Second level</a:t>
             </a:r>
           </a:p>
           <a:p>
             <a:pPr lvl="2"/>
             <a:r>
-              <a:rPr lang="en-US" smtClean="0"/>
+              <a:rPr lang="en-US"/>
               <a:t>Third level</a:t>
             </a:r>
           </a:p>
           <a:p>
             <a:pPr lvl="3"/>
             <a:r>
-              <a:rPr lang="en-US" smtClean="0"/>
+              <a:rPr lang="en-US"/>
               <a:t>Fourth level</a:t>
             </a:r>
           </a:p>
           <a:p>
             <a:pPr lvl="4"/>
             <a:r>
-              <a:rPr lang="en-US" smtClean="0"/>
+              <a:rPr lang="en-US"/>
               <a:t>Fifth level</a:t>
             </a:r>
             <a:endParaRPr lang="de-DE" dirty="0"/>
@@ -3461,7 +3310,7 @@
                 <a16:creationId xmlns:a16="http://schemas.microsoft.com/office/drawing/2014/main" id="{206E2BB5-9BA9-442E-9BF0-88AF7E35CB96}"/>
               </a:ext>
               <a:ext uri="{C183D7F6-B498-43B3-948B-1728B52AA6E4}">
-                <adec:decorative xmlns="" xmlns:adec="http://schemas.microsoft.com/office/drawing/2017/decorative" val="1"/>
+                <adec:decorative xmlns:adec="http://schemas.microsoft.com/office/drawing/2017/decorative" val="1"/>
               </a:ext>
             </a:extLst>
           </p:cNvPr>
@@ -3479,7 +3328,7 @@
           <a:p>
             <a:fld id="{EF232D55-8ECF-4017-BB30-B53F76B9F00D}" type="datetime1">
               <a:rPr lang="en-US" smtClean="0"/>
-              <a:t>12/3/2022</a:t>
+              <a:t>12/6/2022</a:t>
             </a:fld>
             <a:endParaRPr lang="en-US" dirty="0"/>
           </a:p>
@@ -3493,7 +3342,7 @@
                 <a16:creationId xmlns:a16="http://schemas.microsoft.com/office/drawing/2014/main" id="{68F3946B-2A28-4BD5-95D8-3381B554ABD2}"/>
               </a:ext>
               <a:ext uri="{C183D7F6-B498-43B3-948B-1728B52AA6E4}">
-                <adec:decorative xmlns="" xmlns:adec="http://schemas.microsoft.com/office/drawing/2017/decorative" val="1"/>
+                <adec:decorative xmlns:adec="http://schemas.microsoft.com/office/drawing/2017/decorative" val="1"/>
               </a:ext>
             </a:extLst>
           </p:cNvPr>
@@ -3510,7 +3359,7 @@
           <a:lstStyle/>
           <a:p>
             <a:r>
-              <a:rPr lang="en-IN" smtClean="0"/>
+              <a:rPr lang="en-IN"/>
               <a:t>Milestone Presentation</a:t>
             </a:r>
             <a:endParaRPr lang="en-US" dirty="0"/>
@@ -3525,7 +3374,7 @@
                 <a16:creationId xmlns:a16="http://schemas.microsoft.com/office/drawing/2014/main" id="{CB82C5C2-88CF-4E85-87A1-3B28CBF33615}"/>
               </a:ext>
               <a:ext uri="{C183D7F6-B498-43B3-948B-1728B52AA6E4}">
-                <adec:decorative xmlns="" xmlns:adec="http://schemas.microsoft.com/office/drawing/2017/decorative" val="1"/>
+                <adec:decorative xmlns:adec="http://schemas.microsoft.com/office/drawing/2017/decorative" val="1"/>
               </a:ext>
             </a:extLst>
           </p:cNvPr>
@@ -3544,7 +3393,7 @@
             <a:fld id="{9E82CC3C-1DC0-4FDA-9590-6CC506AB67F8}" type="slidenum">
               <a:rPr lang="en-US" smtClean="0"/>
               <a:pPr/>
-              <a:t>‹#›</a:t>
+              <a:t>‹Nr.›</a:t>
             </a:fld>
             <a:endParaRPr lang="en-US" dirty="0"/>
           </a:p>
@@ -3602,7 +3451,7 @@
           <a:lstStyle/>
           <a:p>
             <a:r>
-              <a:rPr lang="en-US" smtClean="0"/>
+              <a:rPr lang="en-US"/>
               <a:t>Click to edit Master title style</a:t>
             </a:r>
             <a:endParaRPr lang="en-GB" dirty="0"/>
@@ -3711,7 +3560,7 @@
           <a:p>
             <a:pPr lvl="0"/>
             <a:r>
-              <a:rPr lang="en-US" smtClean="0"/>
+              <a:rPr lang="en-US"/>
               <a:t>Edit Master text styles</a:t>
             </a:r>
           </a:p>
@@ -3739,35 +3588,35 @@
           <a:p>
             <a:pPr lvl="0"/>
             <a:r>
-              <a:rPr lang="en-US" smtClean="0"/>
+              <a:rPr lang="en-US"/>
               <a:t>Edit Master text styles</a:t>
             </a:r>
           </a:p>
           <a:p>
             <a:pPr lvl="1"/>
             <a:r>
-              <a:rPr lang="en-US" smtClean="0"/>
+              <a:rPr lang="en-US"/>
               <a:t>Second level</a:t>
             </a:r>
           </a:p>
           <a:p>
             <a:pPr lvl="2"/>
             <a:r>
-              <a:rPr lang="en-US" smtClean="0"/>
+              <a:rPr lang="en-US"/>
               <a:t>Third level</a:t>
             </a:r>
           </a:p>
           <a:p>
             <a:pPr lvl="3"/>
             <a:r>
-              <a:rPr lang="en-US" smtClean="0"/>
+              <a:rPr lang="en-US"/>
               <a:t>Fourth level</a:t>
             </a:r>
           </a:p>
           <a:p>
             <a:pPr lvl="4"/>
             <a:r>
-              <a:rPr lang="en-US" smtClean="0"/>
+              <a:rPr lang="en-US"/>
               <a:t>Fifth level</a:t>
             </a:r>
             <a:endParaRPr lang="de-DE" dirty="0"/>
@@ -3837,7 +3686,7 @@
           <a:p>
             <a:pPr lvl="0"/>
             <a:r>
-              <a:rPr lang="en-US" smtClean="0"/>
+              <a:rPr lang="en-US"/>
               <a:t>Edit Master text styles</a:t>
             </a:r>
           </a:p>
@@ -3865,35 +3714,35 @@
           <a:p>
             <a:pPr lvl="0"/>
             <a:r>
-              <a:rPr lang="en-US" smtClean="0"/>
+              <a:rPr lang="en-US"/>
               <a:t>Edit Master text styles</a:t>
             </a:r>
           </a:p>
           <a:p>
             <a:pPr lvl="1"/>
             <a:r>
-              <a:rPr lang="en-US" smtClean="0"/>
+              <a:rPr lang="en-US"/>
               <a:t>Second level</a:t>
             </a:r>
           </a:p>
           <a:p>
             <a:pPr lvl="2"/>
             <a:r>
-              <a:rPr lang="en-US" smtClean="0"/>
+              <a:rPr lang="en-US"/>
               <a:t>Third level</a:t>
             </a:r>
           </a:p>
           <a:p>
             <a:pPr lvl="3"/>
             <a:r>
-              <a:rPr lang="en-US" smtClean="0"/>
+              <a:rPr lang="en-US"/>
               <a:t>Fourth level</a:t>
             </a:r>
           </a:p>
           <a:p>
             <a:pPr lvl="4"/>
             <a:r>
-              <a:rPr lang="en-US" smtClean="0"/>
+              <a:rPr lang="en-US"/>
               <a:t>Fifth level</a:t>
             </a:r>
             <a:endParaRPr lang="de-DE" dirty="0"/>
@@ -3908,7 +3757,7 @@
                 <a16:creationId xmlns:a16="http://schemas.microsoft.com/office/drawing/2014/main" id="{B2CBE68D-D329-4E19-9C98-F7528AD2591C}"/>
               </a:ext>
               <a:ext uri="{C183D7F6-B498-43B3-948B-1728B52AA6E4}">
-                <adec:decorative xmlns="" xmlns:adec="http://schemas.microsoft.com/office/drawing/2017/decorative" val="1"/>
+                <adec:decorative xmlns:adec="http://schemas.microsoft.com/office/drawing/2017/decorative" val="1"/>
               </a:ext>
             </a:extLst>
           </p:cNvPr>
@@ -3926,7 +3775,7 @@
           <a:p>
             <a:fld id="{AAC48122-9C36-43B2-BEDA-5C9F70B6D25C}" type="datetime1">
               <a:rPr lang="en-US" smtClean="0"/>
-              <a:t>12/3/2022</a:t>
+              <a:t>12/6/2022</a:t>
             </a:fld>
             <a:endParaRPr lang="en-US" dirty="0"/>
           </a:p>
@@ -3940,7 +3789,7 @@
                 <a16:creationId xmlns:a16="http://schemas.microsoft.com/office/drawing/2014/main" id="{F8DCB646-1990-4A83-BF7F-7A829A5549E2}"/>
               </a:ext>
               <a:ext uri="{C183D7F6-B498-43B3-948B-1728B52AA6E4}">
-                <adec:decorative xmlns="" xmlns:adec="http://schemas.microsoft.com/office/drawing/2017/decorative" val="1"/>
+                <adec:decorative xmlns:adec="http://schemas.microsoft.com/office/drawing/2017/decorative" val="1"/>
               </a:ext>
             </a:extLst>
           </p:cNvPr>
@@ -3957,7 +3806,7 @@
           <a:lstStyle/>
           <a:p>
             <a:r>
-              <a:rPr lang="en-IN" smtClean="0"/>
+              <a:rPr lang="en-IN"/>
               <a:t>Milestone Presentation</a:t>
             </a:r>
             <a:endParaRPr lang="en-US" dirty="0"/>
@@ -3972,7 +3821,7 @@
                 <a16:creationId xmlns:a16="http://schemas.microsoft.com/office/drawing/2014/main" id="{88E22309-6A52-4A7C-99F1-CEE24DDAA3B1}"/>
               </a:ext>
               <a:ext uri="{C183D7F6-B498-43B3-948B-1728B52AA6E4}">
-                <adec:decorative xmlns="" xmlns:adec="http://schemas.microsoft.com/office/drawing/2017/decorative" val="1"/>
+                <adec:decorative xmlns:adec="http://schemas.microsoft.com/office/drawing/2017/decorative" val="1"/>
               </a:ext>
             </a:extLst>
           </p:cNvPr>
@@ -3991,7 +3840,7 @@
             <a:fld id="{9E82CC3C-1DC0-4FDA-9590-6CC506AB67F8}" type="slidenum">
               <a:rPr lang="en-US" smtClean="0"/>
               <a:pPr/>
-              <a:t>‹#›</a:t>
+              <a:t>‹Nr.›</a:t>
             </a:fld>
             <a:endParaRPr lang="en-US" dirty="0"/>
           </a:p>
@@ -4049,7 +3898,7 @@
           <a:lstStyle/>
           <a:p>
             <a:r>
-              <a:rPr lang="en-US" smtClean="0"/>
+              <a:rPr lang="en-US"/>
               <a:t>Click to edit Master title style</a:t>
             </a:r>
             <a:endParaRPr lang="en-GB" dirty="0"/>
@@ -4117,35 +3966,35 @@
           <a:p>
             <a:pPr lvl="0"/>
             <a:r>
-              <a:rPr lang="en-US" smtClean="0"/>
+              <a:rPr lang="en-US"/>
               <a:t>Edit Master text styles</a:t>
             </a:r>
           </a:p>
           <a:p>
             <a:pPr lvl="1"/>
             <a:r>
-              <a:rPr lang="en-US" smtClean="0"/>
+              <a:rPr lang="en-US"/>
               <a:t>Second level</a:t>
             </a:r>
           </a:p>
           <a:p>
             <a:pPr lvl="2"/>
             <a:r>
-              <a:rPr lang="en-US" smtClean="0"/>
+              <a:rPr lang="en-US"/>
               <a:t>Third level</a:t>
             </a:r>
           </a:p>
           <a:p>
             <a:pPr lvl="3"/>
             <a:r>
-              <a:rPr lang="en-US" smtClean="0"/>
+              <a:rPr lang="en-US"/>
               <a:t>Fourth level</a:t>
             </a:r>
           </a:p>
           <a:p>
             <a:pPr lvl="4"/>
             <a:r>
-              <a:rPr lang="en-US" smtClean="0"/>
+              <a:rPr lang="en-US"/>
               <a:t>Fifth level</a:t>
             </a:r>
             <a:endParaRPr lang="de-DE" dirty="0"/>
@@ -4178,7 +4027,7 @@
           <a:lstStyle/>
           <a:p>
             <a:r>
-              <a:rPr lang="en-US" smtClean="0"/>
+              <a:rPr lang="en-US"/>
               <a:t>Click icon to add picture</a:t>
             </a:r>
             <a:endParaRPr lang="en-US" dirty="0"/>
@@ -4211,7 +4060,7 @@
           <a:lstStyle/>
           <a:p>
             <a:r>
-              <a:rPr lang="en-US" smtClean="0"/>
+              <a:rPr lang="en-US"/>
               <a:t>Click icon to add picture</a:t>
             </a:r>
             <a:endParaRPr lang="en-US" dirty="0"/>
@@ -4226,7 +4075,7 @@
                 <a16:creationId xmlns:a16="http://schemas.microsoft.com/office/drawing/2014/main" id="{E7E3EDDE-398D-41B9-A10F-453325866567}"/>
               </a:ext>
               <a:ext uri="{C183D7F6-B498-43B3-948B-1728B52AA6E4}">
-                <adec:decorative xmlns="" xmlns:adec="http://schemas.microsoft.com/office/drawing/2017/decorative" val="1"/>
+                <adec:decorative xmlns:adec="http://schemas.microsoft.com/office/drawing/2017/decorative" val="1"/>
               </a:ext>
             </a:extLst>
           </p:cNvPr>
@@ -4244,7 +4093,7 @@
           <a:p>
             <a:fld id="{A1D32B48-1314-4156-9A69-9133D786E51D}" type="datetime1">
               <a:rPr lang="en-US" smtClean="0"/>
-              <a:t>12/3/2022</a:t>
+              <a:t>12/6/2022</a:t>
             </a:fld>
             <a:endParaRPr lang="en-US" dirty="0"/>
           </a:p>
@@ -4258,7 +4107,7 @@
                 <a16:creationId xmlns:a16="http://schemas.microsoft.com/office/drawing/2014/main" id="{AC2BA180-4C39-40A0-8618-13F12EACFD96}"/>
               </a:ext>
               <a:ext uri="{C183D7F6-B498-43B3-948B-1728B52AA6E4}">
-                <adec:decorative xmlns="" xmlns:adec="http://schemas.microsoft.com/office/drawing/2017/decorative" val="1"/>
+                <adec:decorative xmlns:adec="http://schemas.microsoft.com/office/drawing/2017/decorative" val="1"/>
               </a:ext>
             </a:extLst>
           </p:cNvPr>
@@ -4275,7 +4124,7 @@
           <a:lstStyle/>
           <a:p>
             <a:r>
-              <a:rPr lang="en-IN" smtClean="0"/>
+              <a:rPr lang="en-IN"/>
               <a:t>Milestone Presentation</a:t>
             </a:r>
             <a:endParaRPr lang="en-US" dirty="0"/>
@@ -4290,7 +4139,7 @@
                 <a16:creationId xmlns:a16="http://schemas.microsoft.com/office/drawing/2014/main" id="{1872E9CC-06C1-4D8B-AB4D-A9861EE14CCE}"/>
               </a:ext>
               <a:ext uri="{C183D7F6-B498-43B3-948B-1728B52AA6E4}">
-                <adec:decorative xmlns="" xmlns:adec="http://schemas.microsoft.com/office/drawing/2017/decorative" val="1"/>
+                <adec:decorative xmlns:adec="http://schemas.microsoft.com/office/drawing/2017/decorative" val="1"/>
               </a:ext>
             </a:extLst>
           </p:cNvPr>
@@ -4309,7 +4158,7 @@
             <a:fld id="{9E82CC3C-1DC0-4FDA-9590-6CC506AB67F8}" type="slidenum">
               <a:rPr lang="en-US" smtClean="0"/>
               <a:pPr/>
-              <a:t>‹#›</a:t>
+              <a:t>‹Nr.›</a:t>
             </a:fld>
             <a:endParaRPr lang="en-US" dirty="0"/>
           </a:p>
@@ -4367,7 +4216,7 @@
           <a:lstStyle/>
           <a:p>
             <a:r>
-              <a:rPr lang="en-US" smtClean="0"/>
+              <a:rPr lang="en-US"/>
               <a:t>Click to edit Master title style</a:t>
             </a:r>
             <a:endParaRPr lang="en-GB" dirty="0"/>
@@ -4435,35 +4284,35 @@
           <a:p>
             <a:pPr lvl="0"/>
             <a:r>
-              <a:rPr lang="en-US" smtClean="0"/>
+              <a:rPr lang="en-US"/>
               <a:t>Edit Master text styles</a:t>
             </a:r>
           </a:p>
           <a:p>
             <a:pPr lvl="1"/>
             <a:r>
-              <a:rPr lang="en-US" smtClean="0"/>
+              <a:rPr lang="en-US"/>
               <a:t>Second level</a:t>
             </a:r>
           </a:p>
           <a:p>
             <a:pPr lvl="2"/>
             <a:r>
-              <a:rPr lang="en-US" smtClean="0"/>
+              <a:rPr lang="en-US"/>
               <a:t>Third level</a:t>
             </a:r>
           </a:p>
           <a:p>
             <a:pPr lvl="3"/>
             <a:r>
-              <a:rPr lang="en-US" smtClean="0"/>
+              <a:rPr lang="en-US"/>
               <a:t>Fourth level</a:t>
             </a:r>
           </a:p>
           <a:p>
             <a:pPr lvl="4"/>
             <a:r>
-              <a:rPr lang="en-US" smtClean="0"/>
+              <a:rPr lang="en-US"/>
               <a:t>Fifth level</a:t>
             </a:r>
             <a:endParaRPr lang="de-DE" dirty="0"/>
@@ -4496,7 +4345,7 @@
           <a:lstStyle/>
           <a:p>
             <a:r>
-              <a:rPr lang="en-US" smtClean="0"/>
+              <a:rPr lang="en-US"/>
               <a:t>Click icon to add picture</a:t>
             </a:r>
             <a:endParaRPr lang="en-US" dirty="0"/>
@@ -4511,7 +4360,7 @@
                 <a16:creationId xmlns:a16="http://schemas.microsoft.com/office/drawing/2014/main" id="{2DF8F059-7A22-4E0F-8B79-7FC499F692CA}"/>
               </a:ext>
               <a:ext uri="{C183D7F6-B498-43B3-948B-1728B52AA6E4}">
-                <adec:decorative xmlns="" xmlns:adec="http://schemas.microsoft.com/office/drawing/2017/decorative" val="1"/>
+                <adec:decorative xmlns:adec="http://schemas.microsoft.com/office/drawing/2017/decorative" val="1"/>
               </a:ext>
             </a:extLst>
           </p:cNvPr>
@@ -4529,7 +4378,7 @@
           <a:p>
             <a:fld id="{AD6132A9-95E9-458C-830C-6DA1C059D22D}" type="datetime1">
               <a:rPr lang="en-US" smtClean="0"/>
-              <a:t>12/3/2022</a:t>
+              <a:t>12/6/2022</a:t>
             </a:fld>
             <a:endParaRPr lang="en-US" dirty="0"/>
           </a:p>
@@ -4543,7 +4392,7 @@
                 <a16:creationId xmlns:a16="http://schemas.microsoft.com/office/drawing/2014/main" id="{1E88CB11-71F8-486D-B638-C22AA2EAFCC5}"/>
               </a:ext>
               <a:ext uri="{C183D7F6-B498-43B3-948B-1728B52AA6E4}">
-                <adec:decorative xmlns="" xmlns:adec="http://schemas.microsoft.com/office/drawing/2017/decorative" val="1"/>
+                <adec:decorative xmlns:adec="http://schemas.microsoft.com/office/drawing/2017/decorative" val="1"/>
               </a:ext>
             </a:extLst>
           </p:cNvPr>
@@ -4560,7 +4409,7 @@
           <a:lstStyle/>
           <a:p>
             <a:r>
-              <a:rPr lang="en-IN" smtClean="0"/>
+              <a:rPr lang="en-IN"/>
               <a:t>Milestone Presentation</a:t>
             </a:r>
             <a:endParaRPr lang="en-US" dirty="0"/>
@@ -4575,7 +4424,7 @@
                 <a16:creationId xmlns:a16="http://schemas.microsoft.com/office/drawing/2014/main" id="{CCB930EF-1FFF-436D-9D19-8CEE6022B7CC}"/>
               </a:ext>
               <a:ext uri="{C183D7F6-B498-43B3-948B-1728B52AA6E4}">
-                <adec:decorative xmlns="" xmlns:adec="http://schemas.microsoft.com/office/drawing/2017/decorative" val="1"/>
+                <adec:decorative xmlns:adec="http://schemas.microsoft.com/office/drawing/2017/decorative" val="1"/>
               </a:ext>
             </a:extLst>
           </p:cNvPr>
@@ -4594,7 +4443,7 @@
             <a:fld id="{9E82CC3C-1DC0-4FDA-9590-6CC506AB67F8}" type="slidenum">
               <a:rPr lang="en-US" smtClean="0"/>
               <a:pPr/>
-              <a:t>‹#›</a:t>
+              <a:t>‹Nr.›</a:t>
             </a:fld>
             <a:endParaRPr lang="en-US" dirty="0"/>
           </a:p>
@@ -4652,7 +4501,7 @@
           <a:lstStyle/>
           <a:p>
             <a:r>
-              <a:rPr lang="en-US" smtClean="0"/>
+              <a:rPr lang="en-US"/>
               <a:t>Click to edit Master title style</a:t>
             </a:r>
             <a:endParaRPr lang="en-GB" dirty="0"/>
@@ -4724,7 +4573,7 @@
           <a:lstStyle/>
           <a:p>
             <a:r>
-              <a:rPr lang="en-US" smtClean="0"/>
+              <a:rPr lang="en-US"/>
               <a:t>Click icon to add picture</a:t>
             </a:r>
             <a:endParaRPr lang="en-US" dirty="0"/>
@@ -4757,7 +4606,7 @@
           <a:lstStyle/>
           <a:p>
             <a:r>
-              <a:rPr lang="en-US" smtClean="0"/>
+              <a:rPr lang="en-US"/>
               <a:t>Click icon to add picture</a:t>
             </a:r>
             <a:endParaRPr lang="en-US" dirty="0"/>
@@ -4790,7 +4639,7 @@
           <a:lstStyle/>
           <a:p>
             <a:r>
-              <a:rPr lang="en-US" smtClean="0"/>
+              <a:rPr lang="en-US"/>
               <a:t>Click icon to add picture</a:t>
             </a:r>
             <a:endParaRPr lang="en-US" dirty="0"/>
@@ -4823,7 +4672,7 @@
           <a:lstStyle/>
           <a:p>
             <a:r>
-              <a:rPr lang="en-US" smtClean="0"/>
+              <a:rPr lang="en-US"/>
               <a:t>Click icon to add picture</a:t>
             </a:r>
             <a:endParaRPr lang="en-US" dirty="0"/>
@@ -4856,7 +4705,7 @@
           <a:lstStyle/>
           <a:p>
             <a:r>
-              <a:rPr lang="en-US" smtClean="0"/>
+              <a:rPr lang="en-US"/>
               <a:t>Click icon to add picture</a:t>
             </a:r>
             <a:endParaRPr lang="en-US" dirty="0"/>
@@ -4915,7 +4764,7 @@
           <a:lstStyle/>
           <a:p>
             <a:r>
-              <a:rPr lang="en-US" smtClean="0"/>
+              <a:rPr lang="en-US"/>
               <a:t>Click to edit Master title style</a:t>
             </a:r>
             <a:endParaRPr lang="en-GB"/>
@@ -4956,7 +4805,7 @@
           </a:lstStyle>
           <a:p>
             <a:r>
-              <a:rPr lang="en-US" smtClean="0"/>
+              <a:rPr lang="en-US"/>
               <a:t>Click icon to add picture</a:t>
             </a:r>
             <a:endParaRPr lang="en-US" dirty="0"/>
@@ -5022,7 +4871,7 @@
           <a:p>
             <a:pPr lvl="0"/>
             <a:r>
-              <a:rPr lang="en-US" smtClean="0"/>
+              <a:rPr lang="en-US"/>
               <a:t>Edit Master text styles</a:t>
             </a:r>
           </a:p>
@@ -5062,7 +4911,7 @@
           </a:lstStyle>
           <a:p>
             <a:r>
-              <a:rPr lang="en-US" smtClean="0"/>
+              <a:rPr lang="en-US"/>
               <a:t>Click icon to add picture</a:t>
             </a:r>
             <a:endParaRPr lang="en-US" dirty="0"/>
@@ -5128,7 +4977,7 @@
           <a:p>
             <a:pPr lvl="0"/>
             <a:r>
-              <a:rPr lang="en-US" smtClean="0"/>
+              <a:rPr lang="en-US"/>
               <a:t>Edit Master text styles</a:t>
             </a:r>
           </a:p>
@@ -5168,7 +5017,7 @@
           </a:lstStyle>
           <a:p>
             <a:r>
-              <a:rPr lang="en-US" smtClean="0"/>
+              <a:rPr lang="en-US"/>
               <a:t>Click icon to add picture</a:t>
             </a:r>
             <a:endParaRPr lang="en-US" dirty="0"/>
@@ -5234,7 +5083,7 @@
           <a:p>
             <a:pPr lvl="0"/>
             <a:r>
-              <a:rPr lang="en-US" smtClean="0"/>
+              <a:rPr lang="en-US"/>
               <a:t>Edit Master text styles</a:t>
             </a:r>
           </a:p>
@@ -5248,7 +5097,7 @@
                 <a16:creationId xmlns:a16="http://schemas.microsoft.com/office/drawing/2014/main" id="{F041223F-B856-4F2D-B33F-55E181107BB9}"/>
               </a:ext>
               <a:ext uri="{C183D7F6-B498-43B3-948B-1728B52AA6E4}">
-                <adec:decorative xmlns="" xmlns:adec="http://schemas.microsoft.com/office/drawing/2017/decorative" val="1"/>
+                <adec:decorative xmlns:adec="http://schemas.microsoft.com/office/drawing/2017/decorative" val="1"/>
               </a:ext>
             </a:extLst>
           </p:cNvPr>
@@ -5266,7 +5115,7 @@
           <a:p>
             <a:fld id="{BE4FFF85-C3EE-4B33-8776-501D075C1321}" type="datetime1">
               <a:rPr lang="en-US" smtClean="0"/>
-              <a:t>12/3/2022</a:t>
+              <a:t>12/6/2022</a:t>
             </a:fld>
             <a:endParaRPr lang="en-US" dirty="0"/>
           </a:p>
@@ -5280,7 +5129,7 @@
                 <a16:creationId xmlns:a16="http://schemas.microsoft.com/office/drawing/2014/main" id="{A7EA4A0D-C2FB-47F4-9B26-8F461218AB4E}"/>
               </a:ext>
               <a:ext uri="{C183D7F6-B498-43B3-948B-1728B52AA6E4}">
-                <adec:decorative xmlns="" xmlns:adec="http://schemas.microsoft.com/office/drawing/2017/decorative" val="1"/>
+                <adec:decorative xmlns:adec="http://schemas.microsoft.com/office/drawing/2017/decorative" val="1"/>
               </a:ext>
             </a:extLst>
           </p:cNvPr>
@@ -5297,7 +5146,7 @@
           <a:lstStyle/>
           <a:p>
             <a:r>
-              <a:rPr lang="en-IN" smtClean="0"/>
+              <a:rPr lang="en-IN"/>
               <a:t>Milestone Presentation</a:t>
             </a:r>
             <a:endParaRPr lang="en-US" dirty="0"/>
@@ -5312,7 +5161,7 @@
                 <a16:creationId xmlns:a16="http://schemas.microsoft.com/office/drawing/2014/main" id="{B6C06C85-60EC-4B14-BA0F-EDC84B2B91DC}"/>
               </a:ext>
               <a:ext uri="{C183D7F6-B498-43B3-948B-1728B52AA6E4}">
-                <adec:decorative xmlns="" xmlns:adec="http://schemas.microsoft.com/office/drawing/2017/decorative" val="1"/>
+                <adec:decorative xmlns:adec="http://schemas.microsoft.com/office/drawing/2017/decorative" val="1"/>
               </a:ext>
             </a:extLst>
           </p:cNvPr>
@@ -5331,7 +5180,7 @@
             <a:fld id="{9E82CC3C-1DC0-4FDA-9590-6CC506AB67F8}" type="slidenum">
               <a:rPr lang="en-US" smtClean="0"/>
               <a:pPr/>
-              <a:t>‹#›</a:t>
+              <a:t>‹Nr.›</a:t>
             </a:fld>
             <a:endParaRPr lang="en-US" dirty="0"/>
           </a:p>
@@ -5389,7 +5238,7 @@
           <a:lstStyle/>
           <a:p>
             <a:r>
-              <a:rPr lang="en-US" smtClean="0"/>
+              <a:rPr lang="en-US"/>
               <a:t>Click to edit Master title style</a:t>
             </a:r>
             <a:endParaRPr lang="en-GB" dirty="0"/>
@@ -5430,7 +5279,7 @@
           </a:lstStyle>
           <a:p>
             <a:r>
-              <a:rPr lang="en-US" smtClean="0"/>
+              <a:rPr lang="en-US"/>
               <a:t>Click icon to add picture</a:t>
             </a:r>
             <a:endParaRPr lang="en-US" dirty="0"/>
@@ -5496,7 +5345,7 @@
           <a:p>
             <a:pPr lvl="0"/>
             <a:r>
-              <a:rPr lang="en-US" smtClean="0"/>
+              <a:rPr lang="en-US"/>
               <a:t>Edit Master text styles</a:t>
             </a:r>
           </a:p>
@@ -5536,7 +5385,7 @@
           </a:lstStyle>
           <a:p>
             <a:r>
-              <a:rPr lang="en-US" smtClean="0"/>
+              <a:rPr lang="en-US"/>
               <a:t>Click icon to add picture</a:t>
             </a:r>
             <a:endParaRPr lang="en-US" dirty="0"/>
@@ -5602,7 +5451,7 @@
           <a:p>
             <a:pPr lvl="0"/>
             <a:r>
-              <a:rPr lang="en-US" smtClean="0"/>
+              <a:rPr lang="en-US"/>
               <a:t>Edit Master text styles</a:t>
             </a:r>
           </a:p>
@@ -5642,7 +5491,7 @@
           </a:lstStyle>
           <a:p>
             <a:r>
-              <a:rPr lang="en-US" smtClean="0"/>
+              <a:rPr lang="en-US"/>
               <a:t>Click icon to add picture</a:t>
             </a:r>
             <a:endParaRPr lang="en-US" dirty="0"/>
@@ -5708,7 +5557,7 @@
           <a:p>
             <a:pPr lvl="0"/>
             <a:r>
-              <a:rPr lang="en-US" smtClean="0"/>
+              <a:rPr lang="en-US"/>
               <a:t>Edit Master text styles</a:t>
             </a:r>
           </a:p>
@@ -5722,7 +5571,7 @@
                 <a16:creationId xmlns:a16="http://schemas.microsoft.com/office/drawing/2014/main" id="{ACD3CBA4-59F9-43FE-B9A3-E46A94884193}"/>
               </a:ext>
               <a:ext uri="{C183D7F6-B498-43B3-948B-1728B52AA6E4}">
-                <adec:decorative xmlns="" xmlns:adec="http://schemas.microsoft.com/office/drawing/2017/decorative" val="1"/>
+                <adec:decorative xmlns:adec="http://schemas.microsoft.com/office/drawing/2017/decorative" val="1"/>
               </a:ext>
             </a:extLst>
           </p:cNvPr>
@@ -5740,7 +5589,7 @@
           <a:p>
             <a:fld id="{40515AB0-F793-4C59-865A-0E3F0F7BB3C2}" type="datetime1">
               <a:rPr lang="en-US" smtClean="0"/>
-              <a:t>12/3/2022</a:t>
+              <a:t>12/6/2022</a:t>
             </a:fld>
             <a:endParaRPr lang="en-US" dirty="0"/>
           </a:p>
@@ -5754,7 +5603,7 @@
                 <a16:creationId xmlns:a16="http://schemas.microsoft.com/office/drawing/2014/main" id="{61B283E1-50F0-49B0-8DF6-75C63CEBE817}"/>
               </a:ext>
               <a:ext uri="{C183D7F6-B498-43B3-948B-1728B52AA6E4}">
-                <adec:decorative xmlns="" xmlns:adec="http://schemas.microsoft.com/office/drawing/2017/decorative" val="1"/>
+                <adec:decorative xmlns:adec="http://schemas.microsoft.com/office/drawing/2017/decorative" val="1"/>
               </a:ext>
             </a:extLst>
           </p:cNvPr>
@@ -5771,7 +5620,7 @@
           <a:lstStyle/>
           <a:p>
             <a:r>
-              <a:rPr lang="en-IN" smtClean="0"/>
+              <a:rPr lang="en-IN"/>
               <a:t>Milestone Presentation</a:t>
             </a:r>
             <a:endParaRPr lang="en-US" dirty="0"/>
@@ -5786,7 +5635,7 @@
                 <a16:creationId xmlns:a16="http://schemas.microsoft.com/office/drawing/2014/main" id="{06D0D84A-45A2-45C5-9990-3E4AD01156C6}"/>
               </a:ext>
               <a:ext uri="{C183D7F6-B498-43B3-948B-1728B52AA6E4}">
-                <adec:decorative xmlns="" xmlns:adec="http://schemas.microsoft.com/office/drawing/2017/decorative" val="1"/>
+                <adec:decorative xmlns:adec="http://schemas.microsoft.com/office/drawing/2017/decorative" val="1"/>
               </a:ext>
             </a:extLst>
           </p:cNvPr>
@@ -5805,7 +5654,7 @@
             <a:fld id="{9E82CC3C-1DC0-4FDA-9590-6CC506AB67F8}" type="slidenum">
               <a:rPr lang="en-US" smtClean="0"/>
               <a:pPr/>
-              <a:t>‹#›</a:t>
+              <a:t>‹Nr.›</a:t>
             </a:fld>
             <a:endParaRPr lang="en-US" dirty="0"/>
           </a:p>
@@ -5863,7 +5712,7 @@
           <a:lstStyle/>
           <a:p>
             <a:r>
-              <a:rPr lang="en-US" smtClean="0"/>
+              <a:rPr lang="en-US"/>
               <a:t>Click to edit Master title style</a:t>
             </a:r>
             <a:endParaRPr lang="en-GB" dirty="0"/>
@@ -5914,7 +5763,7 @@
           <p:cNvPr id="9" name="Rechteck 8">
             <a:extLst>
               <a:ext uri="{C183D7F6-B498-43B3-948B-1728B52AA6E4}">
-                <adec:decorative xmlns="" xmlns:adec="http://schemas.microsoft.com/office/drawing/2017/decorative" val="1"/>
+                <adec:decorative xmlns:adec="http://schemas.microsoft.com/office/drawing/2017/decorative" val="1"/>
               </a:ext>
             </a:extLst>
           </p:cNvPr>
@@ -5966,7 +5815,7 @@
           <p:cNvPr id="8" name="Bildplatzhalter 7">
             <a:extLst>
               <a:ext uri="{C183D7F6-B498-43B3-948B-1728B52AA6E4}">
-                <adec:decorative xmlns="" xmlns:adec="http://schemas.microsoft.com/office/drawing/2017/decorative" val="1"/>
+                <adec:decorative xmlns:adec="http://schemas.microsoft.com/office/drawing/2017/decorative" val="1"/>
               </a:ext>
             </a:extLst>
           </p:cNvPr>
@@ -6001,7 +5850,7 @@
           </a:lstStyle>
           <a:p>
             <a:r>
-              <a:rPr lang="en-US" smtClean="0"/>
+              <a:rPr lang="en-US"/>
               <a:t>Click icon to add picture</a:t>
             </a:r>
             <a:endParaRPr lang="en-US" dirty="0"/>
@@ -6146,7 +5995,7 @@
           <p:cNvPr id="21" name="Rechteck 20">
             <a:extLst>
               <a:ext uri="{C183D7F6-B498-43B3-948B-1728B52AA6E4}">
-                <adec:decorative xmlns="" xmlns:adec="http://schemas.microsoft.com/office/drawing/2017/decorative" val="1"/>
+                <adec:decorative xmlns:adec="http://schemas.microsoft.com/office/drawing/2017/decorative" val="1"/>
               </a:ext>
             </a:extLst>
           </p:cNvPr>
@@ -6198,7 +6047,7 @@
           <p:cNvPr id="22" name="Bildplatzhalter 7">
             <a:extLst>
               <a:ext uri="{C183D7F6-B498-43B3-948B-1728B52AA6E4}">
-                <adec:decorative xmlns="" xmlns:adec="http://schemas.microsoft.com/office/drawing/2017/decorative" val="1"/>
+                <adec:decorative xmlns:adec="http://schemas.microsoft.com/office/drawing/2017/decorative" val="1"/>
               </a:ext>
             </a:extLst>
           </p:cNvPr>
@@ -6233,7 +6082,7 @@
           </a:lstStyle>
           <a:p>
             <a:r>
-              <a:rPr lang="en-US" smtClean="0"/>
+              <a:rPr lang="en-US"/>
               <a:t>Click icon to add picture</a:t>
             </a:r>
             <a:endParaRPr lang="en-US" dirty="0"/>
@@ -6381,7 +6230,7 @@
                 <a16:creationId xmlns:a16="http://schemas.microsoft.com/office/drawing/2014/main" id="{64C6E7FA-754C-4DF3-93CA-A5652D6FD484}"/>
               </a:ext>
               <a:ext uri="{C183D7F6-B498-43B3-948B-1728B52AA6E4}">
-                <adec:decorative xmlns="" xmlns:adec="http://schemas.microsoft.com/office/drawing/2017/decorative" val="1"/>
+                <adec:decorative xmlns:adec="http://schemas.microsoft.com/office/drawing/2017/decorative" val="1"/>
               </a:ext>
             </a:extLst>
           </p:cNvPr>
@@ -6399,7 +6248,7 @@
           <a:p>
             <a:fld id="{ECF1D2E6-8D96-4ECF-BD4F-C0BBFB4340A2}" type="datetime1">
               <a:rPr lang="en-US" smtClean="0"/>
-              <a:t>12/3/2022</a:t>
+              <a:t>12/6/2022</a:t>
             </a:fld>
             <a:endParaRPr lang="en-US" dirty="0"/>
           </a:p>
@@ -6413,7 +6262,7 @@
                 <a16:creationId xmlns:a16="http://schemas.microsoft.com/office/drawing/2014/main" id="{98860014-FD67-49D7-8E52-32B98F4DBE8B}"/>
               </a:ext>
               <a:ext uri="{C183D7F6-B498-43B3-948B-1728B52AA6E4}">
-                <adec:decorative xmlns="" xmlns:adec="http://schemas.microsoft.com/office/drawing/2017/decorative" val="1"/>
+                <adec:decorative xmlns:adec="http://schemas.microsoft.com/office/drawing/2017/decorative" val="1"/>
               </a:ext>
             </a:extLst>
           </p:cNvPr>
@@ -6430,7 +6279,7 @@
           <a:lstStyle/>
           <a:p>
             <a:r>
-              <a:rPr lang="en-IN" smtClean="0"/>
+              <a:rPr lang="en-IN"/>
               <a:t>Milestone Presentation</a:t>
             </a:r>
             <a:endParaRPr lang="en-US" dirty="0"/>
@@ -6445,7 +6294,7 @@
                 <a16:creationId xmlns:a16="http://schemas.microsoft.com/office/drawing/2014/main" id="{8F6E0B2A-3E4B-42AD-A666-EE9AC24DBFA2}"/>
               </a:ext>
               <a:ext uri="{C183D7F6-B498-43B3-948B-1728B52AA6E4}">
-                <adec:decorative xmlns="" xmlns:adec="http://schemas.microsoft.com/office/drawing/2017/decorative" val="1"/>
+                <adec:decorative xmlns:adec="http://schemas.microsoft.com/office/drawing/2017/decorative" val="1"/>
               </a:ext>
             </a:extLst>
           </p:cNvPr>
@@ -6464,7 +6313,7 @@
             <a:fld id="{9E82CC3C-1DC0-4FDA-9590-6CC506AB67F8}" type="slidenum">
               <a:rPr lang="en-US" smtClean="0"/>
               <a:pPr/>
-              <a:t>‹#›</a:t>
+              <a:t>‹Nr.›</a:t>
             </a:fld>
             <a:endParaRPr lang="en-US" dirty="0"/>
           </a:p>
@@ -6522,7 +6371,7 @@
           <a:lstStyle/>
           <a:p>
             <a:r>
-              <a:rPr lang="en-US" smtClean="0"/>
+              <a:rPr lang="en-US"/>
               <a:t>Click to edit Master title style</a:t>
             </a:r>
             <a:endParaRPr lang="en-GB" dirty="0"/>
@@ -6573,7 +6422,7 @@
           <p:cNvPr id="9" name="Rechteck 8">
             <a:extLst>
               <a:ext uri="{C183D7F6-B498-43B3-948B-1728B52AA6E4}">
-                <adec:decorative xmlns="" xmlns:adec="http://schemas.microsoft.com/office/drawing/2017/decorative" val="1"/>
+                <adec:decorative xmlns:adec="http://schemas.microsoft.com/office/drawing/2017/decorative" val="1"/>
               </a:ext>
             </a:extLst>
           </p:cNvPr>
@@ -6628,7 +6477,7 @@
                 <a16:creationId xmlns:a16="http://schemas.microsoft.com/office/drawing/2014/main" id="{0CCFCC13-9E94-4A8E-927E-B90EB96934B9}"/>
               </a:ext>
               <a:ext uri="{C183D7F6-B498-43B3-948B-1728B52AA6E4}">
-                <adec:decorative xmlns="" xmlns:adec="http://schemas.microsoft.com/office/drawing/2017/decorative" val="1"/>
+                <adec:decorative xmlns:adec="http://schemas.microsoft.com/office/drawing/2017/decorative" val="1"/>
               </a:ext>
             </a:extLst>
           </p:cNvPr>
@@ -6663,7 +6512,7 @@
           </a:lstStyle>
           <a:p>
             <a:r>
-              <a:rPr lang="en-US" smtClean="0"/>
+              <a:rPr lang="en-US"/>
               <a:t>Click icon to add picture</a:t>
             </a:r>
             <a:endParaRPr lang="en-US" dirty="0"/>
@@ -6808,7 +6657,7 @@
           <p:cNvPr id="13" name="Rechteck 12">
             <a:extLst>
               <a:ext uri="{C183D7F6-B498-43B3-948B-1728B52AA6E4}">
-                <adec:decorative xmlns="" xmlns:adec="http://schemas.microsoft.com/office/drawing/2017/decorative" val="1"/>
+                <adec:decorative xmlns:adec="http://schemas.microsoft.com/office/drawing/2017/decorative" val="1"/>
               </a:ext>
             </a:extLst>
           </p:cNvPr>
@@ -6863,7 +6712,7 @@
                 <a16:creationId xmlns:a16="http://schemas.microsoft.com/office/drawing/2014/main" id="{34D29721-8BC0-4D90-A4F3-75A72451E902}"/>
               </a:ext>
               <a:ext uri="{C183D7F6-B498-43B3-948B-1728B52AA6E4}">
-                <adec:decorative xmlns="" xmlns:adec="http://schemas.microsoft.com/office/drawing/2017/decorative" val="1"/>
+                <adec:decorative xmlns:adec="http://schemas.microsoft.com/office/drawing/2017/decorative" val="1"/>
               </a:ext>
             </a:extLst>
           </p:cNvPr>
@@ -6898,7 +6747,7 @@
           </a:lstStyle>
           <a:p>
             <a:r>
-              <a:rPr lang="en-US" smtClean="0"/>
+              <a:rPr lang="en-US"/>
               <a:t>Click icon to add picture</a:t>
             </a:r>
             <a:endParaRPr lang="en-US" dirty="0"/>
@@ -7043,7 +6892,7 @@
           <p:cNvPr id="17" name="Rechteck 16">
             <a:extLst>
               <a:ext uri="{C183D7F6-B498-43B3-948B-1728B52AA6E4}">
-                <adec:decorative xmlns="" xmlns:adec="http://schemas.microsoft.com/office/drawing/2017/decorative" val="1"/>
+                <adec:decorative xmlns:adec="http://schemas.microsoft.com/office/drawing/2017/decorative" val="1"/>
               </a:ext>
             </a:extLst>
           </p:cNvPr>
@@ -7098,7 +6947,7 @@
                 <a16:creationId xmlns:a16="http://schemas.microsoft.com/office/drawing/2014/main" id="{01CD30C1-0EF4-4BAD-97BF-FFFDBEF2C182}"/>
               </a:ext>
               <a:ext uri="{C183D7F6-B498-43B3-948B-1728B52AA6E4}">
-                <adec:decorative xmlns="" xmlns:adec="http://schemas.microsoft.com/office/drawing/2017/decorative" val="1"/>
+                <adec:decorative xmlns:adec="http://schemas.microsoft.com/office/drawing/2017/decorative" val="1"/>
               </a:ext>
             </a:extLst>
           </p:cNvPr>
@@ -7133,7 +6982,7 @@
           </a:lstStyle>
           <a:p>
             <a:r>
-              <a:rPr lang="en-US" smtClean="0"/>
+              <a:rPr lang="en-US"/>
               <a:t>Click icon to add picture</a:t>
             </a:r>
             <a:endParaRPr lang="en-US" dirty="0"/>
@@ -7281,7 +7130,7 @@
                 <a16:creationId xmlns:a16="http://schemas.microsoft.com/office/drawing/2014/main" id="{D591F39C-640C-4E49-B63D-92C6ECC9859D}"/>
               </a:ext>
               <a:ext uri="{C183D7F6-B498-43B3-948B-1728B52AA6E4}">
-                <adec:decorative xmlns="" xmlns:adec="http://schemas.microsoft.com/office/drawing/2017/decorative" val="1"/>
+                <adec:decorative xmlns:adec="http://schemas.microsoft.com/office/drawing/2017/decorative" val="1"/>
               </a:ext>
             </a:extLst>
           </p:cNvPr>
@@ -7299,7 +7148,7 @@
           <a:p>
             <a:fld id="{AB72D7B1-B12F-4BF9-8BF8-B4352BB1F586}" type="datetime1">
               <a:rPr lang="en-US" smtClean="0"/>
-              <a:t>12/3/2022</a:t>
+              <a:t>12/6/2022</a:t>
             </a:fld>
             <a:endParaRPr lang="en-US" dirty="0"/>
           </a:p>
@@ -7313,7 +7162,7 @@
                 <a16:creationId xmlns:a16="http://schemas.microsoft.com/office/drawing/2014/main" id="{73628DAD-2434-49AB-A1E0-F2225C4690EA}"/>
               </a:ext>
               <a:ext uri="{C183D7F6-B498-43B3-948B-1728B52AA6E4}">
-                <adec:decorative xmlns="" xmlns:adec="http://schemas.microsoft.com/office/drawing/2017/decorative" val="1"/>
+                <adec:decorative xmlns:adec="http://schemas.microsoft.com/office/drawing/2017/decorative" val="1"/>
               </a:ext>
             </a:extLst>
           </p:cNvPr>
@@ -7330,7 +7179,7 @@
           <a:lstStyle/>
           <a:p>
             <a:r>
-              <a:rPr lang="en-IN" smtClean="0"/>
+              <a:rPr lang="en-IN"/>
               <a:t>Milestone Presentation</a:t>
             </a:r>
             <a:endParaRPr lang="en-US" dirty="0"/>
@@ -7345,7 +7194,7 @@
                 <a16:creationId xmlns:a16="http://schemas.microsoft.com/office/drawing/2014/main" id="{41B1ECFF-6681-442D-8B7C-82576D3E28D9}"/>
               </a:ext>
               <a:ext uri="{C183D7F6-B498-43B3-948B-1728B52AA6E4}">
-                <adec:decorative xmlns="" xmlns:adec="http://schemas.microsoft.com/office/drawing/2017/decorative" val="1"/>
+                <adec:decorative xmlns:adec="http://schemas.microsoft.com/office/drawing/2017/decorative" val="1"/>
               </a:ext>
             </a:extLst>
           </p:cNvPr>
@@ -7364,7 +7213,7 @@
             <a:fld id="{9E82CC3C-1DC0-4FDA-9590-6CC506AB67F8}" type="slidenum">
               <a:rPr lang="en-US" smtClean="0"/>
               <a:pPr/>
-              <a:t>‹#›</a:t>
+              <a:t>‹Nr.›</a:t>
             </a:fld>
             <a:endParaRPr lang="en-US" dirty="0"/>
           </a:p>
@@ -7408,7 +7257,7 @@
                 <a16:creationId xmlns:a16="http://schemas.microsoft.com/office/drawing/2014/main" id="{5434E774-7C72-48E0-B896-1C63AA7486E1}"/>
               </a:ext>
               <a:ext uri="{C183D7F6-B498-43B3-948B-1728B52AA6E4}">
-                <adec:decorative xmlns="" xmlns:adec="http://schemas.microsoft.com/office/drawing/2017/decorative" val="1"/>
+                <adec:decorative xmlns:adec="http://schemas.microsoft.com/office/drawing/2017/decorative" val="1"/>
               </a:ext>
             </a:extLst>
           </p:cNvPr>
@@ -7444,7 +7293,7 @@
           <p:cNvPr id="9" name="Bildplatzhalter 8">
             <a:extLst>
               <a:ext uri="{C183D7F6-B498-43B3-948B-1728B52AA6E4}">
-                <adec:decorative xmlns="" xmlns:adec="http://schemas.microsoft.com/office/drawing/2017/decorative" val="1"/>
+                <adec:decorative xmlns:adec="http://schemas.microsoft.com/office/drawing/2017/decorative" val="1"/>
               </a:ext>
             </a:extLst>
           </p:cNvPr>
@@ -7476,7 +7325,7 @@
           </a:lstStyle>
           <a:p>
             <a:r>
-              <a:rPr lang="en-US" smtClean="0"/>
+              <a:rPr lang="en-US"/>
               <a:t>Click icon to add picture</a:t>
             </a:r>
             <a:endParaRPr lang="en-US" dirty="0"/>
@@ -7734,7 +7583,7 @@
           <a:lstStyle/>
           <a:p>
             <a:r>
-              <a:rPr lang="en-US" smtClean="0"/>
+              <a:rPr lang="en-US"/>
               <a:t>Click to edit Master title style</a:t>
             </a:r>
             <a:endParaRPr lang="en-GB" dirty="0"/>
@@ -7834,7 +7683,7 @@
                 <a16:creationId xmlns:a16="http://schemas.microsoft.com/office/drawing/2014/main" id="{8148DC21-4CB2-4171-8B0E-7865619CB5BB}"/>
               </a:ext>
               <a:ext uri="{C183D7F6-B498-43B3-948B-1728B52AA6E4}">
-                <adec:decorative xmlns="" xmlns:adec="http://schemas.microsoft.com/office/drawing/2017/decorative" val="1"/>
+                <adec:decorative xmlns:adec="http://schemas.microsoft.com/office/drawing/2017/decorative" val="1"/>
               </a:ext>
             </a:extLst>
           </p:cNvPr>
@@ -7869,7 +7718,7 @@
           </a:lstStyle>
           <a:p>
             <a:r>
-              <a:rPr lang="en-US" smtClean="0"/>
+              <a:rPr lang="en-US"/>
               <a:t>Click icon to add picture</a:t>
             </a:r>
             <a:endParaRPr lang="en-US" dirty="0"/>
@@ -8014,7 +7863,7 @@
           <p:cNvPr id="24" name="Rechteck 23">
             <a:extLst>
               <a:ext uri="{C183D7F6-B498-43B3-948B-1728B52AA6E4}">
-                <adec:decorative xmlns="" xmlns:adec="http://schemas.microsoft.com/office/drawing/2017/decorative" val="1"/>
+                <adec:decorative xmlns:adec="http://schemas.microsoft.com/office/drawing/2017/decorative" val="1"/>
               </a:ext>
             </a:extLst>
           </p:cNvPr>
@@ -8069,7 +7918,7 @@
                 <a16:creationId xmlns:a16="http://schemas.microsoft.com/office/drawing/2014/main" id="{515DA547-D380-4DDE-8F77-C8902B702291}"/>
               </a:ext>
               <a:ext uri="{C183D7F6-B498-43B3-948B-1728B52AA6E4}">
-                <adec:decorative xmlns="" xmlns:adec="http://schemas.microsoft.com/office/drawing/2017/decorative" val="1"/>
+                <adec:decorative xmlns:adec="http://schemas.microsoft.com/office/drawing/2017/decorative" val="1"/>
               </a:ext>
             </a:extLst>
           </p:cNvPr>
@@ -8104,7 +7953,7 @@
           </a:lstStyle>
           <a:p>
             <a:r>
-              <a:rPr lang="en-US" smtClean="0"/>
+              <a:rPr lang="en-US"/>
               <a:t>Click icon to add picture</a:t>
             </a:r>
             <a:endParaRPr lang="en-US" dirty="0"/>
@@ -8249,7 +8098,7 @@
           <p:cNvPr id="28" name="Rechteck 27">
             <a:extLst>
               <a:ext uri="{C183D7F6-B498-43B3-948B-1728B52AA6E4}">
-                <adec:decorative xmlns="" xmlns:adec="http://schemas.microsoft.com/office/drawing/2017/decorative" val="1"/>
+                <adec:decorative xmlns:adec="http://schemas.microsoft.com/office/drawing/2017/decorative" val="1"/>
               </a:ext>
             </a:extLst>
           </p:cNvPr>
@@ -8304,7 +8153,7 @@
                 <a16:creationId xmlns:a16="http://schemas.microsoft.com/office/drawing/2014/main" id="{27A38D11-8E8E-44F4-9460-58E87F53EFA8}"/>
               </a:ext>
               <a:ext uri="{C183D7F6-B498-43B3-948B-1728B52AA6E4}">
-                <adec:decorative xmlns="" xmlns:adec="http://schemas.microsoft.com/office/drawing/2017/decorative" val="1"/>
+                <adec:decorative xmlns:adec="http://schemas.microsoft.com/office/drawing/2017/decorative" val="1"/>
               </a:ext>
             </a:extLst>
           </p:cNvPr>
@@ -8339,7 +8188,7 @@
           </a:lstStyle>
           <a:p>
             <a:r>
-              <a:rPr lang="en-US" smtClean="0"/>
+              <a:rPr lang="en-US"/>
               <a:t>Click icon to add picture</a:t>
             </a:r>
             <a:endParaRPr lang="en-US" dirty="0"/>
@@ -8484,7 +8333,7 @@
           <p:cNvPr id="32" name="Rechteck 31">
             <a:extLst>
               <a:ext uri="{C183D7F6-B498-43B3-948B-1728B52AA6E4}">
-                <adec:decorative xmlns="" xmlns:adec="http://schemas.microsoft.com/office/drawing/2017/decorative" val="1"/>
+                <adec:decorative xmlns:adec="http://schemas.microsoft.com/office/drawing/2017/decorative" val="1"/>
               </a:ext>
             </a:extLst>
           </p:cNvPr>
@@ -8539,7 +8388,7 @@
                 <a16:creationId xmlns:a16="http://schemas.microsoft.com/office/drawing/2014/main" id="{F9D0B43C-E1CE-4C97-B82A-2D4CC82B3CB1}"/>
               </a:ext>
               <a:ext uri="{C183D7F6-B498-43B3-948B-1728B52AA6E4}">
-                <adec:decorative xmlns="" xmlns:adec="http://schemas.microsoft.com/office/drawing/2017/decorative" val="1"/>
+                <adec:decorative xmlns:adec="http://schemas.microsoft.com/office/drawing/2017/decorative" val="1"/>
               </a:ext>
             </a:extLst>
           </p:cNvPr>
@@ -8574,7 +8423,7 @@
           </a:lstStyle>
           <a:p>
             <a:r>
-              <a:rPr lang="en-US" smtClean="0"/>
+              <a:rPr lang="en-US"/>
               <a:t>Click icon to add picture</a:t>
             </a:r>
             <a:endParaRPr lang="en-US" dirty="0"/>
@@ -8722,7 +8571,7 @@
                 <a16:creationId xmlns:a16="http://schemas.microsoft.com/office/drawing/2014/main" id="{493EA81B-7C92-41D8-9CC0-C6F633C9CB78}"/>
               </a:ext>
               <a:ext uri="{C183D7F6-B498-43B3-948B-1728B52AA6E4}">
-                <adec:decorative xmlns="" xmlns:adec="http://schemas.microsoft.com/office/drawing/2017/decorative" val="1"/>
+                <adec:decorative xmlns:adec="http://schemas.microsoft.com/office/drawing/2017/decorative" val="1"/>
               </a:ext>
             </a:extLst>
           </p:cNvPr>
@@ -8740,7 +8589,7 @@
           <a:p>
             <a:fld id="{61BEB843-4DB8-4F71-B6D1-0FF7C00324BC}" type="datetime1">
               <a:rPr lang="en-US" smtClean="0"/>
-              <a:t>12/3/2022</a:t>
+              <a:t>12/6/2022</a:t>
             </a:fld>
             <a:endParaRPr lang="en-US" dirty="0"/>
           </a:p>
@@ -8754,7 +8603,7 @@
                 <a16:creationId xmlns:a16="http://schemas.microsoft.com/office/drawing/2014/main" id="{F2460AC8-AE27-44EF-AA8F-B31521C496FF}"/>
               </a:ext>
               <a:ext uri="{C183D7F6-B498-43B3-948B-1728B52AA6E4}">
-                <adec:decorative xmlns="" xmlns:adec="http://schemas.microsoft.com/office/drawing/2017/decorative" val="1"/>
+                <adec:decorative xmlns:adec="http://schemas.microsoft.com/office/drawing/2017/decorative" val="1"/>
               </a:ext>
             </a:extLst>
           </p:cNvPr>
@@ -8771,7 +8620,7 @@
           <a:lstStyle/>
           <a:p>
             <a:r>
-              <a:rPr lang="en-IN" smtClean="0"/>
+              <a:rPr lang="en-IN"/>
               <a:t>Milestone Presentation</a:t>
             </a:r>
             <a:endParaRPr lang="en-US" dirty="0"/>
@@ -8786,7 +8635,7 @@
                 <a16:creationId xmlns:a16="http://schemas.microsoft.com/office/drawing/2014/main" id="{AA2C9645-CED1-4CDA-B753-24982D514FB3}"/>
               </a:ext>
               <a:ext uri="{C183D7F6-B498-43B3-948B-1728B52AA6E4}">
-                <adec:decorative xmlns="" xmlns:adec="http://schemas.microsoft.com/office/drawing/2017/decorative" val="1"/>
+                <adec:decorative xmlns:adec="http://schemas.microsoft.com/office/drawing/2017/decorative" val="1"/>
               </a:ext>
             </a:extLst>
           </p:cNvPr>
@@ -8805,7 +8654,7 @@
             <a:fld id="{9E82CC3C-1DC0-4FDA-9590-6CC506AB67F8}" type="slidenum">
               <a:rPr lang="en-US" smtClean="0"/>
               <a:pPr/>
-              <a:t>‹#›</a:t>
+              <a:t>‹Nr.›</a:t>
             </a:fld>
             <a:endParaRPr lang="en-US" dirty="0"/>
           </a:p>
@@ -8863,7 +8712,7 @@
           <a:lstStyle/>
           <a:p>
             <a:r>
-              <a:rPr lang="en-US" smtClean="0"/>
+              <a:rPr lang="en-US"/>
               <a:t>Click to edit Master title style</a:t>
             </a:r>
             <a:endParaRPr lang="en-GB" dirty="0"/>
@@ -8917,7 +8766,7 @@
                 <a16:creationId xmlns:a16="http://schemas.microsoft.com/office/drawing/2014/main" id="{0184E164-0418-489E-A81C-E71488F7F6A5}"/>
               </a:ext>
               <a:ext uri="{C183D7F6-B498-43B3-948B-1728B52AA6E4}">
-                <adec:decorative xmlns="" xmlns:adec="http://schemas.microsoft.com/office/drawing/2017/decorative" val="1"/>
+                <adec:decorative xmlns:adec="http://schemas.microsoft.com/office/drawing/2017/decorative" val="1"/>
               </a:ext>
             </a:extLst>
           </p:cNvPr>
@@ -8935,7 +8784,7 @@
           <a:p>
             <a:fld id="{F25C127C-CA61-4DA9-A2AC-8CEB0E7971EE}" type="datetime1">
               <a:rPr lang="en-US" smtClean="0"/>
-              <a:t>12/3/2022</a:t>
+              <a:t>12/6/2022</a:t>
             </a:fld>
             <a:endParaRPr lang="en-US" dirty="0"/>
           </a:p>
@@ -8949,7 +8798,7 @@
                 <a16:creationId xmlns:a16="http://schemas.microsoft.com/office/drawing/2014/main" id="{34D0564E-CD71-44C1-ABC8-1C4B763ADC47}"/>
               </a:ext>
               <a:ext uri="{C183D7F6-B498-43B3-948B-1728B52AA6E4}">
-                <adec:decorative xmlns="" xmlns:adec="http://schemas.microsoft.com/office/drawing/2017/decorative" val="1"/>
+                <adec:decorative xmlns:adec="http://schemas.microsoft.com/office/drawing/2017/decorative" val="1"/>
               </a:ext>
             </a:extLst>
           </p:cNvPr>
@@ -8966,7 +8815,7 @@
           <a:lstStyle/>
           <a:p>
             <a:r>
-              <a:rPr lang="en-IN" smtClean="0"/>
+              <a:rPr lang="en-IN"/>
               <a:t>Milestone Presentation</a:t>
             </a:r>
             <a:endParaRPr lang="en-US" dirty="0"/>
@@ -8981,7 +8830,7 @@
                 <a16:creationId xmlns:a16="http://schemas.microsoft.com/office/drawing/2014/main" id="{9A8A42CD-E97A-4A8C-9ECA-D5E57469D0CA}"/>
               </a:ext>
               <a:ext uri="{C183D7F6-B498-43B3-948B-1728B52AA6E4}">
-                <adec:decorative xmlns="" xmlns:adec="http://schemas.microsoft.com/office/drawing/2017/decorative" val="1"/>
+                <adec:decorative xmlns:adec="http://schemas.microsoft.com/office/drawing/2017/decorative" val="1"/>
               </a:ext>
             </a:extLst>
           </p:cNvPr>
@@ -9000,7 +8849,7 @@
             <a:fld id="{9E82CC3C-1DC0-4FDA-9590-6CC506AB67F8}" type="slidenum">
               <a:rPr lang="en-US" smtClean="0"/>
               <a:pPr/>
-              <a:t>‹#›</a:t>
+              <a:t>‹Nr.›</a:t>
             </a:fld>
             <a:endParaRPr lang="en-US" dirty="0"/>
           </a:p>
@@ -9044,7 +8893,7 @@
                 <a16:creationId xmlns:a16="http://schemas.microsoft.com/office/drawing/2014/main" id="{0145190E-3721-4D8A-B9E3-D91236ACC588}"/>
               </a:ext>
               <a:ext uri="{C183D7F6-B498-43B3-948B-1728B52AA6E4}">
-                <adec:decorative xmlns="" xmlns:adec="http://schemas.microsoft.com/office/drawing/2017/decorative" val="1"/>
+                <adec:decorative xmlns:adec="http://schemas.microsoft.com/office/drawing/2017/decorative" val="1"/>
               </a:ext>
             </a:extLst>
           </p:cNvPr>
@@ -9062,7 +8911,7 @@
           <a:p>
             <a:fld id="{DF75208F-FEF3-4175-A525-404EEC534216}" type="datetime1">
               <a:rPr lang="en-US" smtClean="0"/>
-              <a:t>12/3/2022</a:t>
+              <a:t>12/6/2022</a:t>
             </a:fld>
             <a:endParaRPr lang="en-US" dirty="0"/>
           </a:p>
@@ -9076,7 +8925,7 @@
                 <a16:creationId xmlns:a16="http://schemas.microsoft.com/office/drawing/2014/main" id="{C5B3C668-B6EA-445F-A363-3748A9AFD24B}"/>
               </a:ext>
               <a:ext uri="{C183D7F6-B498-43B3-948B-1728B52AA6E4}">
-                <adec:decorative xmlns="" xmlns:adec="http://schemas.microsoft.com/office/drawing/2017/decorative" val="1"/>
+                <adec:decorative xmlns:adec="http://schemas.microsoft.com/office/drawing/2017/decorative" val="1"/>
               </a:ext>
             </a:extLst>
           </p:cNvPr>
@@ -9093,7 +8942,7 @@
           <a:lstStyle/>
           <a:p>
             <a:r>
-              <a:rPr lang="en-IN" smtClean="0"/>
+              <a:rPr lang="en-IN"/>
               <a:t>Milestone Presentation</a:t>
             </a:r>
             <a:endParaRPr lang="en-US" dirty="0"/>
@@ -9108,7 +8957,7 @@
                 <a16:creationId xmlns:a16="http://schemas.microsoft.com/office/drawing/2014/main" id="{053522D3-196E-42BC-8F70-9C600372E6BF}"/>
               </a:ext>
               <a:ext uri="{C183D7F6-B498-43B3-948B-1728B52AA6E4}">
-                <adec:decorative xmlns="" xmlns:adec="http://schemas.microsoft.com/office/drawing/2017/decorative" val="1"/>
+                <adec:decorative xmlns:adec="http://schemas.microsoft.com/office/drawing/2017/decorative" val="1"/>
               </a:ext>
             </a:extLst>
           </p:cNvPr>
@@ -9127,7 +8976,7 @@
             <a:fld id="{9E82CC3C-1DC0-4FDA-9590-6CC506AB67F8}" type="slidenum">
               <a:rPr lang="en-US" smtClean="0"/>
               <a:pPr/>
-              <a:t>‹#›</a:t>
+              <a:t>‹Nr.›</a:t>
             </a:fld>
             <a:endParaRPr lang="en-US" dirty="0"/>
           </a:p>
@@ -9171,7 +9020,7 @@
                 <a16:creationId xmlns:a16="http://schemas.microsoft.com/office/drawing/2014/main" id="{F09DF479-FD16-43D7-9DDB-3550E32CD971}"/>
               </a:ext>
               <a:ext uri="{C183D7F6-B498-43B3-948B-1728B52AA6E4}">
-                <adec:decorative xmlns="" xmlns:adec="http://schemas.microsoft.com/office/drawing/2017/decorative" val="1"/>
+                <adec:decorative xmlns:adec="http://schemas.microsoft.com/office/drawing/2017/decorative" val="1"/>
               </a:ext>
             </a:extLst>
           </p:cNvPr>
@@ -9376,7 +9225,7 @@
           <p:cNvPr id="6" name="Bildplatzhalter 7">
             <a:extLst>
               <a:ext uri="{C183D7F6-B498-43B3-948B-1728B52AA6E4}">
-                <adec:decorative xmlns="" xmlns:adec="http://schemas.microsoft.com/office/drawing/2017/decorative" val="1"/>
+                <adec:decorative xmlns:adec="http://schemas.microsoft.com/office/drawing/2017/decorative" val="1"/>
               </a:ext>
             </a:extLst>
           </p:cNvPr>
@@ -9411,7 +9260,7 @@
           </a:lstStyle>
           <a:p>
             <a:r>
-              <a:rPr lang="en-US" smtClean="0"/>
+              <a:rPr lang="en-US"/>
               <a:t>Click icon to add picture</a:t>
             </a:r>
             <a:endParaRPr lang="en-US" dirty="0"/>
@@ -10222,7 +10071,7 @@
           <p:cNvPr id="14" name="Grafik 13">
             <a:extLst>
               <a:ext uri="{C183D7F6-B498-43B3-948B-1728B52AA6E4}">
-                <adec:decorative xmlns="" xmlns:adec="http://schemas.microsoft.com/office/drawing/2017/decorative" val="1"/>
+                <adec:decorative xmlns:adec="http://schemas.microsoft.com/office/drawing/2017/decorative" val="1"/>
               </a:ext>
             </a:extLst>
           </p:cNvPr>
@@ -10431,7 +10280,7 @@
                 <a16:creationId xmlns:a16="http://schemas.microsoft.com/office/drawing/2014/main" id="{E8FAD59D-97FD-4838-AA91-B266FA5DD370}"/>
               </a:ext>
               <a:ext uri="{C183D7F6-B498-43B3-948B-1728B52AA6E4}">
-                <adec:decorative xmlns="" xmlns:adec="http://schemas.microsoft.com/office/drawing/2017/decorative" val="1"/>
+                <adec:decorative xmlns:adec="http://schemas.microsoft.com/office/drawing/2017/decorative" val="1"/>
               </a:ext>
             </a:extLst>
           </p:cNvPr>
@@ -10464,7 +10313,7 @@
           </a:lstStyle>
           <a:p>
             <a:r>
-              <a:rPr lang="en-US" smtClean="0"/>
+              <a:rPr lang="en-US"/>
               <a:t>Click icon to add picture</a:t>
             </a:r>
             <a:endParaRPr lang="en-US" dirty="0"/>
@@ -11259,7 +11108,7 @@
                 <a16:creationId xmlns:a16="http://schemas.microsoft.com/office/drawing/2014/main" id="{F09DF479-FD16-43D7-9DDB-3550E32CD971}"/>
               </a:ext>
               <a:ext uri="{C183D7F6-B498-43B3-948B-1728B52AA6E4}">
-                <adec:decorative xmlns="" xmlns:adec="http://schemas.microsoft.com/office/drawing/2017/decorative" val="1"/>
+                <adec:decorative xmlns:adec="http://schemas.microsoft.com/office/drawing/2017/decorative" val="1"/>
               </a:ext>
             </a:extLst>
           </p:cNvPr>
@@ -11507,7 +11356,7 @@
           <p:cNvPr id="6" name="Bildplatzhalter 7">
             <a:extLst>
               <a:ext uri="{C183D7F6-B498-43B3-948B-1728B52AA6E4}">
-                <adec:decorative xmlns="" xmlns:adec="http://schemas.microsoft.com/office/drawing/2017/decorative" val="1"/>
+                <adec:decorative xmlns:adec="http://schemas.microsoft.com/office/drawing/2017/decorative" val="1"/>
               </a:ext>
             </a:extLst>
           </p:cNvPr>
@@ -11542,7 +11391,7 @@
           </a:lstStyle>
           <a:p>
             <a:r>
-              <a:rPr lang="en-US" smtClean="0"/>
+              <a:rPr lang="en-US"/>
               <a:t>Click icon to add picture</a:t>
             </a:r>
             <a:endParaRPr lang="en-US" dirty="0"/>
@@ -12348,7 +12197,7 @@
           <p:cNvPr id="14" name="Grafik 13">
             <a:extLst>
               <a:ext uri="{C183D7F6-B498-43B3-948B-1728B52AA6E4}">
-                <adec:decorative xmlns="" xmlns:adec="http://schemas.microsoft.com/office/drawing/2017/decorative" val="1"/>
+                <adec:decorative xmlns:adec="http://schemas.microsoft.com/office/drawing/2017/decorative" val="1"/>
               </a:ext>
             </a:extLst>
           </p:cNvPr>
@@ -12598,7 +12447,7 @@
                 <a16:creationId xmlns:a16="http://schemas.microsoft.com/office/drawing/2014/main" id="{E8FAD59D-97FD-4838-AA91-B266FA5DD370}"/>
               </a:ext>
               <a:ext uri="{C183D7F6-B498-43B3-948B-1728B52AA6E4}">
-                <adec:decorative xmlns="" xmlns:adec="http://schemas.microsoft.com/office/drawing/2017/decorative" val="1"/>
+                <adec:decorative xmlns:adec="http://schemas.microsoft.com/office/drawing/2017/decorative" val="1"/>
               </a:ext>
             </a:extLst>
           </p:cNvPr>
@@ -12631,7 +12480,7 @@
           </a:lstStyle>
           <a:p>
             <a:r>
-              <a:rPr lang="en-US" smtClean="0"/>
+              <a:rPr lang="en-US"/>
               <a:t>Click icon to add picture</a:t>
             </a:r>
             <a:endParaRPr lang="en-US" dirty="0"/>
@@ -13426,7 +13275,7 @@
                 <a16:creationId xmlns:a16="http://schemas.microsoft.com/office/drawing/2014/main" id="{5434E774-7C72-48E0-B896-1C63AA7486E1}"/>
               </a:ext>
               <a:ext uri="{C183D7F6-B498-43B3-948B-1728B52AA6E4}">
-                <adec:decorative xmlns="" xmlns:adec="http://schemas.microsoft.com/office/drawing/2017/decorative" val="1"/>
+                <adec:decorative xmlns:adec="http://schemas.microsoft.com/office/drawing/2017/decorative" val="1"/>
               </a:ext>
             </a:extLst>
           </p:cNvPr>
@@ -13462,7 +13311,7 @@
           <p:cNvPr id="9" name="Bildplatzhalter 8">
             <a:extLst>
               <a:ext uri="{C183D7F6-B498-43B3-948B-1728B52AA6E4}">
-                <adec:decorative xmlns="" xmlns:adec="http://schemas.microsoft.com/office/drawing/2017/decorative" val="1"/>
+                <adec:decorative xmlns:adec="http://schemas.microsoft.com/office/drawing/2017/decorative" val="1"/>
               </a:ext>
             </a:extLst>
           </p:cNvPr>
@@ -13494,7 +13343,7 @@
           </a:lstStyle>
           <a:p>
             <a:r>
-              <a:rPr lang="en-US" smtClean="0"/>
+              <a:rPr lang="en-US"/>
               <a:t>Click icon to add picture</a:t>
             </a:r>
             <a:endParaRPr lang="en-US" dirty="0"/>
@@ -13748,7 +13597,7 @@
                 <a16:creationId xmlns:a16="http://schemas.microsoft.com/office/drawing/2014/main" id="{5434E774-7C72-48E0-B896-1C63AA7486E1}"/>
               </a:ext>
               <a:ext uri="{C183D7F6-B498-43B3-948B-1728B52AA6E4}">
-                <adec:decorative xmlns="" xmlns:adec="http://schemas.microsoft.com/office/drawing/2017/decorative" val="1"/>
+                <adec:decorative xmlns:adec="http://schemas.microsoft.com/office/drawing/2017/decorative" val="1"/>
               </a:ext>
             </a:extLst>
           </p:cNvPr>
@@ -13810,7 +13659,7 @@
           </a:lstStyle>
           <a:p>
             <a:r>
-              <a:rPr lang="en-US" smtClean="0"/>
+              <a:rPr lang="en-US"/>
               <a:t>Click icon to add picture</a:t>
             </a:r>
             <a:endParaRPr lang="en-US" dirty="0"/>
@@ -14032,7 +13881,7 @@
                 <a16:creationId xmlns:a16="http://schemas.microsoft.com/office/drawing/2014/main" id="{5434E774-7C72-48E0-B896-1C63AA7486E1}"/>
               </a:ext>
               <a:ext uri="{C183D7F6-B498-43B3-948B-1728B52AA6E4}">
-                <adec:decorative xmlns="" xmlns:adec="http://schemas.microsoft.com/office/drawing/2017/decorative" val="1"/>
+                <adec:decorative xmlns:adec="http://schemas.microsoft.com/office/drawing/2017/decorative" val="1"/>
               </a:ext>
             </a:extLst>
           </p:cNvPr>
@@ -14137,7 +13986,7 @@
           </a:lstStyle>
           <a:p>
             <a:r>
-              <a:rPr lang="en-US" smtClean="0"/>
+              <a:rPr lang="en-US"/>
               <a:t>Click icon to add picture</a:t>
             </a:r>
             <a:endParaRPr lang="en-US" dirty="0"/>
@@ -14283,7 +14132,7 @@
           <p:cNvPr id="7" name="Bildplatzhalter 6">
             <a:extLst>
               <a:ext uri="{C183D7F6-B498-43B3-948B-1728B52AA6E4}">
-                <adec:decorative xmlns="" xmlns:adec="http://schemas.microsoft.com/office/drawing/2017/decorative" val="1"/>
+                <adec:decorative xmlns:adec="http://schemas.microsoft.com/office/drawing/2017/decorative" val="1"/>
               </a:ext>
             </a:extLst>
           </p:cNvPr>
@@ -14373,7 +14222,7 @@
           <a:lstStyle/>
           <a:p>
             <a:r>
-              <a:rPr lang="en-US" smtClean="0"/>
+              <a:rPr lang="en-US"/>
               <a:t>Click to edit Master title style</a:t>
             </a:r>
             <a:endParaRPr lang="en-GB" dirty="0"/>
@@ -14436,35 +14285,35 @@
           <a:p>
             <a:pPr lvl="0"/>
             <a:r>
-              <a:rPr lang="en-US" smtClean="0"/>
+              <a:rPr lang="en-US"/>
               <a:t>Edit Master text styles</a:t>
             </a:r>
           </a:p>
           <a:p>
             <a:pPr lvl="1"/>
             <a:r>
-              <a:rPr lang="en-US" smtClean="0"/>
+              <a:rPr lang="en-US"/>
               <a:t>Second level</a:t>
             </a:r>
           </a:p>
           <a:p>
             <a:pPr lvl="2"/>
             <a:r>
-              <a:rPr lang="en-US" smtClean="0"/>
+              <a:rPr lang="en-US"/>
               <a:t>Third level</a:t>
             </a:r>
           </a:p>
           <a:p>
             <a:pPr lvl="3"/>
             <a:r>
-              <a:rPr lang="en-US" smtClean="0"/>
+              <a:rPr lang="en-US"/>
               <a:t>Fourth level</a:t>
             </a:r>
           </a:p>
           <a:p>
             <a:pPr lvl="4"/>
             <a:r>
-              <a:rPr lang="en-US" smtClean="0"/>
+              <a:rPr lang="en-US"/>
               <a:t>Fifth level</a:t>
             </a:r>
             <a:endParaRPr lang="de-DE" dirty="0"/>
@@ -14479,7 +14328,7 @@
                 <a16:creationId xmlns:a16="http://schemas.microsoft.com/office/drawing/2014/main" id="{C714976B-EE5A-4930-AF01-D7C006BBA048}"/>
               </a:ext>
               <a:ext uri="{C183D7F6-B498-43B3-948B-1728B52AA6E4}">
-                <adec:decorative xmlns="" xmlns:adec="http://schemas.microsoft.com/office/drawing/2017/decorative" val="1"/>
+                <adec:decorative xmlns:adec="http://schemas.microsoft.com/office/drawing/2017/decorative" val="1"/>
               </a:ext>
             </a:extLst>
           </p:cNvPr>
@@ -14497,7 +14346,7 @@
           <a:p>
             <a:fld id="{7662C9C7-604C-4A52-83AD-DCC06C4528AB}" type="datetime1">
               <a:rPr lang="en-US" smtClean="0"/>
-              <a:t>12/3/2022</a:t>
+              <a:t>12/6/2022</a:t>
             </a:fld>
             <a:endParaRPr lang="en-US" dirty="0"/>
           </a:p>
@@ -14511,7 +14360,7 @@
                 <a16:creationId xmlns:a16="http://schemas.microsoft.com/office/drawing/2014/main" id="{D9AEB868-2ECA-4AF0-989D-AB416E029E1F}"/>
               </a:ext>
               <a:ext uri="{C183D7F6-B498-43B3-948B-1728B52AA6E4}">
-                <adec:decorative xmlns="" xmlns:adec="http://schemas.microsoft.com/office/drawing/2017/decorative" val="1"/>
+                <adec:decorative xmlns:adec="http://schemas.microsoft.com/office/drawing/2017/decorative" val="1"/>
               </a:ext>
             </a:extLst>
           </p:cNvPr>
@@ -14528,7 +14377,7 @@
           <a:lstStyle/>
           <a:p>
             <a:r>
-              <a:rPr lang="en-IN" smtClean="0"/>
+              <a:rPr lang="en-IN"/>
               <a:t>Milestone Presentation</a:t>
             </a:r>
             <a:endParaRPr lang="en-US" dirty="0"/>
@@ -14543,7 +14392,7 @@
                 <a16:creationId xmlns:a16="http://schemas.microsoft.com/office/drawing/2014/main" id="{56424A5B-3432-4F5F-B7F9-7B65AD4C98A0}"/>
               </a:ext>
               <a:ext uri="{C183D7F6-B498-43B3-948B-1728B52AA6E4}">
-                <adec:decorative xmlns="" xmlns:adec="http://schemas.microsoft.com/office/drawing/2017/decorative" val="1"/>
+                <adec:decorative xmlns:adec="http://schemas.microsoft.com/office/drawing/2017/decorative" val="1"/>
               </a:ext>
             </a:extLst>
           </p:cNvPr>
@@ -14562,7 +14411,7 @@
             <a:fld id="{9E82CC3C-1DC0-4FDA-9590-6CC506AB67F8}" type="slidenum">
               <a:rPr lang="en-US" smtClean="0"/>
               <a:pPr/>
-              <a:t>‹#›</a:t>
+              <a:t>‹Nr.›</a:t>
             </a:fld>
             <a:endParaRPr lang="en-US" dirty="0"/>
           </a:p>
@@ -14620,7 +14469,7 @@
           <a:lstStyle/>
           <a:p>
             <a:r>
-              <a:rPr lang="en-US" smtClean="0"/>
+              <a:rPr lang="en-US"/>
               <a:t>Click to edit Master title style</a:t>
             </a:r>
             <a:endParaRPr lang="en-GB" dirty="0"/>
@@ -14688,35 +14537,35 @@
           <a:p>
             <a:pPr lvl="0"/>
             <a:r>
-              <a:rPr lang="en-US" smtClean="0"/>
+              <a:rPr lang="en-US"/>
               <a:t>Edit Master text styles</a:t>
             </a:r>
           </a:p>
           <a:p>
             <a:pPr lvl="1"/>
             <a:r>
-              <a:rPr lang="en-US" smtClean="0"/>
+              <a:rPr lang="en-US"/>
               <a:t>Second level</a:t>
             </a:r>
           </a:p>
           <a:p>
             <a:pPr lvl="2"/>
             <a:r>
-              <a:rPr lang="en-US" smtClean="0"/>
+              <a:rPr lang="en-US"/>
               <a:t>Third level</a:t>
             </a:r>
           </a:p>
           <a:p>
             <a:pPr lvl="3"/>
             <a:r>
-              <a:rPr lang="en-US" smtClean="0"/>
+              <a:rPr lang="en-US"/>
               <a:t>Fourth level</a:t>
             </a:r>
           </a:p>
           <a:p>
             <a:pPr lvl="4"/>
             <a:r>
-              <a:rPr lang="en-US" smtClean="0"/>
+              <a:rPr lang="en-US"/>
               <a:t>Fifth level</a:t>
             </a:r>
             <a:endParaRPr lang="de-DE" dirty="0"/>
@@ -14731,7 +14580,7 @@
                 <a16:creationId xmlns:a16="http://schemas.microsoft.com/office/drawing/2014/main" id="{FA36C31F-6D31-4D31-8F83-A4CF2B7C8177}"/>
               </a:ext>
               <a:ext uri="{C183D7F6-B498-43B3-948B-1728B52AA6E4}">
-                <adec:decorative xmlns="" xmlns:adec="http://schemas.microsoft.com/office/drawing/2017/decorative" val="1"/>
+                <adec:decorative xmlns:adec="http://schemas.microsoft.com/office/drawing/2017/decorative" val="1"/>
               </a:ext>
             </a:extLst>
           </p:cNvPr>
@@ -14749,7 +14598,7 @@
           <a:p>
             <a:fld id="{D55B831E-6073-4452-A03D-0F91D1C3648F}" type="datetime1">
               <a:rPr lang="en-US" smtClean="0"/>
-              <a:t>12/3/2022</a:t>
+              <a:t>12/6/2022</a:t>
             </a:fld>
             <a:endParaRPr lang="en-US" dirty="0"/>
           </a:p>
@@ -14763,7 +14612,7 @@
                 <a16:creationId xmlns:a16="http://schemas.microsoft.com/office/drawing/2014/main" id="{AE7A12DD-420D-4CEE-84AA-81C21E868268}"/>
               </a:ext>
               <a:ext uri="{C183D7F6-B498-43B3-948B-1728B52AA6E4}">
-                <adec:decorative xmlns="" xmlns:adec="http://schemas.microsoft.com/office/drawing/2017/decorative" val="1"/>
+                <adec:decorative xmlns:adec="http://schemas.microsoft.com/office/drawing/2017/decorative" val="1"/>
               </a:ext>
             </a:extLst>
           </p:cNvPr>
@@ -14780,7 +14629,7 @@
           <a:lstStyle/>
           <a:p>
             <a:r>
-              <a:rPr lang="en-IN" smtClean="0"/>
+              <a:rPr lang="en-IN"/>
               <a:t>Milestone Presentation</a:t>
             </a:r>
             <a:endParaRPr lang="en-US" dirty="0"/>
@@ -14795,7 +14644,7 @@
                 <a16:creationId xmlns:a16="http://schemas.microsoft.com/office/drawing/2014/main" id="{9F244B83-EF4A-4728-9AE4-6A63E539627B}"/>
               </a:ext>
               <a:ext uri="{C183D7F6-B498-43B3-948B-1728B52AA6E4}">
-                <adec:decorative xmlns="" xmlns:adec="http://schemas.microsoft.com/office/drawing/2017/decorative" val="1"/>
+                <adec:decorative xmlns:adec="http://schemas.microsoft.com/office/drawing/2017/decorative" val="1"/>
               </a:ext>
             </a:extLst>
           </p:cNvPr>
@@ -14814,7 +14663,7 @@
             <a:fld id="{9E82CC3C-1DC0-4FDA-9590-6CC506AB67F8}" type="slidenum">
               <a:rPr lang="en-US" smtClean="0"/>
               <a:pPr/>
-              <a:t>‹#›</a:t>
+              <a:t>‹Nr.›</a:t>
             </a:fld>
             <a:endParaRPr lang="en-US" dirty="0"/>
           </a:p>
@@ -14872,7 +14721,7 @@
                 <a16:creationId xmlns:a16="http://schemas.microsoft.com/office/drawing/2014/main" id="{989E6229-E650-4C0F-8141-1787714FDDFC}"/>
               </a:ext>
               <a:ext uri="{C183D7F6-B498-43B3-948B-1728B52AA6E4}">
-                <adec:decorative xmlns="" xmlns:adec="http://schemas.microsoft.com/office/drawing/2017/decorative" val="1"/>
+                <adec:decorative xmlns:adec="http://schemas.microsoft.com/office/drawing/2017/decorative" val="1"/>
               </a:ext>
             </a:extLst>
           </p:cNvPr>
@@ -15429,7 +15278,7 @@
           </a:lstStyle>
           <a:p>
             <a:r>
-              <a:rPr lang="en-US" smtClean="0"/>
+              <a:rPr lang="en-US"/>
               <a:t>Click to edit Master title style</a:t>
             </a:r>
             <a:endParaRPr lang="de-DE" dirty="0"/>
@@ -15625,7 +15474,7 @@
           </a:lstStyle>
           <a:p>
             <a:r>
-              <a:rPr lang="en-US" smtClean="0"/>
+              <a:rPr lang="en-US"/>
               <a:t>Click to edit Master title style</a:t>
             </a:r>
             <a:endParaRPr lang="de-DE" dirty="0"/>
@@ -15766,7 +15615,7 @@
           <p:cNvPr id="5" name="Footer Placeholder 4">
             <a:extLst>
               <a:ext uri="{C183D7F6-B498-43B3-948B-1728B52AA6E4}">
-                <adec:decorative xmlns="" xmlns:adec="http://schemas.microsoft.com/office/drawing/2017/decorative" val="1"/>
+                <adec:decorative xmlns:adec="http://schemas.microsoft.com/office/drawing/2017/decorative" val="1"/>
               </a:ext>
             </a:extLst>
           </p:cNvPr>
@@ -15801,7 +15650,7 @@
           </a:lstStyle>
           <a:p>
             <a:r>
-              <a:rPr lang="en-IN" smtClean="0"/>
+              <a:rPr lang="en-IN"/>
               <a:t>Milestone Presentation</a:t>
             </a:r>
             <a:endParaRPr lang="en-US" dirty="0"/>
@@ -15813,7 +15662,7 @@
           <p:cNvPr id="4" name="Date Placeholder 3">
             <a:extLst>
               <a:ext uri="{C183D7F6-B498-43B3-948B-1728B52AA6E4}">
-                <adec:decorative xmlns="" xmlns:adec="http://schemas.microsoft.com/office/drawing/2017/decorative" val="1"/>
+                <adec:decorative xmlns:adec="http://schemas.microsoft.com/office/drawing/2017/decorative" val="1"/>
               </a:ext>
             </a:extLst>
           </p:cNvPr>
@@ -15845,7 +15694,7 @@
           <a:p>
             <a:fld id="{09902022-697D-4A58-88F8-F99E258F0174}" type="datetime1">
               <a:rPr lang="en-US" smtClean="0"/>
-              <a:t>12/3/2022</a:t>
+              <a:t>12/6/2022</a:t>
             </a:fld>
             <a:endParaRPr lang="en-US" dirty="0"/>
           </a:p>
@@ -15856,7 +15705,7 @@
           <p:cNvPr id="6" name="Slide Number Placeholder 5">
             <a:extLst>
               <a:ext uri="{C183D7F6-B498-43B3-948B-1728B52AA6E4}">
-                <adec:decorative xmlns="" xmlns:adec="http://schemas.microsoft.com/office/drawing/2017/decorative" val="1"/>
+                <adec:decorative xmlns:adec="http://schemas.microsoft.com/office/drawing/2017/decorative" val="1"/>
               </a:ext>
             </a:extLst>
           </p:cNvPr>
@@ -15893,7 +15742,7 @@
             <a:fld id="{9E82CC3C-1DC0-4FDA-9590-6CC506AB67F8}" type="slidenum">
               <a:rPr lang="en-US" smtClean="0"/>
               <a:pPr/>
-              <a:t>‹#›</a:t>
+              <a:t>‹Nr.›</a:t>
             </a:fld>
             <a:endParaRPr lang="en-US" dirty="0"/>
           </a:p>
@@ -16231,7 +16080,7 @@
       </a:lvl9pPr>
     </p:otherStyle>
   </p:txStyles>
-  <p:extLst mod="1">
+  <p:extLst>
     <p:ext uri="{27BBF7A9-308A-43DC-89C8-2F10F3537804}">
       <p15:sldGuideLst xmlns:p15="http://schemas.microsoft.com/office/powerpoint/2012/main">
         <p15:guide id="1" orient="horz" pos="599" userDrawn="1">
@@ -16316,11 +16165,7 @@
             <a:pPr algn="ctr"/>
             <a:r>
               <a:rPr lang="en-IN" sz="3000" b="0" dirty="0"/>
-              <a:t>Human Activity and Postural Transition </a:t>
-            </a:r>
-            <a:r>
-              <a:rPr lang="en-IN" sz="3000" b="0" dirty="0" smtClean="0"/>
-              <a:t>Recognition using DNN</a:t>
+              <a:t>Human Activity and Postural Transition Recognition using DNN</a:t>
             </a:r>
             <a:endParaRPr lang="de-DE" sz="3000" dirty="0"/>
           </a:p>
@@ -16355,11 +16200,7 @@
             <a:pPr algn="ctr"/>
             <a:r>
               <a:rPr lang="en-IN" dirty="0"/>
-              <a:t>Laboratory Course Artificial Intelligence: Deep learning </a:t>
-            </a:r>
-            <a:r>
-              <a:rPr lang="en-IN" dirty="0" smtClean="0"/>
-              <a:t>lab – WS22</a:t>
+              <a:t>Laboratory Course Artificial Intelligence: Deep learning lab – WS22</a:t>
             </a:r>
             <a:endParaRPr lang="de-DE" dirty="0"/>
           </a:p>
@@ -16574,21 +16415,16 @@
           <a:p>
             <a:pPr algn="ctr"/>
             <a:r>
-              <a:rPr lang="de-DE" dirty="0" smtClean="0"/>
+              <a:rPr lang="de-DE" dirty="0"/>
               <a:t>Benedikt Rotter</a:t>
             </a:r>
           </a:p>
           <a:p>
             <a:pPr algn="ctr"/>
             <a:r>
-              <a:rPr lang="de-DE" dirty="0" smtClean="0"/>
-              <a:t>Ravi </a:t>
-            </a:r>
-            <a:r>
-              <a:rPr lang="de-DE" dirty="0" smtClean="0"/>
-              <a:t>Akash</a:t>
-            </a:r>
-            <a:endParaRPr lang="de-DE" dirty="0"/>
+              <a:rPr lang="de-DE" dirty="0"/>
+              <a:t>Ravi Akash</a:t>
+            </a:r>
           </a:p>
         </p:txBody>
       </p:sp>
@@ -16624,19 +16460,7 @@
             </a:pPr>
             <a:r>
               <a:rPr lang="nn-NO" sz="1200" b="1" dirty="0"/>
-              <a:t>Univ.-Prof. Dr. rer. </a:t>
-            </a:r>
-            <a:r>
-              <a:rPr lang="nn-NO" sz="1200" b="1" dirty="0" smtClean="0"/>
-              <a:t>nat. </a:t>
-            </a:r>
-            <a:r>
-              <a:rPr lang="nn-NO" sz="1200" b="1" dirty="0"/>
-              <a:t>Steffen </a:t>
-            </a:r>
-            <a:r>
-              <a:rPr lang="nn-NO" sz="1200" b="1" dirty="0" smtClean="0"/>
-              <a:t>Staab</a:t>
+              <a:t>Univ.-Prof. Dr. rer. nat. Steffen Staab</a:t>
             </a:r>
           </a:p>
           <a:p>
@@ -16650,11 +16474,7 @@
             </a:pPr>
             <a:r>
               <a:rPr lang="en-US" sz="1200" b="1" dirty="0"/>
-              <a:t>Amin </a:t>
-            </a:r>
-            <a:r>
-              <a:rPr lang="en-US" sz="1200" b="1" dirty="0" smtClean="0"/>
-              <a:t>Totounferoush </a:t>
+              <a:t>Amin Totounferoush </a:t>
             </a:r>
           </a:p>
           <a:p>
@@ -16667,10 +16487,9 @@
               </a:buClr>
             </a:pPr>
             <a:r>
-              <a:rPr lang="en-US" sz="1200" dirty="0" smtClean="0"/>
+              <a:rPr lang="en-US" sz="1200" dirty="0"/>
               <a:t>Yuqicheng Zhu, Yunjie He  </a:t>
             </a:r>
-            <a:endParaRPr lang="en-US" sz="1200" dirty="0" smtClean="0"/>
           </a:p>
           <a:p>
             <a:pPr algn="r">
@@ -16681,7 +16500,7 @@
                 <a:schemeClr val="accent1"/>
               </a:buClr>
             </a:pPr>
-            <a:endParaRPr lang="en-US" sz="1200" dirty="0" smtClean="0"/>
+            <a:endParaRPr lang="en-US" sz="1200" dirty="0"/>
           </a:p>
         </p:txBody>
       </p:sp>
@@ -16695,13 +16514,1637 @@
   <p:clrMapOvr>
     <a:masterClrMapping/>
   </p:clrMapOvr>
-  <p:timing>
-    <p:tnLst>
-      <p:par>
-        <p:cTn id="1" dur="indefinite" restart="never" nodeType="tmRoot"/>
-      </p:par>
-    </p:tnLst>
-  </p:timing>
+</p:sld>
+</file>
+
+<file path=ppt/slides/slide10.xml><?xml version="1.0" encoding="utf-8"?>
+<p:sld xmlns:a="http://schemas.openxmlformats.org/drawingml/2006/main" xmlns:r="http://schemas.openxmlformats.org/officeDocument/2006/relationships" xmlns:p="http://schemas.openxmlformats.org/presentationml/2006/main">
+  <p:cSld>
+    <p:spTree>
+      <p:nvGrpSpPr>
+        <p:cNvPr id="1" name=""/>
+        <p:cNvGrpSpPr/>
+        <p:nvPr/>
+      </p:nvGrpSpPr>
+      <p:grpSpPr>
+        <a:xfrm>
+          <a:off x="0" y="0"/>
+          <a:ext cx="0" cy="0"/>
+          <a:chOff x="0" y="0"/>
+          <a:chExt cx="0" cy="0"/>
+        </a:xfrm>
+      </p:grpSpPr>
+      <p:sp>
+        <p:nvSpPr>
+          <p:cNvPr id="2" name="Titel 1">
+            <a:extLst>
+              <a:ext uri="{FF2B5EF4-FFF2-40B4-BE49-F238E27FC236}">
+                <a16:creationId xmlns:a16="http://schemas.microsoft.com/office/drawing/2014/main" id="{59E115E9-BD0D-8280-B43C-25D84E14A254}"/>
+              </a:ext>
+            </a:extLst>
+          </p:cNvPr>
+          <p:cNvSpPr>
+            <a:spLocks noGrp="1"/>
+          </p:cNvSpPr>
+          <p:nvPr>
+            <p:ph type="title"/>
+          </p:nvPr>
+        </p:nvSpPr>
+        <p:spPr/>
+        <p:txBody>
+          <a:bodyPr/>
+          <a:lstStyle/>
+          <a:p>
+            <a:r>
+              <a:rPr lang="de-DE" dirty="0"/>
+              <a:t>Initial </a:t>
+            </a:r>
+            <a:r>
+              <a:rPr lang="de-DE" dirty="0" err="1"/>
+              <a:t>Results</a:t>
+            </a:r>
+            <a:endParaRPr lang="de-DE" dirty="0"/>
+          </a:p>
+        </p:txBody>
+      </p:sp>
+      <p:sp>
+        <p:nvSpPr>
+          <p:cNvPr id="3" name="Textplatzhalter 2">
+            <a:extLst>
+              <a:ext uri="{FF2B5EF4-FFF2-40B4-BE49-F238E27FC236}">
+                <a16:creationId xmlns:a16="http://schemas.microsoft.com/office/drawing/2014/main" id="{C299FEAA-4980-7234-86E4-81BC28EF342A}"/>
+              </a:ext>
+            </a:extLst>
+          </p:cNvPr>
+          <p:cNvSpPr>
+            <a:spLocks noGrp="1"/>
+          </p:cNvSpPr>
+          <p:nvPr>
+            <p:ph type="body" sz="quarter" idx="13"/>
+          </p:nvPr>
+        </p:nvSpPr>
+        <p:spPr/>
+        <p:txBody>
+          <a:bodyPr/>
+          <a:lstStyle/>
+          <a:p>
+            <a:r>
+              <a:rPr lang="de-DE" dirty="0"/>
+              <a:t>Hyperparameter </a:t>
+            </a:r>
+            <a:r>
+              <a:rPr lang="de-DE" dirty="0" err="1"/>
+              <a:t>optimization</a:t>
+            </a:r>
+            <a:endParaRPr lang="de-DE" dirty="0"/>
+          </a:p>
+        </p:txBody>
+      </p:sp>
+      <p:sp>
+        <p:nvSpPr>
+          <p:cNvPr id="4" name="Inhaltsplatzhalter 3">
+            <a:extLst>
+              <a:ext uri="{FF2B5EF4-FFF2-40B4-BE49-F238E27FC236}">
+                <a16:creationId xmlns:a16="http://schemas.microsoft.com/office/drawing/2014/main" id="{C87C76AC-4B5F-C56C-0504-F6B7D533201C}"/>
+              </a:ext>
+            </a:extLst>
+          </p:cNvPr>
+          <p:cNvSpPr>
+            <a:spLocks noGrp="1"/>
+          </p:cNvSpPr>
+          <p:nvPr>
+            <p:ph idx="1"/>
+          </p:nvPr>
+        </p:nvSpPr>
+        <p:spPr/>
+        <p:txBody>
+          <a:bodyPr/>
+          <a:lstStyle/>
+          <a:p>
+            <a:r>
+              <a:rPr lang="de-DE" dirty="0" err="1"/>
+              <a:t>Bayesian</a:t>
+            </a:r>
+            <a:r>
+              <a:rPr lang="de-DE" dirty="0"/>
+              <a:t> </a:t>
+            </a:r>
+            <a:r>
+              <a:rPr lang="de-DE" dirty="0" err="1"/>
+              <a:t>optimization</a:t>
+            </a:r>
+            <a:endParaRPr lang="de-DE" dirty="0"/>
+          </a:p>
+          <a:p>
+            <a:endParaRPr lang="de-DE" dirty="0"/>
+          </a:p>
+          <a:p>
+            <a:endParaRPr lang="de-DE" dirty="0"/>
+          </a:p>
+        </p:txBody>
+      </p:sp>
+      <p:sp>
+        <p:nvSpPr>
+          <p:cNvPr id="5" name="Datumsplatzhalter 4">
+            <a:extLst>
+              <a:ext uri="{FF2B5EF4-FFF2-40B4-BE49-F238E27FC236}">
+                <a16:creationId xmlns:a16="http://schemas.microsoft.com/office/drawing/2014/main" id="{2E6390FB-1E21-FF6D-0178-589DFCCEA252}"/>
+              </a:ext>
+            </a:extLst>
+          </p:cNvPr>
+          <p:cNvSpPr>
+            <a:spLocks noGrp="1"/>
+          </p:cNvSpPr>
+          <p:nvPr>
+            <p:ph type="dt" sz="half" idx="14"/>
+          </p:nvPr>
+        </p:nvSpPr>
+        <p:spPr/>
+        <p:txBody>
+          <a:bodyPr/>
+          <a:lstStyle/>
+          <a:p>
+            <a:fld id="{7662C9C7-604C-4A52-83AD-DCC06C4528AB}" type="datetime1">
+              <a:rPr lang="en-US" smtClean="0"/>
+              <a:t>12/6/2022</a:t>
+            </a:fld>
+            <a:endParaRPr lang="en-US" dirty="0"/>
+          </a:p>
+        </p:txBody>
+      </p:sp>
+      <p:sp>
+        <p:nvSpPr>
+          <p:cNvPr id="6" name="Fußzeilenplatzhalter 5">
+            <a:extLst>
+              <a:ext uri="{FF2B5EF4-FFF2-40B4-BE49-F238E27FC236}">
+                <a16:creationId xmlns:a16="http://schemas.microsoft.com/office/drawing/2014/main" id="{3A19B58F-F209-D359-A0D7-5B52C69F0769}"/>
+              </a:ext>
+            </a:extLst>
+          </p:cNvPr>
+          <p:cNvSpPr>
+            <a:spLocks noGrp="1"/>
+          </p:cNvSpPr>
+          <p:nvPr>
+            <p:ph type="ftr" sz="quarter" idx="15"/>
+          </p:nvPr>
+        </p:nvSpPr>
+        <p:spPr/>
+        <p:txBody>
+          <a:bodyPr/>
+          <a:lstStyle/>
+          <a:p>
+            <a:r>
+              <a:rPr lang="en-IN"/>
+              <a:t>Milestone Presentation</a:t>
+            </a:r>
+            <a:endParaRPr lang="en-US" dirty="0"/>
+          </a:p>
+        </p:txBody>
+      </p:sp>
+      <p:sp>
+        <p:nvSpPr>
+          <p:cNvPr id="7" name="Foliennummernplatzhalter 6">
+            <a:extLst>
+              <a:ext uri="{FF2B5EF4-FFF2-40B4-BE49-F238E27FC236}">
+                <a16:creationId xmlns:a16="http://schemas.microsoft.com/office/drawing/2014/main" id="{FC6CFE21-E947-A3B8-C324-24D90CFEEE0F}"/>
+              </a:ext>
+            </a:extLst>
+          </p:cNvPr>
+          <p:cNvSpPr>
+            <a:spLocks noGrp="1"/>
+          </p:cNvSpPr>
+          <p:nvPr>
+            <p:ph type="sldNum" sz="quarter" idx="16"/>
+          </p:nvPr>
+        </p:nvSpPr>
+        <p:spPr/>
+        <p:txBody>
+          <a:bodyPr/>
+          <a:lstStyle/>
+          <a:p>
+            <a:fld id="{9E82CC3C-1DC0-4FDA-9590-6CC506AB67F8}" type="slidenum">
+              <a:rPr lang="en-US" smtClean="0"/>
+              <a:pPr/>
+              <a:t>10</a:t>
+            </a:fld>
+            <a:endParaRPr lang="en-US" dirty="0"/>
+          </a:p>
+        </p:txBody>
+      </p:sp>
+    </p:spTree>
+    <p:extLst>
+      <p:ext uri="{BB962C8B-B14F-4D97-AF65-F5344CB8AC3E}">
+        <p14:creationId xmlns:p14="http://schemas.microsoft.com/office/powerpoint/2010/main" val="4121248801"/>
+      </p:ext>
+    </p:extLst>
+  </p:cSld>
+  <p:clrMapOvr>
+    <a:masterClrMapping/>
+  </p:clrMapOvr>
+</p:sld>
+</file>
+
+<file path=ppt/slides/slide11.xml><?xml version="1.0" encoding="utf-8"?>
+<p:sld xmlns:a="http://schemas.openxmlformats.org/drawingml/2006/main" xmlns:r="http://schemas.openxmlformats.org/officeDocument/2006/relationships" xmlns:p="http://schemas.openxmlformats.org/presentationml/2006/main">
+  <p:cSld>
+    <p:spTree>
+      <p:nvGrpSpPr>
+        <p:cNvPr id="1" name=""/>
+        <p:cNvGrpSpPr/>
+        <p:nvPr/>
+      </p:nvGrpSpPr>
+      <p:grpSpPr>
+        <a:xfrm>
+          <a:off x="0" y="0"/>
+          <a:ext cx="0" cy="0"/>
+          <a:chOff x="0" y="0"/>
+          <a:chExt cx="0" cy="0"/>
+        </a:xfrm>
+      </p:grpSpPr>
+      <p:sp>
+        <p:nvSpPr>
+          <p:cNvPr id="2" name="Titel 1">
+            <a:extLst>
+              <a:ext uri="{FF2B5EF4-FFF2-40B4-BE49-F238E27FC236}">
+                <a16:creationId xmlns:a16="http://schemas.microsoft.com/office/drawing/2014/main" id="{59E115E9-BD0D-8280-B43C-25D84E14A254}"/>
+              </a:ext>
+            </a:extLst>
+          </p:cNvPr>
+          <p:cNvSpPr>
+            <a:spLocks noGrp="1"/>
+          </p:cNvSpPr>
+          <p:nvPr>
+            <p:ph type="title"/>
+          </p:nvPr>
+        </p:nvSpPr>
+        <p:spPr/>
+        <p:txBody>
+          <a:bodyPr/>
+          <a:lstStyle/>
+          <a:p>
+            <a:r>
+              <a:rPr lang="de-DE" dirty="0"/>
+              <a:t>Initial </a:t>
+            </a:r>
+            <a:r>
+              <a:rPr lang="de-DE" dirty="0" err="1"/>
+              <a:t>Results</a:t>
+            </a:r>
+            <a:endParaRPr lang="de-DE" dirty="0"/>
+          </a:p>
+        </p:txBody>
+      </p:sp>
+      <p:sp>
+        <p:nvSpPr>
+          <p:cNvPr id="3" name="Textplatzhalter 2">
+            <a:extLst>
+              <a:ext uri="{FF2B5EF4-FFF2-40B4-BE49-F238E27FC236}">
+                <a16:creationId xmlns:a16="http://schemas.microsoft.com/office/drawing/2014/main" id="{C299FEAA-4980-7234-86E4-81BC28EF342A}"/>
+              </a:ext>
+            </a:extLst>
+          </p:cNvPr>
+          <p:cNvSpPr>
+            <a:spLocks noGrp="1"/>
+          </p:cNvSpPr>
+          <p:nvPr>
+            <p:ph type="body" sz="quarter" idx="13"/>
+          </p:nvPr>
+        </p:nvSpPr>
+        <p:spPr/>
+        <p:txBody>
+          <a:bodyPr/>
+          <a:lstStyle/>
+          <a:p>
+            <a:r>
+              <a:rPr lang="de-DE" dirty="0" err="1"/>
+              <a:t>Comparison</a:t>
+            </a:r>
+            <a:r>
+              <a:rPr lang="de-DE" dirty="0"/>
+              <a:t> </a:t>
+            </a:r>
+            <a:r>
+              <a:rPr lang="de-DE" dirty="0" err="1"/>
+              <a:t>optimizers</a:t>
+            </a:r>
+            <a:r>
+              <a:rPr lang="de-DE" dirty="0"/>
+              <a:t> and </a:t>
+            </a:r>
+            <a:r>
+              <a:rPr lang="de-DE" dirty="0" err="1"/>
+              <a:t>loss</a:t>
+            </a:r>
+            <a:r>
+              <a:rPr lang="de-DE" dirty="0"/>
+              <a:t> </a:t>
+            </a:r>
+            <a:r>
+              <a:rPr lang="de-DE" dirty="0" err="1"/>
+              <a:t>functions</a:t>
+            </a:r>
+            <a:endParaRPr lang="de-DE" dirty="0"/>
+          </a:p>
+        </p:txBody>
+      </p:sp>
+      <p:sp>
+        <p:nvSpPr>
+          <p:cNvPr id="4" name="Inhaltsplatzhalter 3">
+            <a:extLst>
+              <a:ext uri="{FF2B5EF4-FFF2-40B4-BE49-F238E27FC236}">
+                <a16:creationId xmlns:a16="http://schemas.microsoft.com/office/drawing/2014/main" id="{C87C76AC-4B5F-C56C-0504-F6B7D533201C}"/>
+              </a:ext>
+            </a:extLst>
+          </p:cNvPr>
+          <p:cNvSpPr>
+            <a:spLocks noGrp="1"/>
+          </p:cNvSpPr>
+          <p:nvPr>
+            <p:ph idx="1"/>
+          </p:nvPr>
+        </p:nvSpPr>
+        <p:spPr/>
+        <p:txBody>
+          <a:bodyPr/>
+          <a:lstStyle/>
+          <a:p>
+            <a:endParaRPr lang="de-DE" dirty="0"/>
+          </a:p>
+          <a:p>
+            <a:endParaRPr lang="de-DE" dirty="0"/>
+          </a:p>
+        </p:txBody>
+      </p:sp>
+      <p:sp>
+        <p:nvSpPr>
+          <p:cNvPr id="5" name="Datumsplatzhalter 4">
+            <a:extLst>
+              <a:ext uri="{FF2B5EF4-FFF2-40B4-BE49-F238E27FC236}">
+                <a16:creationId xmlns:a16="http://schemas.microsoft.com/office/drawing/2014/main" id="{2E6390FB-1E21-FF6D-0178-589DFCCEA252}"/>
+              </a:ext>
+            </a:extLst>
+          </p:cNvPr>
+          <p:cNvSpPr>
+            <a:spLocks noGrp="1"/>
+          </p:cNvSpPr>
+          <p:nvPr>
+            <p:ph type="dt" sz="half" idx="14"/>
+          </p:nvPr>
+        </p:nvSpPr>
+        <p:spPr/>
+        <p:txBody>
+          <a:bodyPr/>
+          <a:lstStyle/>
+          <a:p>
+            <a:fld id="{7662C9C7-604C-4A52-83AD-DCC06C4528AB}" type="datetime1">
+              <a:rPr lang="en-US" smtClean="0"/>
+              <a:t>12/6/2022</a:t>
+            </a:fld>
+            <a:endParaRPr lang="en-US" dirty="0"/>
+          </a:p>
+        </p:txBody>
+      </p:sp>
+      <p:sp>
+        <p:nvSpPr>
+          <p:cNvPr id="6" name="Fußzeilenplatzhalter 5">
+            <a:extLst>
+              <a:ext uri="{FF2B5EF4-FFF2-40B4-BE49-F238E27FC236}">
+                <a16:creationId xmlns:a16="http://schemas.microsoft.com/office/drawing/2014/main" id="{3A19B58F-F209-D359-A0D7-5B52C69F0769}"/>
+              </a:ext>
+            </a:extLst>
+          </p:cNvPr>
+          <p:cNvSpPr>
+            <a:spLocks noGrp="1"/>
+          </p:cNvSpPr>
+          <p:nvPr>
+            <p:ph type="ftr" sz="quarter" idx="15"/>
+          </p:nvPr>
+        </p:nvSpPr>
+        <p:spPr/>
+        <p:txBody>
+          <a:bodyPr/>
+          <a:lstStyle/>
+          <a:p>
+            <a:r>
+              <a:rPr lang="en-IN"/>
+              <a:t>Milestone Presentation</a:t>
+            </a:r>
+            <a:endParaRPr lang="en-US" dirty="0"/>
+          </a:p>
+        </p:txBody>
+      </p:sp>
+      <p:sp>
+        <p:nvSpPr>
+          <p:cNvPr id="7" name="Foliennummernplatzhalter 6">
+            <a:extLst>
+              <a:ext uri="{FF2B5EF4-FFF2-40B4-BE49-F238E27FC236}">
+                <a16:creationId xmlns:a16="http://schemas.microsoft.com/office/drawing/2014/main" id="{FC6CFE21-E947-A3B8-C324-24D90CFEEE0F}"/>
+              </a:ext>
+            </a:extLst>
+          </p:cNvPr>
+          <p:cNvSpPr>
+            <a:spLocks noGrp="1"/>
+          </p:cNvSpPr>
+          <p:nvPr>
+            <p:ph type="sldNum" sz="quarter" idx="16"/>
+          </p:nvPr>
+        </p:nvSpPr>
+        <p:spPr/>
+        <p:txBody>
+          <a:bodyPr/>
+          <a:lstStyle/>
+          <a:p>
+            <a:fld id="{9E82CC3C-1DC0-4FDA-9590-6CC506AB67F8}" type="slidenum">
+              <a:rPr lang="en-US" smtClean="0"/>
+              <a:pPr/>
+              <a:t>11</a:t>
+            </a:fld>
+            <a:endParaRPr lang="en-US" dirty="0"/>
+          </a:p>
+        </p:txBody>
+      </p:sp>
+    </p:spTree>
+    <p:extLst>
+      <p:ext uri="{BB962C8B-B14F-4D97-AF65-F5344CB8AC3E}">
+        <p14:creationId xmlns:p14="http://schemas.microsoft.com/office/powerpoint/2010/main" val="977887105"/>
+      </p:ext>
+    </p:extLst>
+  </p:cSld>
+  <p:clrMapOvr>
+    <a:masterClrMapping/>
+  </p:clrMapOvr>
+</p:sld>
+</file>
+
+<file path=ppt/slides/slide12.xml><?xml version="1.0" encoding="utf-8"?>
+<p:sld xmlns:a="http://schemas.openxmlformats.org/drawingml/2006/main" xmlns:r="http://schemas.openxmlformats.org/officeDocument/2006/relationships" xmlns:p="http://schemas.openxmlformats.org/presentationml/2006/main">
+  <p:cSld>
+    <p:spTree>
+      <p:nvGrpSpPr>
+        <p:cNvPr id="1" name=""/>
+        <p:cNvGrpSpPr/>
+        <p:nvPr/>
+      </p:nvGrpSpPr>
+      <p:grpSpPr>
+        <a:xfrm>
+          <a:off x="0" y="0"/>
+          <a:ext cx="0" cy="0"/>
+          <a:chOff x="0" y="0"/>
+          <a:chExt cx="0" cy="0"/>
+        </a:xfrm>
+      </p:grpSpPr>
+      <p:sp>
+        <p:nvSpPr>
+          <p:cNvPr id="2" name="Titel 1">
+            <a:extLst>
+              <a:ext uri="{FF2B5EF4-FFF2-40B4-BE49-F238E27FC236}">
+                <a16:creationId xmlns:a16="http://schemas.microsoft.com/office/drawing/2014/main" id="{59E115E9-BD0D-8280-B43C-25D84E14A254}"/>
+              </a:ext>
+            </a:extLst>
+          </p:cNvPr>
+          <p:cNvSpPr>
+            <a:spLocks noGrp="1"/>
+          </p:cNvSpPr>
+          <p:nvPr>
+            <p:ph type="title"/>
+          </p:nvPr>
+        </p:nvSpPr>
+        <p:spPr/>
+        <p:txBody>
+          <a:bodyPr/>
+          <a:lstStyle/>
+          <a:p>
+            <a:r>
+              <a:rPr lang="de-DE" dirty="0"/>
+              <a:t>Initial </a:t>
+            </a:r>
+            <a:r>
+              <a:rPr lang="de-DE" dirty="0" err="1"/>
+              <a:t>Results</a:t>
+            </a:r>
+            <a:endParaRPr lang="de-DE" dirty="0"/>
+          </a:p>
+        </p:txBody>
+      </p:sp>
+      <p:sp>
+        <p:nvSpPr>
+          <p:cNvPr id="3" name="Textplatzhalter 2">
+            <a:extLst>
+              <a:ext uri="{FF2B5EF4-FFF2-40B4-BE49-F238E27FC236}">
+                <a16:creationId xmlns:a16="http://schemas.microsoft.com/office/drawing/2014/main" id="{C299FEAA-4980-7234-86E4-81BC28EF342A}"/>
+              </a:ext>
+            </a:extLst>
+          </p:cNvPr>
+          <p:cNvSpPr>
+            <a:spLocks noGrp="1"/>
+          </p:cNvSpPr>
+          <p:nvPr>
+            <p:ph type="body" sz="quarter" idx="13"/>
+          </p:nvPr>
+        </p:nvSpPr>
+        <p:spPr/>
+        <p:txBody>
+          <a:bodyPr/>
+          <a:lstStyle/>
+          <a:p>
+            <a:r>
+              <a:rPr lang="de-DE" dirty="0" err="1"/>
+              <a:t>Comparison</a:t>
+            </a:r>
+            <a:r>
+              <a:rPr lang="de-DE" dirty="0"/>
+              <a:t> different </a:t>
+            </a:r>
+            <a:r>
+              <a:rPr lang="de-DE" dirty="0" err="1"/>
+              <a:t>architectures</a:t>
+            </a:r>
+            <a:endParaRPr lang="de-DE" dirty="0"/>
+          </a:p>
+        </p:txBody>
+      </p:sp>
+      <p:sp>
+        <p:nvSpPr>
+          <p:cNvPr id="4" name="Inhaltsplatzhalter 3">
+            <a:extLst>
+              <a:ext uri="{FF2B5EF4-FFF2-40B4-BE49-F238E27FC236}">
+                <a16:creationId xmlns:a16="http://schemas.microsoft.com/office/drawing/2014/main" id="{C87C76AC-4B5F-C56C-0504-F6B7D533201C}"/>
+              </a:ext>
+            </a:extLst>
+          </p:cNvPr>
+          <p:cNvSpPr>
+            <a:spLocks noGrp="1"/>
+          </p:cNvSpPr>
+          <p:nvPr>
+            <p:ph idx="1"/>
+          </p:nvPr>
+        </p:nvSpPr>
+        <p:spPr/>
+        <p:txBody>
+          <a:bodyPr/>
+          <a:lstStyle/>
+          <a:p>
+            <a:endParaRPr lang="de-DE" dirty="0"/>
+          </a:p>
+          <a:p>
+            <a:endParaRPr lang="de-DE" dirty="0"/>
+          </a:p>
+        </p:txBody>
+      </p:sp>
+      <p:sp>
+        <p:nvSpPr>
+          <p:cNvPr id="5" name="Datumsplatzhalter 4">
+            <a:extLst>
+              <a:ext uri="{FF2B5EF4-FFF2-40B4-BE49-F238E27FC236}">
+                <a16:creationId xmlns:a16="http://schemas.microsoft.com/office/drawing/2014/main" id="{2E6390FB-1E21-FF6D-0178-589DFCCEA252}"/>
+              </a:ext>
+            </a:extLst>
+          </p:cNvPr>
+          <p:cNvSpPr>
+            <a:spLocks noGrp="1"/>
+          </p:cNvSpPr>
+          <p:nvPr>
+            <p:ph type="dt" sz="half" idx="14"/>
+          </p:nvPr>
+        </p:nvSpPr>
+        <p:spPr/>
+        <p:txBody>
+          <a:bodyPr/>
+          <a:lstStyle/>
+          <a:p>
+            <a:fld id="{7662C9C7-604C-4A52-83AD-DCC06C4528AB}" type="datetime1">
+              <a:rPr lang="en-US" smtClean="0"/>
+              <a:t>12/6/2022</a:t>
+            </a:fld>
+            <a:endParaRPr lang="en-US" dirty="0"/>
+          </a:p>
+        </p:txBody>
+      </p:sp>
+      <p:sp>
+        <p:nvSpPr>
+          <p:cNvPr id="6" name="Fußzeilenplatzhalter 5">
+            <a:extLst>
+              <a:ext uri="{FF2B5EF4-FFF2-40B4-BE49-F238E27FC236}">
+                <a16:creationId xmlns:a16="http://schemas.microsoft.com/office/drawing/2014/main" id="{3A19B58F-F209-D359-A0D7-5B52C69F0769}"/>
+              </a:ext>
+            </a:extLst>
+          </p:cNvPr>
+          <p:cNvSpPr>
+            <a:spLocks noGrp="1"/>
+          </p:cNvSpPr>
+          <p:nvPr>
+            <p:ph type="ftr" sz="quarter" idx="15"/>
+          </p:nvPr>
+        </p:nvSpPr>
+        <p:spPr/>
+        <p:txBody>
+          <a:bodyPr/>
+          <a:lstStyle/>
+          <a:p>
+            <a:r>
+              <a:rPr lang="en-IN"/>
+              <a:t>Milestone Presentation</a:t>
+            </a:r>
+            <a:endParaRPr lang="en-US" dirty="0"/>
+          </a:p>
+        </p:txBody>
+      </p:sp>
+      <p:sp>
+        <p:nvSpPr>
+          <p:cNvPr id="7" name="Foliennummernplatzhalter 6">
+            <a:extLst>
+              <a:ext uri="{FF2B5EF4-FFF2-40B4-BE49-F238E27FC236}">
+                <a16:creationId xmlns:a16="http://schemas.microsoft.com/office/drawing/2014/main" id="{FC6CFE21-E947-A3B8-C324-24D90CFEEE0F}"/>
+              </a:ext>
+            </a:extLst>
+          </p:cNvPr>
+          <p:cNvSpPr>
+            <a:spLocks noGrp="1"/>
+          </p:cNvSpPr>
+          <p:nvPr>
+            <p:ph type="sldNum" sz="quarter" idx="16"/>
+          </p:nvPr>
+        </p:nvSpPr>
+        <p:spPr/>
+        <p:txBody>
+          <a:bodyPr/>
+          <a:lstStyle/>
+          <a:p>
+            <a:fld id="{9E82CC3C-1DC0-4FDA-9590-6CC506AB67F8}" type="slidenum">
+              <a:rPr lang="en-US" smtClean="0"/>
+              <a:pPr/>
+              <a:t>12</a:t>
+            </a:fld>
+            <a:endParaRPr lang="en-US" dirty="0"/>
+          </a:p>
+        </p:txBody>
+      </p:sp>
+    </p:spTree>
+    <p:extLst>
+      <p:ext uri="{BB962C8B-B14F-4D97-AF65-F5344CB8AC3E}">
+        <p14:creationId xmlns:p14="http://schemas.microsoft.com/office/powerpoint/2010/main" val="167120146"/>
+      </p:ext>
+    </p:extLst>
+  </p:cSld>
+  <p:clrMapOvr>
+    <a:masterClrMapping/>
+  </p:clrMapOvr>
+</p:sld>
+</file>
+
+<file path=ppt/slides/slide13.xml><?xml version="1.0" encoding="utf-8"?>
+<p:sld xmlns:a="http://schemas.openxmlformats.org/drawingml/2006/main" xmlns:r="http://schemas.openxmlformats.org/officeDocument/2006/relationships" xmlns:p="http://schemas.openxmlformats.org/presentationml/2006/main">
+  <p:cSld>
+    <p:bg>
+      <p:bgPr>
+        <a:blipFill dpi="0" rotWithShape="1">
+          <a:blip r:embed="rId3"/>
+          <a:srcRect/>
+          <a:stretch>
+            <a:fillRect/>
+          </a:stretch>
+        </a:blipFill>
+        <a:effectLst/>
+      </p:bgPr>
+    </p:bg>
+    <p:spTree>
+      <p:nvGrpSpPr>
+        <p:cNvPr id="1" name=""/>
+        <p:cNvGrpSpPr/>
+        <p:nvPr/>
+      </p:nvGrpSpPr>
+      <p:grpSpPr>
+        <a:xfrm>
+          <a:off x="0" y="0"/>
+          <a:ext cx="0" cy="0"/>
+          <a:chOff x="0" y="0"/>
+          <a:chExt cx="0" cy="0"/>
+        </a:xfrm>
+      </p:grpSpPr>
+      <p:sp>
+        <p:nvSpPr>
+          <p:cNvPr id="2" name="Titel 1"/>
+          <p:cNvSpPr>
+            <a:spLocks noGrp="1"/>
+          </p:cNvSpPr>
+          <p:nvPr>
+            <p:ph type="title"/>
+          </p:nvPr>
+        </p:nvSpPr>
+        <p:spPr>
+          <a:xfrm>
+            <a:off x="2960100" y="1332412"/>
+            <a:ext cx="3088582" cy="585113"/>
+          </a:xfrm>
+        </p:spPr>
+        <p:txBody>
+          <a:bodyPr/>
+          <a:lstStyle/>
+          <a:p>
+            <a:pPr algn="ctr"/>
+            <a:r>
+              <a:rPr lang="de-DE" dirty="0"/>
+              <a:t>Further Steps</a:t>
+            </a:r>
+          </a:p>
+        </p:txBody>
+      </p:sp>
+    </p:spTree>
+    <p:extLst>
+      <p:ext uri="{BB962C8B-B14F-4D97-AF65-F5344CB8AC3E}">
+        <p14:creationId xmlns:p14="http://schemas.microsoft.com/office/powerpoint/2010/main" val="2569927388"/>
+      </p:ext>
+    </p:extLst>
+  </p:cSld>
+  <p:clrMapOvr>
+    <a:masterClrMapping/>
+  </p:clrMapOvr>
+</p:sld>
+</file>
+
+<file path=ppt/slides/slide14.xml><?xml version="1.0" encoding="utf-8"?>
+<p:sld xmlns:a="http://schemas.openxmlformats.org/drawingml/2006/main" xmlns:r="http://schemas.openxmlformats.org/officeDocument/2006/relationships" xmlns:p="http://schemas.openxmlformats.org/presentationml/2006/main">
+  <p:cSld>
+    <p:spTree>
+      <p:nvGrpSpPr>
+        <p:cNvPr id="1" name=""/>
+        <p:cNvGrpSpPr/>
+        <p:nvPr/>
+      </p:nvGrpSpPr>
+      <p:grpSpPr>
+        <a:xfrm>
+          <a:off x="0" y="0"/>
+          <a:ext cx="0" cy="0"/>
+          <a:chOff x="0" y="0"/>
+          <a:chExt cx="0" cy="0"/>
+        </a:xfrm>
+      </p:grpSpPr>
+      <p:sp>
+        <p:nvSpPr>
+          <p:cNvPr id="2" name="Titel 1">
+            <a:extLst>
+              <a:ext uri="{FF2B5EF4-FFF2-40B4-BE49-F238E27FC236}">
+                <a16:creationId xmlns:a16="http://schemas.microsoft.com/office/drawing/2014/main" id="{29E6BBC6-3A78-C682-A7C4-A31AC97F2D60}"/>
+              </a:ext>
+            </a:extLst>
+          </p:cNvPr>
+          <p:cNvSpPr>
+            <a:spLocks noGrp="1"/>
+          </p:cNvSpPr>
+          <p:nvPr>
+            <p:ph type="title"/>
+          </p:nvPr>
+        </p:nvSpPr>
+        <p:spPr/>
+        <p:txBody>
+          <a:bodyPr/>
+          <a:lstStyle/>
+          <a:p>
+            <a:r>
+              <a:rPr lang="de-DE" dirty="0"/>
+              <a:t>Further </a:t>
+            </a:r>
+            <a:r>
+              <a:rPr lang="de-DE" dirty="0" err="1"/>
+              <a:t>Steps</a:t>
+            </a:r>
+            <a:endParaRPr lang="de-DE" dirty="0"/>
+          </a:p>
+        </p:txBody>
+      </p:sp>
+      <p:sp>
+        <p:nvSpPr>
+          <p:cNvPr id="3" name="Textplatzhalter 2">
+            <a:extLst>
+              <a:ext uri="{FF2B5EF4-FFF2-40B4-BE49-F238E27FC236}">
+                <a16:creationId xmlns:a16="http://schemas.microsoft.com/office/drawing/2014/main" id="{1F9CF46C-6CB6-46EB-F0BD-15C6E2A1282A}"/>
+              </a:ext>
+            </a:extLst>
+          </p:cNvPr>
+          <p:cNvSpPr>
+            <a:spLocks noGrp="1"/>
+          </p:cNvSpPr>
+          <p:nvPr>
+            <p:ph type="body" sz="quarter" idx="13"/>
+          </p:nvPr>
+        </p:nvSpPr>
+        <p:spPr/>
+        <p:txBody>
+          <a:bodyPr/>
+          <a:lstStyle/>
+          <a:p>
+            <a:endParaRPr lang="de-DE"/>
+          </a:p>
+        </p:txBody>
+      </p:sp>
+      <p:sp>
+        <p:nvSpPr>
+          <p:cNvPr id="4" name="Inhaltsplatzhalter 3">
+            <a:extLst>
+              <a:ext uri="{FF2B5EF4-FFF2-40B4-BE49-F238E27FC236}">
+                <a16:creationId xmlns:a16="http://schemas.microsoft.com/office/drawing/2014/main" id="{27DE15C3-D214-068F-2F21-C082956D6AC5}"/>
+              </a:ext>
+            </a:extLst>
+          </p:cNvPr>
+          <p:cNvSpPr>
+            <a:spLocks noGrp="1"/>
+          </p:cNvSpPr>
+          <p:nvPr>
+            <p:ph idx="1"/>
+          </p:nvPr>
+        </p:nvSpPr>
+        <p:spPr/>
+        <p:txBody>
+          <a:bodyPr/>
+          <a:lstStyle/>
+          <a:p>
+            <a:r>
+              <a:rPr lang="de-DE" dirty="0" err="1"/>
+              <a:t>Better</a:t>
+            </a:r>
+            <a:r>
+              <a:rPr lang="de-DE" dirty="0"/>
+              <a:t> </a:t>
+            </a:r>
+            <a:r>
+              <a:rPr lang="de-DE" dirty="0" err="1"/>
+              <a:t>visualization</a:t>
+            </a:r>
+            <a:endParaRPr lang="de-DE" dirty="0"/>
+          </a:p>
+          <a:p>
+            <a:r>
+              <a:rPr lang="de-DE" dirty="0" err="1"/>
+              <a:t>Improve</a:t>
+            </a:r>
+            <a:r>
+              <a:rPr lang="de-DE" dirty="0"/>
+              <a:t> </a:t>
+            </a:r>
+            <a:r>
+              <a:rPr lang="de-DE" dirty="0" err="1"/>
+              <a:t>performance</a:t>
+            </a:r>
+            <a:r>
+              <a:rPr lang="de-DE" dirty="0"/>
+              <a:t> </a:t>
+            </a:r>
+            <a:r>
+              <a:rPr lang="de-DE" dirty="0" err="1"/>
+              <a:t>for</a:t>
+            </a:r>
+            <a:r>
+              <a:rPr lang="de-DE" dirty="0"/>
+              <a:t> </a:t>
+            </a:r>
+            <a:r>
+              <a:rPr lang="en-US" dirty="0"/>
+              <a:t>postural transitions</a:t>
+            </a:r>
+          </a:p>
+          <a:p>
+            <a:pPr lvl="1"/>
+            <a:r>
+              <a:rPr lang="en-US" dirty="0"/>
+              <a:t>Transfer learning</a:t>
+            </a:r>
+          </a:p>
+          <a:p>
+            <a:pPr lvl="1"/>
+            <a:r>
+              <a:rPr lang="en-US" dirty="0"/>
+              <a:t>Few shot learning</a:t>
+            </a:r>
+          </a:p>
+          <a:p>
+            <a:r>
+              <a:rPr lang="en-US" dirty="0"/>
+              <a:t>Implementation of a conventional machine learning method (SVM)</a:t>
+            </a:r>
+          </a:p>
+          <a:p>
+            <a:r>
+              <a:rPr lang="de-DE" dirty="0"/>
+              <a:t> </a:t>
+            </a:r>
+          </a:p>
+        </p:txBody>
+      </p:sp>
+      <p:sp>
+        <p:nvSpPr>
+          <p:cNvPr id="5" name="Datumsplatzhalter 4">
+            <a:extLst>
+              <a:ext uri="{FF2B5EF4-FFF2-40B4-BE49-F238E27FC236}">
+                <a16:creationId xmlns:a16="http://schemas.microsoft.com/office/drawing/2014/main" id="{A9EF261C-F78B-7B01-F1F5-920EB9DD1F64}"/>
+              </a:ext>
+            </a:extLst>
+          </p:cNvPr>
+          <p:cNvSpPr>
+            <a:spLocks noGrp="1"/>
+          </p:cNvSpPr>
+          <p:nvPr>
+            <p:ph type="dt" sz="half" idx="14"/>
+          </p:nvPr>
+        </p:nvSpPr>
+        <p:spPr/>
+        <p:txBody>
+          <a:bodyPr/>
+          <a:lstStyle/>
+          <a:p>
+            <a:fld id="{7662C9C7-604C-4A52-83AD-DCC06C4528AB}" type="datetime1">
+              <a:rPr lang="en-US" smtClean="0"/>
+              <a:t>12/6/2022</a:t>
+            </a:fld>
+            <a:endParaRPr lang="en-US" dirty="0"/>
+          </a:p>
+        </p:txBody>
+      </p:sp>
+      <p:sp>
+        <p:nvSpPr>
+          <p:cNvPr id="6" name="Fußzeilenplatzhalter 5">
+            <a:extLst>
+              <a:ext uri="{FF2B5EF4-FFF2-40B4-BE49-F238E27FC236}">
+                <a16:creationId xmlns:a16="http://schemas.microsoft.com/office/drawing/2014/main" id="{0D92D428-C9C2-8AD3-55E4-A5C0B62FE17C}"/>
+              </a:ext>
+            </a:extLst>
+          </p:cNvPr>
+          <p:cNvSpPr>
+            <a:spLocks noGrp="1"/>
+          </p:cNvSpPr>
+          <p:nvPr>
+            <p:ph type="ftr" sz="quarter" idx="15"/>
+          </p:nvPr>
+        </p:nvSpPr>
+        <p:spPr/>
+        <p:txBody>
+          <a:bodyPr/>
+          <a:lstStyle/>
+          <a:p>
+            <a:r>
+              <a:rPr lang="en-IN"/>
+              <a:t>Milestone Presentation</a:t>
+            </a:r>
+            <a:endParaRPr lang="en-US" dirty="0"/>
+          </a:p>
+        </p:txBody>
+      </p:sp>
+      <p:sp>
+        <p:nvSpPr>
+          <p:cNvPr id="7" name="Foliennummernplatzhalter 6">
+            <a:extLst>
+              <a:ext uri="{FF2B5EF4-FFF2-40B4-BE49-F238E27FC236}">
+                <a16:creationId xmlns:a16="http://schemas.microsoft.com/office/drawing/2014/main" id="{F8F273B7-BA7B-59BE-CD71-938359458A2C}"/>
+              </a:ext>
+            </a:extLst>
+          </p:cNvPr>
+          <p:cNvSpPr>
+            <a:spLocks noGrp="1"/>
+          </p:cNvSpPr>
+          <p:nvPr>
+            <p:ph type="sldNum" sz="quarter" idx="16"/>
+          </p:nvPr>
+        </p:nvSpPr>
+        <p:spPr/>
+        <p:txBody>
+          <a:bodyPr/>
+          <a:lstStyle/>
+          <a:p>
+            <a:fld id="{9E82CC3C-1DC0-4FDA-9590-6CC506AB67F8}" type="slidenum">
+              <a:rPr lang="en-US" smtClean="0"/>
+              <a:pPr/>
+              <a:t>14</a:t>
+            </a:fld>
+            <a:endParaRPr lang="en-US" dirty="0"/>
+          </a:p>
+        </p:txBody>
+      </p:sp>
+    </p:spTree>
+    <p:extLst>
+      <p:ext uri="{BB962C8B-B14F-4D97-AF65-F5344CB8AC3E}">
+        <p14:creationId xmlns:p14="http://schemas.microsoft.com/office/powerpoint/2010/main" val="3905553942"/>
+      </p:ext>
+    </p:extLst>
+  </p:cSld>
+  <p:clrMapOvr>
+    <a:masterClrMapping/>
+  </p:clrMapOvr>
+</p:sld>
+</file>
+
+<file path=ppt/slides/slide15.xml><?xml version="1.0" encoding="utf-8"?>
+<p:sld xmlns:a="http://schemas.openxmlformats.org/drawingml/2006/main" xmlns:r="http://schemas.openxmlformats.org/officeDocument/2006/relationships" xmlns:p="http://schemas.openxmlformats.org/presentationml/2006/main">
+  <p:cSld>
+    <p:bg>
+      <p:bgPr>
+        <a:blipFill dpi="0" rotWithShape="1">
+          <a:blip r:embed="rId3"/>
+          <a:srcRect/>
+          <a:stretch>
+            <a:fillRect/>
+          </a:stretch>
+        </a:blipFill>
+        <a:effectLst/>
+      </p:bgPr>
+    </p:bg>
+    <p:spTree>
+      <p:nvGrpSpPr>
+        <p:cNvPr id="1" name=""/>
+        <p:cNvGrpSpPr/>
+        <p:nvPr/>
+      </p:nvGrpSpPr>
+      <p:grpSpPr>
+        <a:xfrm>
+          <a:off x="0" y="0"/>
+          <a:ext cx="0" cy="0"/>
+          <a:chOff x="0" y="0"/>
+          <a:chExt cx="0" cy="0"/>
+        </a:xfrm>
+      </p:grpSpPr>
+      <p:sp>
+        <p:nvSpPr>
+          <p:cNvPr id="2" name="Titel 1"/>
+          <p:cNvSpPr>
+            <a:spLocks noGrp="1"/>
+          </p:cNvSpPr>
+          <p:nvPr>
+            <p:ph type="title"/>
+          </p:nvPr>
+        </p:nvSpPr>
+        <p:spPr>
+          <a:xfrm>
+            <a:off x="2960100" y="1332412"/>
+            <a:ext cx="3088582" cy="585113"/>
+          </a:xfrm>
+        </p:spPr>
+        <p:txBody>
+          <a:bodyPr/>
+          <a:lstStyle/>
+          <a:p>
+            <a:pPr algn="ctr"/>
+            <a:r>
+              <a:rPr lang="de-DE" dirty="0"/>
+              <a:t>Inferences</a:t>
+            </a:r>
+          </a:p>
+        </p:txBody>
+      </p:sp>
+    </p:spTree>
+    <p:extLst>
+      <p:ext uri="{BB962C8B-B14F-4D97-AF65-F5344CB8AC3E}">
+        <p14:creationId xmlns:p14="http://schemas.microsoft.com/office/powerpoint/2010/main" val="2964290847"/>
+      </p:ext>
+    </p:extLst>
+  </p:cSld>
+  <p:clrMapOvr>
+    <a:masterClrMapping/>
+  </p:clrMapOvr>
+</p:sld>
+</file>
+
+<file path=ppt/slides/slide16.xml><?xml version="1.0" encoding="utf-8"?>
+<p:sld xmlns:a="http://schemas.openxmlformats.org/drawingml/2006/main" xmlns:r="http://schemas.openxmlformats.org/officeDocument/2006/relationships" xmlns:p="http://schemas.openxmlformats.org/presentationml/2006/main">
+  <p:cSld>
+    <p:bg>
+      <p:bgPr>
+        <a:blipFill dpi="0" rotWithShape="1">
+          <a:blip r:embed="rId3"/>
+          <a:srcRect/>
+          <a:stretch>
+            <a:fillRect/>
+          </a:stretch>
+        </a:blipFill>
+        <a:effectLst/>
+      </p:bgPr>
+    </p:bg>
+    <p:spTree>
+      <p:nvGrpSpPr>
+        <p:cNvPr id="1" name=""/>
+        <p:cNvGrpSpPr/>
+        <p:nvPr/>
+      </p:nvGrpSpPr>
+      <p:grpSpPr>
+        <a:xfrm>
+          <a:off x="0" y="0"/>
+          <a:ext cx="0" cy="0"/>
+          <a:chOff x="0" y="0"/>
+          <a:chExt cx="0" cy="0"/>
+        </a:xfrm>
+      </p:grpSpPr>
+      <p:sp>
+        <p:nvSpPr>
+          <p:cNvPr id="4" name="Textplatzhalter 3">
+            <a:extLst>
+              <a:ext uri="{FF2B5EF4-FFF2-40B4-BE49-F238E27FC236}">
+                <a16:creationId xmlns:a16="http://schemas.microsoft.com/office/drawing/2014/main" id="{42452C34-0C29-4C9D-BF2B-D2E05DFC092D}"/>
+              </a:ext>
+            </a:extLst>
+          </p:cNvPr>
+          <p:cNvSpPr>
+            <a:spLocks noGrp="1"/>
+          </p:cNvSpPr>
+          <p:nvPr>
+            <p:ph type="body" sz="quarter" idx="15"/>
+          </p:nvPr>
+        </p:nvSpPr>
+        <p:spPr>
+          <a:xfrm>
+            <a:off x="415939" y="1843658"/>
+            <a:ext cx="3290054" cy="478228"/>
+          </a:xfrm>
+        </p:spPr>
+        <p:txBody>
+          <a:bodyPr/>
+          <a:lstStyle/>
+          <a:p>
+            <a:r>
+              <a:rPr lang="de-DE" dirty="0"/>
+              <a:t>Ravi Akash</a:t>
+            </a:r>
+          </a:p>
+        </p:txBody>
+      </p:sp>
+      <p:sp>
+        <p:nvSpPr>
+          <p:cNvPr id="18" name="Textplatzhalter 17">
+            <a:extLst>
+              <a:ext uri="{FF2B5EF4-FFF2-40B4-BE49-F238E27FC236}">
+                <a16:creationId xmlns:a16="http://schemas.microsoft.com/office/drawing/2014/main" id="{8882085B-99A0-41B6-A1A4-1B5B6AA522DD}"/>
+              </a:ext>
+            </a:extLst>
+          </p:cNvPr>
+          <p:cNvSpPr>
+            <a:spLocks noGrp="1"/>
+          </p:cNvSpPr>
+          <p:nvPr>
+            <p:ph type="body" sz="quarter" idx="31"/>
+          </p:nvPr>
+        </p:nvSpPr>
+        <p:spPr>
+          <a:xfrm>
+            <a:off x="415938" y="2322368"/>
+            <a:ext cx="542646" cy="216482"/>
+          </a:xfrm>
+        </p:spPr>
+        <p:txBody>
+          <a:bodyPr/>
+          <a:lstStyle/>
+          <a:p>
+            <a:r>
+              <a:rPr lang="de-DE" b="1" dirty="0"/>
+              <a:t>E-Mail</a:t>
+            </a:r>
+          </a:p>
+        </p:txBody>
+      </p:sp>
+      <p:sp>
+        <p:nvSpPr>
+          <p:cNvPr id="9" name="Textplatzhalter 8">
+            <a:extLst>
+              <a:ext uri="{FF2B5EF4-FFF2-40B4-BE49-F238E27FC236}">
+                <a16:creationId xmlns:a16="http://schemas.microsoft.com/office/drawing/2014/main" id="{E078682E-370C-42D0-B9D0-ECF5DC2F6BD6}"/>
+              </a:ext>
+            </a:extLst>
+          </p:cNvPr>
+          <p:cNvSpPr>
+            <a:spLocks noGrp="1"/>
+          </p:cNvSpPr>
+          <p:nvPr>
+            <p:ph type="body" sz="quarter" idx="26"/>
+          </p:nvPr>
+        </p:nvSpPr>
+        <p:spPr>
+          <a:xfrm>
+            <a:off x="958584" y="2322368"/>
+            <a:ext cx="2747409" cy="216000"/>
+          </a:xfrm>
+        </p:spPr>
+        <p:txBody>
+          <a:bodyPr/>
+          <a:lstStyle/>
+          <a:p>
+            <a:r>
+              <a:rPr lang="de-DE" dirty="0"/>
+              <a:t>st174840@stud.uni-stuttgart.de</a:t>
+            </a:r>
+          </a:p>
+        </p:txBody>
+      </p:sp>
+      <p:sp>
+        <p:nvSpPr>
+          <p:cNvPr id="21" name="Textplatzhalter 20">
+            <a:extLst>
+              <a:ext uri="{FF2B5EF4-FFF2-40B4-BE49-F238E27FC236}">
+                <a16:creationId xmlns:a16="http://schemas.microsoft.com/office/drawing/2014/main" id="{E5028256-A5CB-4DB3-892C-91F4821603B8}"/>
+              </a:ext>
+            </a:extLst>
+          </p:cNvPr>
+          <p:cNvSpPr>
+            <a:spLocks noGrp="1"/>
+          </p:cNvSpPr>
+          <p:nvPr>
+            <p:ph type="body" sz="quarter" idx="36"/>
+          </p:nvPr>
+        </p:nvSpPr>
+        <p:spPr>
+          <a:xfrm>
+            <a:off x="415938" y="2553736"/>
+            <a:ext cx="2203131" cy="245786"/>
+          </a:xfrm>
+        </p:spPr>
+        <p:txBody>
+          <a:bodyPr/>
+          <a:lstStyle/>
+          <a:p>
+            <a:r>
+              <a:rPr lang="de-DE" b="1" dirty="0"/>
+              <a:t>Telefon</a:t>
+            </a:r>
+            <a:r>
+              <a:rPr lang="de-DE" dirty="0"/>
+              <a:t> +49 15206073464 </a:t>
+            </a:r>
+          </a:p>
+        </p:txBody>
+      </p:sp>
+      <p:sp>
+        <p:nvSpPr>
+          <p:cNvPr id="19" name="Textplatzhalter 18">
+            <a:extLst>
+              <a:ext uri="{FF2B5EF4-FFF2-40B4-BE49-F238E27FC236}">
+                <a16:creationId xmlns:a16="http://schemas.microsoft.com/office/drawing/2014/main" id="{180D330A-B5F2-4B02-9824-9ED087030393}"/>
+              </a:ext>
+            </a:extLst>
+          </p:cNvPr>
+          <p:cNvSpPr>
+            <a:spLocks noGrp="1"/>
+          </p:cNvSpPr>
+          <p:nvPr>
+            <p:ph type="body" sz="quarter" idx="33"/>
+          </p:nvPr>
+        </p:nvSpPr>
+        <p:spPr>
+          <a:xfrm>
+            <a:off x="415938" y="2814408"/>
+            <a:ext cx="2678955" cy="238329"/>
+          </a:xfrm>
+        </p:spPr>
+        <p:txBody>
+          <a:bodyPr/>
+          <a:lstStyle/>
+          <a:p>
+            <a:r>
+              <a:rPr lang="de-DE" b="1" dirty="0"/>
+              <a:t>Matriculation Number</a:t>
+            </a:r>
+            <a:r>
+              <a:rPr lang="de-DE" dirty="0"/>
+              <a:t>: 3506815</a:t>
+            </a:r>
+          </a:p>
+        </p:txBody>
+      </p:sp>
+      <p:sp>
+        <p:nvSpPr>
+          <p:cNvPr id="20" name="Textplatzhalter 19">
+            <a:extLst>
+              <a:ext uri="{FF2B5EF4-FFF2-40B4-BE49-F238E27FC236}">
+                <a16:creationId xmlns:a16="http://schemas.microsoft.com/office/drawing/2014/main" id="{96853EB2-0103-4325-8DD1-0AF2082ED968}"/>
+              </a:ext>
+            </a:extLst>
+          </p:cNvPr>
+          <p:cNvSpPr>
+            <a:spLocks noGrp="1"/>
+          </p:cNvSpPr>
+          <p:nvPr>
+            <p:ph type="body" sz="quarter" idx="34"/>
+          </p:nvPr>
+        </p:nvSpPr>
+        <p:spPr>
+          <a:xfrm>
+            <a:off x="415938" y="3258852"/>
+            <a:ext cx="2500012" cy="218691"/>
+          </a:xfrm>
+        </p:spPr>
+        <p:txBody>
+          <a:bodyPr/>
+          <a:lstStyle/>
+          <a:p>
+            <a:r>
+              <a:rPr lang="de-DE" b="1" dirty="0"/>
+              <a:t>Universität Stuttgart</a:t>
+            </a:r>
+          </a:p>
+        </p:txBody>
+      </p:sp>
+      <p:sp>
+        <p:nvSpPr>
+          <p:cNvPr id="8" name="Textplatzhalter 7">
+            <a:extLst>
+              <a:ext uri="{FF2B5EF4-FFF2-40B4-BE49-F238E27FC236}">
+                <a16:creationId xmlns:a16="http://schemas.microsoft.com/office/drawing/2014/main" id="{94618D4A-B6B5-4B42-9DF7-ED1C795B4733}"/>
+              </a:ext>
+            </a:extLst>
+          </p:cNvPr>
+          <p:cNvSpPr>
+            <a:spLocks noGrp="1"/>
+          </p:cNvSpPr>
+          <p:nvPr>
+            <p:ph type="body" sz="quarter" idx="25"/>
+          </p:nvPr>
+        </p:nvSpPr>
+        <p:spPr>
+          <a:xfrm>
+            <a:off x="415938" y="3497797"/>
+            <a:ext cx="3290054" cy="216000"/>
+          </a:xfrm>
+        </p:spPr>
+        <p:txBody>
+          <a:bodyPr/>
+          <a:lstStyle/>
+          <a:p>
+            <a:r>
+              <a:rPr lang="en-IN" b="1" dirty="0"/>
+              <a:t>Faculty V INFOTECH - Embedded Systems</a:t>
+            </a:r>
+            <a:endParaRPr lang="de-DE" b="1" dirty="0"/>
+          </a:p>
+        </p:txBody>
+      </p:sp>
+      <p:sp>
+        <p:nvSpPr>
+          <p:cNvPr id="14" name="Textplatzhalter 7">
+            <a:extLst>
+              <a:ext uri="{FF2B5EF4-FFF2-40B4-BE49-F238E27FC236}">
+                <a16:creationId xmlns:a16="http://schemas.microsoft.com/office/drawing/2014/main" id="{94618D4A-B6B5-4B42-9DF7-ED1C795B4733}"/>
+              </a:ext>
+            </a:extLst>
+          </p:cNvPr>
+          <p:cNvSpPr>
+            <a:spLocks noGrp="1"/>
+          </p:cNvSpPr>
+          <p:nvPr>
+            <p:ph type="body" sz="quarter" idx="25"/>
+          </p:nvPr>
+        </p:nvSpPr>
+        <p:spPr>
+          <a:xfrm>
+            <a:off x="415937" y="3831024"/>
+            <a:ext cx="8043861" cy="216000"/>
+          </a:xfrm>
+        </p:spPr>
+        <p:txBody>
+          <a:bodyPr/>
+          <a:lstStyle/>
+          <a:p>
+            <a:r>
+              <a:rPr lang="de-DE" b="1" dirty="0"/>
+              <a:t>Laboratory Department</a:t>
+            </a:r>
+            <a:r>
+              <a:rPr lang="de-DE" dirty="0"/>
+              <a:t>:  Analytic Computing - Institut für Parallele und Verteilte Systeme</a:t>
+            </a:r>
+          </a:p>
+        </p:txBody>
+      </p:sp>
+      <p:sp>
+        <p:nvSpPr>
+          <p:cNvPr id="15" name="Textplatzhalter 7">
+            <a:extLst>
+              <a:ext uri="{FF2B5EF4-FFF2-40B4-BE49-F238E27FC236}">
+                <a16:creationId xmlns:a16="http://schemas.microsoft.com/office/drawing/2014/main" id="{94618D4A-B6B5-4B42-9DF7-ED1C795B4733}"/>
+              </a:ext>
+            </a:extLst>
+          </p:cNvPr>
+          <p:cNvSpPr>
+            <a:spLocks noGrp="1"/>
+          </p:cNvSpPr>
+          <p:nvPr>
+            <p:ph type="body" sz="quarter" idx="25"/>
+          </p:nvPr>
+        </p:nvSpPr>
+        <p:spPr>
+          <a:xfrm>
+            <a:off x="415937" y="4058051"/>
+            <a:ext cx="8043861" cy="216000"/>
+          </a:xfrm>
+        </p:spPr>
+        <p:txBody>
+          <a:bodyPr/>
+          <a:lstStyle/>
+          <a:p>
+            <a:r>
+              <a:rPr lang="de-DE" b="1" dirty="0"/>
+              <a:t>Address</a:t>
+            </a:r>
+            <a:r>
+              <a:rPr lang="de-DE" dirty="0"/>
+              <a:t>: </a:t>
+            </a:r>
+            <a:r>
+              <a:rPr lang="en-IN" dirty="0" err="1"/>
+              <a:t>Universitätsstraße</a:t>
+            </a:r>
+            <a:r>
+              <a:rPr lang="en-IN" dirty="0"/>
+              <a:t> 32</a:t>
+            </a:r>
+            <a:r>
+              <a:rPr lang="en-US" dirty="0"/>
+              <a:t> 70569 Stuttgart</a:t>
+            </a:r>
+          </a:p>
+        </p:txBody>
+      </p:sp>
+      <p:sp>
+        <p:nvSpPr>
+          <p:cNvPr id="11" name="Textplatzhalter 3">
+            <a:extLst>
+              <a:ext uri="{FF2B5EF4-FFF2-40B4-BE49-F238E27FC236}">
+                <a16:creationId xmlns:a16="http://schemas.microsoft.com/office/drawing/2014/main" id="{42452C34-0C29-4C9D-BF2B-D2E05DFC092D}"/>
+              </a:ext>
+            </a:extLst>
+          </p:cNvPr>
+          <p:cNvSpPr>
+            <a:spLocks noGrp="1"/>
+          </p:cNvSpPr>
+          <p:nvPr>
+            <p:ph type="body" sz="quarter" idx="15"/>
+          </p:nvPr>
+        </p:nvSpPr>
+        <p:spPr>
+          <a:xfrm>
+            <a:off x="5169744" y="1843658"/>
+            <a:ext cx="3290054" cy="478228"/>
+          </a:xfrm>
+        </p:spPr>
+        <p:txBody>
+          <a:bodyPr/>
+          <a:lstStyle/>
+          <a:p>
+            <a:r>
+              <a:rPr lang="de-DE" dirty="0"/>
+              <a:t>Benedikt Rotter</a:t>
+            </a:r>
+          </a:p>
+        </p:txBody>
+      </p:sp>
+      <p:sp>
+        <p:nvSpPr>
+          <p:cNvPr id="12" name="Textplatzhalter 17">
+            <a:extLst>
+              <a:ext uri="{FF2B5EF4-FFF2-40B4-BE49-F238E27FC236}">
+                <a16:creationId xmlns:a16="http://schemas.microsoft.com/office/drawing/2014/main" id="{8882085B-99A0-41B6-A1A4-1B5B6AA522DD}"/>
+              </a:ext>
+            </a:extLst>
+          </p:cNvPr>
+          <p:cNvSpPr>
+            <a:spLocks noGrp="1"/>
+          </p:cNvSpPr>
+          <p:nvPr>
+            <p:ph type="body" sz="quarter" idx="31"/>
+          </p:nvPr>
+        </p:nvSpPr>
+        <p:spPr>
+          <a:xfrm>
+            <a:off x="5169743" y="2322368"/>
+            <a:ext cx="542646" cy="216482"/>
+          </a:xfrm>
+        </p:spPr>
+        <p:txBody>
+          <a:bodyPr/>
+          <a:lstStyle/>
+          <a:p>
+            <a:r>
+              <a:rPr lang="de-DE" b="1" dirty="0"/>
+              <a:t>E-Mail</a:t>
+            </a:r>
+          </a:p>
+        </p:txBody>
+      </p:sp>
+      <p:sp>
+        <p:nvSpPr>
+          <p:cNvPr id="13" name="Textplatzhalter 8">
+            <a:extLst>
+              <a:ext uri="{FF2B5EF4-FFF2-40B4-BE49-F238E27FC236}">
+                <a16:creationId xmlns:a16="http://schemas.microsoft.com/office/drawing/2014/main" id="{E078682E-370C-42D0-B9D0-ECF5DC2F6BD6}"/>
+              </a:ext>
+            </a:extLst>
+          </p:cNvPr>
+          <p:cNvSpPr>
+            <a:spLocks noGrp="1"/>
+          </p:cNvSpPr>
+          <p:nvPr>
+            <p:ph type="body" sz="quarter" idx="26"/>
+          </p:nvPr>
+        </p:nvSpPr>
+        <p:spPr>
+          <a:xfrm>
+            <a:off x="5712389" y="2322368"/>
+            <a:ext cx="2747409" cy="216000"/>
+          </a:xfrm>
+        </p:spPr>
+        <p:txBody>
+          <a:bodyPr/>
+          <a:lstStyle/>
+          <a:p>
+            <a:r>
+              <a:rPr lang="en-US" dirty="0"/>
+              <a:t>st175376@stud.uni-stuttgart.de</a:t>
+            </a:r>
+            <a:endParaRPr lang="de-DE" dirty="0"/>
+          </a:p>
+        </p:txBody>
+      </p:sp>
+      <p:sp>
+        <p:nvSpPr>
+          <p:cNvPr id="16" name="Textplatzhalter 20">
+            <a:extLst>
+              <a:ext uri="{FF2B5EF4-FFF2-40B4-BE49-F238E27FC236}">
+                <a16:creationId xmlns:a16="http://schemas.microsoft.com/office/drawing/2014/main" id="{E5028256-A5CB-4DB3-892C-91F4821603B8}"/>
+              </a:ext>
+            </a:extLst>
+          </p:cNvPr>
+          <p:cNvSpPr>
+            <a:spLocks noGrp="1"/>
+          </p:cNvSpPr>
+          <p:nvPr>
+            <p:ph type="body" sz="quarter" idx="36"/>
+          </p:nvPr>
+        </p:nvSpPr>
+        <p:spPr>
+          <a:xfrm>
+            <a:off x="5169743" y="2553736"/>
+            <a:ext cx="2203131" cy="245786"/>
+          </a:xfrm>
+        </p:spPr>
+        <p:txBody>
+          <a:bodyPr/>
+          <a:lstStyle/>
+          <a:p>
+            <a:r>
+              <a:rPr lang="de-DE" b="1" dirty="0"/>
+              <a:t>Telefon</a:t>
+            </a:r>
+            <a:r>
+              <a:rPr lang="de-DE" dirty="0"/>
+              <a:t> +49 15735324701 </a:t>
+            </a:r>
+          </a:p>
+        </p:txBody>
+      </p:sp>
+      <p:sp>
+        <p:nvSpPr>
+          <p:cNvPr id="17" name="Textplatzhalter 18">
+            <a:extLst>
+              <a:ext uri="{FF2B5EF4-FFF2-40B4-BE49-F238E27FC236}">
+                <a16:creationId xmlns:a16="http://schemas.microsoft.com/office/drawing/2014/main" id="{180D330A-B5F2-4B02-9824-9ED087030393}"/>
+              </a:ext>
+            </a:extLst>
+          </p:cNvPr>
+          <p:cNvSpPr>
+            <a:spLocks noGrp="1"/>
+          </p:cNvSpPr>
+          <p:nvPr>
+            <p:ph type="body" sz="quarter" idx="33"/>
+          </p:nvPr>
+        </p:nvSpPr>
+        <p:spPr>
+          <a:xfrm>
+            <a:off x="5169743" y="2814408"/>
+            <a:ext cx="2678955" cy="238329"/>
+          </a:xfrm>
+        </p:spPr>
+        <p:txBody>
+          <a:bodyPr/>
+          <a:lstStyle/>
+          <a:p>
+            <a:r>
+              <a:rPr lang="de-DE" b="1" dirty="0"/>
+              <a:t>Matriculation Number</a:t>
+            </a:r>
+            <a:r>
+              <a:rPr lang="de-DE" dirty="0"/>
+              <a:t>: </a:t>
+            </a:r>
+            <a:r>
+              <a:rPr lang="en-US" dirty="0"/>
+              <a:t>3524570</a:t>
+            </a:r>
+            <a:endParaRPr lang="de-DE" dirty="0"/>
+          </a:p>
+        </p:txBody>
+      </p:sp>
+    </p:spTree>
+    <p:extLst>
+      <p:ext uri="{BB962C8B-B14F-4D97-AF65-F5344CB8AC3E}">
+        <p14:creationId xmlns:p14="http://schemas.microsoft.com/office/powerpoint/2010/main" val="1044153955"/>
+      </p:ext>
+    </p:extLst>
+  </p:cSld>
+  <p:clrMapOvr>
+    <a:masterClrMapping/>
+  </p:clrMapOvr>
 </p:sld>
 </file>
 
@@ -16756,10 +18199,9 @@
           <a:p>
             <a:pPr algn="ctr"/>
             <a:r>
-              <a:rPr lang="de-DE" dirty="0" smtClean="0"/>
+              <a:rPr lang="de-DE" dirty="0"/>
               <a:t>Introduction</a:t>
             </a:r>
-            <a:endParaRPr lang="de-DE" dirty="0"/>
           </a:p>
         </p:txBody>
       </p:sp>
@@ -16804,13 +18246,6 @@
   <p:clrMapOvr>
     <a:masterClrMapping/>
   </p:clrMapOvr>
-  <p:timing>
-    <p:tnLst>
-      <p:par>
-        <p:cTn id="1" dur="indefinite" restart="never" nodeType="tmRoot"/>
-      </p:par>
-    </p:tnLst>
-  </p:timing>
 </p:sld>
 </file>
 
@@ -16833,10 +18268,10 @@
       </p:grpSpPr>
       <p:sp>
         <p:nvSpPr>
-          <p:cNvPr id="16" name="Titel 15">
+          <p:cNvPr id="2" name="Titel 1">
             <a:extLst>
               <a:ext uri="{FF2B5EF4-FFF2-40B4-BE49-F238E27FC236}">
-                <a16:creationId xmlns:a16="http://schemas.microsoft.com/office/drawing/2014/main" id="{49E2A82D-A2D5-419A-8332-6744E183335F}"/>
+                <a16:creationId xmlns:a16="http://schemas.microsoft.com/office/drawing/2014/main" id="{3FC25F8D-9755-E9A0-FD5B-CE3AE96DDE20}"/>
               </a:ext>
             </a:extLst>
           </p:cNvPr>
@@ -16853,8 +18288,8 @@
           <a:lstStyle/>
           <a:p>
             <a:r>
-              <a:rPr lang="de-DE" dirty="0" smtClean="0"/>
-              <a:t>Motivation &amp; Background</a:t>
+              <a:rPr lang="de-DE" dirty="0" err="1"/>
+              <a:t>Introduction</a:t>
             </a:r>
             <a:endParaRPr lang="de-DE" dirty="0"/>
           </a:p>
@@ -16862,10 +18297,343 @@
       </p:sp>
       <p:sp>
         <p:nvSpPr>
-          <p:cNvPr id="4" name="Foliennummernplatzhalter 3">
+          <p:cNvPr id="3" name="Textplatzhalter 2">
             <a:extLst>
               <a:ext uri="{FF2B5EF4-FFF2-40B4-BE49-F238E27FC236}">
-                <a16:creationId xmlns:a16="http://schemas.microsoft.com/office/drawing/2014/main" id="{DA4F65E2-8157-4F60-8CBA-B17ADB7AE87F}"/>
+                <a16:creationId xmlns:a16="http://schemas.microsoft.com/office/drawing/2014/main" id="{6092ABA9-7932-3D2D-20AB-429029BF9377}"/>
+              </a:ext>
+            </a:extLst>
+          </p:cNvPr>
+          <p:cNvSpPr>
+            <a:spLocks noGrp="1"/>
+          </p:cNvSpPr>
+          <p:nvPr>
+            <p:ph type="body" sz="quarter" idx="13"/>
+          </p:nvPr>
+        </p:nvSpPr>
+        <p:spPr/>
+        <p:txBody>
+          <a:bodyPr/>
+          <a:lstStyle/>
+          <a:p>
+            <a:r>
+              <a:rPr lang="de-DE" dirty="0"/>
+              <a:t>Project </a:t>
+            </a:r>
+            <a:r>
+              <a:rPr lang="de-DE" dirty="0" err="1"/>
+              <a:t>description</a:t>
+            </a:r>
+            <a:endParaRPr lang="de-DE" dirty="0"/>
+          </a:p>
+        </p:txBody>
+      </p:sp>
+      <p:sp>
+        <p:nvSpPr>
+          <p:cNvPr id="4" name="Inhaltsplatzhalter 3">
+            <a:extLst>
+              <a:ext uri="{FF2B5EF4-FFF2-40B4-BE49-F238E27FC236}">
+                <a16:creationId xmlns:a16="http://schemas.microsoft.com/office/drawing/2014/main" id="{82371403-97D0-859B-B2C4-8E44327AF460}"/>
+              </a:ext>
+            </a:extLst>
+          </p:cNvPr>
+          <p:cNvSpPr>
+            <a:spLocks noGrp="1"/>
+          </p:cNvSpPr>
+          <p:nvPr>
+            <p:ph idx="1"/>
+          </p:nvPr>
+        </p:nvSpPr>
+        <p:spPr/>
+        <p:txBody>
+          <a:bodyPr/>
+          <a:lstStyle/>
+          <a:p>
+            <a:r>
+              <a:rPr lang="de-DE" dirty="0"/>
+              <a:t>Dataset: </a:t>
+            </a:r>
+            <a:r>
+              <a:rPr lang="en-US" dirty="0"/>
+              <a:t>Human Activities and Postural Transitions Data set</a:t>
+            </a:r>
+          </a:p>
+          <a:p>
+            <a:pPr lvl="1"/>
+            <a:r>
+              <a:rPr lang="en-US" dirty="0"/>
+              <a:t>Data from tri-axial accelerometer and gyroscope </a:t>
+            </a:r>
+          </a:p>
+          <a:p>
+            <a:pPr lvl="1"/>
+            <a:r>
+              <a:rPr lang="en-US" dirty="0"/>
+              <a:t>Feature vectors and raw data available</a:t>
+            </a:r>
+          </a:p>
+          <a:p>
+            <a:pPr lvl="1"/>
+            <a:r>
+              <a:rPr lang="en-US" dirty="0"/>
+              <a:t>Six basic activities and six postural transitions</a:t>
+            </a:r>
+          </a:p>
+          <a:p>
+            <a:r>
+              <a:rPr lang="de-DE" dirty="0"/>
+              <a:t>Tasks:</a:t>
+            </a:r>
+          </a:p>
+          <a:p>
+            <a:pPr lvl="1"/>
+            <a:r>
+              <a:rPr lang="de-DE" dirty="0"/>
+              <a:t>Try </a:t>
+            </a:r>
+            <a:r>
+              <a:rPr lang="de-DE" dirty="0" err="1"/>
+              <a:t>conventional</a:t>
+            </a:r>
+            <a:r>
+              <a:rPr lang="de-DE" dirty="0"/>
+              <a:t> </a:t>
+            </a:r>
+            <a:r>
+              <a:rPr lang="de-DE" dirty="0" err="1"/>
+              <a:t>machine</a:t>
+            </a:r>
+            <a:r>
+              <a:rPr lang="de-DE" dirty="0"/>
+              <a:t> </a:t>
+            </a:r>
+            <a:r>
+              <a:rPr lang="de-DE" dirty="0" err="1"/>
+              <a:t>learning</a:t>
+            </a:r>
+            <a:r>
+              <a:rPr lang="de-DE" dirty="0"/>
+              <a:t> </a:t>
+            </a:r>
+            <a:r>
+              <a:rPr lang="de-DE" dirty="0" err="1"/>
+              <a:t>methods</a:t>
+            </a:r>
+            <a:endParaRPr lang="de-DE" dirty="0"/>
+          </a:p>
+          <a:p>
+            <a:pPr lvl="1"/>
+            <a:r>
+              <a:rPr lang="de-DE" dirty="0"/>
+              <a:t>Try </a:t>
+            </a:r>
+            <a:r>
+              <a:rPr lang="de-DE" dirty="0" err="1"/>
+              <a:t>more</a:t>
+            </a:r>
+            <a:r>
+              <a:rPr lang="de-DE" dirty="0"/>
+              <a:t> sophisticated </a:t>
+            </a:r>
+            <a:r>
+              <a:rPr lang="de-DE" dirty="0" err="1"/>
+              <a:t>deep</a:t>
+            </a:r>
+            <a:r>
+              <a:rPr lang="de-DE" dirty="0"/>
+              <a:t> </a:t>
+            </a:r>
+            <a:r>
+              <a:rPr lang="de-DE" dirty="0" err="1"/>
+              <a:t>learning</a:t>
+            </a:r>
+            <a:r>
+              <a:rPr lang="de-DE" dirty="0"/>
+              <a:t> </a:t>
+            </a:r>
+            <a:r>
+              <a:rPr lang="de-DE" dirty="0" err="1"/>
+              <a:t>models</a:t>
+            </a:r>
+            <a:endParaRPr lang="de-DE" dirty="0"/>
+          </a:p>
+          <a:p>
+            <a:pPr lvl="1"/>
+            <a:r>
+              <a:rPr lang="de-DE" dirty="0" err="1"/>
+              <a:t>Compare</a:t>
+            </a:r>
+            <a:r>
+              <a:rPr lang="de-DE" dirty="0"/>
+              <a:t> different </a:t>
+            </a:r>
+            <a:r>
+              <a:rPr lang="de-DE" dirty="0" err="1"/>
+              <a:t>architectures</a:t>
+            </a:r>
+            <a:r>
+              <a:rPr lang="de-DE" dirty="0"/>
+              <a:t>, </a:t>
+            </a:r>
+            <a:r>
+              <a:rPr lang="de-DE" dirty="0" err="1"/>
+              <a:t>models</a:t>
+            </a:r>
+            <a:r>
+              <a:rPr lang="de-DE" dirty="0"/>
+              <a:t>, </a:t>
+            </a:r>
+            <a:r>
+              <a:rPr lang="de-DE" dirty="0" err="1"/>
+              <a:t>optimizers</a:t>
+            </a:r>
+            <a:r>
+              <a:rPr lang="de-DE" dirty="0"/>
+              <a:t>, </a:t>
+            </a:r>
+            <a:r>
+              <a:rPr lang="de-DE" dirty="0" err="1"/>
+              <a:t>hyperparameter</a:t>
+            </a:r>
+            <a:r>
+              <a:rPr lang="de-DE" dirty="0"/>
+              <a:t> </a:t>
+            </a:r>
+            <a:r>
+              <a:rPr lang="de-DE" dirty="0" err="1"/>
+              <a:t>settings</a:t>
+            </a:r>
+            <a:r>
+              <a:rPr lang="de-DE" dirty="0"/>
+              <a:t> and </a:t>
+            </a:r>
+            <a:r>
+              <a:rPr lang="de-DE" dirty="0" err="1"/>
+              <a:t>loss</a:t>
+            </a:r>
+            <a:r>
+              <a:rPr lang="de-DE" dirty="0"/>
+              <a:t> </a:t>
+            </a:r>
+            <a:r>
+              <a:rPr lang="de-DE" dirty="0" err="1"/>
+              <a:t>functions</a:t>
+            </a:r>
+            <a:r>
+              <a:rPr lang="de-DE" dirty="0"/>
+              <a:t> </a:t>
+            </a:r>
+          </a:p>
+          <a:p>
+            <a:r>
+              <a:rPr lang="de-DE" dirty="0"/>
+              <a:t>Challenges</a:t>
+            </a:r>
+          </a:p>
+          <a:p>
+            <a:pPr lvl="1"/>
+            <a:r>
+              <a:rPr lang="de-DE" dirty="0" err="1"/>
+              <a:t>Unbalanaced</a:t>
+            </a:r>
+            <a:r>
+              <a:rPr lang="de-DE" dirty="0"/>
+              <a:t> </a:t>
+            </a:r>
+            <a:r>
+              <a:rPr lang="de-DE" dirty="0" err="1"/>
+              <a:t>dataset</a:t>
+            </a:r>
+            <a:endParaRPr lang="de-DE" dirty="0"/>
+          </a:p>
+          <a:p>
+            <a:pPr marL="0" indent="0">
+              <a:buNone/>
+            </a:pPr>
+            <a:r>
+              <a:rPr lang="en-US" dirty="0"/>
+              <a:t> </a:t>
+            </a:r>
+          </a:p>
+          <a:p>
+            <a:pPr marL="0" indent="0">
+              <a:buNone/>
+            </a:pPr>
+            <a:endParaRPr lang="en-US" dirty="0"/>
+          </a:p>
+          <a:p>
+            <a:endParaRPr lang="en-US" dirty="0"/>
+          </a:p>
+          <a:p>
+            <a:pPr lvl="1"/>
+            <a:endParaRPr lang="de-DE" dirty="0"/>
+          </a:p>
+        </p:txBody>
+      </p:sp>
+      <p:sp>
+        <p:nvSpPr>
+          <p:cNvPr id="5" name="Datumsplatzhalter 4">
+            <a:extLst>
+              <a:ext uri="{FF2B5EF4-FFF2-40B4-BE49-F238E27FC236}">
+                <a16:creationId xmlns:a16="http://schemas.microsoft.com/office/drawing/2014/main" id="{2500BDA7-38AF-6DF9-27EB-C30DC167E295}"/>
+              </a:ext>
+            </a:extLst>
+          </p:cNvPr>
+          <p:cNvSpPr>
+            <a:spLocks noGrp="1"/>
+          </p:cNvSpPr>
+          <p:nvPr>
+            <p:ph type="dt" sz="half" idx="14"/>
+          </p:nvPr>
+        </p:nvSpPr>
+        <p:spPr/>
+        <p:txBody>
+          <a:bodyPr/>
+          <a:lstStyle/>
+          <a:p>
+            <a:fld id="{7662C9C7-604C-4A52-83AD-DCC06C4528AB}" type="datetime1">
+              <a:rPr lang="en-US" smtClean="0"/>
+              <a:t>12/6/2022</a:t>
+            </a:fld>
+            <a:endParaRPr lang="en-US" dirty="0"/>
+          </a:p>
+        </p:txBody>
+      </p:sp>
+      <p:sp>
+        <p:nvSpPr>
+          <p:cNvPr id="6" name="Fußzeilenplatzhalter 5">
+            <a:extLst>
+              <a:ext uri="{FF2B5EF4-FFF2-40B4-BE49-F238E27FC236}">
+                <a16:creationId xmlns:a16="http://schemas.microsoft.com/office/drawing/2014/main" id="{087789A6-34D6-8AE3-CA5B-8B96733F862C}"/>
+              </a:ext>
+            </a:extLst>
+          </p:cNvPr>
+          <p:cNvSpPr>
+            <a:spLocks noGrp="1"/>
+          </p:cNvSpPr>
+          <p:nvPr>
+            <p:ph type="ftr" sz="quarter" idx="15"/>
+          </p:nvPr>
+        </p:nvSpPr>
+        <p:spPr/>
+        <p:txBody>
+          <a:bodyPr/>
+          <a:lstStyle/>
+          <a:p>
+            <a:r>
+              <a:rPr lang="en-IN"/>
+              <a:t>Milestone Presentation</a:t>
+            </a:r>
+            <a:endParaRPr lang="en-US" dirty="0"/>
+          </a:p>
+        </p:txBody>
+      </p:sp>
+      <p:sp>
+        <p:nvSpPr>
+          <p:cNvPr id="7" name="Foliennummernplatzhalter 6">
+            <a:extLst>
+              <a:ext uri="{FF2B5EF4-FFF2-40B4-BE49-F238E27FC236}">
+                <a16:creationId xmlns:a16="http://schemas.microsoft.com/office/drawing/2014/main" id="{92510B64-9ABA-5199-54FF-06C813722E06}"/>
               </a:ext>
             </a:extLst>
           </p:cNvPr>
@@ -16890,69 +18658,16 @@
           </a:p>
         </p:txBody>
       </p:sp>
-      <p:sp>
-        <p:nvSpPr>
-          <p:cNvPr id="7" name="Date Placeholder 6"/>
-          <p:cNvSpPr>
-            <a:spLocks noGrp="1"/>
-          </p:cNvSpPr>
-          <p:nvPr>
-            <p:ph type="dt" sz="half" idx="14"/>
-          </p:nvPr>
-        </p:nvSpPr>
-        <p:spPr/>
-        <p:txBody>
-          <a:bodyPr/>
-          <a:lstStyle/>
-          <a:p>
-            <a:fld id="{FAB476AA-3976-4DD9-B50A-45FF0EB89377}" type="datetime1">
-              <a:rPr lang="en-US" smtClean="0"/>
-              <a:t>12/3/2022</a:t>
-            </a:fld>
-            <a:endParaRPr lang="en-US" dirty="0"/>
-          </a:p>
-        </p:txBody>
-      </p:sp>
-      <p:sp>
-        <p:nvSpPr>
-          <p:cNvPr id="11" name="Footer Placeholder 10"/>
-          <p:cNvSpPr>
-            <a:spLocks noGrp="1"/>
-          </p:cNvSpPr>
-          <p:nvPr>
-            <p:ph type="ftr" sz="quarter" idx="15"/>
-          </p:nvPr>
-        </p:nvSpPr>
-        <p:spPr/>
-        <p:txBody>
-          <a:bodyPr/>
-          <a:lstStyle/>
-          <a:p>
-            <a:r>
-              <a:rPr lang="en-IN" smtClean="0"/>
-              <a:t>Milestone Presentation</a:t>
-            </a:r>
-            <a:endParaRPr lang="en-US" dirty="0"/>
-          </a:p>
-        </p:txBody>
-      </p:sp>
     </p:spTree>
     <p:extLst>
       <p:ext uri="{BB962C8B-B14F-4D97-AF65-F5344CB8AC3E}">
-        <p14:creationId xmlns:p14="http://schemas.microsoft.com/office/powerpoint/2010/main" val="3841275101"/>
+        <p14:creationId xmlns:p14="http://schemas.microsoft.com/office/powerpoint/2010/main" val="14357741"/>
       </p:ext>
     </p:extLst>
   </p:cSld>
   <p:clrMapOvr>
     <a:masterClrMapping/>
   </p:clrMapOvr>
-  <p:timing>
-    <p:tnLst>
-      <p:par>
-        <p:cTn id="1" dur="indefinite" restart="never" nodeType="tmRoot"/>
-      </p:par>
-    </p:tnLst>
-  </p:timing>
 </p:sld>
 </file>
 
@@ -17007,10 +18722,9 @@
           <a:p>
             <a:pPr algn="ctr"/>
             <a:r>
-              <a:rPr lang="de-DE" dirty="0" smtClean="0"/>
+              <a:rPr lang="de-DE" dirty="0"/>
               <a:t>Methodology</a:t>
             </a:r>
-            <a:endParaRPr lang="de-DE" dirty="0"/>
           </a:p>
         </p:txBody>
       </p:sp>
@@ -17024,17 +18738,902 @@
   <p:clrMapOvr>
     <a:masterClrMapping/>
   </p:clrMapOvr>
-  <p:timing>
-    <p:tnLst>
-      <p:par>
-        <p:cTn id="1" dur="indefinite" restart="never" nodeType="tmRoot"/>
-      </p:par>
-    </p:tnLst>
-  </p:timing>
 </p:sld>
 </file>
 
 <file path=ppt/slides/slide5.xml><?xml version="1.0" encoding="utf-8"?>
+<p:sld xmlns:a="http://schemas.openxmlformats.org/drawingml/2006/main" xmlns:r="http://schemas.openxmlformats.org/officeDocument/2006/relationships" xmlns:p="http://schemas.openxmlformats.org/presentationml/2006/main">
+  <p:cSld>
+    <p:spTree>
+      <p:nvGrpSpPr>
+        <p:cNvPr id="1" name=""/>
+        <p:cNvGrpSpPr/>
+        <p:nvPr/>
+      </p:nvGrpSpPr>
+      <p:grpSpPr>
+        <a:xfrm>
+          <a:off x="0" y="0"/>
+          <a:ext cx="0" cy="0"/>
+          <a:chOff x="0" y="0"/>
+          <a:chExt cx="0" cy="0"/>
+        </a:xfrm>
+      </p:grpSpPr>
+      <p:sp>
+        <p:nvSpPr>
+          <p:cNvPr id="2" name="Titel 1">
+            <a:extLst>
+              <a:ext uri="{FF2B5EF4-FFF2-40B4-BE49-F238E27FC236}">
+                <a16:creationId xmlns:a16="http://schemas.microsoft.com/office/drawing/2014/main" id="{99C49417-78AB-732C-9F67-6CA5F1ADBB1F}"/>
+              </a:ext>
+            </a:extLst>
+          </p:cNvPr>
+          <p:cNvSpPr>
+            <a:spLocks noGrp="1"/>
+          </p:cNvSpPr>
+          <p:nvPr>
+            <p:ph type="title"/>
+          </p:nvPr>
+        </p:nvSpPr>
+        <p:spPr/>
+        <p:txBody>
+          <a:bodyPr/>
+          <a:lstStyle/>
+          <a:p>
+            <a:r>
+              <a:rPr lang="de-DE" dirty="0" err="1"/>
+              <a:t>Methodology</a:t>
+            </a:r>
+            <a:endParaRPr lang="de-DE" dirty="0"/>
+          </a:p>
+        </p:txBody>
+      </p:sp>
+      <p:sp>
+        <p:nvSpPr>
+          <p:cNvPr id="3" name="Textplatzhalter 2">
+            <a:extLst>
+              <a:ext uri="{FF2B5EF4-FFF2-40B4-BE49-F238E27FC236}">
+                <a16:creationId xmlns:a16="http://schemas.microsoft.com/office/drawing/2014/main" id="{A49BFADE-8F6C-435E-F1EF-D6F83AF49D78}"/>
+              </a:ext>
+            </a:extLst>
+          </p:cNvPr>
+          <p:cNvSpPr>
+            <a:spLocks noGrp="1"/>
+          </p:cNvSpPr>
+          <p:nvPr>
+            <p:ph type="body" sz="quarter" idx="13"/>
+          </p:nvPr>
+        </p:nvSpPr>
+        <p:spPr/>
+        <p:txBody>
+          <a:bodyPr/>
+          <a:lstStyle/>
+          <a:p>
+            <a:r>
+              <a:rPr lang="de-DE" dirty="0" err="1"/>
+              <a:t>Evaluated</a:t>
+            </a:r>
+            <a:r>
+              <a:rPr lang="de-DE" dirty="0"/>
+              <a:t> </a:t>
+            </a:r>
+            <a:r>
+              <a:rPr lang="de-DE" dirty="0" err="1"/>
+              <a:t>models</a:t>
+            </a:r>
+            <a:endParaRPr lang="de-DE" dirty="0"/>
+          </a:p>
+        </p:txBody>
+      </p:sp>
+      <p:sp>
+        <p:nvSpPr>
+          <p:cNvPr id="4" name="Inhaltsplatzhalter 3">
+            <a:extLst>
+              <a:ext uri="{FF2B5EF4-FFF2-40B4-BE49-F238E27FC236}">
+                <a16:creationId xmlns:a16="http://schemas.microsoft.com/office/drawing/2014/main" id="{E6FDCAEC-D67F-CE59-2EAA-AA9DCFFCE984}"/>
+              </a:ext>
+            </a:extLst>
+          </p:cNvPr>
+          <p:cNvSpPr>
+            <a:spLocks noGrp="1"/>
+          </p:cNvSpPr>
+          <p:nvPr>
+            <p:ph idx="1"/>
+          </p:nvPr>
+        </p:nvSpPr>
+        <p:spPr/>
+        <p:txBody>
+          <a:bodyPr/>
+          <a:lstStyle/>
+          <a:p>
+            <a:r>
+              <a:rPr lang="de-DE" dirty="0"/>
+              <a:t>1D-CNN</a:t>
+            </a:r>
+          </a:p>
+          <a:p>
+            <a:pPr lvl="1"/>
+            <a:r>
+              <a:rPr lang="de-DE" dirty="0"/>
+              <a:t>Given </a:t>
+            </a:r>
+            <a:r>
+              <a:rPr lang="de-DE" dirty="0" err="1"/>
+              <a:t>as</a:t>
+            </a:r>
+            <a:r>
+              <a:rPr lang="de-DE" dirty="0"/>
+              <a:t> </a:t>
+            </a:r>
+            <a:r>
+              <a:rPr lang="de-DE" dirty="0" err="1"/>
+              <a:t>starting</a:t>
+            </a:r>
+            <a:r>
+              <a:rPr lang="de-DE" dirty="0"/>
+              <a:t> </a:t>
+            </a:r>
+            <a:r>
+              <a:rPr lang="de-DE" dirty="0" err="1"/>
+              <a:t>point</a:t>
+            </a:r>
+            <a:endParaRPr lang="de-DE" dirty="0"/>
+          </a:p>
+          <a:p>
+            <a:pPr lvl="1"/>
+            <a:endParaRPr lang="de-DE" dirty="0"/>
+          </a:p>
+        </p:txBody>
+      </p:sp>
+      <p:sp>
+        <p:nvSpPr>
+          <p:cNvPr id="5" name="Datumsplatzhalter 4">
+            <a:extLst>
+              <a:ext uri="{FF2B5EF4-FFF2-40B4-BE49-F238E27FC236}">
+                <a16:creationId xmlns:a16="http://schemas.microsoft.com/office/drawing/2014/main" id="{96CC6791-FE61-3253-CBB3-F9B06ECAAB09}"/>
+              </a:ext>
+            </a:extLst>
+          </p:cNvPr>
+          <p:cNvSpPr>
+            <a:spLocks noGrp="1"/>
+          </p:cNvSpPr>
+          <p:nvPr>
+            <p:ph type="dt" sz="half" idx="14"/>
+          </p:nvPr>
+        </p:nvSpPr>
+        <p:spPr/>
+        <p:txBody>
+          <a:bodyPr/>
+          <a:lstStyle/>
+          <a:p>
+            <a:fld id="{7662C9C7-604C-4A52-83AD-DCC06C4528AB}" type="datetime1">
+              <a:rPr lang="en-US" smtClean="0"/>
+              <a:t>12/6/2022</a:t>
+            </a:fld>
+            <a:endParaRPr lang="en-US" dirty="0"/>
+          </a:p>
+        </p:txBody>
+      </p:sp>
+      <p:sp>
+        <p:nvSpPr>
+          <p:cNvPr id="6" name="Fußzeilenplatzhalter 5">
+            <a:extLst>
+              <a:ext uri="{FF2B5EF4-FFF2-40B4-BE49-F238E27FC236}">
+                <a16:creationId xmlns:a16="http://schemas.microsoft.com/office/drawing/2014/main" id="{274970B3-4583-F56A-DF9D-515A759AECF9}"/>
+              </a:ext>
+            </a:extLst>
+          </p:cNvPr>
+          <p:cNvSpPr>
+            <a:spLocks noGrp="1"/>
+          </p:cNvSpPr>
+          <p:nvPr>
+            <p:ph type="ftr" sz="quarter" idx="15"/>
+          </p:nvPr>
+        </p:nvSpPr>
+        <p:spPr/>
+        <p:txBody>
+          <a:bodyPr/>
+          <a:lstStyle/>
+          <a:p>
+            <a:r>
+              <a:rPr lang="en-IN"/>
+              <a:t>Milestone Presentation</a:t>
+            </a:r>
+            <a:endParaRPr lang="en-US" dirty="0"/>
+          </a:p>
+        </p:txBody>
+      </p:sp>
+      <p:sp>
+        <p:nvSpPr>
+          <p:cNvPr id="7" name="Foliennummernplatzhalter 6">
+            <a:extLst>
+              <a:ext uri="{FF2B5EF4-FFF2-40B4-BE49-F238E27FC236}">
+                <a16:creationId xmlns:a16="http://schemas.microsoft.com/office/drawing/2014/main" id="{03D83C78-B148-9328-03F3-845382CF82C7}"/>
+              </a:ext>
+            </a:extLst>
+          </p:cNvPr>
+          <p:cNvSpPr>
+            <a:spLocks noGrp="1"/>
+          </p:cNvSpPr>
+          <p:nvPr>
+            <p:ph type="sldNum" sz="quarter" idx="16"/>
+          </p:nvPr>
+        </p:nvSpPr>
+        <p:spPr/>
+        <p:txBody>
+          <a:bodyPr/>
+          <a:lstStyle/>
+          <a:p>
+            <a:fld id="{9E82CC3C-1DC0-4FDA-9590-6CC506AB67F8}" type="slidenum">
+              <a:rPr lang="en-US" smtClean="0"/>
+              <a:pPr/>
+              <a:t>5</a:t>
+            </a:fld>
+            <a:endParaRPr lang="en-US" dirty="0"/>
+          </a:p>
+        </p:txBody>
+      </p:sp>
+    </p:spTree>
+    <p:extLst>
+      <p:ext uri="{BB962C8B-B14F-4D97-AF65-F5344CB8AC3E}">
+        <p14:creationId xmlns:p14="http://schemas.microsoft.com/office/powerpoint/2010/main" val="1655654940"/>
+      </p:ext>
+    </p:extLst>
+  </p:cSld>
+  <p:clrMapOvr>
+    <a:masterClrMapping/>
+  </p:clrMapOvr>
+</p:sld>
+</file>
+
+<file path=ppt/slides/slide6.xml><?xml version="1.0" encoding="utf-8"?>
+<p:sld xmlns:a="http://schemas.openxmlformats.org/drawingml/2006/main" xmlns:r="http://schemas.openxmlformats.org/officeDocument/2006/relationships" xmlns:p="http://schemas.openxmlformats.org/presentationml/2006/main">
+  <p:cSld>
+    <p:spTree>
+      <p:nvGrpSpPr>
+        <p:cNvPr id="1" name=""/>
+        <p:cNvGrpSpPr/>
+        <p:nvPr/>
+      </p:nvGrpSpPr>
+      <p:grpSpPr>
+        <a:xfrm>
+          <a:off x="0" y="0"/>
+          <a:ext cx="0" cy="0"/>
+          <a:chOff x="0" y="0"/>
+          <a:chExt cx="0" cy="0"/>
+        </a:xfrm>
+      </p:grpSpPr>
+      <p:sp>
+        <p:nvSpPr>
+          <p:cNvPr id="2" name="Titel 1">
+            <a:extLst>
+              <a:ext uri="{FF2B5EF4-FFF2-40B4-BE49-F238E27FC236}">
+                <a16:creationId xmlns:a16="http://schemas.microsoft.com/office/drawing/2014/main" id="{99C49417-78AB-732C-9F67-6CA5F1ADBB1F}"/>
+              </a:ext>
+            </a:extLst>
+          </p:cNvPr>
+          <p:cNvSpPr>
+            <a:spLocks noGrp="1"/>
+          </p:cNvSpPr>
+          <p:nvPr>
+            <p:ph type="title"/>
+          </p:nvPr>
+        </p:nvSpPr>
+        <p:spPr/>
+        <p:txBody>
+          <a:bodyPr/>
+          <a:lstStyle/>
+          <a:p>
+            <a:r>
+              <a:rPr lang="de-DE" dirty="0" err="1"/>
+              <a:t>Methodology</a:t>
+            </a:r>
+            <a:endParaRPr lang="de-DE" dirty="0"/>
+          </a:p>
+        </p:txBody>
+      </p:sp>
+      <p:sp>
+        <p:nvSpPr>
+          <p:cNvPr id="3" name="Textplatzhalter 2">
+            <a:extLst>
+              <a:ext uri="{FF2B5EF4-FFF2-40B4-BE49-F238E27FC236}">
+                <a16:creationId xmlns:a16="http://schemas.microsoft.com/office/drawing/2014/main" id="{A49BFADE-8F6C-435E-F1EF-D6F83AF49D78}"/>
+              </a:ext>
+            </a:extLst>
+          </p:cNvPr>
+          <p:cNvSpPr>
+            <a:spLocks noGrp="1"/>
+          </p:cNvSpPr>
+          <p:nvPr>
+            <p:ph type="body" sz="quarter" idx="13"/>
+          </p:nvPr>
+        </p:nvSpPr>
+        <p:spPr/>
+        <p:txBody>
+          <a:bodyPr/>
+          <a:lstStyle/>
+          <a:p>
+            <a:r>
+              <a:rPr lang="de-DE" dirty="0" err="1"/>
+              <a:t>Evaluated</a:t>
+            </a:r>
+            <a:r>
+              <a:rPr lang="de-DE" dirty="0"/>
+              <a:t> </a:t>
+            </a:r>
+            <a:r>
+              <a:rPr lang="de-DE" dirty="0" err="1"/>
+              <a:t>models</a:t>
+            </a:r>
+            <a:endParaRPr lang="de-DE" dirty="0"/>
+          </a:p>
+        </p:txBody>
+      </p:sp>
+      <p:sp>
+        <p:nvSpPr>
+          <p:cNvPr id="4" name="Inhaltsplatzhalter 3">
+            <a:extLst>
+              <a:ext uri="{FF2B5EF4-FFF2-40B4-BE49-F238E27FC236}">
+                <a16:creationId xmlns:a16="http://schemas.microsoft.com/office/drawing/2014/main" id="{E6FDCAEC-D67F-CE59-2EAA-AA9DCFFCE984}"/>
+              </a:ext>
+            </a:extLst>
+          </p:cNvPr>
+          <p:cNvSpPr>
+            <a:spLocks noGrp="1"/>
+          </p:cNvSpPr>
+          <p:nvPr>
+            <p:ph idx="1"/>
+          </p:nvPr>
+        </p:nvSpPr>
+        <p:spPr/>
+        <p:txBody>
+          <a:bodyPr/>
+          <a:lstStyle/>
+          <a:p>
+            <a:r>
+              <a:rPr lang="de-DE" dirty="0"/>
+              <a:t>LSTM</a:t>
+            </a:r>
+          </a:p>
+          <a:p>
+            <a:pPr lvl="1"/>
+            <a:endParaRPr lang="de-DE" dirty="0"/>
+          </a:p>
+        </p:txBody>
+      </p:sp>
+      <p:sp>
+        <p:nvSpPr>
+          <p:cNvPr id="5" name="Datumsplatzhalter 4">
+            <a:extLst>
+              <a:ext uri="{FF2B5EF4-FFF2-40B4-BE49-F238E27FC236}">
+                <a16:creationId xmlns:a16="http://schemas.microsoft.com/office/drawing/2014/main" id="{96CC6791-FE61-3253-CBB3-F9B06ECAAB09}"/>
+              </a:ext>
+            </a:extLst>
+          </p:cNvPr>
+          <p:cNvSpPr>
+            <a:spLocks noGrp="1"/>
+          </p:cNvSpPr>
+          <p:nvPr>
+            <p:ph type="dt" sz="half" idx="14"/>
+          </p:nvPr>
+        </p:nvSpPr>
+        <p:spPr/>
+        <p:txBody>
+          <a:bodyPr/>
+          <a:lstStyle/>
+          <a:p>
+            <a:fld id="{7662C9C7-604C-4A52-83AD-DCC06C4528AB}" type="datetime1">
+              <a:rPr lang="en-US" smtClean="0"/>
+              <a:t>12/6/2022</a:t>
+            </a:fld>
+            <a:endParaRPr lang="en-US" dirty="0"/>
+          </a:p>
+        </p:txBody>
+      </p:sp>
+      <p:sp>
+        <p:nvSpPr>
+          <p:cNvPr id="6" name="Fußzeilenplatzhalter 5">
+            <a:extLst>
+              <a:ext uri="{FF2B5EF4-FFF2-40B4-BE49-F238E27FC236}">
+                <a16:creationId xmlns:a16="http://schemas.microsoft.com/office/drawing/2014/main" id="{274970B3-4583-F56A-DF9D-515A759AECF9}"/>
+              </a:ext>
+            </a:extLst>
+          </p:cNvPr>
+          <p:cNvSpPr>
+            <a:spLocks noGrp="1"/>
+          </p:cNvSpPr>
+          <p:nvPr>
+            <p:ph type="ftr" sz="quarter" idx="15"/>
+          </p:nvPr>
+        </p:nvSpPr>
+        <p:spPr/>
+        <p:txBody>
+          <a:bodyPr/>
+          <a:lstStyle/>
+          <a:p>
+            <a:r>
+              <a:rPr lang="en-IN"/>
+              <a:t>Milestone Presentation</a:t>
+            </a:r>
+            <a:endParaRPr lang="en-US" dirty="0"/>
+          </a:p>
+        </p:txBody>
+      </p:sp>
+      <p:sp>
+        <p:nvSpPr>
+          <p:cNvPr id="7" name="Foliennummernplatzhalter 6">
+            <a:extLst>
+              <a:ext uri="{FF2B5EF4-FFF2-40B4-BE49-F238E27FC236}">
+                <a16:creationId xmlns:a16="http://schemas.microsoft.com/office/drawing/2014/main" id="{03D83C78-B148-9328-03F3-845382CF82C7}"/>
+              </a:ext>
+            </a:extLst>
+          </p:cNvPr>
+          <p:cNvSpPr>
+            <a:spLocks noGrp="1"/>
+          </p:cNvSpPr>
+          <p:nvPr>
+            <p:ph type="sldNum" sz="quarter" idx="16"/>
+          </p:nvPr>
+        </p:nvSpPr>
+        <p:spPr/>
+        <p:txBody>
+          <a:bodyPr/>
+          <a:lstStyle/>
+          <a:p>
+            <a:fld id="{9E82CC3C-1DC0-4FDA-9590-6CC506AB67F8}" type="slidenum">
+              <a:rPr lang="en-US" smtClean="0"/>
+              <a:pPr/>
+              <a:t>6</a:t>
+            </a:fld>
+            <a:endParaRPr lang="en-US" dirty="0"/>
+          </a:p>
+        </p:txBody>
+      </p:sp>
+    </p:spTree>
+    <p:extLst>
+      <p:ext uri="{BB962C8B-B14F-4D97-AF65-F5344CB8AC3E}">
+        <p14:creationId xmlns:p14="http://schemas.microsoft.com/office/powerpoint/2010/main" val="1952340748"/>
+      </p:ext>
+    </p:extLst>
+  </p:cSld>
+  <p:clrMapOvr>
+    <a:masterClrMapping/>
+  </p:clrMapOvr>
+</p:sld>
+</file>
+
+<file path=ppt/slides/slide7.xml><?xml version="1.0" encoding="utf-8"?>
+<p:sld xmlns:a="http://schemas.openxmlformats.org/drawingml/2006/main" xmlns:r="http://schemas.openxmlformats.org/officeDocument/2006/relationships" xmlns:p="http://schemas.openxmlformats.org/presentationml/2006/main">
+  <p:cSld>
+    <p:spTree>
+      <p:nvGrpSpPr>
+        <p:cNvPr id="1" name=""/>
+        <p:cNvGrpSpPr/>
+        <p:nvPr/>
+      </p:nvGrpSpPr>
+      <p:grpSpPr>
+        <a:xfrm>
+          <a:off x="0" y="0"/>
+          <a:ext cx="0" cy="0"/>
+          <a:chOff x="0" y="0"/>
+          <a:chExt cx="0" cy="0"/>
+        </a:xfrm>
+      </p:grpSpPr>
+      <p:sp>
+        <p:nvSpPr>
+          <p:cNvPr id="2" name="Titel 1">
+            <a:extLst>
+              <a:ext uri="{FF2B5EF4-FFF2-40B4-BE49-F238E27FC236}">
+                <a16:creationId xmlns:a16="http://schemas.microsoft.com/office/drawing/2014/main" id="{99C49417-78AB-732C-9F67-6CA5F1ADBB1F}"/>
+              </a:ext>
+            </a:extLst>
+          </p:cNvPr>
+          <p:cNvSpPr>
+            <a:spLocks noGrp="1"/>
+          </p:cNvSpPr>
+          <p:nvPr>
+            <p:ph type="title"/>
+          </p:nvPr>
+        </p:nvSpPr>
+        <p:spPr/>
+        <p:txBody>
+          <a:bodyPr/>
+          <a:lstStyle/>
+          <a:p>
+            <a:r>
+              <a:rPr lang="de-DE" dirty="0" err="1"/>
+              <a:t>Methodology</a:t>
+            </a:r>
+            <a:endParaRPr lang="de-DE" dirty="0"/>
+          </a:p>
+        </p:txBody>
+      </p:sp>
+      <p:sp>
+        <p:nvSpPr>
+          <p:cNvPr id="3" name="Textplatzhalter 2">
+            <a:extLst>
+              <a:ext uri="{FF2B5EF4-FFF2-40B4-BE49-F238E27FC236}">
+                <a16:creationId xmlns:a16="http://schemas.microsoft.com/office/drawing/2014/main" id="{A49BFADE-8F6C-435E-F1EF-D6F83AF49D78}"/>
+              </a:ext>
+            </a:extLst>
+          </p:cNvPr>
+          <p:cNvSpPr>
+            <a:spLocks noGrp="1"/>
+          </p:cNvSpPr>
+          <p:nvPr>
+            <p:ph type="body" sz="quarter" idx="13"/>
+          </p:nvPr>
+        </p:nvSpPr>
+        <p:spPr/>
+        <p:txBody>
+          <a:bodyPr/>
+          <a:lstStyle/>
+          <a:p>
+            <a:r>
+              <a:rPr lang="de-DE" dirty="0" err="1"/>
+              <a:t>Evaluated</a:t>
+            </a:r>
+            <a:r>
+              <a:rPr lang="de-DE" dirty="0"/>
+              <a:t> </a:t>
+            </a:r>
+            <a:r>
+              <a:rPr lang="de-DE" dirty="0" err="1"/>
+              <a:t>models</a:t>
+            </a:r>
+            <a:endParaRPr lang="de-DE" dirty="0"/>
+          </a:p>
+        </p:txBody>
+      </p:sp>
+      <p:sp>
+        <p:nvSpPr>
+          <p:cNvPr id="4" name="Inhaltsplatzhalter 3">
+            <a:extLst>
+              <a:ext uri="{FF2B5EF4-FFF2-40B4-BE49-F238E27FC236}">
+                <a16:creationId xmlns:a16="http://schemas.microsoft.com/office/drawing/2014/main" id="{E6FDCAEC-D67F-CE59-2EAA-AA9DCFFCE984}"/>
+              </a:ext>
+            </a:extLst>
+          </p:cNvPr>
+          <p:cNvSpPr>
+            <a:spLocks noGrp="1"/>
+          </p:cNvSpPr>
+          <p:nvPr>
+            <p:ph idx="1"/>
+          </p:nvPr>
+        </p:nvSpPr>
+        <p:spPr/>
+        <p:txBody>
+          <a:bodyPr/>
+          <a:lstStyle/>
+          <a:p>
+            <a:r>
+              <a:rPr lang="de-DE" dirty="0"/>
+              <a:t>CNN-LSTM</a:t>
+            </a:r>
+          </a:p>
+          <a:p>
+            <a:pPr lvl="1"/>
+            <a:endParaRPr lang="de-DE" dirty="0"/>
+          </a:p>
+        </p:txBody>
+      </p:sp>
+      <p:sp>
+        <p:nvSpPr>
+          <p:cNvPr id="5" name="Datumsplatzhalter 4">
+            <a:extLst>
+              <a:ext uri="{FF2B5EF4-FFF2-40B4-BE49-F238E27FC236}">
+                <a16:creationId xmlns:a16="http://schemas.microsoft.com/office/drawing/2014/main" id="{96CC6791-FE61-3253-CBB3-F9B06ECAAB09}"/>
+              </a:ext>
+            </a:extLst>
+          </p:cNvPr>
+          <p:cNvSpPr>
+            <a:spLocks noGrp="1"/>
+          </p:cNvSpPr>
+          <p:nvPr>
+            <p:ph type="dt" sz="half" idx="14"/>
+          </p:nvPr>
+        </p:nvSpPr>
+        <p:spPr/>
+        <p:txBody>
+          <a:bodyPr/>
+          <a:lstStyle/>
+          <a:p>
+            <a:fld id="{7662C9C7-604C-4A52-83AD-DCC06C4528AB}" type="datetime1">
+              <a:rPr lang="en-US" smtClean="0"/>
+              <a:t>12/6/2022</a:t>
+            </a:fld>
+            <a:endParaRPr lang="en-US" dirty="0"/>
+          </a:p>
+        </p:txBody>
+      </p:sp>
+      <p:sp>
+        <p:nvSpPr>
+          <p:cNvPr id="6" name="Fußzeilenplatzhalter 5">
+            <a:extLst>
+              <a:ext uri="{FF2B5EF4-FFF2-40B4-BE49-F238E27FC236}">
+                <a16:creationId xmlns:a16="http://schemas.microsoft.com/office/drawing/2014/main" id="{274970B3-4583-F56A-DF9D-515A759AECF9}"/>
+              </a:ext>
+            </a:extLst>
+          </p:cNvPr>
+          <p:cNvSpPr>
+            <a:spLocks noGrp="1"/>
+          </p:cNvSpPr>
+          <p:nvPr>
+            <p:ph type="ftr" sz="quarter" idx="15"/>
+          </p:nvPr>
+        </p:nvSpPr>
+        <p:spPr/>
+        <p:txBody>
+          <a:bodyPr/>
+          <a:lstStyle/>
+          <a:p>
+            <a:r>
+              <a:rPr lang="en-IN"/>
+              <a:t>Milestone Presentation</a:t>
+            </a:r>
+            <a:endParaRPr lang="en-US" dirty="0"/>
+          </a:p>
+        </p:txBody>
+      </p:sp>
+      <p:sp>
+        <p:nvSpPr>
+          <p:cNvPr id="7" name="Foliennummernplatzhalter 6">
+            <a:extLst>
+              <a:ext uri="{FF2B5EF4-FFF2-40B4-BE49-F238E27FC236}">
+                <a16:creationId xmlns:a16="http://schemas.microsoft.com/office/drawing/2014/main" id="{03D83C78-B148-9328-03F3-845382CF82C7}"/>
+              </a:ext>
+            </a:extLst>
+          </p:cNvPr>
+          <p:cNvSpPr>
+            <a:spLocks noGrp="1"/>
+          </p:cNvSpPr>
+          <p:nvPr>
+            <p:ph type="sldNum" sz="quarter" idx="16"/>
+          </p:nvPr>
+        </p:nvSpPr>
+        <p:spPr/>
+        <p:txBody>
+          <a:bodyPr/>
+          <a:lstStyle/>
+          <a:p>
+            <a:fld id="{9E82CC3C-1DC0-4FDA-9590-6CC506AB67F8}" type="slidenum">
+              <a:rPr lang="en-US" smtClean="0"/>
+              <a:pPr/>
+              <a:t>7</a:t>
+            </a:fld>
+            <a:endParaRPr lang="en-US" dirty="0"/>
+          </a:p>
+        </p:txBody>
+      </p:sp>
+    </p:spTree>
+    <p:extLst>
+      <p:ext uri="{BB962C8B-B14F-4D97-AF65-F5344CB8AC3E}">
+        <p14:creationId xmlns:p14="http://schemas.microsoft.com/office/powerpoint/2010/main" val="3483031518"/>
+      </p:ext>
+    </p:extLst>
+  </p:cSld>
+  <p:clrMapOvr>
+    <a:masterClrMapping/>
+  </p:clrMapOvr>
+</p:sld>
+</file>
+
+<file path=ppt/slides/slide8.xml><?xml version="1.0" encoding="utf-8"?>
+<p:sld xmlns:a="http://schemas.openxmlformats.org/drawingml/2006/main" xmlns:r="http://schemas.openxmlformats.org/officeDocument/2006/relationships" xmlns:p="http://schemas.openxmlformats.org/presentationml/2006/main">
+  <p:cSld>
+    <p:spTree>
+      <p:nvGrpSpPr>
+        <p:cNvPr id="1" name=""/>
+        <p:cNvGrpSpPr/>
+        <p:nvPr/>
+      </p:nvGrpSpPr>
+      <p:grpSpPr>
+        <a:xfrm>
+          <a:off x="0" y="0"/>
+          <a:ext cx="0" cy="0"/>
+          <a:chOff x="0" y="0"/>
+          <a:chExt cx="0" cy="0"/>
+        </a:xfrm>
+      </p:grpSpPr>
+      <p:sp>
+        <p:nvSpPr>
+          <p:cNvPr id="2" name="Titel 1">
+            <a:extLst>
+              <a:ext uri="{FF2B5EF4-FFF2-40B4-BE49-F238E27FC236}">
+                <a16:creationId xmlns:a16="http://schemas.microsoft.com/office/drawing/2014/main" id="{99C49417-78AB-732C-9F67-6CA5F1ADBB1F}"/>
+              </a:ext>
+            </a:extLst>
+          </p:cNvPr>
+          <p:cNvSpPr>
+            <a:spLocks noGrp="1"/>
+          </p:cNvSpPr>
+          <p:nvPr>
+            <p:ph type="title"/>
+          </p:nvPr>
+        </p:nvSpPr>
+        <p:spPr/>
+        <p:txBody>
+          <a:bodyPr/>
+          <a:lstStyle/>
+          <a:p>
+            <a:r>
+              <a:rPr lang="de-DE" dirty="0" err="1"/>
+              <a:t>Methodology</a:t>
+            </a:r>
+            <a:endParaRPr lang="de-DE" dirty="0"/>
+          </a:p>
+        </p:txBody>
+      </p:sp>
+      <p:sp>
+        <p:nvSpPr>
+          <p:cNvPr id="3" name="Textplatzhalter 2">
+            <a:extLst>
+              <a:ext uri="{FF2B5EF4-FFF2-40B4-BE49-F238E27FC236}">
+                <a16:creationId xmlns:a16="http://schemas.microsoft.com/office/drawing/2014/main" id="{A49BFADE-8F6C-435E-F1EF-D6F83AF49D78}"/>
+              </a:ext>
+            </a:extLst>
+          </p:cNvPr>
+          <p:cNvSpPr>
+            <a:spLocks noGrp="1"/>
+          </p:cNvSpPr>
+          <p:nvPr>
+            <p:ph type="body" sz="quarter" idx="13"/>
+          </p:nvPr>
+        </p:nvSpPr>
+        <p:spPr/>
+        <p:txBody>
+          <a:bodyPr/>
+          <a:lstStyle/>
+          <a:p>
+            <a:r>
+              <a:rPr lang="de-DE" dirty="0" err="1"/>
+              <a:t>Evaluated</a:t>
+            </a:r>
+            <a:r>
+              <a:rPr lang="de-DE" dirty="0"/>
+              <a:t> </a:t>
+            </a:r>
+            <a:r>
+              <a:rPr lang="de-DE" dirty="0" err="1"/>
+              <a:t>models</a:t>
+            </a:r>
+            <a:endParaRPr lang="de-DE" dirty="0"/>
+          </a:p>
+        </p:txBody>
+      </p:sp>
+      <p:sp>
+        <p:nvSpPr>
+          <p:cNvPr id="4" name="Inhaltsplatzhalter 3">
+            <a:extLst>
+              <a:ext uri="{FF2B5EF4-FFF2-40B4-BE49-F238E27FC236}">
+                <a16:creationId xmlns:a16="http://schemas.microsoft.com/office/drawing/2014/main" id="{E6FDCAEC-D67F-CE59-2EAA-AA9DCFFCE984}"/>
+              </a:ext>
+            </a:extLst>
+          </p:cNvPr>
+          <p:cNvSpPr>
+            <a:spLocks noGrp="1"/>
+          </p:cNvSpPr>
+          <p:nvPr>
+            <p:ph idx="1"/>
+          </p:nvPr>
+        </p:nvSpPr>
+        <p:spPr/>
+        <p:txBody>
+          <a:bodyPr/>
+          <a:lstStyle/>
+          <a:p>
+            <a:r>
+              <a:rPr lang="de-DE" dirty="0"/>
+              <a:t>Transformer</a:t>
+            </a:r>
+          </a:p>
+          <a:p>
+            <a:pPr lvl="1"/>
+            <a:endParaRPr lang="de-DE" dirty="0"/>
+          </a:p>
+        </p:txBody>
+      </p:sp>
+      <p:sp>
+        <p:nvSpPr>
+          <p:cNvPr id="5" name="Datumsplatzhalter 4">
+            <a:extLst>
+              <a:ext uri="{FF2B5EF4-FFF2-40B4-BE49-F238E27FC236}">
+                <a16:creationId xmlns:a16="http://schemas.microsoft.com/office/drawing/2014/main" id="{96CC6791-FE61-3253-CBB3-F9B06ECAAB09}"/>
+              </a:ext>
+            </a:extLst>
+          </p:cNvPr>
+          <p:cNvSpPr>
+            <a:spLocks noGrp="1"/>
+          </p:cNvSpPr>
+          <p:nvPr>
+            <p:ph type="dt" sz="half" idx="14"/>
+          </p:nvPr>
+        </p:nvSpPr>
+        <p:spPr/>
+        <p:txBody>
+          <a:bodyPr/>
+          <a:lstStyle/>
+          <a:p>
+            <a:fld id="{7662C9C7-604C-4A52-83AD-DCC06C4528AB}" type="datetime1">
+              <a:rPr lang="en-US" smtClean="0"/>
+              <a:t>12/6/2022</a:t>
+            </a:fld>
+            <a:endParaRPr lang="en-US" dirty="0"/>
+          </a:p>
+        </p:txBody>
+      </p:sp>
+      <p:sp>
+        <p:nvSpPr>
+          <p:cNvPr id="6" name="Fußzeilenplatzhalter 5">
+            <a:extLst>
+              <a:ext uri="{FF2B5EF4-FFF2-40B4-BE49-F238E27FC236}">
+                <a16:creationId xmlns:a16="http://schemas.microsoft.com/office/drawing/2014/main" id="{274970B3-4583-F56A-DF9D-515A759AECF9}"/>
+              </a:ext>
+            </a:extLst>
+          </p:cNvPr>
+          <p:cNvSpPr>
+            <a:spLocks noGrp="1"/>
+          </p:cNvSpPr>
+          <p:nvPr>
+            <p:ph type="ftr" sz="quarter" idx="15"/>
+          </p:nvPr>
+        </p:nvSpPr>
+        <p:spPr/>
+        <p:txBody>
+          <a:bodyPr/>
+          <a:lstStyle/>
+          <a:p>
+            <a:r>
+              <a:rPr lang="en-IN"/>
+              <a:t>Milestone Presentation</a:t>
+            </a:r>
+            <a:endParaRPr lang="en-US" dirty="0"/>
+          </a:p>
+        </p:txBody>
+      </p:sp>
+      <p:sp>
+        <p:nvSpPr>
+          <p:cNvPr id="7" name="Foliennummernplatzhalter 6">
+            <a:extLst>
+              <a:ext uri="{FF2B5EF4-FFF2-40B4-BE49-F238E27FC236}">
+                <a16:creationId xmlns:a16="http://schemas.microsoft.com/office/drawing/2014/main" id="{03D83C78-B148-9328-03F3-845382CF82C7}"/>
+              </a:ext>
+            </a:extLst>
+          </p:cNvPr>
+          <p:cNvSpPr>
+            <a:spLocks noGrp="1"/>
+          </p:cNvSpPr>
+          <p:nvPr>
+            <p:ph type="sldNum" sz="quarter" idx="16"/>
+          </p:nvPr>
+        </p:nvSpPr>
+        <p:spPr/>
+        <p:txBody>
+          <a:bodyPr/>
+          <a:lstStyle/>
+          <a:p>
+            <a:fld id="{9E82CC3C-1DC0-4FDA-9590-6CC506AB67F8}" type="slidenum">
+              <a:rPr lang="en-US" smtClean="0"/>
+              <a:pPr/>
+              <a:t>8</a:t>
+            </a:fld>
+            <a:endParaRPr lang="en-US" dirty="0"/>
+          </a:p>
+        </p:txBody>
+      </p:sp>
+    </p:spTree>
+    <p:extLst>
+      <p:ext uri="{BB962C8B-B14F-4D97-AF65-F5344CB8AC3E}">
+        <p14:creationId xmlns:p14="http://schemas.microsoft.com/office/powerpoint/2010/main" val="456385973"/>
+      </p:ext>
+    </p:extLst>
+  </p:cSld>
+  <p:clrMapOvr>
+    <a:masterClrMapping/>
+  </p:clrMapOvr>
+</p:sld>
+</file>
+
+<file path=ppt/slides/slide9.xml><?xml version="1.0" encoding="utf-8"?>
 <p:sld xmlns:a="http://schemas.openxmlformats.org/drawingml/2006/main" xmlns:r="http://schemas.openxmlformats.org/officeDocument/2006/relationships" xmlns:p="http://schemas.openxmlformats.org/presentationml/2006/main">
   <p:cSld>
     <p:bg>
@@ -17085,10 +19684,9 @@
           <a:p>
             <a:pPr algn="ctr"/>
             <a:r>
-              <a:rPr lang="de-DE" dirty="0" smtClean="0"/>
+              <a:rPr lang="de-DE" dirty="0"/>
               <a:t>Initial Results</a:t>
             </a:r>
-            <a:endParaRPr lang="de-DE" dirty="0"/>
           </a:p>
         </p:txBody>
       </p:sp>
@@ -17102,767 +19700,6 @@
   <p:clrMapOvr>
     <a:masterClrMapping/>
   </p:clrMapOvr>
-  <p:timing>
-    <p:tnLst>
-      <p:par>
-        <p:cTn id="1" dur="indefinite" restart="never" nodeType="tmRoot"/>
-      </p:par>
-    </p:tnLst>
-  </p:timing>
-</p:sld>
-</file>
-
-<file path=ppt/slides/slide6.xml><?xml version="1.0" encoding="utf-8"?>
-<p:sld xmlns:a="http://schemas.openxmlformats.org/drawingml/2006/main" xmlns:r="http://schemas.openxmlformats.org/officeDocument/2006/relationships" xmlns:p="http://schemas.openxmlformats.org/presentationml/2006/main">
-  <p:cSld>
-    <p:bg>
-      <p:bgPr>
-        <a:blipFill dpi="0" rotWithShape="1">
-          <a:blip r:embed="rId3"/>
-          <a:srcRect/>
-          <a:stretch>
-            <a:fillRect/>
-          </a:stretch>
-        </a:blipFill>
-        <a:effectLst/>
-      </p:bgPr>
-    </p:bg>
-    <p:spTree>
-      <p:nvGrpSpPr>
-        <p:cNvPr id="1" name=""/>
-        <p:cNvGrpSpPr/>
-        <p:nvPr/>
-      </p:nvGrpSpPr>
-      <p:grpSpPr>
-        <a:xfrm>
-          <a:off x="0" y="0"/>
-          <a:ext cx="0" cy="0"/>
-          <a:chOff x="0" y="0"/>
-          <a:chExt cx="0" cy="0"/>
-        </a:xfrm>
-      </p:grpSpPr>
-      <p:sp>
-        <p:nvSpPr>
-          <p:cNvPr id="2" name="Titel 1"/>
-          <p:cNvSpPr>
-            <a:spLocks noGrp="1"/>
-          </p:cNvSpPr>
-          <p:nvPr>
-            <p:ph type="title"/>
-          </p:nvPr>
-        </p:nvSpPr>
-        <p:spPr>
-          <a:xfrm>
-            <a:off x="2960100" y="1332412"/>
-            <a:ext cx="3088582" cy="585113"/>
-          </a:xfrm>
-        </p:spPr>
-        <p:txBody>
-          <a:bodyPr/>
-          <a:lstStyle/>
-          <a:p>
-            <a:pPr algn="ctr"/>
-            <a:r>
-              <a:rPr lang="de-DE" dirty="0" smtClean="0"/>
-              <a:t>Further Steps</a:t>
-            </a:r>
-            <a:endParaRPr lang="de-DE" dirty="0"/>
-          </a:p>
-        </p:txBody>
-      </p:sp>
-    </p:spTree>
-    <p:extLst>
-      <p:ext uri="{BB962C8B-B14F-4D97-AF65-F5344CB8AC3E}">
-        <p14:creationId xmlns:p14="http://schemas.microsoft.com/office/powerpoint/2010/main" val="2569927388"/>
-      </p:ext>
-    </p:extLst>
-  </p:cSld>
-  <p:clrMapOvr>
-    <a:masterClrMapping/>
-  </p:clrMapOvr>
-  <p:timing>
-    <p:tnLst>
-      <p:par>
-        <p:cTn id="1" dur="indefinite" restart="never" nodeType="tmRoot"/>
-      </p:par>
-    </p:tnLst>
-  </p:timing>
-</p:sld>
-</file>
-
-<file path=ppt/slides/slide7.xml><?xml version="1.0" encoding="utf-8"?>
-<p:sld xmlns:a="http://schemas.openxmlformats.org/drawingml/2006/main" xmlns:r="http://schemas.openxmlformats.org/officeDocument/2006/relationships" xmlns:p="http://schemas.openxmlformats.org/presentationml/2006/main">
-  <p:cSld>
-    <p:bg>
-      <p:bgPr>
-        <a:blipFill dpi="0" rotWithShape="1">
-          <a:blip r:embed="rId3"/>
-          <a:srcRect/>
-          <a:stretch>
-            <a:fillRect/>
-          </a:stretch>
-        </a:blipFill>
-        <a:effectLst/>
-      </p:bgPr>
-    </p:bg>
-    <p:spTree>
-      <p:nvGrpSpPr>
-        <p:cNvPr id="1" name=""/>
-        <p:cNvGrpSpPr/>
-        <p:nvPr/>
-      </p:nvGrpSpPr>
-      <p:grpSpPr>
-        <a:xfrm>
-          <a:off x="0" y="0"/>
-          <a:ext cx="0" cy="0"/>
-          <a:chOff x="0" y="0"/>
-          <a:chExt cx="0" cy="0"/>
-        </a:xfrm>
-      </p:grpSpPr>
-      <p:sp>
-        <p:nvSpPr>
-          <p:cNvPr id="2" name="Titel 1"/>
-          <p:cNvSpPr>
-            <a:spLocks noGrp="1"/>
-          </p:cNvSpPr>
-          <p:nvPr>
-            <p:ph type="title"/>
-          </p:nvPr>
-        </p:nvSpPr>
-        <p:spPr>
-          <a:xfrm>
-            <a:off x="2960100" y="1332412"/>
-            <a:ext cx="3088582" cy="585113"/>
-          </a:xfrm>
-        </p:spPr>
-        <p:txBody>
-          <a:bodyPr/>
-          <a:lstStyle/>
-          <a:p>
-            <a:pPr algn="ctr"/>
-            <a:r>
-              <a:rPr lang="de-DE" dirty="0" smtClean="0"/>
-              <a:t>Inferences</a:t>
-            </a:r>
-            <a:endParaRPr lang="de-DE" dirty="0"/>
-          </a:p>
-        </p:txBody>
-      </p:sp>
-    </p:spTree>
-    <p:extLst>
-      <p:ext uri="{BB962C8B-B14F-4D97-AF65-F5344CB8AC3E}">
-        <p14:creationId xmlns:p14="http://schemas.microsoft.com/office/powerpoint/2010/main" val="2964290847"/>
-      </p:ext>
-    </p:extLst>
-  </p:cSld>
-  <p:clrMapOvr>
-    <a:masterClrMapping/>
-  </p:clrMapOvr>
-  <p:timing>
-    <p:tnLst>
-      <p:par>
-        <p:cTn id="1" dur="indefinite" restart="never" nodeType="tmRoot"/>
-      </p:par>
-    </p:tnLst>
-  </p:timing>
-</p:sld>
-</file>
-
-<file path=ppt/slides/slide8.xml><?xml version="1.0" encoding="utf-8"?>
-<p:sld xmlns:a="http://schemas.openxmlformats.org/drawingml/2006/main" xmlns:r="http://schemas.openxmlformats.org/officeDocument/2006/relationships" xmlns:p="http://schemas.openxmlformats.org/presentationml/2006/main">
-  <p:cSld>
-    <p:bg>
-      <p:bgPr>
-        <a:blipFill dpi="0" rotWithShape="1">
-          <a:blip r:embed="rId3"/>
-          <a:srcRect/>
-          <a:stretch>
-            <a:fillRect/>
-          </a:stretch>
-        </a:blipFill>
-        <a:effectLst/>
-      </p:bgPr>
-    </p:bg>
-    <p:spTree>
-      <p:nvGrpSpPr>
-        <p:cNvPr id="1" name=""/>
-        <p:cNvGrpSpPr/>
-        <p:nvPr/>
-      </p:nvGrpSpPr>
-      <p:grpSpPr>
-        <a:xfrm>
-          <a:off x="0" y="0"/>
-          <a:ext cx="0" cy="0"/>
-          <a:chOff x="0" y="0"/>
-          <a:chExt cx="0" cy="0"/>
-        </a:xfrm>
-      </p:grpSpPr>
-      <p:sp>
-        <p:nvSpPr>
-          <p:cNvPr id="4" name="Textplatzhalter 3">
-            <a:extLst>
-              <a:ext uri="{FF2B5EF4-FFF2-40B4-BE49-F238E27FC236}">
-                <a16:creationId xmlns:a16="http://schemas.microsoft.com/office/drawing/2014/main" id="{42452C34-0C29-4C9D-BF2B-D2E05DFC092D}"/>
-              </a:ext>
-            </a:extLst>
-          </p:cNvPr>
-          <p:cNvSpPr>
-            <a:spLocks noGrp="1"/>
-          </p:cNvSpPr>
-          <p:nvPr>
-            <p:ph type="body" sz="quarter" idx="15"/>
-          </p:nvPr>
-        </p:nvSpPr>
-        <p:spPr>
-          <a:xfrm>
-            <a:off x="415939" y="1843658"/>
-            <a:ext cx="3290054" cy="478228"/>
-          </a:xfrm>
-        </p:spPr>
-        <p:txBody>
-          <a:bodyPr/>
-          <a:lstStyle/>
-          <a:p>
-            <a:r>
-              <a:rPr lang="de-DE" dirty="0" smtClean="0"/>
-              <a:t>Ravi </a:t>
-            </a:r>
-            <a:r>
-              <a:rPr lang="de-DE" dirty="0" smtClean="0"/>
-              <a:t>Akash</a:t>
-            </a:r>
-            <a:endParaRPr lang="de-DE" dirty="0"/>
-          </a:p>
-        </p:txBody>
-      </p:sp>
-      <p:sp>
-        <p:nvSpPr>
-          <p:cNvPr id="18" name="Textplatzhalter 17">
-            <a:extLst>
-              <a:ext uri="{FF2B5EF4-FFF2-40B4-BE49-F238E27FC236}">
-                <a16:creationId xmlns:a16="http://schemas.microsoft.com/office/drawing/2014/main" id="{8882085B-99A0-41B6-A1A4-1B5B6AA522DD}"/>
-              </a:ext>
-            </a:extLst>
-          </p:cNvPr>
-          <p:cNvSpPr>
-            <a:spLocks noGrp="1"/>
-          </p:cNvSpPr>
-          <p:nvPr>
-            <p:ph type="body" sz="quarter" idx="31"/>
-          </p:nvPr>
-        </p:nvSpPr>
-        <p:spPr>
-          <a:xfrm>
-            <a:off x="415938" y="2322368"/>
-            <a:ext cx="542646" cy="216482"/>
-          </a:xfrm>
-        </p:spPr>
-        <p:txBody>
-          <a:bodyPr/>
-          <a:lstStyle/>
-          <a:p>
-            <a:r>
-              <a:rPr lang="de-DE" b="1" dirty="0"/>
-              <a:t>E-Mail</a:t>
-            </a:r>
-          </a:p>
-        </p:txBody>
-      </p:sp>
-      <p:sp>
-        <p:nvSpPr>
-          <p:cNvPr id="9" name="Textplatzhalter 8">
-            <a:extLst>
-              <a:ext uri="{FF2B5EF4-FFF2-40B4-BE49-F238E27FC236}">
-                <a16:creationId xmlns:a16="http://schemas.microsoft.com/office/drawing/2014/main" id="{E078682E-370C-42D0-B9D0-ECF5DC2F6BD6}"/>
-              </a:ext>
-            </a:extLst>
-          </p:cNvPr>
-          <p:cNvSpPr>
-            <a:spLocks noGrp="1"/>
-          </p:cNvSpPr>
-          <p:nvPr>
-            <p:ph type="body" sz="quarter" idx="26"/>
-          </p:nvPr>
-        </p:nvSpPr>
-        <p:spPr>
-          <a:xfrm>
-            <a:off x="958584" y="2322368"/>
-            <a:ext cx="2747409" cy="216000"/>
-          </a:xfrm>
-        </p:spPr>
-        <p:txBody>
-          <a:bodyPr/>
-          <a:lstStyle/>
-          <a:p>
-            <a:r>
-              <a:rPr lang="de-DE" dirty="0" smtClean="0"/>
-              <a:t>st174840@stud.uni-stuttgart.de</a:t>
-            </a:r>
-            <a:endParaRPr lang="de-DE" dirty="0"/>
-          </a:p>
-        </p:txBody>
-      </p:sp>
-      <p:sp>
-        <p:nvSpPr>
-          <p:cNvPr id="21" name="Textplatzhalter 20">
-            <a:extLst>
-              <a:ext uri="{FF2B5EF4-FFF2-40B4-BE49-F238E27FC236}">
-                <a16:creationId xmlns:a16="http://schemas.microsoft.com/office/drawing/2014/main" id="{E5028256-A5CB-4DB3-892C-91F4821603B8}"/>
-              </a:ext>
-            </a:extLst>
-          </p:cNvPr>
-          <p:cNvSpPr>
-            <a:spLocks noGrp="1"/>
-          </p:cNvSpPr>
-          <p:nvPr>
-            <p:ph type="body" sz="quarter" idx="36"/>
-          </p:nvPr>
-        </p:nvSpPr>
-        <p:spPr>
-          <a:xfrm>
-            <a:off x="415938" y="2553736"/>
-            <a:ext cx="2203131" cy="245786"/>
-          </a:xfrm>
-        </p:spPr>
-        <p:txBody>
-          <a:bodyPr/>
-          <a:lstStyle/>
-          <a:p>
-            <a:r>
-              <a:rPr lang="de-DE" b="1" dirty="0"/>
-              <a:t>Telefon</a:t>
-            </a:r>
-            <a:r>
-              <a:rPr lang="de-DE" dirty="0"/>
-              <a:t> +</a:t>
-            </a:r>
-            <a:r>
-              <a:rPr lang="de-DE" dirty="0" smtClean="0"/>
-              <a:t>49 15206073464 </a:t>
-            </a:r>
-            <a:endParaRPr lang="de-DE" dirty="0"/>
-          </a:p>
-        </p:txBody>
-      </p:sp>
-      <p:sp>
-        <p:nvSpPr>
-          <p:cNvPr id="19" name="Textplatzhalter 18">
-            <a:extLst>
-              <a:ext uri="{FF2B5EF4-FFF2-40B4-BE49-F238E27FC236}">
-                <a16:creationId xmlns:a16="http://schemas.microsoft.com/office/drawing/2014/main" id="{180D330A-B5F2-4B02-9824-9ED087030393}"/>
-              </a:ext>
-            </a:extLst>
-          </p:cNvPr>
-          <p:cNvSpPr>
-            <a:spLocks noGrp="1"/>
-          </p:cNvSpPr>
-          <p:nvPr>
-            <p:ph type="body" sz="quarter" idx="33"/>
-          </p:nvPr>
-        </p:nvSpPr>
-        <p:spPr>
-          <a:xfrm>
-            <a:off x="415938" y="2814408"/>
-            <a:ext cx="2678955" cy="238329"/>
-          </a:xfrm>
-        </p:spPr>
-        <p:txBody>
-          <a:bodyPr/>
-          <a:lstStyle/>
-          <a:p>
-            <a:r>
-              <a:rPr lang="de-DE" b="1" dirty="0" smtClean="0"/>
-              <a:t>Matriculation Number</a:t>
-            </a:r>
-            <a:r>
-              <a:rPr lang="de-DE" dirty="0" smtClean="0"/>
-              <a:t>: 3506815</a:t>
-            </a:r>
-            <a:endParaRPr lang="de-DE" dirty="0"/>
-          </a:p>
-        </p:txBody>
-      </p:sp>
-      <p:sp>
-        <p:nvSpPr>
-          <p:cNvPr id="20" name="Textplatzhalter 19">
-            <a:extLst>
-              <a:ext uri="{FF2B5EF4-FFF2-40B4-BE49-F238E27FC236}">
-                <a16:creationId xmlns:a16="http://schemas.microsoft.com/office/drawing/2014/main" id="{96853EB2-0103-4325-8DD1-0AF2082ED968}"/>
-              </a:ext>
-            </a:extLst>
-          </p:cNvPr>
-          <p:cNvSpPr>
-            <a:spLocks noGrp="1"/>
-          </p:cNvSpPr>
-          <p:nvPr>
-            <p:ph type="body" sz="quarter" idx="34"/>
-          </p:nvPr>
-        </p:nvSpPr>
-        <p:spPr>
-          <a:xfrm>
-            <a:off x="415938" y="3258852"/>
-            <a:ext cx="2500012" cy="218691"/>
-          </a:xfrm>
-        </p:spPr>
-        <p:txBody>
-          <a:bodyPr/>
-          <a:lstStyle/>
-          <a:p>
-            <a:r>
-              <a:rPr lang="de-DE" b="1" dirty="0"/>
-              <a:t>Universität Stuttgart</a:t>
-            </a:r>
-          </a:p>
-        </p:txBody>
-      </p:sp>
-      <p:sp>
-        <p:nvSpPr>
-          <p:cNvPr id="8" name="Textplatzhalter 7">
-            <a:extLst>
-              <a:ext uri="{FF2B5EF4-FFF2-40B4-BE49-F238E27FC236}">
-                <a16:creationId xmlns:a16="http://schemas.microsoft.com/office/drawing/2014/main" id="{94618D4A-B6B5-4B42-9DF7-ED1C795B4733}"/>
-              </a:ext>
-            </a:extLst>
-          </p:cNvPr>
-          <p:cNvSpPr>
-            <a:spLocks noGrp="1"/>
-          </p:cNvSpPr>
-          <p:nvPr>
-            <p:ph type="body" sz="quarter" idx="25"/>
-          </p:nvPr>
-        </p:nvSpPr>
-        <p:spPr>
-          <a:xfrm>
-            <a:off x="415938" y="3497797"/>
-            <a:ext cx="3290054" cy="216000"/>
-          </a:xfrm>
-        </p:spPr>
-        <p:txBody>
-          <a:bodyPr/>
-          <a:lstStyle/>
-          <a:p>
-            <a:r>
-              <a:rPr lang="en-IN" b="1" dirty="0"/>
-              <a:t>Faculty V INFOTECH - Embedded Systems</a:t>
-            </a:r>
-            <a:endParaRPr lang="de-DE" b="1" dirty="0"/>
-          </a:p>
-        </p:txBody>
-      </p:sp>
-      <p:sp>
-        <p:nvSpPr>
-          <p:cNvPr id="14" name="Textplatzhalter 7">
-            <a:extLst>
-              <a:ext uri="{FF2B5EF4-FFF2-40B4-BE49-F238E27FC236}">
-                <a16:creationId xmlns:a16="http://schemas.microsoft.com/office/drawing/2014/main" id="{94618D4A-B6B5-4B42-9DF7-ED1C795B4733}"/>
-              </a:ext>
-            </a:extLst>
-          </p:cNvPr>
-          <p:cNvSpPr>
-            <a:spLocks noGrp="1"/>
-          </p:cNvSpPr>
-          <p:nvPr>
-            <p:ph type="body" sz="quarter" idx="25"/>
-          </p:nvPr>
-        </p:nvSpPr>
-        <p:spPr>
-          <a:xfrm>
-            <a:off x="415937" y="3831024"/>
-            <a:ext cx="8043861" cy="216000"/>
-          </a:xfrm>
-        </p:spPr>
-        <p:txBody>
-          <a:bodyPr/>
-          <a:lstStyle/>
-          <a:p>
-            <a:r>
-              <a:rPr lang="de-DE" b="1" dirty="0" smtClean="0"/>
-              <a:t>Laboratory</a:t>
-            </a:r>
-            <a:r>
-              <a:rPr lang="de-DE" b="1" dirty="0" smtClean="0"/>
-              <a:t> Department</a:t>
-            </a:r>
-            <a:r>
-              <a:rPr lang="de-DE" dirty="0"/>
-              <a:t>:  Analytic Computing </a:t>
-            </a:r>
-            <a:r>
-              <a:rPr lang="de-DE" dirty="0" smtClean="0"/>
-              <a:t>- </a:t>
-            </a:r>
-            <a:r>
-              <a:rPr lang="de-DE" dirty="0"/>
-              <a:t>Institut für Parallele und Verteilte Systeme</a:t>
-            </a:r>
-            <a:endParaRPr lang="de-DE" dirty="0"/>
-          </a:p>
-        </p:txBody>
-      </p:sp>
-      <p:sp>
-        <p:nvSpPr>
-          <p:cNvPr id="15" name="Textplatzhalter 7">
-            <a:extLst>
-              <a:ext uri="{FF2B5EF4-FFF2-40B4-BE49-F238E27FC236}">
-                <a16:creationId xmlns:a16="http://schemas.microsoft.com/office/drawing/2014/main" id="{94618D4A-B6B5-4B42-9DF7-ED1C795B4733}"/>
-              </a:ext>
-            </a:extLst>
-          </p:cNvPr>
-          <p:cNvSpPr>
-            <a:spLocks noGrp="1"/>
-          </p:cNvSpPr>
-          <p:nvPr>
-            <p:ph type="body" sz="quarter" idx="25"/>
-          </p:nvPr>
-        </p:nvSpPr>
-        <p:spPr>
-          <a:xfrm>
-            <a:off x="415937" y="4058051"/>
-            <a:ext cx="8043861" cy="216000"/>
-          </a:xfrm>
-        </p:spPr>
-        <p:txBody>
-          <a:bodyPr/>
-          <a:lstStyle/>
-          <a:p>
-            <a:r>
-              <a:rPr lang="de-DE" b="1" dirty="0" smtClean="0"/>
-              <a:t>Address</a:t>
-            </a:r>
-            <a:r>
-              <a:rPr lang="de-DE" dirty="0" smtClean="0"/>
-              <a:t>: </a:t>
-            </a:r>
-            <a:r>
-              <a:rPr lang="en-IN" dirty="0" err="1" smtClean="0"/>
-              <a:t>Universitätsstraße</a:t>
-            </a:r>
-            <a:r>
-              <a:rPr lang="en-IN" dirty="0" smtClean="0"/>
-              <a:t> </a:t>
-            </a:r>
-            <a:r>
-              <a:rPr lang="en-IN" dirty="0"/>
-              <a:t>32</a:t>
-            </a:r>
-            <a:r>
-              <a:rPr lang="en-US" dirty="0" smtClean="0"/>
-              <a:t> </a:t>
-            </a:r>
-            <a:r>
-              <a:rPr lang="en-US" dirty="0" smtClean="0"/>
-              <a:t>70569 Stuttgart</a:t>
-            </a:r>
-            <a:endParaRPr lang="en-US" dirty="0"/>
-          </a:p>
-        </p:txBody>
-      </p:sp>
-      <p:sp>
-        <p:nvSpPr>
-          <p:cNvPr id="11" name="Textplatzhalter 3">
-            <a:extLst>
-              <a:ext uri="{FF2B5EF4-FFF2-40B4-BE49-F238E27FC236}">
-                <a16:creationId xmlns:a16="http://schemas.microsoft.com/office/drawing/2014/main" id="{42452C34-0C29-4C9D-BF2B-D2E05DFC092D}"/>
-              </a:ext>
-            </a:extLst>
-          </p:cNvPr>
-          <p:cNvSpPr>
-            <a:spLocks noGrp="1"/>
-          </p:cNvSpPr>
-          <p:nvPr>
-            <p:ph type="body" sz="quarter" idx="15"/>
-          </p:nvPr>
-        </p:nvSpPr>
-        <p:spPr>
-          <a:xfrm>
-            <a:off x="5169744" y="1843658"/>
-            <a:ext cx="3290054" cy="478228"/>
-          </a:xfrm>
-        </p:spPr>
-        <p:txBody>
-          <a:bodyPr/>
-          <a:lstStyle/>
-          <a:p>
-            <a:r>
-              <a:rPr lang="de-DE" dirty="0" smtClean="0"/>
-              <a:t>Benedikt Rotter</a:t>
-            </a:r>
-            <a:endParaRPr lang="de-DE" dirty="0"/>
-          </a:p>
-        </p:txBody>
-      </p:sp>
-      <p:sp>
-        <p:nvSpPr>
-          <p:cNvPr id="12" name="Textplatzhalter 17">
-            <a:extLst>
-              <a:ext uri="{FF2B5EF4-FFF2-40B4-BE49-F238E27FC236}">
-                <a16:creationId xmlns:a16="http://schemas.microsoft.com/office/drawing/2014/main" id="{8882085B-99A0-41B6-A1A4-1B5B6AA522DD}"/>
-              </a:ext>
-            </a:extLst>
-          </p:cNvPr>
-          <p:cNvSpPr>
-            <a:spLocks noGrp="1"/>
-          </p:cNvSpPr>
-          <p:nvPr>
-            <p:ph type="body" sz="quarter" idx="31"/>
-          </p:nvPr>
-        </p:nvSpPr>
-        <p:spPr>
-          <a:xfrm>
-            <a:off x="5169743" y="2322368"/>
-            <a:ext cx="542646" cy="216482"/>
-          </a:xfrm>
-        </p:spPr>
-        <p:txBody>
-          <a:bodyPr/>
-          <a:lstStyle/>
-          <a:p>
-            <a:r>
-              <a:rPr lang="de-DE" b="1" dirty="0"/>
-              <a:t>E-Mail</a:t>
-            </a:r>
-          </a:p>
-        </p:txBody>
-      </p:sp>
-      <p:sp>
-        <p:nvSpPr>
-          <p:cNvPr id="13" name="Textplatzhalter 8">
-            <a:extLst>
-              <a:ext uri="{FF2B5EF4-FFF2-40B4-BE49-F238E27FC236}">
-                <a16:creationId xmlns:a16="http://schemas.microsoft.com/office/drawing/2014/main" id="{E078682E-370C-42D0-B9D0-ECF5DC2F6BD6}"/>
-              </a:ext>
-            </a:extLst>
-          </p:cNvPr>
-          <p:cNvSpPr>
-            <a:spLocks noGrp="1"/>
-          </p:cNvSpPr>
-          <p:nvPr>
-            <p:ph type="body" sz="quarter" idx="26"/>
-          </p:nvPr>
-        </p:nvSpPr>
-        <p:spPr>
-          <a:xfrm>
-            <a:off x="5712389" y="2322368"/>
-            <a:ext cx="2747409" cy="216000"/>
-          </a:xfrm>
-        </p:spPr>
-        <p:txBody>
-          <a:bodyPr/>
-          <a:lstStyle/>
-          <a:p>
-            <a:r>
-              <a:rPr lang="en-US" dirty="0"/>
-              <a:t>st175376@stud.uni-stuttgart.de</a:t>
-            </a:r>
-            <a:endParaRPr lang="de-DE" dirty="0"/>
-          </a:p>
-        </p:txBody>
-      </p:sp>
-      <p:sp>
-        <p:nvSpPr>
-          <p:cNvPr id="16" name="Textplatzhalter 20">
-            <a:extLst>
-              <a:ext uri="{FF2B5EF4-FFF2-40B4-BE49-F238E27FC236}">
-                <a16:creationId xmlns:a16="http://schemas.microsoft.com/office/drawing/2014/main" id="{E5028256-A5CB-4DB3-892C-91F4821603B8}"/>
-              </a:ext>
-            </a:extLst>
-          </p:cNvPr>
-          <p:cNvSpPr>
-            <a:spLocks noGrp="1"/>
-          </p:cNvSpPr>
-          <p:nvPr>
-            <p:ph type="body" sz="quarter" idx="36"/>
-          </p:nvPr>
-        </p:nvSpPr>
-        <p:spPr>
-          <a:xfrm>
-            <a:off x="5169743" y="2553736"/>
-            <a:ext cx="2203131" cy="245786"/>
-          </a:xfrm>
-        </p:spPr>
-        <p:txBody>
-          <a:bodyPr/>
-          <a:lstStyle/>
-          <a:p>
-            <a:r>
-              <a:rPr lang="de-DE" b="1" dirty="0"/>
-              <a:t>Telefon</a:t>
-            </a:r>
-            <a:r>
-              <a:rPr lang="de-DE" dirty="0"/>
-              <a:t> +</a:t>
-            </a:r>
-            <a:r>
-              <a:rPr lang="de-DE" dirty="0" smtClean="0"/>
-              <a:t>49 </a:t>
-            </a:r>
-            <a:r>
-              <a:rPr lang="de-DE" dirty="0" smtClean="0"/>
-              <a:t>15735324701 </a:t>
-            </a:r>
-            <a:endParaRPr lang="de-DE" dirty="0"/>
-          </a:p>
-        </p:txBody>
-      </p:sp>
-      <p:sp>
-        <p:nvSpPr>
-          <p:cNvPr id="17" name="Textplatzhalter 18">
-            <a:extLst>
-              <a:ext uri="{FF2B5EF4-FFF2-40B4-BE49-F238E27FC236}">
-                <a16:creationId xmlns:a16="http://schemas.microsoft.com/office/drawing/2014/main" id="{180D330A-B5F2-4B02-9824-9ED087030393}"/>
-              </a:ext>
-            </a:extLst>
-          </p:cNvPr>
-          <p:cNvSpPr>
-            <a:spLocks noGrp="1"/>
-          </p:cNvSpPr>
-          <p:nvPr>
-            <p:ph type="body" sz="quarter" idx="33"/>
-          </p:nvPr>
-        </p:nvSpPr>
-        <p:spPr>
-          <a:xfrm>
-            <a:off x="5169743" y="2814408"/>
-            <a:ext cx="2678955" cy="238329"/>
-          </a:xfrm>
-        </p:spPr>
-        <p:txBody>
-          <a:bodyPr/>
-          <a:lstStyle/>
-          <a:p>
-            <a:r>
-              <a:rPr lang="de-DE" b="1" dirty="0" smtClean="0"/>
-              <a:t>Matriculation Number</a:t>
-            </a:r>
-            <a:r>
-              <a:rPr lang="de-DE" dirty="0" smtClean="0"/>
-              <a:t>: </a:t>
-            </a:r>
-            <a:r>
-              <a:rPr lang="en-US" dirty="0"/>
-              <a:t>3524570</a:t>
-            </a:r>
-            <a:endParaRPr lang="de-DE" dirty="0"/>
-          </a:p>
-        </p:txBody>
-      </p:sp>
-    </p:spTree>
-    <p:extLst>
-      <p:ext uri="{BB962C8B-B14F-4D97-AF65-F5344CB8AC3E}">
-        <p14:creationId xmlns:p14="http://schemas.microsoft.com/office/powerpoint/2010/main" val="1044153955"/>
-      </p:ext>
-    </p:extLst>
-  </p:cSld>
-  <p:clrMapOvr>
-    <a:masterClrMapping/>
-  </p:clrMapOvr>
-  <p:timing>
-    <p:tnLst>
-      <p:par>
-        <p:cTn id="1" dur="indefinite" restart="never" nodeType="tmRoot"/>
-      </p:par>
-    </p:tnLst>
-  </p:timing>
 </p:sld>
 </file>
 

--- a/Report/Milestone Presentation.pptx
+++ b/Report/Milestone Presentation.pptx
@@ -5,28 +5,25 @@
     <p:sldMasterId id="2147483660" r:id="rId1"/>
   </p:sldMasterIdLst>
   <p:notesMasterIdLst>
-    <p:notesMasterId r:id="rId18"/>
+    <p:notesMasterId r:id="rId15"/>
   </p:notesMasterIdLst>
   <p:handoutMasterIdLst>
-    <p:handoutMasterId r:id="rId19"/>
+    <p:handoutMasterId r:id="rId16"/>
   </p:handoutMasterIdLst>
   <p:sldIdLst>
     <p:sldId id="265" r:id="rId2"/>
     <p:sldId id="266" r:id="rId3"/>
     <p:sldId id="287" r:id="rId4"/>
-    <p:sldId id="285" r:id="rId5"/>
-    <p:sldId id="288" r:id="rId6"/>
-    <p:sldId id="289" r:id="rId7"/>
-    <p:sldId id="290" r:id="rId8"/>
-    <p:sldId id="291" r:id="rId9"/>
-    <p:sldId id="286" r:id="rId10"/>
-    <p:sldId id="293" r:id="rId11"/>
-    <p:sldId id="294" r:id="rId12"/>
-    <p:sldId id="295" r:id="rId13"/>
-    <p:sldId id="280" r:id="rId14"/>
-    <p:sldId id="292" r:id="rId15"/>
-    <p:sldId id="284" r:id="rId16"/>
-    <p:sldId id="263" r:id="rId17"/>
+    <p:sldId id="296" r:id="rId5"/>
+    <p:sldId id="285" r:id="rId6"/>
+    <p:sldId id="297" r:id="rId7"/>
+    <p:sldId id="286" r:id="rId8"/>
+    <p:sldId id="293" r:id="rId9"/>
+    <p:sldId id="295" r:id="rId10"/>
+    <p:sldId id="298" r:id="rId11"/>
+    <p:sldId id="280" r:id="rId12"/>
+    <p:sldId id="292" r:id="rId13"/>
+    <p:sldId id="263" r:id="rId14"/>
   </p:sldIdLst>
   <p:sldSz cx="9144000" cy="5143500" type="screen16x9"/>
   <p:notesSz cx="6858000" cy="9144000"/>
@@ -233,7 +230,7 @@
             <a:pPr algn="l"/>
             <a:fld id="{FDE6B6CD-63F7-4700-9D93-F2376D2B5BFB}" type="datetime1">
               <a:rPr lang="de-DE" sz="800" smtClean="0"/>
-              <a:t>06.12.2022</a:t>
+              <a:t>19.12.2022</a:t>
             </a:fld>
             <a:endParaRPr lang="en-US" sz="800"/>
           </a:p>
@@ -428,7 +425,7 @@
           <a:p>
             <a:fld id="{60CE3197-68AC-4F51-BE05-CFDDE66C39B9}" type="datetime1">
               <a:rPr lang="de-DE" smtClean="0"/>
-              <a:t>06.12.2022</a:t>
+              <a:t>19.12.2022</a:t>
             </a:fld>
             <a:endParaRPr lang="en-US"/>
           </a:p>
@@ -838,7 +835,7 @@
           <a:p>
             <a:fld id="{38E41B5E-D5D1-49FD-AB38-CD42F85E2E84}" type="datetime1">
               <a:rPr lang="de-DE" smtClean="0"/>
-              <a:t>06.12.2022</a:t>
+              <a:t>19.12.2022</a:t>
             </a:fld>
             <a:endParaRPr lang="en-US"/>
           </a:p>
@@ -991,7 +988,7 @@
           <a:p>
             <a:fld id="{38E9E0F5-3B39-417A-9E0C-9038357B48DE}" type="datetime1">
               <a:rPr lang="de-DE" smtClean="0"/>
-              <a:t>06.12.2022</a:t>
+              <a:t>19.12.2022</a:t>
             </a:fld>
             <a:endParaRPr lang="en-US" dirty="0"/>
           </a:p>
@@ -1143,7 +1140,7 @@
           <a:p>
             <a:fld id="{998AE743-60F8-44BE-B8D4-21EB962D3EC4}" type="datetime1">
               <a:rPr lang="de-DE" smtClean="0"/>
-              <a:t>06.12.2022</a:t>
+              <a:t>19.12.2022</a:t>
             </a:fld>
             <a:endParaRPr lang="en-US" dirty="0"/>
           </a:p>
@@ -1189,7 +1186,7 @@
             <a:fld id="{05DD1DF0-DD4E-4B0C-B0FD-D16D9D2A9750}" type="slidenum">
               <a:rPr lang="en-US" smtClean="0"/>
               <a:pPr/>
-              <a:t>4</a:t>
+              <a:t>5</a:t>
             </a:fld>
             <a:endParaRPr lang="en-US" dirty="0"/>
           </a:p>
@@ -1295,7 +1292,7 @@
           <a:p>
             <a:fld id="{A98D243E-55FF-442C-9491-477A53B18883}" type="datetime1">
               <a:rPr lang="de-DE" smtClean="0"/>
-              <a:t>06.12.2022</a:t>
+              <a:t>19.12.2022</a:t>
             </a:fld>
             <a:endParaRPr lang="en-US" dirty="0"/>
           </a:p>
@@ -1341,7 +1338,7 @@
             <a:fld id="{05DD1DF0-DD4E-4B0C-B0FD-D16D9D2A9750}" type="slidenum">
               <a:rPr lang="en-US" smtClean="0"/>
               <a:pPr/>
-              <a:t>9</a:t>
+              <a:t>7</a:t>
             </a:fld>
             <a:endParaRPr lang="en-US" dirty="0"/>
           </a:p>
@@ -1447,7 +1444,7 @@
           <a:p>
             <a:fld id="{B62100AB-9E09-45B2-85ED-96815D50E7E0}" type="datetime1">
               <a:rPr lang="de-DE" smtClean="0"/>
-              <a:t>06.12.2022</a:t>
+              <a:t>19.12.2022</a:t>
             </a:fld>
             <a:endParaRPr lang="en-US" dirty="0"/>
           </a:p>
@@ -1493,7 +1490,7 @@
             <a:fld id="{05DD1DF0-DD4E-4B0C-B0FD-D16D9D2A9750}" type="slidenum">
               <a:rPr lang="en-US" smtClean="0"/>
               <a:pPr/>
-              <a:t>13</a:t>
+              <a:t>11</a:t>
             </a:fld>
             <a:endParaRPr lang="en-US" dirty="0"/>
           </a:p>
@@ -1531,7 +1528,7 @@
       </p:grpSpPr>
       <p:sp>
         <p:nvSpPr>
-          <p:cNvPr id="2" name="Folienbildplatzhalter 1"/>
+          <p:cNvPr id="2" name="Slide Image Placeholder 1"/>
           <p:cNvSpPr>
             <a:spLocks noGrp="1" noRot="1" noChangeAspect="1"/>
           </p:cNvSpPr>
@@ -1543,7 +1540,7 @@
       </p:sp>
       <p:sp>
         <p:nvSpPr>
-          <p:cNvPr id="3" name="Notizenplatzhalter 2"/>
+          <p:cNvPr id="3" name="Notes Placeholder 2"/>
           <p:cNvSpPr>
             <a:spLocks noGrp="1"/>
           </p:cNvSpPr>
@@ -1556,13 +1553,13 @@
           <a:bodyPr/>
           <a:lstStyle/>
           <a:p>
-            <a:endParaRPr lang="de-DE" dirty="0"/>
-          </a:p>
-        </p:txBody>
-      </p:sp>
-      <p:sp>
-        <p:nvSpPr>
-          <p:cNvPr id="4" name="Kopfzeilenplatzhalter 3"/>
+            <a:endParaRPr lang="en-US" dirty="0"/>
+          </a:p>
+        </p:txBody>
+      </p:sp>
+      <p:sp>
+        <p:nvSpPr>
+          <p:cNvPr id="4" name="Header Placeholder 3"/>
           <p:cNvSpPr>
             <a:spLocks noGrp="1"/>
           </p:cNvSpPr>
@@ -1576,7 +1573,7 @@
           <a:lstStyle/>
           <a:p>
             <a:r>
-              <a:rPr lang="en-US" dirty="0"/>
+              <a:rPr lang="en-US"/>
               <a:t>Titel der Präsentation</a:t>
             </a:r>
           </a:p>
@@ -1584,7 +1581,7 @@
       </p:sp>
       <p:sp>
         <p:nvSpPr>
-          <p:cNvPr id="5" name="Datumsplatzhalter 4"/>
+          <p:cNvPr id="5" name="Date Placeholder 4"/>
           <p:cNvSpPr>
             <a:spLocks noGrp="1"/>
           </p:cNvSpPr>
@@ -1597,39 +1594,40 @@
           <a:bodyPr/>
           <a:lstStyle/>
           <a:p>
-            <a:fld id="{C8B12698-E252-48D9-A5B7-130647B12C27}" type="datetime1">
+            <a:fld id="{7C57F43C-E531-41AE-ABD5-30AA8BB918A3}" type="datetime1">
               <a:rPr lang="de-DE" smtClean="0"/>
-              <a:t>06.12.2022</a:t>
+              <a:t>19.12.2022</a:t>
             </a:fld>
+            <a:endParaRPr lang="en-US"/>
+          </a:p>
+        </p:txBody>
+      </p:sp>
+      <p:sp>
+        <p:nvSpPr>
+          <p:cNvPr id="6" name="Footer Placeholder 5"/>
+          <p:cNvSpPr>
+            <a:spLocks noGrp="1"/>
+          </p:cNvSpPr>
+          <p:nvPr>
+            <p:ph type="ftr" sz="quarter" idx="12"/>
+          </p:nvPr>
+        </p:nvSpPr>
+        <p:spPr/>
+        <p:txBody>
+          <a:bodyPr/>
+          <a:lstStyle/>
+          <a:p>
+            <a:r>
+              <a:rPr lang="en-US"/>
+              <a:t>Universität Stuttgart</a:t>
+            </a:r>
             <a:endParaRPr lang="en-US" dirty="0"/>
           </a:p>
         </p:txBody>
       </p:sp>
       <p:sp>
         <p:nvSpPr>
-          <p:cNvPr id="6" name="Fußzeilenplatzhalter 5"/>
-          <p:cNvSpPr>
-            <a:spLocks noGrp="1"/>
-          </p:cNvSpPr>
-          <p:nvPr>
-            <p:ph type="ftr" sz="quarter" idx="12"/>
-          </p:nvPr>
-        </p:nvSpPr>
-        <p:spPr/>
-        <p:txBody>
-          <a:bodyPr/>
-          <a:lstStyle/>
-          <a:p>
-            <a:r>
-              <a:rPr lang="en-US" dirty="0"/>
-              <a:t>Universität Stuttgart</a:t>
-            </a:r>
-          </a:p>
-        </p:txBody>
-      </p:sp>
-      <p:sp>
-        <p:nvSpPr>
-          <p:cNvPr id="7" name="Foliennummernplatzhalter 6"/>
+          <p:cNvPr id="7" name="Slide Number Placeholder 6"/>
           <p:cNvSpPr>
             <a:spLocks noGrp="1"/>
           </p:cNvSpPr>
@@ -1645,160 +1643,7 @@
             <a:fld id="{05DD1DF0-DD4E-4B0C-B0FD-D16D9D2A9750}" type="slidenum">
               <a:rPr lang="en-US" smtClean="0"/>
               <a:pPr/>
-              <a:t>15</a:t>
-            </a:fld>
-            <a:endParaRPr lang="en-US" dirty="0"/>
-          </a:p>
-        </p:txBody>
-      </p:sp>
-    </p:spTree>
-    <p:extLst>
-      <p:ext uri="{BB962C8B-B14F-4D97-AF65-F5344CB8AC3E}">
-        <p14:creationId xmlns:p14="http://schemas.microsoft.com/office/powerpoint/2010/main" val="386778018"/>
-      </p:ext>
-    </p:extLst>
-  </p:cSld>
-  <p:clrMapOvr>
-    <a:masterClrMapping/>
-  </p:clrMapOvr>
-</p:notes>
-</file>
-
-<file path=ppt/notesSlides/notesSlide7.xml><?xml version="1.0" encoding="utf-8"?>
-<p:notes xmlns:a="http://schemas.openxmlformats.org/drawingml/2006/main" xmlns:r="http://schemas.openxmlformats.org/officeDocument/2006/relationships" xmlns:p="http://schemas.openxmlformats.org/presentationml/2006/main">
-  <p:cSld>
-    <p:spTree>
-      <p:nvGrpSpPr>
-        <p:cNvPr id="1" name=""/>
-        <p:cNvGrpSpPr/>
-        <p:nvPr/>
-      </p:nvGrpSpPr>
-      <p:grpSpPr>
-        <a:xfrm>
-          <a:off x="0" y="0"/>
-          <a:ext cx="0" cy="0"/>
-          <a:chOff x="0" y="0"/>
-          <a:chExt cx="0" cy="0"/>
-        </a:xfrm>
-      </p:grpSpPr>
-      <p:sp>
-        <p:nvSpPr>
-          <p:cNvPr id="2" name="Slide Image Placeholder 1"/>
-          <p:cNvSpPr>
-            <a:spLocks noGrp="1" noRot="1" noChangeAspect="1"/>
-          </p:cNvSpPr>
-          <p:nvPr>
-            <p:ph type="sldImg"/>
-          </p:nvPr>
-        </p:nvSpPr>
-        <p:spPr/>
-      </p:sp>
-      <p:sp>
-        <p:nvSpPr>
-          <p:cNvPr id="3" name="Notes Placeholder 2"/>
-          <p:cNvSpPr>
-            <a:spLocks noGrp="1"/>
-          </p:cNvSpPr>
-          <p:nvPr>
-            <p:ph type="body" idx="1"/>
-          </p:nvPr>
-        </p:nvSpPr>
-        <p:spPr/>
-        <p:txBody>
-          <a:bodyPr/>
-          <a:lstStyle/>
-          <a:p>
-            <a:endParaRPr lang="en-US" dirty="0"/>
-          </a:p>
-        </p:txBody>
-      </p:sp>
-      <p:sp>
-        <p:nvSpPr>
-          <p:cNvPr id="4" name="Header Placeholder 3"/>
-          <p:cNvSpPr>
-            <a:spLocks noGrp="1"/>
-          </p:cNvSpPr>
-          <p:nvPr>
-            <p:ph type="hdr" sz="quarter" idx="10"/>
-          </p:nvPr>
-        </p:nvSpPr>
-        <p:spPr/>
-        <p:txBody>
-          <a:bodyPr/>
-          <a:lstStyle/>
-          <a:p>
-            <a:r>
-              <a:rPr lang="en-US"/>
-              <a:t>Titel der Präsentation</a:t>
-            </a:r>
-          </a:p>
-        </p:txBody>
-      </p:sp>
-      <p:sp>
-        <p:nvSpPr>
-          <p:cNvPr id="5" name="Date Placeholder 4"/>
-          <p:cNvSpPr>
-            <a:spLocks noGrp="1"/>
-          </p:cNvSpPr>
-          <p:nvPr>
-            <p:ph type="dt" idx="11"/>
-          </p:nvPr>
-        </p:nvSpPr>
-        <p:spPr/>
-        <p:txBody>
-          <a:bodyPr/>
-          <a:lstStyle/>
-          <a:p>
-            <a:fld id="{7C57F43C-E531-41AE-ABD5-30AA8BB918A3}" type="datetime1">
-              <a:rPr lang="de-DE" smtClean="0"/>
-              <a:t>06.12.2022</a:t>
-            </a:fld>
-            <a:endParaRPr lang="en-US"/>
-          </a:p>
-        </p:txBody>
-      </p:sp>
-      <p:sp>
-        <p:nvSpPr>
-          <p:cNvPr id="6" name="Footer Placeholder 5"/>
-          <p:cNvSpPr>
-            <a:spLocks noGrp="1"/>
-          </p:cNvSpPr>
-          <p:nvPr>
-            <p:ph type="ftr" sz="quarter" idx="12"/>
-          </p:nvPr>
-        </p:nvSpPr>
-        <p:spPr/>
-        <p:txBody>
-          <a:bodyPr/>
-          <a:lstStyle/>
-          <a:p>
-            <a:r>
-              <a:rPr lang="en-US"/>
-              <a:t>Universität Stuttgart</a:t>
-            </a:r>
-            <a:endParaRPr lang="en-US" dirty="0"/>
-          </a:p>
-        </p:txBody>
-      </p:sp>
-      <p:sp>
-        <p:nvSpPr>
-          <p:cNvPr id="7" name="Slide Number Placeholder 6"/>
-          <p:cNvSpPr>
-            <a:spLocks noGrp="1"/>
-          </p:cNvSpPr>
-          <p:nvPr>
-            <p:ph type="sldNum" sz="quarter" idx="13"/>
-          </p:nvPr>
-        </p:nvSpPr>
-        <p:spPr/>
-        <p:txBody>
-          <a:bodyPr/>
-          <a:lstStyle/>
-          <a:p>
-            <a:fld id="{05DD1DF0-DD4E-4B0C-B0FD-D16D9D2A9750}" type="slidenum">
-              <a:rPr lang="en-US" smtClean="0"/>
-              <a:pPr/>
-              <a:t>16</a:t>
+              <a:t>13</a:t>
             </a:fld>
             <a:endParaRPr lang="en-US" dirty="0"/>
           </a:p>
@@ -3019,7 +2864,7 @@
           <a:p>
             <a:fld id="{A8A8FBC4-61D2-4D1F-95BA-F2B0A41558F8}" type="datetime1">
               <a:rPr lang="en-US" smtClean="0"/>
-              <a:t>12/6/2022</a:t>
+              <a:t>12/19/2022</a:t>
             </a:fld>
             <a:endParaRPr lang="en-US" dirty="0"/>
           </a:p>
@@ -3328,7 +3173,7 @@
           <a:p>
             <a:fld id="{EF232D55-8ECF-4017-BB30-B53F76B9F00D}" type="datetime1">
               <a:rPr lang="en-US" smtClean="0"/>
-              <a:t>12/6/2022</a:t>
+              <a:t>12/19/2022</a:t>
             </a:fld>
             <a:endParaRPr lang="en-US" dirty="0"/>
           </a:p>
@@ -3775,7 +3620,7 @@
           <a:p>
             <a:fld id="{AAC48122-9C36-43B2-BEDA-5C9F70B6D25C}" type="datetime1">
               <a:rPr lang="en-US" smtClean="0"/>
-              <a:t>12/6/2022</a:t>
+              <a:t>12/19/2022</a:t>
             </a:fld>
             <a:endParaRPr lang="en-US" dirty="0"/>
           </a:p>
@@ -4093,7 +3938,7 @@
           <a:p>
             <a:fld id="{A1D32B48-1314-4156-9A69-9133D786E51D}" type="datetime1">
               <a:rPr lang="en-US" smtClean="0"/>
-              <a:t>12/6/2022</a:t>
+              <a:t>12/19/2022</a:t>
             </a:fld>
             <a:endParaRPr lang="en-US" dirty="0"/>
           </a:p>
@@ -4378,7 +4223,7 @@
           <a:p>
             <a:fld id="{AD6132A9-95E9-458C-830C-6DA1C059D22D}" type="datetime1">
               <a:rPr lang="en-US" smtClean="0"/>
-              <a:t>12/6/2022</a:t>
+              <a:t>12/19/2022</a:t>
             </a:fld>
             <a:endParaRPr lang="en-US" dirty="0"/>
           </a:p>
@@ -5115,7 +4960,7 @@
           <a:p>
             <a:fld id="{BE4FFF85-C3EE-4B33-8776-501D075C1321}" type="datetime1">
               <a:rPr lang="en-US" smtClean="0"/>
-              <a:t>12/6/2022</a:t>
+              <a:t>12/19/2022</a:t>
             </a:fld>
             <a:endParaRPr lang="en-US" dirty="0"/>
           </a:p>
@@ -5589,7 +5434,7 @@
           <a:p>
             <a:fld id="{40515AB0-F793-4C59-865A-0E3F0F7BB3C2}" type="datetime1">
               <a:rPr lang="en-US" smtClean="0"/>
-              <a:t>12/6/2022</a:t>
+              <a:t>12/19/2022</a:t>
             </a:fld>
             <a:endParaRPr lang="en-US" dirty="0"/>
           </a:p>
@@ -6248,7 +6093,7 @@
           <a:p>
             <a:fld id="{ECF1D2E6-8D96-4ECF-BD4F-C0BBFB4340A2}" type="datetime1">
               <a:rPr lang="en-US" smtClean="0"/>
-              <a:t>12/6/2022</a:t>
+              <a:t>12/19/2022</a:t>
             </a:fld>
             <a:endParaRPr lang="en-US" dirty="0"/>
           </a:p>
@@ -7148,7 +6993,7 @@
           <a:p>
             <a:fld id="{AB72D7B1-B12F-4BF9-8BF8-B4352BB1F586}" type="datetime1">
               <a:rPr lang="en-US" smtClean="0"/>
-              <a:t>12/6/2022</a:t>
+              <a:t>12/19/2022</a:t>
             </a:fld>
             <a:endParaRPr lang="en-US" dirty="0"/>
           </a:p>
@@ -8589,7 +8434,7 @@
           <a:p>
             <a:fld id="{61BEB843-4DB8-4F71-B6D1-0FF7C00324BC}" type="datetime1">
               <a:rPr lang="en-US" smtClean="0"/>
-              <a:t>12/6/2022</a:t>
+              <a:t>12/19/2022</a:t>
             </a:fld>
             <a:endParaRPr lang="en-US" dirty="0"/>
           </a:p>
@@ -8784,7 +8629,7 @@
           <a:p>
             <a:fld id="{F25C127C-CA61-4DA9-A2AC-8CEB0E7971EE}" type="datetime1">
               <a:rPr lang="en-US" smtClean="0"/>
-              <a:t>12/6/2022</a:t>
+              <a:t>12/19/2022</a:t>
             </a:fld>
             <a:endParaRPr lang="en-US" dirty="0"/>
           </a:p>
@@ -8911,7 +8756,7 @@
           <a:p>
             <a:fld id="{DF75208F-FEF3-4175-A525-404EEC534216}" type="datetime1">
               <a:rPr lang="en-US" smtClean="0"/>
-              <a:t>12/6/2022</a:t>
+              <a:t>12/19/2022</a:t>
             </a:fld>
             <a:endParaRPr lang="en-US" dirty="0"/>
           </a:p>
@@ -14346,7 +14191,7 @@
           <a:p>
             <a:fld id="{7662C9C7-604C-4A52-83AD-DCC06C4528AB}" type="datetime1">
               <a:rPr lang="en-US" smtClean="0"/>
-              <a:t>12/6/2022</a:t>
+              <a:t>12/19/2022</a:t>
             </a:fld>
             <a:endParaRPr lang="en-US" dirty="0"/>
           </a:p>
@@ -14598,7 +14443,7 @@
           <a:p>
             <a:fld id="{D55B831E-6073-4452-A03D-0F91D1C3648F}" type="datetime1">
               <a:rPr lang="en-US" smtClean="0"/>
-              <a:t>12/6/2022</a:t>
+              <a:t>12/19/2022</a:t>
             </a:fld>
             <a:endParaRPr lang="en-US" dirty="0"/>
           </a:p>
@@ -15694,7 +15539,7 @@
           <a:p>
             <a:fld id="{09902022-697D-4A58-88F8-F99E258F0174}" type="datetime1">
               <a:rPr lang="en-US" smtClean="0"/>
-              <a:t>12/6/2022</a:t>
+              <a:t>12/19/2022</a:t>
             </a:fld>
             <a:endParaRPr lang="en-US" dirty="0"/>
           </a:p>
@@ -16589,14 +16434,13 @@
           <a:lstStyle/>
           <a:p>
             <a:r>
+              <a:rPr lang="de-DE" dirty="0" err="1"/>
+              <a:t>Confusion</a:t>
+            </a:r>
+            <a:r>
               <a:rPr lang="de-DE" dirty="0"/>
-              <a:t>Hyperparameter </a:t>
-            </a:r>
-            <a:r>
-              <a:rPr lang="de-DE" dirty="0" err="1"/>
-              <a:t>optimization</a:t>
-            </a:r>
-            <a:endParaRPr lang="de-DE" dirty="0"/>
+              <a:t> Matrix - LSTM</a:t>
+            </a:r>
           </a:p>
         </p:txBody>
       </p:sp>
@@ -16621,21 +16465,9 @@
           <a:bodyPr/>
           <a:lstStyle/>
           <a:p>
-            <a:r>
-              <a:rPr lang="de-DE" dirty="0" err="1"/>
-              <a:t>Bayesian</a:t>
-            </a:r>
-            <a:r>
-              <a:rPr lang="de-DE" dirty="0"/>
-              <a:t> </a:t>
-            </a:r>
-            <a:r>
-              <a:rPr lang="de-DE" dirty="0" err="1"/>
-              <a:t>optimization</a:t>
-            </a:r>
-            <a:endParaRPr lang="de-DE" dirty="0"/>
-          </a:p>
-          <a:p>
+            <a:pPr marL="0" indent="0">
+              <a:buNone/>
+            </a:pPr>
             <a:endParaRPr lang="de-DE" dirty="0"/>
           </a:p>
           <a:p>
@@ -16666,7 +16498,7 @@
           <a:p>
             <a:fld id="{7662C9C7-604C-4A52-83AD-DCC06C4528AB}" type="datetime1">
               <a:rPr lang="en-US" smtClean="0"/>
-              <a:t>12/6/2022</a:t>
+              <a:t>12/19/2022</a:t>
             </a:fld>
             <a:endParaRPr lang="en-US" dirty="0"/>
           </a:p>
@@ -16731,10 +16563,40 @@
           </a:p>
         </p:txBody>
       </p:sp>
+      <p:pic>
+        <p:nvPicPr>
+          <p:cNvPr id="10" name="Grafik 9">
+            <a:extLst>
+              <a:ext uri="{FF2B5EF4-FFF2-40B4-BE49-F238E27FC236}">
+                <a16:creationId xmlns:a16="http://schemas.microsoft.com/office/drawing/2014/main" id="{BD5F48D2-47C1-551D-5FA1-447B6470F374}"/>
+              </a:ext>
+            </a:extLst>
+          </p:cNvPr>
+          <p:cNvPicPr>
+            <a:picLocks noChangeAspect="1"/>
+          </p:cNvPicPr>
+          <p:nvPr/>
+        </p:nvPicPr>
+        <p:blipFill>
+          <a:blip r:embed="rId2"/>
+          <a:stretch>
+            <a:fillRect/>
+          </a:stretch>
+        </p:blipFill>
+        <p:spPr>
+          <a:xfrm>
+            <a:off x="594360" y="948146"/>
+            <a:ext cx="7239000" cy="3555907"/>
+          </a:xfrm>
+          <a:prstGeom prst="rect">
+            <a:avLst/>
+          </a:prstGeom>
+        </p:spPr>
+      </p:pic>
     </p:spTree>
     <p:extLst>
       <p:ext uri="{BB962C8B-B14F-4D97-AF65-F5344CB8AC3E}">
-        <p14:creationId xmlns:p14="http://schemas.microsoft.com/office/powerpoint/2010/main" val="4121248801"/>
+        <p14:creationId xmlns:p14="http://schemas.microsoft.com/office/powerpoint/2010/main" val="229116448"/>
       </p:ext>
     </p:extLst>
   </p:cSld>
@@ -16745,454 +16607,6 @@
 </file>
 
 <file path=ppt/slides/slide11.xml><?xml version="1.0" encoding="utf-8"?>
-<p:sld xmlns:a="http://schemas.openxmlformats.org/drawingml/2006/main" xmlns:r="http://schemas.openxmlformats.org/officeDocument/2006/relationships" xmlns:p="http://schemas.openxmlformats.org/presentationml/2006/main">
-  <p:cSld>
-    <p:spTree>
-      <p:nvGrpSpPr>
-        <p:cNvPr id="1" name=""/>
-        <p:cNvGrpSpPr/>
-        <p:nvPr/>
-      </p:nvGrpSpPr>
-      <p:grpSpPr>
-        <a:xfrm>
-          <a:off x="0" y="0"/>
-          <a:ext cx="0" cy="0"/>
-          <a:chOff x="0" y="0"/>
-          <a:chExt cx="0" cy="0"/>
-        </a:xfrm>
-      </p:grpSpPr>
-      <p:sp>
-        <p:nvSpPr>
-          <p:cNvPr id="2" name="Titel 1">
-            <a:extLst>
-              <a:ext uri="{FF2B5EF4-FFF2-40B4-BE49-F238E27FC236}">
-                <a16:creationId xmlns:a16="http://schemas.microsoft.com/office/drawing/2014/main" id="{59E115E9-BD0D-8280-B43C-25D84E14A254}"/>
-              </a:ext>
-            </a:extLst>
-          </p:cNvPr>
-          <p:cNvSpPr>
-            <a:spLocks noGrp="1"/>
-          </p:cNvSpPr>
-          <p:nvPr>
-            <p:ph type="title"/>
-          </p:nvPr>
-        </p:nvSpPr>
-        <p:spPr/>
-        <p:txBody>
-          <a:bodyPr/>
-          <a:lstStyle/>
-          <a:p>
-            <a:r>
-              <a:rPr lang="de-DE" dirty="0"/>
-              <a:t>Initial </a:t>
-            </a:r>
-            <a:r>
-              <a:rPr lang="de-DE" dirty="0" err="1"/>
-              <a:t>Results</a:t>
-            </a:r>
-            <a:endParaRPr lang="de-DE" dirty="0"/>
-          </a:p>
-        </p:txBody>
-      </p:sp>
-      <p:sp>
-        <p:nvSpPr>
-          <p:cNvPr id="3" name="Textplatzhalter 2">
-            <a:extLst>
-              <a:ext uri="{FF2B5EF4-FFF2-40B4-BE49-F238E27FC236}">
-                <a16:creationId xmlns:a16="http://schemas.microsoft.com/office/drawing/2014/main" id="{C299FEAA-4980-7234-86E4-81BC28EF342A}"/>
-              </a:ext>
-            </a:extLst>
-          </p:cNvPr>
-          <p:cNvSpPr>
-            <a:spLocks noGrp="1"/>
-          </p:cNvSpPr>
-          <p:nvPr>
-            <p:ph type="body" sz="quarter" idx="13"/>
-          </p:nvPr>
-        </p:nvSpPr>
-        <p:spPr/>
-        <p:txBody>
-          <a:bodyPr/>
-          <a:lstStyle/>
-          <a:p>
-            <a:r>
-              <a:rPr lang="de-DE" dirty="0" err="1"/>
-              <a:t>Comparison</a:t>
-            </a:r>
-            <a:r>
-              <a:rPr lang="de-DE" dirty="0"/>
-              <a:t> </a:t>
-            </a:r>
-            <a:r>
-              <a:rPr lang="de-DE" dirty="0" err="1"/>
-              <a:t>optimizers</a:t>
-            </a:r>
-            <a:r>
-              <a:rPr lang="de-DE" dirty="0"/>
-              <a:t> and </a:t>
-            </a:r>
-            <a:r>
-              <a:rPr lang="de-DE" dirty="0" err="1"/>
-              <a:t>loss</a:t>
-            </a:r>
-            <a:r>
-              <a:rPr lang="de-DE" dirty="0"/>
-              <a:t> </a:t>
-            </a:r>
-            <a:r>
-              <a:rPr lang="de-DE" dirty="0" err="1"/>
-              <a:t>functions</a:t>
-            </a:r>
-            <a:endParaRPr lang="de-DE" dirty="0"/>
-          </a:p>
-        </p:txBody>
-      </p:sp>
-      <p:sp>
-        <p:nvSpPr>
-          <p:cNvPr id="4" name="Inhaltsplatzhalter 3">
-            <a:extLst>
-              <a:ext uri="{FF2B5EF4-FFF2-40B4-BE49-F238E27FC236}">
-                <a16:creationId xmlns:a16="http://schemas.microsoft.com/office/drawing/2014/main" id="{C87C76AC-4B5F-C56C-0504-F6B7D533201C}"/>
-              </a:ext>
-            </a:extLst>
-          </p:cNvPr>
-          <p:cNvSpPr>
-            <a:spLocks noGrp="1"/>
-          </p:cNvSpPr>
-          <p:nvPr>
-            <p:ph idx="1"/>
-          </p:nvPr>
-        </p:nvSpPr>
-        <p:spPr/>
-        <p:txBody>
-          <a:bodyPr/>
-          <a:lstStyle/>
-          <a:p>
-            <a:endParaRPr lang="de-DE" dirty="0"/>
-          </a:p>
-          <a:p>
-            <a:endParaRPr lang="de-DE" dirty="0"/>
-          </a:p>
-        </p:txBody>
-      </p:sp>
-      <p:sp>
-        <p:nvSpPr>
-          <p:cNvPr id="5" name="Datumsplatzhalter 4">
-            <a:extLst>
-              <a:ext uri="{FF2B5EF4-FFF2-40B4-BE49-F238E27FC236}">
-                <a16:creationId xmlns:a16="http://schemas.microsoft.com/office/drawing/2014/main" id="{2E6390FB-1E21-FF6D-0178-589DFCCEA252}"/>
-              </a:ext>
-            </a:extLst>
-          </p:cNvPr>
-          <p:cNvSpPr>
-            <a:spLocks noGrp="1"/>
-          </p:cNvSpPr>
-          <p:nvPr>
-            <p:ph type="dt" sz="half" idx="14"/>
-          </p:nvPr>
-        </p:nvSpPr>
-        <p:spPr/>
-        <p:txBody>
-          <a:bodyPr/>
-          <a:lstStyle/>
-          <a:p>
-            <a:fld id="{7662C9C7-604C-4A52-83AD-DCC06C4528AB}" type="datetime1">
-              <a:rPr lang="en-US" smtClean="0"/>
-              <a:t>12/6/2022</a:t>
-            </a:fld>
-            <a:endParaRPr lang="en-US" dirty="0"/>
-          </a:p>
-        </p:txBody>
-      </p:sp>
-      <p:sp>
-        <p:nvSpPr>
-          <p:cNvPr id="6" name="Fußzeilenplatzhalter 5">
-            <a:extLst>
-              <a:ext uri="{FF2B5EF4-FFF2-40B4-BE49-F238E27FC236}">
-                <a16:creationId xmlns:a16="http://schemas.microsoft.com/office/drawing/2014/main" id="{3A19B58F-F209-D359-A0D7-5B52C69F0769}"/>
-              </a:ext>
-            </a:extLst>
-          </p:cNvPr>
-          <p:cNvSpPr>
-            <a:spLocks noGrp="1"/>
-          </p:cNvSpPr>
-          <p:nvPr>
-            <p:ph type="ftr" sz="quarter" idx="15"/>
-          </p:nvPr>
-        </p:nvSpPr>
-        <p:spPr/>
-        <p:txBody>
-          <a:bodyPr/>
-          <a:lstStyle/>
-          <a:p>
-            <a:r>
-              <a:rPr lang="en-IN"/>
-              <a:t>Milestone Presentation</a:t>
-            </a:r>
-            <a:endParaRPr lang="en-US" dirty="0"/>
-          </a:p>
-        </p:txBody>
-      </p:sp>
-      <p:sp>
-        <p:nvSpPr>
-          <p:cNvPr id="7" name="Foliennummernplatzhalter 6">
-            <a:extLst>
-              <a:ext uri="{FF2B5EF4-FFF2-40B4-BE49-F238E27FC236}">
-                <a16:creationId xmlns:a16="http://schemas.microsoft.com/office/drawing/2014/main" id="{FC6CFE21-E947-A3B8-C324-24D90CFEEE0F}"/>
-              </a:ext>
-            </a:extLst>
-          </p:cNvPr>
-          <p:cNvSpPr>
-            <a:spLocks noGrp="1"/>
-          </p:cNvSpPr>
-          <p:nvPr>
-            <p:ph type="sldNum" sz="quarter" idx="16"/>
-          </p:nvPr>
-        </p:nvSpPr>
-        <p:spPr/>
-        <p:txBody>
-          <a:bodyPr/>
-          <a:lstStyle/>
-          <a:p>
-            <a:fld id="{9E82CC3C-1DC0-4FDA-9590-6CC506AB67F8}" type="slidenum">
-              <a:rPr lang="en-US" smtClean="0"/>
-              <a:pPr/>
-              <a:t>11</a:t>
-            </a:fld>
-            <a:endParaRPr lang="en-US" dirty="0"/>
-          </a:p>
-        </p:txBody>
-      </p:sp>
-    </p:spTree>
-    <p:extLst>
-      <p:ext uri="{BB962C8B-B14F-4D97-AF65-F5344CB8AC3E}">
-        <p14:creationId xmlns:p14="http://schemas.microsoft.com/office/powerpoint/2010/main" val="977887105"/>
-      </p:ext>
-    </p:extLst>
-  </p:cSld>
-  <p:clrMapOvr>
-    <a:masterClrMapping/>
-  </p:clrMapOvr>
-</p:sld>
-</file>
-
-<file path=ppt/slides/slide12.xml><?xml version="1.0" encoding="utf-8"?>
-<p:sld xmlns:a="http://schemas.openxmlformats.org/drawingml/2006/main" xmlns:r="http://schemas.openxmlformats.org/officeDocument/2006/relationships" xmlns:p="http://schemas.openxmlformats.org/presentationml/2006/main">
-  <p:cSld>
-    <p:spTree>
-      <p:nvGrpSpPr>
-        <p:cNvPr id="1" name=""/>
-        <p:cNvGrpSpPr/>
-        <p:nvPr/>
-      </p:nvGrpSpPr>
-      <p:grpSpPr>
-        <a:xfrm>
-          <a:off x="0" y="0"/>
-          <a:ext cx="0" cy="0"/>
-          <a:chOff x="0" y="0"/>
-          <a:chExt cx="0" cy="0"/>
-        </a:xfrm>
-      </p:grpSpPr>
-      <p:sp>
-        <p:nvSpPr>
-          <p:cNvPr id="2" name="Titel 1">
-            <a:extLst>
-              <a:ext uri="{FF2B5EF4-FFF2-40B4-BE49-F238E27FC236}">
-                <a16:creationId xmlns:a16="http://schemas.microsoft.com/office/drawing/2014/main" id="{59E115E9-BD0D-8280-B43C-25D84E14A254}"/>
-              </a:ext>
-            </a:extLst>
-          </p:cNvPr>
-          <p:cNvSpPr>
-            <a:spLocks noGrp="1"/>
-          </p:cNvSpPr>
-          <p:nvPr>
-            <p:ph type="title"/>
-          </p:nvPr>
-        </p:nvSpPr>
-        <p:spPr/>
-        <p:txBody>
-          <a:bodyPr/>
-          <a:lstStyle/>
-          <a:p>
-            <a:r>
-              <a:rPr lang="de-DE" dirty="0"/>
-              <a:t>Initial </a:t>
-            </a:r>
-            <a:r>
-              <a:rPr lang="de-DE" dirty="0" err="1"/>
-              <a:t>Results</a:t>
-            </a:r>
-            <a:endParaRPr lang="de-DE" dirty="0"/>
-          </a:p>
-        </p:txBody>
-      </p:sp>
-      <p:sp>
-        <p:nvSpPr>
-          <p:cNvPr id="3" name="Textplatzhalter 2">
-            <a:extLst>
-              <a:ext uri="{FF2B5EF4-FFF2-40B4-BE49-F238E27FC236}">
-                <a16:creationId xmlns:a16="http://schemas.microsoft.com/office/drawing/2014/main" id="{C299FEAA-4980-7234-86E4-81BC28EF342A}"/>
-              </a:ext>
-            </a:extLst>
-          </p:cNvPr>
-          <p:cNvSpPr>
-            <a:spLocks noGrp="1"/>
-          </p:cNvSpPr>
-          <p:nvPr>
-            <p:ph type="body" sz="quarter" idx="13"/>
-          </p:nvPr>
-        </p:nvSpPr>
-        <p:spPr/>
-        <p:txBody>
-          <a:bodyPr/>
-          <a:lstStyle/>
-          <a:p>
-            <a:r>
-              <a:rPr lang="de-DE" dirty="0" err="1"/>
-              <a:t>Comparison</a:t>
-            </a:r>
-            <a:r>
-              <a:rPr lang="de-DE" dirty="0"/>
-              <a:t> different </a:t>
-            </a:r>
-            <a:r>
-              <a:rPr lang="de-DE" dirty="0" err="1"/>
-              <a:t>architectures</a:t>
-            </a:r>
-            <a:endParaRPr lang="de-DE" dirty="0"/>
-          </a:p>
-        </p:txBody>
-      </p:sp>
-      <p:sp>
-        <p:nvSpPr>
-          <p:cNvPr id="4" name="Inhaltsplatzhalter 3">
-            <a:extLst>
-              <a:ext uri="{FF2B5EF4-FFF2-40B4-BE49-F238E27FC236}">
-                <a16:creationId xmlns:a16="http://schemas.microsoft.com/office/drawing/2014/main" id="{C87C76AC-4B5F-C56C-0504-F6B7D533201C}"/>
-              </a:ext>
-            </a:extLst>
-          </p:cNvPr>
-          <p:cNvSpPr>
-            <a:spLocks noGrp="1"/>
-          </p:cNvSpPr>
-          <p:nvPr>
-            <p:ph idx="1"/>
-          </p:nvPr>
-        </p:nvSpPr>
-        <p:spPr/>
-        <p:txBody>
-          <a:bodyPr/>
-          <a:lstStyle/>
-          <a:p>
-            <a:endParaRPr lang="de-DE" dirty="0"/>
-          </a:p>
-          <a:p>
-            <a:endParaRPr lang="de-DE" dirty="0"/>
-          </a:p>
-        </p:txBody>
-      </p:sp>
-      <p:sp>
-        <p:nvSpPr>
-          <p:cNvPr id="5" name="Datumsplatzhalter 4">
-            <a:extLst>
-              <a:ext uri="{FF2B5EF4-FFF2-40B4-BE49-F238E27FC236}">
-                <a16:creationId xmlns:a16="http://schemas.microsoft.com/office/drawing/2014/main" id="{2E6390FB-1E21-FF6D-0178-589DFCCEA252}"/>
-              </a:ext>
-            </a:extLst>
-          </p:cNvPr>
-          <p:cNvSpPr>
-            <a:spLocks noGrp="1"/>
-          </p:cNvSpPr>
-          <p:nvPr>
-            <p:ph type="dt" sz="half" idx="14"/>
-          </p:nvPr>
-        </p:nvSpPr>
-        <p:spPr/>
-        <p:txBody>
-          <a:bodyPr/>
-          <a:lstStyle/>
-          <a:p>
-            <a:fld id="{7662C9C7-604C-4A52-83AD-DCC06C4528AB}" type="datetime1">
-              <a:rPr lang="en-US" smtClean="0"/>
-              <a:t>12/6/2022</a:t>
-            </a:fld>
-            <a:endParaRPr lang="en-US" dirty="0"/>
-          </a:p>
-        </p:txBody>
-      </p:sp>
-      <p:sp>
-        <p:nvSpPr>
-          <p:cNvPr id="6" name="Fußzeilenplatzhalter 5">
-            <a:extLst>
-              <a:ext uri="{FF2B5EF4-FFF2-40B4-BE49-F238E27FC236}">
-                <a16:creationId xmlns:a16="http://schemas.microsoft.com/office/drawing/2014/main" id="{3A19B58F-F209-D359-A0D7-5B52C69F0769}"/>
-              </a:ext>
-            </a:extLst>
-          </p:cNvPr>
-          <p:cNvSpPr>
-            <a:spLocks noGrp="1"/>
-          </p:cNvSpPr>
-          <p:nvPr>
-            <p:ph type="ftr" sz="quarter" idx="15"/>
-          </p:nvPr>
-        </p:nvSpPr>
-        <p:spPr/>
-        <p:txBody>
-          <a:bodyPr/>
-          <a:lstStyle/>
-          <a:p>
-            <a:r>
-              <a:rPr lang="en-IN"/>
-              <a:t>Milestone Presentation</a:t>
-            </a:r>
-            <a:endParaRPr lang="en-US" dirty="0"/>
-          </a:p>
-        </p:txBody>
-      </p:sp>
-      <p:sp>
-        <p:nvSpPr>
-          <p:cNvPr id="7" name="Foliennummernplatzhalter 6">
-            <a:extLst>
-              <a:ext uri="{FF2B5EF4-FFF2-40B4-BE49-F238E27FC236}">
-                <a16:creationId xmlns:a16="http://schemas.microsoft.com/office/drawing/2014/main" id="{FC6CFE21-E947-A3B8-C324-24D90CFEEE0F}"/>
-              </a:ext>
-            </a:extLst>
-          </p:cNvPr>
-          <p:cNvSpPr>
-            <a:spLocks noGrp="1"/>
-          </p:cNvSpPr>
-          <p:nvPr>
-            <p:ph type="sldNum" sz="quarter" idx="16"/>
-          </p:nvPr>
-        </p:nvSpPr>
-        <p:spPr/>
-        <p:txBody>
-          <a:bodyPr/>
-          <a:lstStyle/>
-          <a:p>
-            <a:fld id="{9E82CC3C-1DC0-4FDA-9590-6CC506AB67F8}" type="slidenum">
-              <a:rPr lang="en-US" smtClean="0"/>
-              <a:pPr/>
-              <a:t>12</a:t>
-            </a:fld>
-            <a:endParaRPr lang="en-US" dirty="0"/>
-          </a:p>
-        </p:txBody>
-      </p:sp>
-    </p:spTree>
-    <p:extLst>
-      <p:ext uri="{BB962C8B-B14F-4D97-AF65-F5344CB8AC3E}">
-        <p14:creationId xmlns:p14="http://schemas.microsoft.com/office/powerpoint/2010/main" val="167120146"/>
-      </p:ext>
-    </p:extLst>
-  </p:cSld>
-  <p:clrMapOvr>
-    <a:masterClrMapping/>
-  </p:clrMapOvr>
-</p:sld>
-</file>
-
-<file path=ppt/slides/slide13.xml><?xml version="1.0" encoding="utf-8"?>
 <p:sld xmlns:a="http://schemas.openxmlformats.org/drawingml/2006/main" xmlns:r="http://schemas.openxmlformats.org/officeDocument/2006/relationships" xmlns:p="http://schemas.openxmlformats.org/presentationml/2006/main">
   <p:cSld>
     <p:bg>
@@ -17262,7 +16676,7 @@
 </p:sld>
 </file>
 
-<file path=ppt/slides/slide14.xml><?xml version="1.0" encoding="utf-8"?>
+<file path=ppt/slides/slide12.xml><?xml version="1.0" encoding="utf-8"?>
 <p:sld xmlns:a="http://schemas.openxmlformats.org/drawingml/2006/main" xmlns:r="http://schemas.openxmlformats.org/officeDocument/2006/relationships" xmlns:p="http://schemas.openxmlformats.org/presentationml/2006/main">
   <p:cSld>
     <p:spTree>
@@ -17360,7 +16774,7 @@
           <a:p>
             <a:r>
               <a:rPr lang="de-DE" dirty="0" err="1"/>
-              <a:t>Better</a:t>
+              <a:t>Improve</a:t>
             </a:r>
             <a:r>
               <a:rPr lang="de-DE" dirty="0"/>
@@ -17368,14 +16782,7 @@
             </a:r>
             <a:r>
               <a:rPr lang="de-DE" dirty="0" err="1"/>
-              <a:t>visualization</a:t>
-            </a:r>
-            <a:endParaRPr lang="de-DE" dirty="0"/>
-          </a:p>
-          <a:p>
-            <a:r>
-              <a:rPr lang="de-DE" dirty="0" err="1"/>
-              <a:t>Improve</a:t>
+              <a:t>performance</a:t>
             </a:r>
             <a:r>
               <a:rPr lang="de-DE" dirty="0"/>
@@ -17383,50 +16790,89 @@
             </a:r>
             <a:r>
               <a:rPr lang="de-DE" dirty="0" err="1"/>
-              <a:t>performance</a:t>
+              <a:t>for</a:t>
             </a:r>
             <a:r>
               <a:rPr lang="de-DE" dirty="0"/>
               <a:t> </a:t>
             </a:r>
             <a:r>
+              <a:rPr lang="en-US" dirty="0"/>
+              <a:t>postural transitions</a:t>
+            </a:r>
+          </a:p>
+          <a:p>
+            <a:pPr lvl="1"/>
+            <a:r>
+              <a:rPr lang="en-US" dirty="0"/>
+              <a:t>Few shot learning</a:t>
+            </a:r>
+          </a:p>
+          <a:p>
+            <a:r>
+              <a:rPr lang="en-US" dirty="0"/>
+              <a:t>Implementation of a conventional machine learning method (SVM)</a:t>
+            </a:r>
+          </a:p>
+          <a:p>
+            <a:r>
+              <a:rPr lang="de-DE" dirty="0"/>
+              <a:t>Test </a:t>
+            </a:r>
+            <a:r>
               <a:rPr lang="de-DE" dirty="0" err="1"/>
-              <a:t>for</a:t>
+              <a:t>transformer</a:t>
             </a:r>
             <a:r>
               <a:rPr lang="de-DE" dirty="0"/>
               <a:t> </a:t>
             </a:r>
             <a:r>
-              <a:rPr lang="en-US" dirty="0"/>
-              <a:t>postural transitions</a:t>
-            </a:r>
-          </a:p>
-          <a:p>
-            <a:pPr lvl="1"/>
-            <a:r>
-              <a:rPr lang="en-US" dirty="0"/>
-              <a:t>Transfer learning</a:t>
-            </a:r>
-          </a:p>
-          <a:p>
-            <a:pPr lvl="1"/>
-            <a:r>
-              <a:rPr lang="en-US" dirty="0"/>
-              <a:t>Few shot learning</a:t>
-            </a:r>
-          </a:p>
-          <a:p>
-            <a:r>
-              <a:rPr lang="en-US" dirty="0"/>
-              <a:t>Implementation of a conventional machine learning method (SVM)</a:t>
-            </a:r>
-          </a:p>
-          <a:p>
+              <a:rPr lang="de-DE" dirty="0" err="1"/>
+              <a:t>architecture</a:t>
+            </a:r>
+            <a:endParaRPr lang="de-DE" dirty="0"/>
+          </a:p>
+          <a:p>
+            <a:r>
+              <a:rPr lang="de-DE" dirty="0"/>
+              <a:t>Include </a:t>
+            </a:r>
+            <a:r>
+              <a:rPr lang="de-DE" dirty="0" err="1"/>
+              <a:t>validation</a:t>
+            </a:r>
+            <a:endParaRPr lang="de-DE" dirty="0"/>
+          </a:p>
+          <a:p>
+            <a:r>
+              <a:rPr lang="de-DE" dirty="0" err="1"/>
+              <a:t>Balancing</a:t>
+            </a:r>
             <a:r>
               <a:rPr lang="de-DE" dirty="0"/>
               <a:t> </a:t>
             </a:r>
+            <a:r>
+              <a:rPr lang="de-DE" dirty="0" err="1"/>
+              <a:t>dataset</a:t>
+            </a:r>
+            <a:endParaRPr lang="de-DE" dirty="0"/>
+          </a:p>
+          <a:p>
+            <a:pPr lvl="1"/>
+            <a:r>
+              <a:rPr lang="de-DE" dirty="0"/>
+              <a:t>Augmentation</a:t>
+            </a:r>
+          </a:p>
+          <a:p>
+            <a:pPr lvl="1"/>
+            <a:r>
+              <a:rPr lang="de-DE" dirty="0" err="1"/>
+              <a:t>Oversampling</a:t>
+            </a:r>
+            <a:endParaRPr lang="de-DE" dirty="0"/>
           </a:p>
         </p:txBody>
       </p:sp>
@@ -17453,7 +16899,7 @@
           <a:p>
             <a:fld id="{7662C9C7-604C-4A52-83AD-DCC06C4528AB}" type="datetime1">
               <a:rPr lang="en-US" smtClean="0"/>
-              <a:t>12/6/2022</a:t>
+              <a:t>12/19/2022</a:t>
             </a:fld>
             <a:endParaRPr lang="en-US" dirty="0"/>
           </a:p>
@@ -17512,7 +16958,7 @@
             <a:fld id="{9E82CC3C-1DC0-4FDA-9590-6CC506AB67F8}" type="slidenum">
               <a:rPr lang="en-US" smtClean="0"/>
               <a:pPr/>
-              <a:t>14</a:t>
+              <a:t>12</a:t>
             </a:fld>
             <a:endParaRPr lang="en-US" dirty="0"/>
           </a:p>
@@ -17531,77 +16977,7 @@
 </p:sld>
 </file>
 
-<file path=ppt/slides/slide15.xml><?xml version="1.0" encoding="utf-8"?>
-<p:sld xmlns:a="http://schemas.openxmlformats.org/drawingml/2006/main" xmlns:r="http://schemas.openxmlformats.org/officeDocument/2006/relationships" xmlns:p="http://schemas.openxmlformats.org/presentationml/2006/main">
-  <p:cSld>
-    <p:bg>
-      <p:bgPr>
-        <a:blipFill dpi="0" rotWithShape="1">
-          <a:blip r:embed="rId3"/>
-          <a:srcRect/>
-          <a:stretch>
-            <a:fillRect/>
-          </a:stretch>
-        </a:blipFill>
-        <a:effectLst/>
-      </p:bgPr>
-    </p:bg>
-    <p:spTree>
-      <p:nvGrpSpPr>
-        <p:cNvPr id="1" name=""/>
-        <p:cNvGrpSpPr/>
-        <p:nvPr/>
-      </p:nvGrpSpPr>
-      <p:grpSpPr>
-        <a:xfrm>
-          <a:off x="0" y="0"/>
-          <a:ext cx="0" cy="0"/>
-          <a:chOff x="0" y="0"/>
-          <a:chExt cx="0" cy="0"/>
-        </a:xfrm>
-      </p:grpSpPr>
-      <p:sp>
-        <p:nvSpPr>
-          <p:cNvPr id="2" name="Titel 1"/>
-          <p:cNvSpPr>
-            <a:spLocks noGrp="1"/>
-          </p:cNvSpPr>
-          <p:nvPr>
-            <p:ph type="title"/>
-          </p:nvPr>
-        </p:nvSpPr>
-        <p:spPr>
-          <a:xfrm>
-            <a:off x="2960100" y="1332412"/>
-            <a:ext cx="3088582" cy="585113"/>
-          </a:xfrm>
-        </p:spPr>
-        <p:txBody>
-          <a:bodyPr/>
-          <a:lstStyle/>
-          <a:p>
-            <a:pPr algn="ctr"/>
-            <a:r>
-              <a:rPr lang="de-DE" dirty="0"/>
-              <a:t>Inferences</a:t>
-            </a:r>
-          </a:p>
-        </p:txBody>
-      </p:sp>
-    </p:spTree>
-    <p:extLst>
-      <p:ext uri="{BB962C8B-B14F-4D97-AF65-F5344CB8AC3E}">
-        <p14:creationId xmlns:p14="http://schemas.microsoft.com/office/powerpoint/2010/main" val="2964290847"/>
-      </p:ext>
-    </p:extLst>
-  </p:cSld>
-  <p:clrMapOvr>
-    <a:masterClrMapping/>
-  </p:clrMapOvr>
-</p:sld>
-</file>
-
-<file path=ppt/slides/slide16.xml><?xml version="1.0" encoding="utf-8"?>
+<file path=ppt/slides/slide13.xml><?xml version="1.0" encoding="utf-8"?>
 <p:sld xmlns:a="http://schemas.openxmlformats.org/drawingml/2006/main" xmlns:r="http://schemas.openxmlformats.org/officeDocument/2006/relationships" xmlns:p="http://schemas.openxmlformats.org/presentationml/2006/main">
   <p:cSld>
     <p:bg>
@@ -18534,7 +17910,7 @@
             <a:pPr lvl="1"/>
             <a:r>
               <a:rPr lang="de-DE" dirty="0" err="1"/>
-              <a:t>Unbalanaced</a:t>
+              <a:t>Unbalanced</a:t>
             </a:r>
             <a:r>
               <a:rPr lang="de-DE" dirty="0"/>
@@ -18593,7 +17969,7 @@
           <a:p>
             <a:fld id="{7662C9C7-604C-4A52-83AD-DCC06C4528AB}" type="datetime1">
               <a:rPr lang="en-US" smtClean="0"/>
-              <a:t>12/6/2022</a:t>
+              <a:t>12/19/2022</a:t>
             </a:fld>
             <a:endParaRPr lang="en-US" dirty="0"/>
           </a:p>
@@ -18672,6 +18048,260 @@
 </file>
 
 <file path=ppt/slides/slide4.xml><?xml version="1.0" encoding="utf-8"?>
+<p:sld xmlns:a="http://schemas.openxmlformats.org/drawingml/2006/main" xmlns:r="http://schemas.openxmlformats.org/officeDocument/2006/relationships" xmlns:p="http://schemas.openxmlformats.org/presentationml/2006/main">
+  <p:cSld>
+    <p:spTree>
+      <p:nvGrpSpPr>
+        <p:cNvPr id="1" name=""/>
+        <p:cNvGrpSpPr/>
+        <p:nvPr/>
+      </p:nvGrpSpPr>
+      <p:grpSpPr>
+        <a:xfrm>
+          <a:off x="0" y="0"/>
+          <a:ext cx="0" cy="0"/>
+          <a:chOff x="0" y="0"/>
+          <a:chExt cx="0" cy="0"/>
+        </a:xfrm>
+      </p:grpSpPr>
+      <p:sp>
+        <p:nvSpPr>
+          <p:cNvPr id="2" name="Titel 1">
+            <a:extLst>
+              <a:ext uri="{FF2B5EF4-FFF2-40B4-BE49-F238E27FC236}">
+                <a16:creationId xmlns:a16="http://schemas.microsoft.com/office/drawing/2014/main" id="{3FC25F8D-9755-E9A0-FD5B-CE3AE96DDE20}"/>
+              </a:ext>
+            </a:extLst>
+          </p:cNvPr>
+          <p:cNvSpPr>
+            <a:spLocks noGrp="1"/>
+          </p:cNvSpPr>
+          <p:nvPr>
+            <p:ph type="title"/>
+          </p:nvPr>
+        </p:nvSpPr>
+        <p:spPr/>
+        <p:txBody>
+          <a:bodyPr/>
+          <a:lstStyle/>
+          <a:p>
+            <a:r>
+              <a:rPr lang="de-DE" dirty="0" err="1"/>
+              <a:t>Introduction</a:t>
+            </a:r>
+            <a:endParaRPr lang="de-DE" dirty="0"/>
+          </a:p>
+        </p:txBody>
+      </p:sp>
+      <p:sp>
+        <p:nvSpPr>
+          <p:cNvPr id="3" name="Textplatzhalter 2">
+            <a:extLst>
+              <a:ext uri="{FF2B5EF4-FFF2-40B4-BE49-F238E27FC236}">
+                <a16:creationId xmlns:a16="http://schemas.microsoft.com/office/drawing/2014/main" id="{6092ABA9-7932-3D2D-20AB-429029BF9377}"/>
+              </a:ext>
+            </a:extLst>
+          </p:cNvPr>
+          <p:cNvSpPr>
+            <a:spLocks noGrp="1"/>
+          </p:cNvSpPr>
+          <p:nvPr>
+            <p:ph type="body" sz="quarter" idx="13"/>
+          </p:nvPr>
+        </p:nvSpPr>
+        <p:spPr/>
+        <p:txBody>
+          <a:bodyPr/>
+          <a:lstStyle/>
+          <a:p>
+            <a:r>
+              <a:rPr lang="de-DE" dirty="0"/>
+              <a:t>Project </a:t>
+            </a:r>
+            <a:r>
+              <a:rPr lang="de-DE" dirty="0" err="1"/>
+              <a:t>description</a:t>
+            </a:r>
+            <a:endParaRPr lang="de-DE" dirty="0"/>
+          </a:p>
+        </p:txBody>
+      </p:sp>
+      <p:sp>
+        <p:nvSpPr>
+          <p:cNvPr id="4" name="Inhaltsplatzhalter 3">
+            <a:extLst>
+              <a:ext uri="{FF2B5EF4-FFF2-40B4-BE49-F238E27FC236}">
+                <a16:creationId xmlns:a16="http://schemas.microsoft.com/office/drawing/2014/main" id="{82371403-97D0-859B-B2C4-8E44327AF460}"/>
+              </a:ext>
+            </a:extLst>
+          </p:cNvPr>
+          <p:cNvSpPr>
+            <a:spLocks noGrp="1"/>
+          </p:cNvSpPr>
+          <p:nvPr>
+            <p:ph idx="1"/>
+          </p:nvPr>
+        </p:nvSpPr>
+        <p:spPr/>
+        <p:txBody>
+          <a:bodyPr/>
+          <a:lstStyle/>
+          <a:p>
+            <a:pPr marL="0" indent="0">
+              <a:buNone/>
+            </a:pPr>
+            <a:r>
+              <a:rPr lang="en-US" dirty="0"/>
+              <a:t> </a:t>
+            </a:r>
+          </a:p>
+          <a:p>
+            <a:pPr marL="0" indent="0">
+              <a:buNone/>
+            </a:pPr>
+            <a:endParaRPr lang="en-US" dirty="0"/>
+          </a:p>
+          <a:p>
+            <a:endParaRPr lang="en-US" dirty="0"/>
+          </a:p>
+          <a:p>
+            <a:pPr lvl="1"/>
+            <a:endParaRPr lang="de-DE" dirty="0"/>
+          </a:p>
+        </p:txBody>
+      </p:sp>
+      <p:sp>
+        <p:nvSpPr>
+          <p:cNvPr id="5" name="Datumsplatzhalter 4">
+            <a:extLst>
+              <a:ext uri="{FF2B5EF4-FFF2-40B4-BE49-F238E27FC236}">
+                <a16:creationId xmlns:a16="http://schemas.microsoft.com/office/drawing/2014/main" id="{2500BDA7-38AF-6DF9-27EB-C30DC167E295}"/>
+              </a:ext>
+            </a:extLst>
+          </p:cNvPr>
+          <p:cNvSpPr>
+            <a:spLocks noGrp="1"/>
+          </p:cNvSpPr>
+          <p:nvPr>
+            <p:ph type="dt" sz="half" idx="14"/>
+          </p:nvPr>
+        </p:nvSpPr>
+        <p:spPr/>
+        <p:txBody>
+          <a:bodyPr/>
+          <a:lstStyle/>
+          <a:p>
+            <a:fld id="{7662C9C7-604C-4A52-83AD-DCC06C4528AB}" type="datetime1">
+              <a:rPr lang="en-US" smtClean="0"/>
+              <a:t>12/19/2022</a:t>
+            </a:fld>
+            <a:endParaRPr lang="en-US" dirty="0"/>
+          </a:p>
+        </p:txBody>
+      </p:sp>
+      <p:sp>
+        <p:nvSpPr>
+          <p:cNvPr id="6" name="Fußzeilenplatzhalter 5">
+            <a:extLst>
+              <a:ext uri="{FF2B5EF4-FFF2-40B4-BE49-F238E27FC236}">
+                <a16:creationId xmlns:a16="http://schemas.microsoft.com/office/drawing/2014/main" id="{087789A6-34D6-8AE3-CA5B-8B96733F862C}"/>
+              </a:ext>
+            </a:extLst>
+          </p:cNvPr>
+          <p:cNvSpPr>
+            <a:spLocks noGrp="1"/>
+          </p:cNvSpPr>
+          <p:nvPr>
+            <p:ph type="ftr" sz="quarter" idx="15"/>
+          </p:nvPr>
+        </p:nvSpPr>
+        <p:spPr/>
+        <p:txBody>
+          <a:bodyPr/>
+          <a:lstStyle/>
+          <a:p>
+            <a:r>
+              <a:rPr lang="en-IN"/>
+              <a:t>Milestone Presentation</a:t>
+            </a:r>
+            <a:endParaRPr lang="en-US" dirty="0"/>
+          </a:p>
+        </p:txBody>
+      </p:sp>
+      <p:sp>
+        <p:nvSpPr>
+          <p:cNvPr id="7" name="Foliennummernplatzhalter 6">
+            <a:extLst>
+              <a:ext uri="{FF2B5EF4-FFF2-40B4-BE49-F238E27FC236}">
+                <a16:creationId xmlns:a16="http://schemas.microsoft.com/office/drawing/2014/main" id="{92510B64-9ABA-5199-54FF-06C813722E06}"/>
+              </a:ext>
+            </a:extLst>
+          </p:cNvPr>
+          <p:cNvSpPr>
+            <a:spLocks noGrp="1"/>
+          </p:cNvSpPr>
+          <p:nvPr>
+            <p:ph type="sldNum" sz="quarter" idx="16"/>
+          </p:nvPr>
+        </p:nvSpPr>
+        <p:spPr/>
+        <p:txBody>
+          <a:bodyPr/>
+          <a:lstStyle/>
+          <a:p>
+            <a:fld id="{9E82CC3C-1DC0-4FDA-9590-6CC506AB67F8}" type="slidenum">
+              <a:rPr lang="en-US" smtClean="0"/>
+              <a:pPr/>
+              <a:t>4</a:t>
+            </a:fld>
+            <a:endParaRPr lang="en-US" dirty="0"/>
+          </a:p>
+        </p:txBody>
+      </p:sp>
+      <p:pic>
+        <p:nvPicPr>
+          <p:cNvPr id="11" name="Grafik 10">
+            <a:extLst>
+              <a:ext uri="{FF2B5EF4-FFF2-40B4-BE49-F238E27FC236}">
+                <a16:creationId xmlns:a16="http://schemas.microsoft.com/office/drawing/2014/main" id="{5BF4A46C-D47F-D8DD-1DF8-EF223DC98D3E}"/>
+              </a:ext>
+            </a:extLst>
+          </p:cNvPr>
+          <p:cNvPicPr>
+            <a:picLocks noChangeAspect="1"/>
+          </p:cNvPicPr>
+          <p:nvPr/>
+        </p:nvPicPr>
+        <p:blipFill>
+          <a:blip r:embed="rId2"/>
+          <a:stretch>
+            <a:fillRect/>
+          </a:stretch>
+        </p:blipFill>
+        <p:spPr>
+          <a:xfrm>
+            <a:off x="1463992" y="928882"/>
+            <a:ext cx="6216015" cy="3785502"/>
+          </a:xfrm>
+          <a:prstGeom prst="rect">
+            <a:avLst/>
+          </a:prstGeom>
+        </p:spPr>
+      </p:pic>
+    </p:spTree>
+    <p:extLst>
+      <p:ext uri="{BB962C8B-B14F-4D97-AF65-F5344CB8AC3E}">
+        <p14:creationId xmlns:p14="http://schemas.microsoft.com/office/powerpoint/2010/main" val="631722074"/>
+      </p:ext>
+    </p:extLst>
+  </p:cSld>
+  <p:clrMapOvr>
+    <a:masterClrMapping/>
+  </p:clrMapOvr>
+</p:sld>
+</file>
+
+<file path=ppt/slides/slide5.xml><?xml version="1.0" encoding="utf-8"?>
 <p:sld xmlns:a="http://schemas.openxmlformats.org/drawingml/2006/main" xmlns:r="http://schemas.openxmlformats.org/officeDocument/2006/relationships" xmlns:p="http://schemas.openxmlformats.org/presentationml/2006/main">
   <p:cSld>
     <p:bg>
@@ -18741,250 +18371,6 @@
 </p:sld>
 </file>
 
-<file path=ppt/slides/slide5.xml><?xml version="1.0" encoding="utf-8"?>
-<p:sld xmlns:a="http://schemas.openxmlformats.org/drawingml/2006/main" xmlns:r="http://schemas.openxmlformats.org/officeDocument/2006/relationships" xmlns:p="http://schemas.openxmlformats.org/presentationml/2006/main">
-  <p:cSld>
-    <p:spTree>
-      <p:nvGrpSpPr>
-        <p:cNvPr id="1" name=""/>
-        <p:cNvGrpSpPr/>
-        <p:nvPr/>
-      </p:nvGrpSpPr>
-      <p:grpSpPr>
-        <a:xfrm>
-          <a:off x="0" y="0"/>
-          <a:ext cx="0" cy="0"/>
-          <a:chOff x="0" y="0"/>
-          <a:chExt cx="0" cy="0"/>
-        </a:xfrm>
-      </p:grpSpPr>
-      <p:sp>
-        <p:nvSpPr>
-          <p:cNvPr id="2" name="Titel 1">
-            <a:extLst>
-              <a:ext uri="{FF2B5EF4-FFF2-40B4-BE49-F238E27FC236}">
-                <a16:creationId xmlns:a16="http://schemas.microsoft.com/office/drawing/2014/main" id="{99C49417-78AB-732C-9F67-6CA5F1ADBB1F}"/>
-              </a:ext>
-            </a:extLst>
-          </p:cNvPr>
-          <p:cNvSpPr>
-            <a:spLocks noGrp="1"/>
-          </p:cNvSpPr>
-          <p:nvPr>
-            <p:ph type="title"/>
-          </p:nvPr>
-        </p:nvSpPr>
-        <p:spPr/>
-        <p:txBody>
-          <a:bodyPr/>
-          <a:lstStyle/>
-          <a:p>
-            <a:r>
-              <a:rPr lang="de-DE" dirty="0" err="1"/>
-              <a:t>Methodology</a:t>
-            </a:r>
-            <a:endParaRPr lang="de-DE" dirty="0"/>
-          </a:p>
-        </p:txBody>
-      </p:sp>
-      <p:sp>
-        <p:nvSpPr>
-          <p:cNvPr id="3" name="Textplatzhalter 2">
-            <a:extLst>
-              <a:ext uri="{FF2B5EF4-FFF2-40B4-BE49-F238E27FC236}">
-                <a16:creationId xmlns:a16="http://schemas.microsoft.com/office/drawing/2014/main" id="{A49BFADE-8F6C-435E-F1EF-D6F83AF49D78}"/>
-              </a:ext>
-            </a:extLst>
-          </p:cNvPr>
-          <p:cNvSpPr>
-            <a:spLocks noGrp="1"/>
-          </p:cNvSpPr>
-          <p:nvPr>
-            <p:ph type="body" sz="quarter" idx="13"/>
-          </p:nvPr>
-        </p:nvSpPr>
-        <p:spPr/>
-        <p:txBody>
-          <a:bodyPr/>
-          <a:lstStyle/>
-          <a:p>
-            <a:r>
-              <a:rPr lang="de-DE" dirty="0" err="1"/>
-              <a:t>Evaluated</a:t>
-            </a:r>
-            <a:r>
-              <a:rPr lang="de-DE" dirty="0"/>
-              <a:t> </a:t>
-            </a:r>
-            <a:r>
-              <a:rPr lang="de-DE" dirty="0" err="1"/>
-              <a:t>models</a:t>
-            </a:r>
-            <a:endParaRPr lang="de-DE" dirty="0"/>
-          </a:p>
-        </p:txBody>
-      </p:sp>
-      <p:sp>
-        <p:nvSpPr>
-          <p:cNvPr id="4" name="Inhaltsplatzhalter 3">
-            <a:extLst>
-              <a:ext uri="{FF2B5EF4-FFF2-40B4-BE49-F238E27FC236}">
-                <a16:creationId xmlns:a16="http://schemas.microsoft.com/office/drawing/2014/main" id="{E6FDCAEC-D67F-CE59-2EAA-AA9DCFFCE984}"/>
-              </a:ext>
-            </a:extLst>
-          </p:cNvPr>
-          <p:cNvSpPr>
-            <a:spLocks noGrp="1"/>
-          </p:cNvSpPr>
-          <p:nvPr>
-            <p:ph idx="1"/>
-          </p:nvPr>
-        </p:nvSpPr>
-        <p:spPr/>
-        <p:txBody>
-          <a:bodyPr/>
-          <a:lstStyle/>
-          <a:p>
-            <a:r>
-              <a:rPr lang="de-DE" dirty="0"/>
-              <a:t>1D-CNN</a:t>
-            </a:r>
-          </a:p>
-          <a:p>
-            <a:pPr lvl="1"/>
-            <a:r>
-              <a:rPr lang="de-DE" dirty="0"/>
-              <a:t>Given </a:t>
-            </a:r>
-            <a:r>
-              <a:rPr lang="de-DE" dirty="0" err="1"/>
-              <a:t>as</a:t>
-            </a:r>
-            <a:r>
-              <a:rPr lang="de-DE" dirty="0"/>
-              <a:t> </a:t>
-            </a:r>
-            <a:r>
-              <a:rPr lang="de-DE" dirty="0" err="1"/>
-              <a:t>starting</a:t>
-            </a:r>
-            <a:r>
-              <a:rPr lang="de-DE" dirty="0"/>
-              <a:t> </a:t>
-            </a:r>
-            <a:r>
-              <a:rPr lang="de-DE" dirty="0" err="1"/>
-              <a:t>point</a:t>
-            </a:r>
-            <a:endParaRPr lang="de-DE" dirty="0"/>
-          </a:p>
-          <a:p>
-            <a:pPr lvl="1"/>
-            <a:endParaRPr lang="de-DE" dirty="0"/>
-          </a:p>
-        </p:txBody>
-      </p:sp>
-      <p:sp>
-        <p:nvSpPr>
-          <p:cNvPr id="5" name="Datumsplatzhalter 4">
-            <a:extLst>
-              <a:ext uri="{FF2B5EF4-FFF2-40B4-BE49-F238E27FC236}">
-                <a16:creationId xmlns:a16="http://schemas.microsoft.com/office/drawing/2014/main" id="{96CC6791-FE61-3253-CBB3-F9B06ECAAB09}"/>
-              </a:ext>
-            </a:extLst>
-          </p:cNvPr>
-          <p:cNvSpPr>
-            <a:spLocks noGrp="1"/>
-          </p:cNvSpPr>
-          <p:nvPr>
-            <p:ph type="dt" sz="half" idx="14"/>
-          </p:nvPr>
-        </p:nvSpPr>
-        <p:spPr/>
-        <p:txBody>
-          <a:bodyPr/>
-          <a:lstStyle/>
-          <a:p>
-            <a:fld id="{7662C9C7-604C-4A52-83AD-DCC06C4528AB}" type="datetime1">
-              <a:rPr lang="en-US" smtClean="0"/>
-              <a:t>12/6/2022</a:t>
-            </a:fld>
-            <a:endParaRPr lang="en-US" dirty="0"/>
-          </a:p>
-        </p:txBody>
-      </p:sp>
-      <p:sp>
-        <p:nvSpPr>
-          <p:cNvPr id="6" name="Fußzeilenplatzhalter 5">
-            <a:extLst>
-              <a:ext uri="{FF2B5EF4-FFF2-40B4-BE49-F238E27FC236}">
-                <a16:creationId xmlns:a16="http://schemas.microsoft.com/office/drawing/2014/main" id="{274970B3-4583-F56A-DF9D-515A759AECF9}"/>
-              </a:ext>
-            </a:extLst>
-          </p:cNvPr>
-          <p:cNvSpPr>
-            <a:spLocks noGrp="1"/>
-          </p:cNvSpPr>
-          <p:nvPr>
-            <p:ph type="ftr" sz="quarter" idx="15"/>
-          </p:nvPr>
-        </p:nvSpPr>
-        <p:spPr/>
-        <p:txBody>
-          <a:bodyPr/>
-          <a:lstStyle/>
-          <a:p>
-            <a:r>
-              <a:rPr lang="en-IN"/>
-              <a:t>Milestone Presentation</a:t>
-            </a:r>
-            <a:endParaRPr lang="en-US" dirty="0"/>
-          </a:p>
-        </p:txBody>
-      </p:sp>
-      <p:sp>
-        <p:nvSpPr>
-          <p:cNvPr id="7" name="Foliennummernplatzhalter 6">
-            <a:extLst>
-              <a:ext uri="{FF2B5EF4-FFF2-40B4-BE49-F238E27FC236}">
-                <a16:creationId xmlns:a16="http://schemas.microsoft.com/office/drawing/2014/main" id="{03D83C78-B148-9328-03F3-845382CF82C7}"/>
-              </a:ext>
-            </a:extLst>
-          </p:cNvPr>
-          <p:cNvSpPr>
-            <a:spLocks noGrp="1"/>
-          </p:cNvSpPr>
-          <p:nvPr>
-            <p:ph type="sldNum" sz="quarter" idx="16"/>
-          </p:nvPr>
-        </p:nvSpPr>
-        <p:spPr/>
-        <p:txBody>
-          <a:bodyPr/>
-          <a:lstStyle/>
-          <a:p>
-            <a:fld id="{9E82CC3C-1DC0-4FDA-9590-6CC506AB67F8}" type="slidenum">
-              <a:rPr lang="en-US" smtClean="0"/>
-              <a:pPr/>
-              <a:t>5</a:t>
-            </a:fld>
-            <a:endParaRPr lang="en-US" dirty="0"/>
-          </a:p>
-        </p:txBody>
-      </p:sp>
-    </p:spTree>
-    <p:extLst>
-      <p:ext uri="{BB962C8B-B14F-4D97-AF65-F5344CB8AC3E}">
-        <p14:creationId xmlns:p14="http://schemas.microsoft.com/office/powerpoint/2010/main" val="1655654940"/>
-      </p:ext>
-    </p:extLst>
-  </p:cSld>
-  <p:clrMapOvr>
-    <a:masterClrMapping/>
-  </p:clrMapOvr>
-</p:sld>
-</file>
-
 <file path=ppt/slides/slide6.xml><?xml version="1.0" encoding="utf-8"?>
 <p:sld xmlns:a="http://schemas.openxmlformats.org/drawingml/2006/main" xmlns:r="http://schemas.openxmlformats.org/officeDocument/2006/relationships" xmlns:p="http://schemas.openxmlformats.org/presentationml/2006/main">
   <p:cSld>
@@ -19007,7 +18393,7 @@
           <p:cNvPr id="2" name="Titel 1">
             <a:extLst>
               <a:ext uri="{FF2B5EF4-FFF2-40B4-BE49-F238E27FC236}">
-                <a16:creationId xmlns:a16="http://schemas.microsoft.com/office/drawing/2014/main" id="{99C49417-78AB-732C-9F67-6CA5F1ADBB1F}"/>
+                <a16:creationId xmlns:a16="http://schemas.microsoft.com/office/drawing/2014/main" id="{30820040-2051-1F7D-DDA6-7FD26DB6983D}"/>
               </a:ext>
             </a:extLst>
           </p:cNvPr>
@@ -19036,7 +18422,7 @@
           <p:cNvPr id="3" name="Textplatzhalter 2">
             <a:extLst>
               <a:ext uri="{FF2B5EF4-FFF2-40B4-BE49-F238E27FC236}">
-                <a16:creationId xmlns:a16="http://schemas.microsoft.com/office/drawing/2014/main" id="{A49BFADE-8F6C-435E-F1EF-D6F83AF49D78}"/>
+                <a16:creationId xmlns:a16="http://schemas.microsoft.com/office/drawing/2014/main" id="{83628DE7-2B1C-CE8A-6F26-DB7DD9009E27}"/>
               </a:ext>
             </a:extLst>
           </p:cNvPr>
@@ -19066,22 +18452,78 @@
             </a:r>
             <a:endParaRPr lang="de-DE" dirty="0"/>
           </a:p>
-        </p:txBody>
-      </p:sp>
-      <p:sp>
-        <p:nvSpPr>
-          <p:cNvPr id="4" name="Inhaltsplatzhalter 3">
+          <a:p>
+            <a:endParaRPr lang="de-DE" dirty="0"/>
+          </a:p>
+        </p:txBody>
+      </p:sp>
+      <p:sp>
+        <p:nvSpPr>
+          <p:cNvPr id="4" name="Textplatzhalter 3">
             <a:extLst>
               <a:ext uri="{FF2B5EF4-FFF2-40B4-BE49-F238E27FC236}">
-                <a16:creationId xmlns:a16="http://schemas.microsoft.com/office/drawing/2014/main" id="{E6FDCAEC-D67F-CE59-2EAA-AA9DCFFCE984}"/>
-              </a:ext>
-            </a:extLst>
-          </p:cNvPr>
-          <p:cNvSpPr>
-            <a:spLocks noGrp="1"/>
-          </p:cNvSpPr>
-          <p:nvPr>
-            <p:ph idx="1"/>
+                <a16:creationId xmlns:a16="http://schemas.microsoft.com/office/drawing/2014/main" id="{752510C8-793F-16B5-9A3D-9449D30E17CB}"/>
+              </a:ext>
+            </a:extLst>
+          </p:cNvPr>
+          <p:cNvSpPr>
+            <a:spLocks noGrp="1"/>
+          </p:cNvSpPr>
+          <p:nvPr>
+            <p:ph type="body" idx="1"/>
+          </p:nvPr>
+        </p:nvSpPr>
+        <p:spPr/>
+        <p:txBody>
+          <a:bodyPr/>
+          <a:lstStyle/>
+          <a:p>
+            <a:r>
+              <a:rPr lang="de-DE" dirty="0"/>
+              <a:t>1D-Cnn</a:t>
+            </a:r>
+          </a:p>
+        </p:txBody>
+      </p:sp>
+      <p:sp>
+        <p:nvSpPr>
+          <p:cNvPr id="5" name="Inhaltsplatzhalter 4">
+            <a:extLst>
+              <a:ext uri="{FF2B5EF4-FFF2-40B4-BE49-F238E27FC236}">
+                <a16:creationId xmlns:a16="http://schemas.microsoft.com/office/drawing/2014/main" id="{F781F1B4-9AEB-AD7F-7656-20566FDDABCA}"/>
+              </a:ext>
+            </a:extLst>
+          </p:cNvPr>
+          <p:cNvSpPr>
+            <a:spLocks noGrp="1"/>
+          </p:cNvSpPr>
+          <p:nvPr>
+            <p:ph sz="half" idx="2"/>
+          </p:nvPr>
+        </p:nvSpPr>
+        <p:spPr/>
+        <p:txBody>
+          <a:bodyPr/>
+          <a:lstStyle/>
+          <a:p>
+            <a:endParaRPr lang="de-DE" dirty="0"/>
+          </a:p>
+        </p:txBody>
+      </p:sp>
+      <p:sp>
+        <p:nvSpPr>
+          <p:cNvPr id="6" name="Textplatzhalter 5">
+            <a:extLst>
+              <a:ext uri="{FF2B5EF4-FFF2-40B4-BE49-F238E27FC236}">
+                <a16:creationId xmlns:a16="http://schemas.microsoft.com/office/drawing/2014/main" id="{15DADF81-FA2F-91B0-AB7D-85CA1E4101C3}"/>
+              </a:ext>
+            </a:extLst>
+          </p:cNvPr>
+          <p:cNvSpPr>
+            <a:spLocks noGrp="1"/>
+          </p:cNvSpPr>
+          <p:nvPr>
+            <p:ph type="body" idx="14"/>
           </p:nvPr>
         </p:nvSpPr>
         <p:spPr/>
@@ -19094,26 +18536,47 @@
               <a:t>LSTM</a:t>
             </a:r>
           </a:p>
-          <a:p>
-            <a:pPr lvl="1"/>
+        </p:txBody>
+      </p:sp>
+      <p:sp>
+        <p:nvSpPr>
+          <p:cNvPr id="7" name="Inhaltsplatzhalter 6">
+            <a:extLst>
+              <a:ext uri="{FF2B5EF4-FFF2-40B4-BE49-F238E27FC236}">
+                <a16:creationId xmlns:a16="http://schemas.microsoft.com/office/drawing/2014/main" id="{419E6C2D-4F50-BA01-A374-8DD5526CC459}"/>
+              </a:ext>
+            </a:extLst>
+          </p:cNvPr>
+          <p:cNvSpPr>
+            <a:spLocks noGrp="1"/>
+          </p:cNvSpPr>
+          <p:nvPr>
+            <p:ph sz="half" idx="15"/>
+          </p:nvPr>
+        </p:nvSpPr>
+        <p:spPr/>
+        <p:txBody>
+          <a:bodyPr/>
+          <a:lstStyle/>
+          <a:p>
             <a:endParaRPr lang="de-DE" dirty="0"/>
           </a:p>
         </p:txBody>
       </p:sp>
       <p:sp>
         <p:nvSpPr>
-          <p:cNvPr id="5" name="Datumsplatzhalter 4">
+          <p:cNvPr id="8" name="Datumsplatzhalter 7">
             <a:extLst>
               <a:ext uri="{FF2B5EF4-FFF2-40B4-BE49-F238E27FC236}">
-                <a16:creationId xmlns:a16="http://schemas.microsoft.com/office/drawing/2014/main" id="{96CC6791-FE61-3253-CBB3-F9B06ECAAB09}"/>
-              </a:ext>
-            </a:extLst>
-          </p:cNvPr>
-          <p:cNvSpPr>
-            <a:spLocks noGrp="1"/>
-          </p:cNvSpPr>
-          <p:nvPr>
-            <p:ph type="dt" sz="half" idx="14"/>
+                <a16:creationId xmlns:a16="http://schemas.microsoft.com/office/drawing/2014/main" id="{4AD316FC-6D0E-FD02-D6E3-7105F9A7EABB}"/>
+              </a:ext>
+            </a:extLst>
+          </p:cNvPr>
+          <p:cNvSpPr>
+            <a:spLocks noGrp="1"/>
+          </p:cNvSpPr>
+          <p:nvPr>
+            <p:ph type="dt" sz="half" idx="16"/>
           </p:nvPr>
         </p:nvSpPr>
         <p:spPr/>
@@ -19121,9 +18584,9 @@
           <a:bodyPr/>
           <a:lstStyle/>
           <a:p>
-            <a:fld id="{7662C9C7-604C-4A52-83AD-DCC06C4528AB}" type="datetime1">
+            <a:fld id="{AAC48122-9C36-43B2-BEDA-5C9F70B6D25C}" type="datetime1">
               <a:rPr lang="en-US" smtClean="0"/>
-              <a:t>12/6/2022</a:t>
+              <a:t>12/19/2022</a:t>
             </a:fld>
             <a:endParaRPr lang="en-US" dirty="0"/>
           </a:p>
@@ -19131,18 +18594,18 @@
       </p:sp>
       <p:sp>
         <p:nvSpPr>
-          <p:cNvPr id="6" name="Fußzeilenplatzhalter 5">
+          <p:cNvPr id="9" name="Fußzeilenplatzhalter 8">
             <a:extLst>
               <a:ext uri="{FF2B5EF4-FFF2-40B4-BE49-F238E27FC236}">
-                <a16:creationId xmlns:a16="http://schemas.microsoft.com/office/drawing/2014/main" id="{274970B3-4583-F56A-DF9D-515A759AECF9}"/>
-              </a:ext>
-            </a:extLst>
-          </p:cNvPr>
-          <p:cNvSpPr>
-            <a:spLocks noGrp="1"/>
-          </p:cNvSpPr>
-          <p:nvPr>
-            <p:ph type="ftr" sz="quarter" idx="15"/>
+                <a16:creationId xmlns:a16="http://schemas.microsoft.com/office/drawing/2014/main" id="{F393CC2C-5FA1-1B07-F2C9-DF6092ECAA5B}"/>
+              </a:ext>
+            </a:extLst>
+          </p:cNvPr>
+          <p:cNvSpPr>
+            <a:spLocks noGrp="1"/>
+          </p:cNvSpPr>
+          <p:nvPr>
+            <p:ph type="ftr" sz="quarter" idx="17"/>
           </p:nvPr>
         </p:nvSpPr>
         <p:spPr/>
@@ -19160,18 +18623,18 @@
       </p:sp>
       <p:sp>
         <p:nvSpPr>
-          <p:cNvPr id="7" name="Foliennummernplatzhalter 6">
+          <p:cNvPr id="10" name="Foliennummernplatzhalter 9">
             <a:extLst>
               <a:ext uri="{FF2B5EF4-FFF2-40B4-BE49-F238E27FC236}">
-                <a16:creationId xmlns:a16="http://schemas.microsoft.com/office/drawing/2014/main" id="{03D83C78-B148-9328-03F3-845382CF82C7}"/>
-              </a:ext>
-            </a:extLst>
-          </p:cNvPr>
-          <p:cNvSpPr>
-            <a:spLocks noGrp="1"/>
-          </p:cNvSpPr>
-          <p:nvPr>
-            <p:ph type="sldNum" sz="quarter" idx="16"/>
+                <a16:creationId xmlns:a16="http://schemas.microsoft.com/office/drawing/2014/main" id="{532FC089-A0C0-6222-928B-1EED61297F64}"/>
+              </a:ext>
+            </a:extLst>
+          </p:cNvPr>
+          <p:cNvSpPr>
+            <a:spLocks noGrp="1"/>
+          </p:cNvSpPr>
+          <p:nvPr>
+            <p:ph type="sldNum" sz="quarter" idx="18"/>
           </p:nvPr>
         </p:nvSpPr>
         <p:spPr/>
@@ -19191,7 +18654,7 @@
     </p:spTree>
     <p:extLst>
       <p:ext uri="{BB962C8B-B14F-4D97-AF65-F5344CB8AC3E}">
-        <p14:creationId xmlns:p14="http://schemas.microsoft.com/office/powerpoint/2010/main" val="1952340748"/>
+        <p14:creationId xmlns:p14="http://schemas.microsoft.com/office/powerpoint/2010/main" val="3100437964"/>
       </p:ext>
     </p:extLst>
   </p:cSld>
@@ -19202,438 +18665,6 @@
 </file>
 
 <file path=ppt/slides/slide7.xml><?xml version="1.0" encoding="utf-8"?>
-<p:sld xmlns:a="http://schemas.openxmlformats.org/drawingml/2006/main" xmlns:r="http://schemas.openxmlformats.org/officeDocument/2006/relationships" xmlns:p="http://schemas.openxmlformats.org/presentationml/2006/main">
-  <p:cSld>
-    <p:spTree>
-      <p:nvGrpSpPr>
-        <p:cNvPr id="1" name=""/>
-        <p:cNvGrpSpPr/>
-        <p:nvPr/>
-      </p:nvGrpSpPr>
-      <p:grpSpPr>
-        <a:xfrm>
-          <a:off x="0" y="0"/>
-          <a:ext cx="0" cy="0"/>
-          <a:chOff x="0" y="0"/>
-          <a:chExt cx="0" cy="0"/>
-        </a:xfrm>
-      </p:grpSpPr>
-      <p:sp>
-        <p:nvSpPr>
-          <p:cNvPr id="2" name="Titel 1">
-            <a:extLst>
-              <a:ext uri="{FF2B5EF4-FFF2-40B4-BE49-F238E27FC236}">
-                <a16:creationId xmlns:a16="http://schemas.microsoft.com/office/drawing/2014/main" id="{99C49417-78AB-732C-9F67-6CA5F1ADBB1F}"/>
-              </a:ext>
-            </a:extLst>
-          </p:cNvPr>
-          <p:cNvSpPr>
-            <a:spLocks noGrp="1"/>
-          </p:cNvSpPr>
-          <p:nvPr>
-            <p:ph type="title"/>
-          </p:nvPr>
-        </p:nvSpPr>
-        <p:spPr/>
-        <p:txBody>
-          <a:bodyPr/>
-          <a:lstStyle/>
-          <a:p>
-            <a:r>
-              <a:rPr lang="de-DE" dirty="0" err="1"/>
-              <a:t>Methodology</a:t>
-            </a:r>
-            <a:endParaRPr lang="de-DE" dirty="0"/>
-          </a:p>
-        </p:txBody>
-      </p:sp>
-      <p:sp>
-        <p:nvSpPr>
-          <p:cNvPr id="3" name="Textplatzhalter 2">
-            <a:extLst>
-              <a:ext uri="{FF2B5EF4-FFF2-40B4-BE49-F238E27FC236}">
-                <a16:creationId xmlns:a16="http://schemas.microsoft.com/office/drawing/2014/main" id="{A49BFADE-8F6C-435E-F1EF-D6F83AF49D78}"/>
-              </a:ext>
-            </a:extLst>
-          </p:cNvPr>
-          <p:cNvSpPr>
-            <a:spLocks noGrp="1"/>
-          </p:cNvSpPr>
-          <p:nvPr>
-            <p:ph type="body" sz="quarter" idx="13"/>
-          </p:nvPr>
-        </p:nvSpPr>
-        <p:spPr/>
-        <p:txBody>
-          <a:bodyPr/>
-          <a:lstStyle/>
-          <a:p>
-            <a:r>
-              <a:rPr lang="de-DE" dirty="0" err="1"/>
-              <a:t>Evaluated</a:t>
-            </a:r>
-            <a:r>
-              <a:rPr lang="de-DE" dirty="0"/>
-              <a:t> </a:t>
-            </a:r>
-            <a:r>
-              <a:rPr lang="de-DE" dirty="0" err="1"/>
-              <a:t>models</a:t>
-            </a:r>
-            <a:endParaRPr lang="de-DE" dirty="0"/>
-          </a:p>
-        </p:txBody>
-      </p:sp>
-      <p:sp>
-        <p:nvSpPr>
-          <p:cNvPr id="4" name="Inhaltsplatzhalter 3">
-            <a:extLst>
-              <a:ext uri="{FF2B5EF4-FFF2-40B4-BE49-F238E27FC236}">
-                <a16:creationId xmlns:a16="http://schemas.microsoft.com/office/drawing/2014/main" id="{E6FDCAEC-D67F-CE59-2EAA-AA9DCFFCE984}"/>
-              </a:ext>
-            </a:extLst>
-          </p:cNvPr>
-          <p:cNvSpPr>
-            <a:spLocks noGrp="1"/>
-          </p:cNvSpPr>
-          <p:nvPr>
-            <p:ph idx="1"/>
-          </p:nvPr>
-        </p:nvSpPr>
-        <p:spPr/>
-        <p:txBody>
-          <a:bodyPr/>
-          <a:lstStyle/>
-          <a:p>
-            <a:r>
-              <a:rPr lang="de-DE" dirty="0"/>
-              <a:t>CNN-LSTM</a:t>
-            </a:r>
-          </a:p>
-          <a:p>
-            <a:pPr lvl="1"/>
-            <a:endParaRPr lang="de-DE" dirty="0"/>
-          </a:p>
-        </p:txBody>
-      </p:sp>
-      <p:sp>
-        <p:nvSpPr>
-          <p:cNvPr id="5" name="Datumsplatzhalter 4">
-            <a:extLst>
-              <a:ext uri="{FF2B5EF4-FFF2-40B4-BE49-F238E27FC236}">
-                <a16:creationId xmlns:a16="http://schemas.microsoft.com/office/drawing/2014/main" id="{96CC6791-FE61-3253-CBB3-F9B06ECAAB09}"/>
-              </a:ext>
-            </a:extLst>
-          </p:cNvPr>
-          <p:cNvSpPr>
-            <a:spLocks noGrp="1"/>
-          </p:cNvSpPr>
-          <p:nvPr>
-            <p:ph type="dt" sz="half" idx="14"/>
-          </p:nvPr>
-        </p:nvSpPr>
-        <p:spPr/>
-        <p:txBody>
-          <a:bodyPr/>
-          <a:lstStyle/>
-          <a:p>
-            <a:fld id="{7662C9C7-604C-4A52-83AD-DCC06C4528AB}" type="datetime1">
-              <a:rPr lang="en-US" smtClean="0"/>
-              <a:t>12/6/2022</a:t>
-            </a:fld>
-            <a:endParaRPr lang="en-US" dirty="0"/>
-          </a:p>
-        </p:txBody>
-      </p:sp>
-      <p:sp>
-        <p:nvSpPr>
-          <p:cNvPr id="6" name="Fußzeilenplatzhalter 5">
-            <a:extLst>
-              <a:ext uri="{FF2B5EF4-FFF2-40B4-BE49-F238E27FC236}">
-                <a16:creationId xmlns:a16="http://schemas.microsoft.com/office/drawing/2014/main" id="{274970B3-4583-F56A-DF9D-515A759AECF9}"/>
-              </a:ext>
-            </a:extLst>
-          </p:cNvPr>
-          <p:cNvSpPr>
-            <a:spLocks noGrp="1"/>
-          </p:cNvSpPr>
-          <p:nvPr>
-            <p:ph type="ftr" sz="quarter" idx="15"/>
-          </p:nvPr>
-        </p:nvSpPr>
-        <p:spPr/>
-        <p:txBody>
-          <a:bodyPr/>
-          <a:lstStyle/>
-          <a:p>
-            <a:r>
-              <a:rPr lang="en-IN"/>
-              <a:t>Milestone Presentation</a:t>
-            </a:r>
-            <a:endParaRPr lang="en-US" dirty="0"/>
-          </a:p>
-        </p:txBody>
-      </p:sp>
-      <p:sp>
-        <p:nvSpPr>
-          <p:cNvPr id="7" name="Foliennummernplatzhalter 6">
-            <a:extLst>
-              <a:ext uri="{FF2B5EF4-FFF2-40B4-BE49-F238E27FC236}">
-                <a16:creationId xmlns:a16="http://schemas.microsoft.com/office/drawing/2014/main" id="{03D83C78-B148-9328-03F3-845382CF82C7}"/>
-              </a:ext>
-            </a:extLst>
-          </p:cNvPr>
-          <p:cNvSpPr>
-            <a:spLocks noGrp="1"/>
-          </p:cNvSpPr>
-          <p:nvPr>
-            <p:ph type="sldNum" sz="quarter" idx="16"/>
-          </p:nvPr>
-        </p:nvSpPr>
-        <p:spPr/>
-        <p:txBody>
-          <a:bodyPr/>
-          <a:lstStyle/>
-          <a:p>
-            <a:fld id="{9E82CC3C-1DC0-4FDA-9590-6CC506AB67F8}" type="slidenum">
-              <a:rPr lang="en-US" smtClean="0"/>
-              <a:pPr/>
-              <a:t>7</a:t>
-            </a:fld>
-            <a:endParaRPr lang="en-US" dirty="0"/>
-          </a:p>
-        </p:txBody>
-      </p:sp>
-    </p:spTree>
-    <p:extLst>
-      <p:ext uri="{BB962C8B-B14F-4D97-AF65-F5344CB8AC3E}">
-        <p14:creationId xmlns:p14="http://schemas.microsoft.com/office/powerpoint/2010/main" val="3483031518"/>
-      </p:ext>
-    </p:extLst>
-  </p:cSld>
-  <p:clrMapOvr>
-    <a:masterClrMapping/>
-  </p:clrMapOvr>
-</p:sld>
-</file>
-
-<file path=ppt/slides/slide8.xml><?xml version="1.0" encoding="utf-8"?>
-<p:sld xmlns:a="http://schemas.openxmlformats.org/drawingml/2006/main" xmlns:r="http://schemas.openxmlformats.org/officeDocument/2006/relationships" xmlns:p="http://schemas.openxmlformats.org/presentationml/2006/main">
-  <p:cSld>
-    <p:spTree>
-      <p:nvGrpSpPr>
-        <p:cNvPr id="1" name=""/>
-        <p:cNvGrpSpPr/>
-        <p:nvPr/>
-      </p:nvGrpSpPr>
-      <p:grpSpPr>
-        <a:xfrm>
-          <a:off x="0" y="0"/>
-          <a:ext cx="0" cy="0"/>
-          <a:chOff x="0" y="0"/>
-          <a:chExt cx="0" cy="0"/>
-        </a:xfrm>
-      </p:grpSpPr>
-      <p:sp>
-        <p:nvSpPr>
-          <p:cNvPr id="2" name="Titel 1">
-            <a:extLst>
-              <a:ext uri="{FF2B5EF4-FFF2-40B4-BE49-F238E27FC236}">
-                <a16:creationId xmlns:a16="http://schemas.microsoft.com/office/drawing/2014/main" id="{99C49417-78AB-732C-9F67-6CA5F1ADBB1F}"/>
-              </a:ext>
-            </a:extLst>
-          </p:cNvPr>
-          <p:cNvSpPr>
-            <a:spLocks noGrp="1"/>
-          </p:cNvSpPr>
-          <p:nvPr>
-            <p:ph type="title"/>
-          </p:nvPr>
-        </p:nvSpPr>
-        <p:spPr/>
-        <p:txBody>
-          <a:bodyPr/>
-          <a:lstStyle/>
-          <a:p>
-            <a:r>
-              <a:rPr lang="de-DE" dirty="0" err="1"/>
-              <a:t>Methodology</a:t>
-            </a:r>
-            <a:endParaRPr lang="de-DE" dirty="0"/>
-          </a:p>
-        </p:txBody>
-      </p:sp>
-      <p:sp>
-        <p:nvSpPr>
-          <p:cNvPr id="3" name="Textplatzhalter 2">
-            <a:extLst>
-              <a:ext uri="{FF2B5EF4-FFF2-40B4-BE49-F238E27FC236}">
-                <a16:creationId xmlns:a16="http://schemas.microsoft.com/office/drawing/2014/main" id="{A49BFADE-8F6C-435E-F1EF-D6F83AF49D78}"/>
-              </a:ext>
-            </a:extLst>
-          </p:cNvPr>
-          <p:cNvSpPr>
-            <a:spLocks noGrp="1"/>
-          </p:cNvSpPr>
-          <p:nvPr>
-            <p:ph type="body" sz="quarter" idx="13"/>
-          </p:nvPr>
-        </p:nvSpPr>
-        <p:spPr/>
-        <p:txBody>
-          <a:bodyPr/>
-          <a:lstStyle/>
-          <a:p>
-            <a:r>
-              <a:rPr lang="de-DE" dirty="0" err="1"/>
-              <a:t>Evaluated</a:t>
-            </a:r>
-            <a:r>
-              <a:rPr lang="de-DE" dirty="0"/>
-              <a:t> </a:t>
-            </a:r>
-            <a:r>
-              <a:rPr lang="de-DE" dirty="0" err="1"/>
-              <a:t>models</a:t>
-            </a:r>
-            <a:endParaRPr lang="de-DE" dirty="0"/>
-          </a:p>
-        </p:txBody>
-      </p:sp>
-      <p:sp>
-        <p:nvSpPr>
-          <p:cNvPr id="4" name="Inhaltsplatzhalter 3">
-            <a:extLst>
-              <a:ext uri="{FF2B5EF4-FFF2-40B4-BE49-F238E27FC236}">
-                <a16:creationId xmlns:a16="http://schemas.microsoft.com/office/drawing/2014/main" id="{E6FDCAEC-D67F-CE59-2EAA-AA9DCFFCE984}"/>
-              </a:ext>
-            </a:extLst>
-          </p:cNvPr>
-          <p:cNvSpPr>
-            <a:spLocks noGrp="1"/>
-          </p:cNvSpPr>
-          <p:nvPr>
-            <p:ph idx="1"/>
-          </p:nvPr>
-        </p:nvSpPr>
-        <p:spPr/>
-        <p:txBody>
-          <a:bodyPr/>
-          <a:lstStyle/>
-          <a:p>
-            <a:r>
-              <a:rPr lang="de-DE" dirty="0"/>
-              <a:t>Transformer</a:t>
-            </a:r>
-          </a:p>
-          <a:p>
-            <a:pPr lvl="1"/>
-            <a:endParaRPr lang="de-DE" dirty="0"/>
-          </a:p>
-        </p:txBody>
-      </p:sp>
-      <p:sp>
-        <p:nvSpPr>
-          <p:cNvPr id="5" name="Datumsplatzhalter 4">
-            <a:extLst>
-              <a:ext uri="{FF2B5EF4-FFF2-40B4-BE49-F238E27FC236}">
-                <a16:creationId xmlns:a16="http://schemas.microsoft.com/office/drawing/2014/main" id="{96CC6791-FE61-3253-CBB3-F9B06ECAAB09}"/>
-              </a:ext>
-            </a:extLst>
-          </p:cNvPr>
-          <p:cNvSpPr>
-            <a:spLocks noGrp="1"/>
-          </p:cNvSpPr>
-          <p:nvPr>
-            <p:ph type="dt" sz="half" idx="14"/>
-          </p:nvPr>
-        </p:nvSpPr>
-        <p:spPr/>
-        <p:txBody>
-          <a:bodyPr/>
-          <a:lstStyle/>
-          <a:p>
-            <a:fld id="{7662C9C7-604C-4A52-83AD-DCC06C4528AB}" type="datetime1">
-              <a:rPr lang="en-US" smtClean="0"/>
-              <a:t>12/6/2022</a:t>
-            </a:fld>
-            <a:endParaRPr lang="en-US" dirty="0"/>
-          </a:p>
-        </p:txBody>
-      </p:sp>
-      <p:sp>
-        <p:nvSpPr>
-          <p:cNvPr id="6" name="Fußzeilenplatzhalter 5">
-            <a:extLst>
-              <a:ext uri="{FF2B5EF4-FFF2-40B4-BE49-F238E27FC236}">
-                <a16:creationId xmlns:a16="http://schemas.microsoft.com/office/drawing/2014/main" id="{274970B3-4583-F56A-DF9D-515A759AECF9}"/>
-              </a:ext>
-            </a:extLst>
-          </p:cNvPr>
-          <p:cNvSpPr>
-            <a:spLocks noGrp="1"/>
-          </p:cNvSpPr>
-          <p:nvPr>
-            <p:ph type="ftr" sz="quarter" idx="15"/>
-          </p:nvPr>
-        </p:nvSpPr>
-        <p:spPr/>
-        <p:txBody>
-          <a:bodyPr/>
-          <a:lstStyle/>
-          <a:p>
-            <a:r>
-              <a:rPr lang="en-IN"/>
-              <a:t>Milestone Presentation</a:t>
-            </a:r>
-            <a:endParaRPr lang="en-US" dirty="0"/>
-          </a:p>
-        </p:txBody>
-      </p:sp>
-      <p:sp>
-        <p:nvSpPr>
-          <p:cNvPr id="7" name="Foliennummernplatzhalter 6">
-            <a:extLst>
-              <a:ext uri="{FF2B5EF4-FFF2-40B4-BE49-F238E27FC236}">
-                <a16:creationId xmlns:a16="http://schemas.microsoft.com/office/drawing/2014/main" id="{03D83C78-B148-9328-03F3-845382CF82C7}"/>
-              </a:ext>
-            </a:extLst>
-          </p:cNvPr>
-          <p:cNvSpPr>
-            <a:spLocks noGrp="1"/>
-          </p:cNvSpPr>
-          <p:nvPr>
-            <p:ph type="sldNum" sz="quarter" idx="16"/>
-          </p:nvPr>
-        </p:nvSpPr>
-        <p:spPr/>
-        <p:txBody>
-          <a:bodyPr/>
-          <a:lstStyle/>
-          <a:p>
-            <a:fld id="{9E82CC3C-1DC0-4FDA-9590-6CC506AB67F8}" type="slidenum">
-              <a:rPr lang="en-US" smtClean="0"/>
-              <a:pPr/>
-              <a:t>8</a:t>
-            </a:fld>
-            <a:endParaRPr lang="en-US" dirty="0"/>
-          </a:p>
-        </p:txBody>
-      </p:sp>
-    </p:spTree>
-    <p:extLst>
-      <p:ext uri="{BB962C8B-B14F-4D97-AF65-F5344CB8AC3E}">
-        <p14:creationId xmlns:p14="http://schemas.microsoft.com/office/powerpoint/2010/main" val="456385973"/>
-      </p:ext>
-    </p:extLst>
-  </p:cSld>
-  <p:clrMapOvr>
-    <a:masterClrMapping/>
-  </p:clrMapOvr>
-</p:sld>
-</file>
-
-<file path=ppt/slides/slide9.xml><?xml version="1.0" encoding="utf-8"?>
 <p:sld xmlns:a="http://schemas.openxmlformats.org/drawingml/2006/main" xmlns:r="http://schemas.openxmlformats.org/officeDocument/2006/relationships" xmlns:p="http://schemas.openxmlformats.org/presentationml/2006/main">
   <p:cSld>
     <p:bg>
@@ -19694,6 +18725,673 @@
     <p:extLst>
       <p:ext uri="{BB962C8B-B14F-4D97-AF65-F5344CB8AC3E}">
         <p14:creationId xmlns:p14="http://schemas.microsoft.com/office/powerpoint/2010/main" val="239243746"/>
+      </p:ext>
+    </p:extLst>
+  </p:cSld>
+  <p:clrMapOvr>
+    <a:masterClrMapping/>
+  </p:clrMapOvr>
+</p:sld>
+</file>
+
+<file path=ppt/slides/slide8.xml><?xml version="1.0" encoding="utf-8"?>
+<p:sld xmlns:a="http://schemas.openxmlformats.org/drawingml/2006/main" xmlns:r="http://schemas.openxmlformats.org/officeDocument/2006/relationships" xmlns:p="http://schemas.openxmlformats.org/presentationml/2006/main">
+  <p:cSld>
+    <p:spTree>
+      <p:nvGrpSpPr>
+        <p:cNvPr id="1" name=""/>
+        <p:cNvGrpSpPr/>
+        <p:nvPr/>
+      </p:nvGrpSpPr>
+      <p:grpSpPr>
+        <a:xfrm>
+          <a:off x="0" y="0"/>
+          <a:ext cx="0" cy="0"/>
+          <a:chOff x="0" y="0"/>
+          <a:chExt cx="0" cy="0"/>
+        </a:xfrm>
+      </p:grpSpPr>
+      <p:sp>
+        <p:nvSpPr>
+          <p:cNvPr id="2" name="Titel 1">
+            <a:extLst>
+              <a:ext uri="{FF2B5EF4-FFF2-40B4-BE49-F238E27FC236}">
+                <a16:creationId xmlns:a16="http://schemas.microsoft.com/office/drawing/2014/main" id="{59E115E9-BD0D-8280-B43C-25D84E14A254}"/>
+              </a:ext>
+            </a:extLst>
+          </p:cNvPr>
+          <p:cNvSpPr>
+            <a:spLocks noGrp="1"/>
+          </p:cNvSpPr>
+          <p:nvPr>
+            <p:ph type="title"/>
+          </p:nvPr>
+        </p:nvSpPr>
+        <p:spPr/>
+        <p:txBody>
+          <a:bodyPr/>
+          <a:lstStyle/>
+          <a:p>
+            <a:r>
+              <a:rPr lang="de-DE" dirty="0"/>
+              <a:t>Initial </a:t>
+            </a:r>
+            <a:r>
+              <a:rPr lang="de-DE" dirty="0" err="1"/>
+              <a:t>Results</a:t>
+            </a:r>
+            <a:endParaRPr lang="de-DE" dirty="0"/>
+          </a:p>
+        </p:txBody>
+      </p:sp>
+      <p:sp>
+        <p:nvSpPr>
+          <p:cNvPr id="3" name="Textplatzhalter 2">
+            <a:extLst>
+              <a:ext uri="{FF2B5EF4-FFF2-40B4-BE49-F238E27FC236}">
+                <a16:creationId xmlns:a16="http://schemas.microsoft.com/office/drawing/2014/main" id="{C299FEAA-4980-7234-86E4-81BC28EF342A}"/>
+              </a:ext>
+            </a:extLst>
+          </p:cNvPr>
+          <p:cNvSpPr>
+            <a:spLocks noGrp="1"/>
+          </p:cNvSpPr>
+          <p:nvPr>
+            <p:ph type="body" sz="quarter" idx="13"/>
+          </p:nvPr>
+        </p:nvSpPr>
+        <p:spPr/>
+        <p:txBody>
+          <a:bodyPr/>
+          <a:lstStyle/>
+          <a:p>
+            <a:r>
+              <a:rPr lang="de-DE" dirty="0"/>
+              <a:t>Hyperparameter </a:t>
+            </a:r>
+            <a:r>
+              <a:rPr lang="de-DE" dirty="0" err="1"/>
+              <a:t>optimization</a:t>
+            </a:r>
+            <a:endParaRPr lang="de-DE" dirty="0"/>
+          </a:p>
+        </p:txBody>
+      </p:sp>
+      <p:sp>
+        <p:nvSpPr>
+          <p:cNvPr id="4" name="Inhaltsplatzhalter 3">
+            <a:extLst>
+              <a:ext uri="{FF2B5EF4-FFF2-40B4-BE49-F238E27FC236}">
+                <a16:creationId xmlns:a16="http://schemas.microsoft.com/office/drawing/2014/main" id="{C87C76AC-4B5F-C56C-0504-F6B7D533201C}"/>
+              </a:ext>
+            </a:extLst>
+          </p:cNvPr>
+          <p:cNvSpPr>
+            <a:spLocks noGrp="1"/>
+          </p:cNvSpPr>
+          <p:nvPr>
+            <p:ph idx="1"/>
+          </p:nvPr>
+        </p:nvSpPr>
+        <p:spPr/>
+        <p:txBody>
+          <a:bodyPr/>
+          <a:lstStyle/>
+          <a:p>
+            <a:r>
+              <a:rPr lang="de-DE" dirty="0" err="1"/>
+              <a:t>Bayesian</a:t>
+            </a:r>
+            <a:r>
+              <a:rPr lang="de-DE" dirty="0"/>
+              <a:t> </a:t>
+            </a:r>
+            <a:r>
+              <a:rPr lang="de-DE" dirty="0" err="1"/>
+              <a:t>optimization</a:t>
+            </a:r>
+            <a:endParaRPr lang="de-DE" dirty="0"/>
+          </a:p>
+          <a:p>
+            <a:endParaRPr lang="de-DE" dirty="0"/>
+          </a:p>
+          <a:p>
+            <a:endParaRPr lang="de-DE" dirty="0"/>
+          </a:p>
+        </p:txBody>
+      </p:sp>
+      <p:sp>
+        <p:nvSpPr>
+          <p:cNvPr id="5" name="Datumsplatzhalter 4">
+            <a:extLst>
+              <a:ext uri="{FF2B5EF4-FFF2-40B4-BE49-F238E27FC236}">
+                <a16:creationId xmlns:a16="http://schemas.microsoft.com/office/drawing/2014/main" id="{2E6390FB-1E21-FF6D-0178-589DFCCEA252}"/>
+              </a:ext>
+            </a:extLst>
+          </p:cNvPr>
+          <p:cNvSpPr>
+            <a:spLocks noGrp="1"/>
+          </p:cNvSpPr>
+          <p:nvPr>
+            <p:ph type="dt" sz="half" idx="14"/>
+          </p:nvPr>
+        </p:nvSpPr>
+        <p:spPr/>
+        <p:txBody>
+          <a:bodyPr/>
+          <a:lstStyle/>
+          <a:p>
+            <a:fld id="{7662C9C7-604C-4A52-83AD-DCC06C4528AB}" type="datetime1">
+              <a:rPr lang="en-US" smtClean="0"/>
+              <a:t>12/19/2022</a:t>
+            </a:fld>
+            <a:endParaRPr lang="en-US" dirty="0"/>
+          </a:p>
+        </p:txBody>
+      </p:sp>
+      <p:sp>
+        <p:nvSpPr>
+          <p:cNvPr id="6" name="Fußzeilenplatzhalter 5">
+            <a:extLst>
+              <a:ext uri="{FF2B5EF4-FFF2-40B4-BE49-F238E27FC236}">
+                <a16:creationId xmlns:a16="http://schemas.microsoft.com/office/drawing/2014/main" id="{3A19B58F-F209-D359-A0D7-5B52C69F0769}"/>
+              </a:ext>
+            </a:extLst>
+          </p:cNvPr>
+          <p:cNvSpPr>
+            <a:spLocks noGrp="1"/>
+          </p:cNvSpPr>
+          <p:nvPr>
+            <p:ph type="ftr" sz="quarter" idx="15"/>
+          </p:nvPr>
+        </p:nvSpPr>
+        <p:spPr/>
+        <p:txBody>
+          <a:bodyPr/>
+          <a:lstStyle/>
+          <a:p>
+            <a:r>
+              <a:rPr lang="en-IN"/>
+              <a:t>Milestone Presentation</a:t>
+            </a:r>
+            <a:endParaRPr lang="en-US" dirty="0"/>
+          </a:p>
+        </p:txBody>
+      </p:sp>
+      <p:sp>
+        <p:nvSpPr>
+          <p:cNvPr id="7" name="Foliennummernplatzhalter 6">
+            <a:extLst>
+              <a:ext uri="{FF2B5EF4-FFF2-40B4-BE49-F238E27FC236}">
+                <a16:creationId xmlns:a16="http://schemas.microsoft.com/office/drawing/2014/main" id="{FC6CFE21-E947-A3B8-C324-24D90CFEEE0F}"/>
+              </a:ext>
+            </a:extLst>
+          </p:cNvPr>
+          <p:cNvSpPr>
+            <a:spLocks noGrp="1"/>
+          </p:cNvSpPr>
+          <p:nvPr>
+            <p:ph type="sldNum" sz="quarter" idx="16"/>
+          </p:nvPr>
+        </p:nvSpPr>
+        <p:spPr/>
+        <p:txBody>
+          <a:bodyPr/>
+          <a:lstStyle/>
+          <a:p>
+            <a:fld id="{9E82CC3C-1DC0-4FDA-9590-6CC506AB67F8}" type="slidenum">
+              <a:rPr lang="en-US" smtClean="0"/>
+              <a:pPr/>
+              <a:t>8</a:t>
+            </a:fld>
+            <a:endParaRPr lang="en-US" dirty="0"/>
+          </a:p>
+        </p:txBody>
+      </p:sp>
+    </p:spTree>
+    <p:extLst>
+      <p:ext uri="{BB962C8B-B14F-4D97-AF65-F5344CB8AC3E}">
+        <p14:creationId xmlns:p14="http://schemas.microsoft.com/office/powerpoint/2010/main" val="4121248801"/>
+      </p:ext>
+    </p:extLst>
+  </p:cSld>
+  <p:clrMapOvr>
+    <a:masterClrMapping/>
+  </p:clrMapOvr>
+</p:sld>
+</file>
+
+<file path=ppt/slides/slide9.xml><?xml version="1.0" encoding="utf-8"?>
+<p:sld xmlns:a="http://schemas.openxmlformats.org/drawingml/2006/main" xmlns:r="http://schemas.openxmlformats.org/officeDocument/2006/relationships" xmlns:p="http://schemas.openxmlformats.org/presentationml/2006/main">
+  <p:cSld>
+    <p:spTree>
+      <p:nvGrpSpPr>
+        <p:cNvPr id="1" name=""/>
+        <p:cNvGrpSpPr/>
+        <p:nvPr/>
+      </p:nvGrpSpPr>
+      <p:grpSpPr>
+        <a:xfrm>
+          <a:off x="0" y="0"/>
+          <a:ext cx="0" cy="0"/>
+          <a:chOff x="0" y="0"/>
+          <a:chExt cx="0" cy="0"/>
+        </a:xfrm>
+      </p:grpSpPr>
+      <p:sp>
+        <p:nvSpPr>
+          <p:cNvPr id="2" name="Titel 1">
+            <a:extLst>
+              <a:ext uri="{FF2B5EF4-FFF2-40B4-BE49-F238E27FC236}">
+                <a16:creationId xmlns:a16="http://schemas.microsoft.com/office/drawing/2014/main" id="{59E115E9-BD0D-8280-B43C-25D84E14A254}"/>
+              </a:ext>
+            </a:extLst>
+          </p:cNvPr>
+          <p:cNvSpPr>
+            <a:spLocks noGrp="1"/>
+          </p:cNvSpPr>
+          <p:nvPr>
+            <p:ph type="title"/>
+          </p:nvPr>
+        </p:nvSpPr>
+        <p:spPr/>
+        <p:txBody>
+          <a:bodyPr/>
+          <a:lstStyle/>
+          <a:p>
+            <a:r>
+              <a:rPr lang="de-DE" dirty="0"/>
+              <a:t>Initial </a:t>
+            </a:r>
+            <a:r>
+              <a:rPr lang="de-DE" dirty="0" err="1"/>
+              <a:t>Results</a:t>
+            </a:r>
+            <a:endParaRPr lang="de-DE" dirty="0"/>
+          </a:p>
+        </p:txBody>
+      </p:sp>
+      <p:sp>
+        <p:nvSpPr>
+          <p:cNvPr id="3" name="Textplatzhalter 2">
+            <a:extLst>
+              <a:ext uri="{FF2B5EF4-FFF2-40B4-BE49-F238E27FC236}">
+                <a16:creationId xmlns:a16="http://schemas.microsoft.com/office/drawing/2014/main" id="{C299FEAA-4980-7234-86E4-81BC28EF342A}"/>
+              </a:ext>
+            </a:extLst>
+          </p:cNvPr>
+          <p:cNvSpPr>
+            <a:spLocks noGrp="1"/>
+          </p:cNvSpPr>
+          <p:nvPr>
+            <p:ph type="body" sz="quarter" idx="13"/>
+          </p:nvPr>
+        </p:nvSpPr>
+        <p:spPr/>
+        <p:txBody>
+          <a:bodyPr/>
+          <a:lstStyle/>
+          <a:p>
+            <a:r>
+              <a:rPr lang="de-DE" dirty="0" err="1"/>
+              <a:t>Comparison</a:t>
+            </a:r>
+            <a:r>
+              <a:rPr lang="de-DE" dirty="0"/>
+              <a:t> different </a:t>
+            </a:r>
+            <a:r>
+              <a:rPr lang="de-DE" dirty="0" err="1"/>
+              <a:t>architectures</a:t>
+            </a:r>
+            <a:endParaRPr lang="de-DE" dirty="0"/>
+          </a:p>
+        </p:txBody>
+      </p:sp>
+      <p:sp>
+        <p:nvSpPr>
+          <p:cNvPr id="4" name="Inhaltsplatzhalter 3">
+            <a:extLst>
+              <a:ext uri="{FF2B5EF4-FFF2-40B4-BE49-F238E27FC236}">
+                <a16:creationId xmlns:a16="http://schemas.microsoft.com/office/drawing/2014/main" id="{C87C76AC-4B5F-C56C-0504-F6B7D533201C}"/>
+              </a:ext>
+            </a:extLst>
+          </p:cNvPr>
+          <p:cNvSpPr>
+            <a:spLocks noGrp="1"/>
+          </p:cNvSpPr>
+          <p:nvPr>
+            <p:ph idx="1"/>
+          </p:nvPr>
+        </p:nvSpPr>
+        <p:spPr/>
+        <p:txBody>
+          <a:bodyPr/>
+          <a:lstStyle/>
+          <a:p>
+            <a:pPr marL="0" indent="0">
+              <a:buNone/>
+            </a:pPr>
+            <a:endParaRPr lang="de-DE" dirty="0"/>
+          </a:p>
+          <a:p>
+            <a:endParaRPr lang="de-DE" dirty="0"/>
+          </a:p>
+        </p:txBody>
+      </p:sp>
+      <p:sp>
+        <p:nvSpPr>
+          <p:cNvPr id="5" name="Datumsplatzhalter 4">
+            <a:extLst>
+              <a:ext uri="{FF2B5EF4-FFF2-40B4-BE49-F238E27FC236}">
+                <a16:creationId xmlns:a16="http://schemas.microsoft.com/office/drawing/2014/main" id="{2E6390FB-1E21-FF6D-0178-589DFCCEA252}"/>
+              </a:ext>
+            </a:extLst>
+          </p:cNvPr>
+          <p:cNvSpPr>
+            <a:spLocks noGrp="1"/>
+          </p:cNvSpPr>
+          <p:nvPr>
+            <p:ph type="dt" sz="half" idx="14"/>
+          </p:nvPr>
+        </p:nvSpPr>
+        <p:spPr/>
+        <p:txBody>
+          <a:bodyPr/>
+          <a:lstStyle/>
+          <a:p>
+            <a:fld id="{7662C9C7-604C-4A52-83AD-DCC06C4528AB}" type="datetime1">
+              <a:rPr lang="en-US" smtClean="0"/>
+              <a:t>12/19/2022</a:t>
+            </a:fld>
+            <a:endParaRPr lang="en-US" dirty="0"/>
+          </a:p>
+        </p:txBody>
+      </p:sp>
+      <p:sp>
+        <p:nvSpPr>
+          <p:cNvPr id="6" name="Fußzeilenplatzhalter 5">
+            <a:extLst>
+              <a:ext uri="{FF2B5EF4-FFF2-40B4-BE49-F238E27FC236}">
+                <a16:creationId xmlns:a16="http://schemas.microsoft.com/office/drawing/2014/main" id="{3A19B58F-F209-D359-A0D7-5B52C69F0769}"/>
+              </a:ext>
+            </a:extLst>
+          </p:cNvPr>
+          <p:cNvSpPr>
+            <a:spLocks noGrp="1"/>
+          </p:cNvSpPr>
+          <p:nvPr>
+            <p:ph type="ftr" sz="quarter" idx="15"/>
+          </p:nvPr>
+        </p:nvSpPr>
+        <p:spPr/>
+        <p:txBody>
+          <a:bodyPr/>
+          <a:lstStyle/>
+          <a:p>
+            <a:r>
+              <a:rPr lang="en-IN"/>
+              <a:t>Milestone Presentation</a:t>
+            </a:r>
+            <a:endParaRPr lang="en-US" dirty="0"/>
+          </a:p>
+        </p:txBody>
+      </p:sp>
+      <p:sp>
+        <p:nvSpPr>
+          <p:cNvPr id="7" name="Foliennummernplatzhalter 6">
+            <a:extLst>
+              <a:ext uri="{FF2B5EF4-FFF2-40B4-BE49-F238E27FC236}">
+                <a16:creationId xmlns:a16="http://schemas.microsoft.com/office/drawing/2014/main" id="{FC6CFE21-E947-A3B8-C324-24D90CFEEE0F}"/>
+              </a:ext>
+            </a:extLst>
+          </p:cNvPr>
+          <p:cNvSpPr>
+            <a:spLocks noGrp="1"/>
+          </p:cNvSpPr>
+          <p:nvPr>
+            <p:ph type="sldNum" sz="quarter" idx="16"/>
+          </p:nvPr>
+        </p:nvSpPr>
+        <p:spPr/>
+        <p:txBody>
+          <a:bodyPr/>
+          <a:lstStyle/>
+          <a:p>
+            <a:fld id="{9E82CC3C-1DC0-4FDA-9590-6CC506AB67F8}" type="slidenum">
+              <a:rPr lang="en-US" smtClean="0"/>
+              <a:pPr/>
+              <a:t>9</a:t>
+            </a:fld>
+            <a:endParaRPr lang="en-US" dirty="0"/>
+          </a:p>
+        </p:txBody>
+      </p:sp>
+      <p:graphicFrame>
+        <p:nvGraphicFramePr>
+          <p:cNvPr id="8" name="Tabelle 8">
+            <a:extLst>
+              <a:ext uri="{FF2B5EF4-FFF2-40B4-BE49-F238E27FC236}">
+                <a16:creationId xmlns:a16="http://schemas.microsoft.com/office/drawing/2014/main" id="{A9697EFC-78CC-07DB-F231-79BEDFF5E7E4}"/>
+              </a:ext>
+            </a:extLst>
+          </p:cNvPr>
+          <p:cNvGraphicFramePr>
+            <a:graphicFrameLocks noGrp="1"/>
+          </p:cNvGraphicFramePr>
+          <p:nvPr>
+            <p:extLst>
+              <p:ext uri="{D42A27DB-BD31-4B8C-83A1-F6EECF244321}">
+                <p14:modId xmlns:p14="http://schemas.microsoft.com/office/powerpoint/2010/main" val="3254575140"/>
+              </p:ext>
+            </p:extLst>
+          </p:nvPr>
+        </p:nvGraphicFramePr>
+        <p:xfrm>
+          <a:off x="1524000" y="1830070"/>
+          <a:ext cx="6096000" cy="1483360"/>
+        </p:xfrm>
+        <a:graphic>
+          <a:graphicData uri="http://schemas.openxmlformats.org/drawingml/2006/table">
+            <a:tbl>
+              <a:tblPr firstRow="1" bandRow="1">
+                <a:tableStyleId>{5C22544A-7EE6-4342-B048-85BDC9FD1C3A}</a:tableStyleId>
+              </a:tblPr>
+              <a:tblGrid>
+                <a:gridCol w="2032000">
+                  <a:extLst>
+                    <a:ext uri="{9D8B030D-6E8A-4147-A177-3AD203B41FA5}">
+                      <a16:colId xmlns:a16="http://schemas.microsoft.com/office/drawing/2014/main" val="4160528908"/>
+                    </a:ext>
+                  </a:extLst>
+                </a:gridCol>
+                <a:gridCol w="2032000">
+                  <a:extLst>
+                    <a:ext uri="{9D8B030D-6E8A-4147-A177-3AD203B41FA5}">
+                      <a16:colId xmlns:a16="http://schemas.microsoft.com/office/drawing/2014/main" val="3564542202"/>
+                    </a:ext>
+                  </a:extLst>
+                </a:gridCol>
+                <a:gridCol w="2032000">
+                  <a:extLst>
+                    <a:ext uri="{9D8B030D-6E8A-4147-A177-3AD203B41FA5}">
+                      <a16:colId xmlns:a16="http://schemas.microsoft.com/office/drawing/2014/main" val="2043772567"/>
+                    </a:ext>
+                  </a:extLst>
+                </a:gridCol>
+              </a:tblGrid>
+              <a:tr h="370840">
+                <a:tc>
+                  <a:txBody>
+                    <a:bodyPr/>
+                    <a:lstStyle/>
+                    <a:p>
+                      <a:endParaRPr lang="de-DE" dirty="0"/>
+                    </a:p>
+                  </a:txBody>
+                  <a:tcPr/>
+                </a:tc>
+                <a:tc>
+                  <a:txBody>
+                    <a:bodyPr/>
+                    <a:lstStyle/>
+                    <a:p>
+                      <a:r>
+                        <a:rPr lang="de-DE" dirty="0" err="1"/>
+                        <a:t>Accuracy</a:t>
+                      </a:r>
+                      <a:endParaRPr lang="de-DE" dirty="0"/>
+                    </a:p>
+                  </a:txBody>
+                  <a:tcPr/>
+                </a:tc>
+                <a:tc>
+                  <a:txBody>
+                    <a:bodyPr/>
+                    <a:lstStyle/>
+                    <a:p>
+                      <a:r>
+                        <a:rPr lang="de-DE" dirty="0"/>
+                        <a:t>Training Time</a:t>
+                      </a:r>
+                    </a:p>
+                  </a:txBody>
+                  <a:tcPr/>
+                </a:tc>
+                <a:extLst>
+                  <a:ext uri="{0D108BD9-81ED-4DB2-BD59-A6C34878D82A}">
+                    <a16:rowId xmlns:a16="http://schemas.microsoft.com/office/drawing/2014/main" val="3364909149"/>
+                  </a:ext>
+                </a:extLst>
+              </a:tr>
+              <a:tr h="370840">
+                <a:tc>
+                  <a:txBody>
+                    <a:bodyPr/>
+                    <a:lstStyle/>
+                    <a:p>
+                      <a:r>
+                        <a:rPr lang="de-DE" dirty="0"/>
+                        <a:t>1D-CNN</a:t>
+                      </a:r>
+                    </a:p>
+                  </a:txBody>
+                  <a:tcPr/>
+                </a:tc>
+                <a:tc>
+                  <a:txBody>
+                    <a:bodyPr/>
+                    <a:lstStyle/>
+                    <a:p>
+                      <a:endParaRPr lang="de-DE" dirty="0"/>
+                    </a:p>
+                  </a:txBody>
+                  <a:tcPr/>
+                </a:tc>
+                <a:tc>
+                  <a:txBody>
+                    <a:bodyPr/>
+                    <a:lstStyle/>
+                    <a:p>
+                      <a:endParaRPr lang="de-DE" dirty="0"/>
+                    </a:p>
+                  </a:txBody>
+                  <a:tcPr/>
+                </a:tc>
+                <a:extLst>
+                  <a:ext uri="{0D108BD9-81ED-4DB2-BD59-A6C34878D82A}">
+                    <a16:rowId xmlns:a16="http://schemas.microsoft.com/office/drawing/2014/main" val="4282089910"/>
+                  </a:ext>
+                </a:extLst>
+              </a:tr>
+              <a:tr h="370840">
+                <a:tc>
+                  <a:txBody>
+                    <a:bodyPr/>
+                    <a:lstStyle/>
+                    <a:p>
+                      <a:r>
+                        <a:rPr lang="de-DE" dirty="0"/>
+                        <a:t>LSTM</a:t>
+                      </a:r>
+                    </a:p>
+                  </a:txBody>
+                  <a:tcPr/>
+                </a:tc>
+                <a:tc>
+                  <a:txBody>
+                    <a:bodyPr/>
+                    <a:lstStyle/>
+                    <a:p>
+                      <a:endParaRPr lang="de-DE"/>
+                    </a:p>
+                  </a:txBody>
+                  <a:tcPr/>
+                </a:tc>
+                <a:tc>
+                  <a:txBody>
+                    <a:bodyPr/>
+                    <a:lstStyle/>
+                    <a:p>
+                      <a:endParaRPr lang="de-DE" dirty="0"/>
+                    </a:p>
+                  </a:txBody>
+                  <a:tcPr/>
+                </a:tc>
+                <a:extLst>
+                  <a:ext uri="{0D108BD9-81ED-4DB2-BD59-A6C34878D82A}">
+                    <a16:rowId xmlns:a16="http://schemas.microsoft.com/office/drawing/2014/main" val="3204650041"/>
+                  </a:ext>
+                </a:extLst>
+              </a:tr>
+              <a:tr h="370840">
+                <a:tc>
+                  <a:txBody>
+                    <a:bodyPr/>
+                    <a:lstStyle/>
+                    <a:p>
+                      <a:r>
+                        <a:rPr lang="de-DE" dirty="0"/>
+                        <a:t>CNN-LSTM</a:t>
+                      </a:r>
+                    </a:p>
+                  </a:txBody>
+                  <a:tcPr/>
+                </a:tc>
+                <a:tc>
+                  <a:txBody>
+                    <a:bodyPr/>
+                    <a:lstStyle/>
+                    <a:p>
+                      <a:endParaRPr lang="de-DE"/>
+                    </a:p>
+                  </a:txBody>
+                  <a:tcPr/>
+                </a:tc>
+                <a:tc>
+                  <a:txBody>
+                    <a:bodyPr/>
+                    <a:lstStyle/>
+                    <a:p>
+                      <a:endParaRPr lang="de-DE" dirty="0"/>
+                    </a:p>
+                  </a:txBody>
+                  <a:tcPr/>
+                </a:tc>
+                <a:extLst>
+                  <a:ext uri="{0D108BD9-81ED-4DB2-BD59-A6C34878D82A}">
+                    <a16:rowId xmlns:a16="http://schemas.microsoft.com/office/drawing/2014/main" val="695774330"/>
+                  </a:ext>
+                </a:extLst>
+              </a:tr>
+            </a:tbl>
+          </a:graphicData>
+        </a:graphic>
+      </p:graphicFrame>
+    </p:spTree>
+    <p:extLst>
+      <p:ext uri="{BB962C8B-B14F-4D97-AF65-F5344CB8AC3E}">
+        <p14:creationId xmlns:p14="http://schemas.microsoft.com/office/powerpoint/2010/main" val="167120146"/>
       </p:ext>
     </p:extLst>
   </p:cSld>
